--- a/SE495/Lectures/8-Exit Strategies/Exit Strategies.pptx
+++ b/SE495/Lectures/8-Exit Strategies/Exit Strategies.pptx
@@ -5,7 +5,7 @@
     <p:sldMasterId id="2147483648" r:id="rId1"/>
   </p:sldMasterIdLst>
   <p:notesMasterIdLst>
-    <p:notesMasterId r:id="rId77"/>
+    <p:notesMasterId r:id="rId80"/>
   </p:notesMasterIdLst>
   <p:sldIdLst>
     <p:sldId id="256" r:id="rId2"/>
@@ -27,62 +27,65 @@
     <p:sldId id="797" r:id="rId18"/>
     <p:sldId id="798" r:id="rId19"/>
     <p:sldId id="799" r:id="rId20"/>
-    <p:sldId id="758" r:id="rId21"/>
-    <p:sldId id="759" r:id="rId22"/>
-    <p:sldId id="760" r:id="rId23"/>
-    <p:sldId id="761" r:id="rId24"/>
-    <p:sldId id="800" r:id="rId25"/>
-    <p:sldId id="801" r:id="rId26"/>
-    <p:sldId id="802" r:id="rId27"/>
-    <p:sldId id="803" r:id="rId28"/>
-    <p:sldId id="804" r:id="rId29"/>
-    <p:sldId id="805" r:id="rId30"/>
-    <p:sldId id="806" r:id="rId31"/>
-    <p:sldId id="807" r:id="rId32"/>
-    <p:sldId id="809" r:id="rId33"/>
-    <p:sldId id="808" r:id="rId34"/>
-    <p:sldId id="793" r:id="rId35"/>
-    <p:sldId id="795" r:id="rId36"/>
-    <p:sldId id="810" r:id="rId37"/>
-    <p:sldId id="811" r:id="rId38"/>
-    <p:sldId id="812" r:id="rId39"/>
-    <p:sldId id="813" r:id="rId40"/>
-    <p:sldId id="814" r:id="rId41"/>
-    <p:sldId id="794" r:id="rId42"/>
-    <p:sldId id="815" r:id="rId43"/>
-    <p:sldId id="816" r:id="rId44"/>
-    <p:sldId id="817" r:id="rId45"/>
-    <p:sldId id="818" r:id="rId46"/>
-    <p:sldId id="819" r:id="rId47"/>
-    <p:sldId id="762" r:id="rId48"/>
-    <p:sldId id="763" r:id="rId49"/>
-    <p:sldId id="764" r:id="rId50"/>
-    <p:sldId id="820" r:id="rId51"/>
-    <p:sldId id="767" r:id="rId52"/>
-    <p:sldId id="768" r:id="rId53"/>
-    <p:sldId id="821" r:id="rId54"/>
-    <p:sldId id="765" r:id="rId55"/>
-    <p:sldId id="766" r:id="rId56"/>
-    <p:sldId id="769" r:id="rId57"/>
-    <p:sldId id="770" r:id="rId58"/>
-    <p:sldId id="771" r:id="rId59"/>
-    <p:sldId id="772" r:id="rId60"/>
-    <p:sldId id="773" r:id="rId61"/>
-    <p:sldId id="774" r:id="rId62"/>
-    <p:sldId id="775" r:id="rId63"/>
-    <p:sldId id="776" r:id="rId64"/>
-    <p:sldId id="750" r:id="rId65"/>
-    <p:sldId id="751" r:id="rId66"/>
-    <p:sldId id="749" r:id="rId67"/>
-    <p:sldId id="752" r:id="rId68"/>
-    <p:sldId id="753" r:id="rId69"/>
-    <p:sldId id="754" r:id="rId70"/>
-    <p:sldId id="755" r:id="rId71"/>
-    <p:sldId id="777" r:id="rId72"/>
-    <p:sldId id="778" r:id="rId73"/>
-    <p:sldId id="779" r:id="rId74"/>
-    <p:sldId id="780" r:id="rId75"/>
-    <p:sldId id="781" r:id="rId76"/>
+    <p:sldId id="822" r:id="rId21"/>
+    <p:sldId id="758" r:id="rId22"/>
+    <p:sldId id="759" r:id="rId23"/>
+    <p:sldId id="760" r:id="rId24"/>
+    <p:sldId id="761" r:id="rId25"/>
+    <p:sldId id="800" r:id="rId26"/>
+    <p:sldId id="801" r:id="rId27"/>
+    <p:sldId id="802" r:id="rId28"/>
+    <p:sldId id="803" r:id="rId29"/>
+    <p:sldId id="823" r:id="rId30"/>
+    <p:sldId id="804" r:id="rId31"/>
+    <p:sldId id="805" r:id="rId32"/>
+    <p:sldId id="806" r:id="rId33"/>
+    <p:sldId id="824" r:id="rId34"/>
+    <p:sldId id="807" r:id="rId35"/>
+    <p:sldId id="809" r:id="rId36"/>
+    <p:sldId id="808" r:id="rId37"/>
+    <p:sldId id="793" r:id="rId38"/>
+    <p:sldId id="795" r:id="rId39"/>
+    <p:sldId id="810" r:id="rId40"/>
+    <p:sldId id="811" r:id="rId41"/>
+    <p:sldId id="812" r:id="rId42"/>
+    <p:sldId id="813" r:id="rId43"/>
+    <p:sldId id="814" r:id="rId44"/>
+    <p:sldId id="794" r:id="rId45"/>
+    <p:sldId id="815" r:id="rId46"/>
+    <p:sldId id="816" r:id="rId47"/>
+    <p:sldId id="817" r:id="rId48"/>
+    <p:sldId id="818" r:id="rId49"/>
+    <p:sldId id="819" r:id="rId50"/>
+    <p:sldId id="762" r:id="rId51"/>
+    <p:sldId id="763" r:id="rId52"/>
+    <p:sldId id="764" r:id="rId53"/>
+    <p:sldId id="820" r:id="rId54"/>
+    <p:sldId id="767" r:id="rId55"/>
+    <p:sldId id="768" r:id="rId56"/>
+    <p:sldId id="821" r:id="rId57"/>
+    <p:sldId id="765" r:id="rId58"/>
+    <p:sldId id="766" r:id="rId59"/>
+    <p:sldId id="769" r:id="rId60"/>
+    <p:sldId id="770" r:id="rId61"/>
+    <p:sldId id="771" r:id="rId62"/>
+    <p:sldId id="772" r:id="rId63"/>
+    <p:sldId id="773" r:id="rId64"/>
+    <p:sldId id="774" r:id="rId65"/>
+    <p:sldId id="775" r:id="rId66"/>
+    <p:sldId id="776" r:id="rId67"/>
+    <p:sldId id="750" r:id="rId68"/>
+    <p:sldId id="751" r:id="rId69"/>
+    <p:sldId id="749" r:id="rId70"/>
+    <p:sldId id="752" r:id="rId71"/>
+    <p:sldId id="753" r:id="rId72"/>
+    <p:sldId id="754" r:id="rId73"/>
+    <p:sldId id="755" r:id="rId74"/>
+    <p:sldId id="777" r:id="rId75"/>
+    <p:sldId id="778" r:id="rId76"/>
+    <p:sldId id="779" r:id="rId77"/>
+    <p:sldId id="780" r:id="rId78"/>
+    <p:sldId id="781" r:id="rId79"/>
   </p:sldIdLst>
   <p:sldSz cx="12192000" cy="6858000"/>
   <p:notesSz cx="6858000" cy="9144000"/>
@@ -4465,7 +4468,7 @@
           <a:p>
             <a:fld id="{41DA9887-9249-49FD-809A-BACB264048C3}" type="datetimeFigureOut">
               <a:rPr lang="en-US" smtClean="0"/>
-              <a:t>2/13/2024</a:t>
+              <a:t>5/7/2024</a:t>
             </a:fld>
             <a:endParaRPr lang="en-US"/>
           </a:p>
@@ -4867,7 +4870,7 @@
           <a:p>
             <a:fld id="{EF213E56-3C1A-435A-851B-5B1F221C2038}" type="datetime1">
               <a:rPr lang="en-US" smtClean="0"/>
-              <a:t>2/13/2024</a:t>
+              <a:t>5/7/2024</a:t>
             </a:fld>
             <a:endParaRPr lang="en-US"/>
           </a:p>
@@ -5168,7 +5171,7 @@
           <a:p>
             <a:fld id="{B4696837-4851-4AA6-8AED-554226C981D1}" type="datetime1">
               <a:rPr lang="en-US" smtClean="0"/>
-              <a:t>2/13/2024</a:t>
+              <a:t>5/7/2024</a:t>
             </a:fld>
             <a:endParaRPr lang="en-US"/>
           </a:p>
@@ -5346,7 +5349,7 @@
           <a:p>
             <a:fld id="{BADD32E1-BB70-4827-BA33-FF5AFC435BE9}" type="datetime1">
               <a:rPr lang="en-US" smtClean="0"/>
-              <a:t>2/13/2024</a:t>
+              <a:t>5/7/2024</a:t>
             </a:fld>
             <a:endParaRPr lang="en-US"/>
           </a:p>
@@ -5589,7 +5592,7 @@
             </a:pPr>
             <a:fld id="{40B9EAF6-54F2-4DF5-9C6B-3F6F95B86356}" type="datetime1">
               <a:rPr lang="en-US" smtClean="0"/>
-              <a:t>2/13/2024</a:t>
+              <a:t>5/7/2024</a:t>
             </a:fld>
             <a:endParaRPr lang="en-US"/>
           </a:p>
@@ -5769,7 +5772,7 @@
             </a:pPr>
             <a:fld id="{D3D64A56-6FF4-479A-8655-719A18A98C4B}" type="datetime1">
               <a:rPr lang="en-US" smtClean="0"/>
-              <a:t>2/13/2024</a:t>
+              <a:t>5/7/2024</a:t>
             </a:fld>
             <a:endParaRPr lang="en-US"/>
           </a:p>
@@ -6050,7 +6053,7 @@
           <a:p>
             <a:fld id="{BB961044-FC46-4CBC-9061-59528F4899F3}" type="datetime1">
               <a:rPr lang="en-US" smtClean="0"/>
-              <a:t>2/13/2024</a:t>
+              <a:t>5/7/2024</a:t>
             </a:fld>
             <a:endParaRPr lang="en-US"/>
           </a:p>
@@ -6400,7 +6403,7 @@
           <a:p>
             <a:fld id="{4466A08C-77F3-471E-A5C4-1D2068144BAC}" type="datetime1">
               <a:rPr lang="en-US" smtClean="0"/>
-              <a:t>2/13/2024</a:t>
+              <a:t>5/7/2024</a:t>
             </a:fld>
             <a:endParaRPr lang="en-US"/>
           </a:p>
@@ -6629,7 +6632,7 @@
           <a:p>
             <a:fld id="{B90A7AD1-16F4-44C3-AE32-24C59A599E9D}" type="datetime1">
               <a:rPr lang="en-US" smtClean="0"/>
-              <a:t>2/13/2024</a:t>
+              <a:t>5/7/2024</a:t>
             </a:fld>
             <a:endParaRPr lang="en-US"/>
           </a:p>
@@ -6993,7 +6996,7 @@
           <a:p>
             <a:fld id="{B583DB4F-4316-4DF5-A229-BC1D787C82A0}" type="datetime1">
               <a:rPr lang="en-US" smtClean="0"/>
-              <a:t>2/13/2024</a:t>
+              <a:t>5/7/2024</a:t>
             </a:fld>
             <a:endParaRPr lang="en-US"/>
           </a:p>
@@ -7088,7 +7091,7 @@
           <a:p>
             <a:fld id="{AE6064B7-7A9F-432D-B7B9-6824267AA574}" type="datetime1">
               <a:rPr lang="en-US" smtClean="0"/>
-              <a:t>2/13/2024</a:t>
+              <a:t>5/7/2024</a:t>
             </a:fld>
             <a:endParaRPr lang="en-US"/>
           </a:p>
@@ -7313,7 +7316,7 @@
             <a:fld id="{B2F5E2FA-C428-4CE7-95B0-168D3259A5BB}" type="datetimeFigureOut">
               <a:rPr lang="en-US" smtClean="0"/>
               <a:pPr/>
-              <a:t>2/13/2024</a:t>
+              <a:t>5/7/2024</a:t>
             </a:fld>
             <a:endParaRPr lang="en-US"/>
           </a:p>
@@ -7490,7 +7493,7 @@
           <a:p>
             <a:fld id="{4E1C93A2-B712-486A-8AB5-D41B95D547BE}" type="datetime1">
               <a:rPr lang="en-US" smtClean="0"/>
-              <a:t>2/13/2024</a:t>
+              <a:t>5/7/2024</a:t>
             </a:fld>
             <a:endParaRPr lang="en-US"/>
           </a:p>
@@ -7765,7 +7768,7 @@
           <a:p>
             <a:fld id="{CAB2F318-F19F-4608-B7EF-F7FB8A482213}" type="datetime1">
               <a:rPr lang="en-US" smtClean="0"/>
-              <a:t>2/13/2024</a:t>
+              <a:t>5/7/2024</a:t>
             </a:fld>
             <a:endParaRPr lang="en-US"/>
           </a:p>
@@ -8017,7 +8020,7 @@
           <a:p>
             <a:fld id="{BB9CEF8C-69D6-4C3E-B892-F682F307A7B6}" type="datetime1">
               <a:rPr lang="en-US" smtClean="0"/>
-              <a:t>2/13/2024</a:t>
+              <a:t>5/7/2024</a:t>
             </a:fld>
             <a:endParaRPr lang="en-US"/>
           </a:p>
@@ -8228,7 +8231,7 @@
           <a:p>
             <a:fld id="{FB737C73-4A31-4C17-AFB7-7B8470027787}" type="datetime1">
               <a:rPr lang="en-US" smtClean="0"/>
-              <a:t>2/13/2024</a:t>
+              <a:t>5/7/2024</a:t>
             </a:fld>
             <a:endParaRPr lang="en-US"/>
           </a:p>
@@ -8982,6 +8985,53 @@
           </a:p>
         </p:txBody>
       </p:sp>
+      <p:pic>
+        <p:nvPicPr>
+          <p:cNvPr id="1026" name="Picture 2" descr="Exit Strategy: Definition, Types, Business Plan (+Template)">
+            <a:extLst>
+              <a:ext uri="{FF2B5EF4-FFF2-40B4-BE49-F238E27FC236}">
+                <a16:creationId xmlns:a16="http://schemas.microsoft.com/office/drawing/2014/main" id="{FCE10C99-28B9-4662-941B-6FEDC7B8E060}"/>
+              </a:ext>
+            </a:extLst>
+          </p:cNvPr>
+          <p:cNvPicPr>
+            <a:picLocks noChangeAspect="1" noChangeArrowheads="1"/>
+          </p:cNvPicPr>
+          <p:nvPr/>
+        </p:nvPicPr>
+        <p:blipFill>
+          <a:blip r:embed="rId2">
+            <a:extLst>
+              <a:ext uri="{28A0092B-C50C-407E-A947-70E740481C1C}">
+                <a14:useLocalDpi xmlns:a14="http://schemas.microsoft.com/office/drawing/2010/main" val="0"/>
+              </a:ext>
+            </a:extLst>
+          </a:blip>
+          <a:srcRect/>
+          <a:stretch>
+            <a:fillRect/>
+          </a:stretch>
+        </p:blipFill>
+        <p:spPr bwMode="auto">
+          <a:xfrm>
+            <a:off x="7302520" y="1687632"/>
+            <a:ext cx="4359525" cy="4045789"/>
+          </a:xfrm>
+          <a:prstGeom prst="rect">
+            <a:avLst/>
+          </a:prstGeom>
+          <a:noFill/>
+          <a:extLst>
+            <a:ext uri="{909E8E84-426E-40DD-AFC4-6F175D3DCCD1}">
+              <a14:hiddenFill xmlns:a14="http://schemas.microsoft.com/office/drawing/2010/main">
+                <a:solidFill>
+                  <a:srgbClr val="FFFFFF"/>
+                </a:solidFill>
+              </a14:hiddenFill>
+            </a:ext>
+          </a:extLst>
+        </p:spPr>
+      </p:pic>
     </p:spTree>
     <p:extLst>
       <p:ext uri="{BB962C8B-B14F-4D97-AF65-F5344CB8AC3E}">
@@ -10165,7 +10215,7 @@
             </a:pPr>
             <a:r>
               <a:rPr lang="en-US" sz="2400" dirty="0"/>
-              <a:t>Airbnb's IPO in 2020, which raised $3.5 billion and valued the company at $112 billion.</a:t>
+              <a:t>Uber's IPO in 2019, which raised $8.1 billion and valued the company at $80 billion.</a:t>
             </a:r>
           </a:p>
           <a:p>
@@ -10176,16 +10226,8 @@
             </a:pPr>
             <a:r>
               <a:rPr lang="en-US" sz="2400" dirty="0"/>
-              <a:t>Uber's IPO in 2019, which raised $8.1 billion and valued the company at $80 billion.</a:t>
-            </a:r>
-          </a:p>
-          <a:p>
-            <a:pPr>
-              <a:lnSpc>
-                <a:spcPct val="150000"/>
-              </a:lnSpc>
-            </a:pPr>
-            <a:endParaRPr lang="en-US" sz="2400" dirty="0"/>
+              <a:t>Airbnb's IPO in 2020, which raised $3.5 billion and valued the company at $112 billion.</a:t>
+            </a:r>
           </a:p>
         </p:txBody>
       </p:sp>
@@ -10373,6 +10415,161 @@
 </file>
 
 <file path=ppt/slides/slide20.xml><?xml version="1.0" encoding="utf-8"?>
+<p:sld xmlns:a="http://schemas.openxmlformats.org/drawingml/2006/main" xmlns:r="http://schemas.openxmlformats.org/officeDocument/2006/relationships" xmlns:p="http://schemas.openxmlformats.org/presentationml/2006/main">
+  <p:cSld>
+    <p:spTree>
+      <p:nvGrpSpPr>
+        <p:cNvPr id="1" name=""/>
+        <p:cNvGrpSpPr/>
+        <p:nvPr/>
+      </p:nvGrpSpPr>
+      <p:grpSpPr>
+        <a:xfrm>
+          <a:off x="0" y="0"/>
+          <a:ext cx="0" cy="0"/>
+          <a:chOff x="0" y="0"/>
+          <a:chExt cx="0" cy="0"/>
+        </a:xfrm>
+      </p:grpSpPr>
+      <p:sp>
+        <p:nvSpPr>
+          <p:cNvPr id="2" name="Title 1">
+            <a:extLst>
+              <a:ext uri="{FF2B5EF4-FFF2-40B4-BE49-F238E27FC236}">
+                <a16:creationId xmlns:a16="http://schemas.microsoft.com/office/drawing/2014/main" id="{F9BECD8D-CF16-49CF-A09F-3D4A68FCD792}"/>
+              </a:ext>
+            </a:extLst>
+          </p:cNvPr>
+          <p:cNvSpPr>
+            <a:spLocks noGrp="1"/>
+          </p:cNvSpPr>
+          <p:nvPr>
+            <p:ph type="title"/>
+          </p:nvPr>
+        </p:nvSpPr>
+        <p:spPr/>
+        <p:txBody>
+          <a:bodyPr/>
+          <a:lstStyle/>
+          <a:p>
+            <a:r>
+              <a:rPr lang="en-US" dirty="0"/>
+              <a:t>Examples of Successful IPO Exit Strategies</a:t>
+            </a:r>
+          </a:p>
+        </p:txBody>
+      </p:sp>
+      <p:sp>
+        <p:nvSpPr>
+          <p:cNvPr id="3" name="Content Placeholder 2">
+            <a:extLst>
+              <a:ext uri="{FF2B5EF4-FFF2-40B4-BE49-F238E27FC236}">
+                <a16:creationId xmlns:a16="http://schemas.microsoft.com/office/drawing/2014/main" id="{47476582-6252-401A-A7F9-FAEC5ACFD6A9}"/>
+              </a:ext>
+            </a:extLst>
+          </p:cNvPr>
+          <p:cNvSpPr>
+            <a:spLocks noGrp="1"/>
+          </p:cNvSpPr>
+          <p:nvPr>
+            <p:ph idx="1"/>
+          </p:nvPr>
+        </p:nvSpPr>
+        <p:spPr>
+          <a:xfrm>
+            <a:off x="347526" y="1328468"/>
+            <a:ext cx="11650767" cy="4824503"/>
+          </a:xfrm>
+        </p:spPr>
+        <p:txBody>
+          <a:bodyPr>
+            <a:normAutofit/>
+          </a:bodyPr>
+          <a:lstStyle/>
+          <a:p>
+            <a:pPr>
+              <a:lnSpc>
+                <a:spcPct val="150000"/>
+              </a:lnSpc>
+            </a:pPr>
+            <a:r>
+              <a:rPr lang="en-US" sz="2400" dirty="0"/>
+              <a:t>In 2022, </a:t>
+            </a:r>
+            <a:r>
+              <a:rPr lang="en-US" sz="2400" dirty="0" err="1"/>
+              <a:t>Jahez</a:t>
+            </a:r>
+            <a:r>
+              <a:rPr lang="en-US" sz="2400" dirty="0"/>
+              <a:t>, a Saudi food delivery and online marketplace, listed on the Tadawul through an IPO, raising SAR 1.1 billion (approximately USD 293 million). The IPO was oversubscribed by 205%.</a:t>
+            </a:r>
+          </a:p>
+          <a:p>
+            <a:pPr>
+              <a:lnSpc>
+                <a:spcPct val="150000"/>
+              </a:lnSpc>
+            </a:pPr>
+            <a:r>
+              <a:rPr lang="en-US" sz="2400" dirty="0"/>
+              <a:t>Nana plans to go public in the Saudi market in 2025 after raising SAR 500 million ($133 million) in funding to support its expansion plans across Saudi Arabia and neighboring countries, with the goal of capturing a larger share of the SAR 200 billion Saudi grocery market, where online sales are expected to grow significantly.</a:t>
+            </a:r>
+          </a:p>
+          <a:p>
+            <a:pPr>
+              <a:lnSpc>
+                <a:spcPct val="150000"/>
+              </a:lnSpc>
+            </a:pPr>
+            <a:endParaRPr lang="en-US" sz="2400" dirty="0"/>
+          </a:p>
+        </p:txBody>
+      </p:sp>
+      <p:sp>
+        <p:nvSpPr>
+          <p:cNvPr id="4" name="Slide Number Placeholder 3">
+            <a:extLst>
+              <a:ext uri="{FF2B5EF4-FFF2-40B4-BE49-F238E27FC236}">
+                <a16:creationId xmlns:a16="http://schemas.microsoft.com/office/drawing/2014/main" id="{D99025B4-F0BB-4817-8AE4-CBEF6708977A}"/>
+              </a:ext>
+            </a:extLst>
+          </p:cNvPr>
+          <p:cNvSpPr>
+            <a:spLocks noGrp="1"/>
+          </p:cNvSpPr>
+          <p:nvPr>
+            <p:ph type="sldNum" sz="quarter" idx="12"/>
+          </p:nvPr>
+        </p:nvSpPr>
+        <p:spPr/>
+        <p:txBody>
+          <a:bodyPr/>
+          <a:lstStyle/>
+          <a:p>
+            <a:fld id="{B8DACC02-A2BD-4578-8E03-6D891060A695}" type="slidenum">
+              <a:rPr lang="en-US" smtClean="0"/>
+              <a:pPr/>
+              <a:t>20</a:t>
+            </a:fld>
+            <a:endParaRPr lang="en-US" dirty="0"/>
+          </a:p>
+        </p:txBody>
+      </p:sp>
+    </p:spTree>
+    <p:extLst>
+      <p:ext uri="{BB962C8B-B14F-4D97-AF65-F5344CB8AC3E}">
+        <p14:creationId xmlns:p14="http://schemas.microsoft.com/office/powerpoint/2010/main" val="3231288741"/>
+      </p:ext>
+    </p:extLst>
+  </p:cSld>
+  <p:clrMapOvr>
+    <a:masterClrMapping/>
+  </p:clrMapOvr>
+</p:sld>
+</file>
+
+<file path=ppt/slides/slide21.xml><?xml version="1.0" encoding="utf-8"?>
 <p:sld xmlns:a="http://schemas.openxmlformats.org/drawingml/2006/main" xmlns:r="http://schemas.openxmlformats.org/officeDocument/2006/relationships" xmlns:p="http://schemas.openxmlformats.org/presentationml/2006/main">
   <p:cSld>
     <p:spTree>
@@ -10909,7 +11106,7 @@
             <a:fld id="{B8DACC02-A2BD-4578-8E03-6D891060A695}" type="slidenum">
               <a:rPr lang="en-US" smtClean="0"/>
               <a:pPr/>
-              <a:t>20</a:t>
+              <a:t>21</a:t>
             </a:fld>
             <a:endParaRPr lang="en-US" dirty="0"/>
           </a:p>
@@ -10928,7 +11125,7 @@
 </p:sld>
 </file>
 
-<file path=ppt/slides/slide21.xml><?xml version="1.0" encoding="utf-8"?>
+<file path=ppt/slides/slide22.xml><?xml version="1.0" encoding="utf-8"?>
 <p:sld xmlns:a="http://schemas.openxmlformats.org/drawingml/2006/main" xmlns:r="http://schemas.openxmlformats.org/officeDocument/2006/relationships" xmlns:p="http://schemas.openxmlformats.org/presentationml/2006/main">
   <p:cSld>
     <p:spTree>
@@ -11465,7 +11662,7 @@
             <a:fld id="{B8DACC02-A2BD-4578-8E03-6D891060A695}" type="slidenum">
               <a:rPr lang="en-US" smtClean="0"/>
               <a:pPr/>
-              <a:t>21</a:t>
+              <a:t>22</a:t>
             </a:fld>
             <a:endParaRPr lang="en-US" dirty="0"/>
           </a:p>
@@ -11475,162 +11672,6 @@
     <p:extLst>
       <p:ext uri="{BB962C8B-B14F-4D97-AF65-F5344CB8AC3E}">
         <p14:creationId xmlns:p14="http://schemas.microsoft.com/office/powerpoint/2010/main" val="3902512818"/>
-      </p:ext>
-    </p:extLst>
-  </p:cSld>
-  <p:clrMapOvr>
-    <a:masterClrMapping/>
-  </p:clrMapOvr>
-</p:sld>
-</file>
-
-<file path=ppt/slides/slide22.xml><?xml version="1.0" encoding="utf-8"?>
-<p:sld xmlns:a="http://schemas.openxmlformats.org/drawingml/2006/main" xmlns:r="http://schemas.openxmlformats.org/officeDocument/2006/relationships" xmlns:p="http://schemas.openxmlformats.org/presentationml/2006/main">
-  <p:cSld>
-    <p:spTree>
-      <p:nvGrpSpPr>
-        <p:cNvPr id="1" name=""/>
-        <p:cNvGrpSpPr/>
-        <p:nvPr/>
-      </p:nvGrpSpPr>
-      <p:grpSpPr>
-        <a:xfrm>
-          <a:off x="0" y="0"/>
-          <a:ext cx="0" cy="0"/>
-          <a:chOff x="0" y="0"/>
-          <a:chExt cx="0" cy="0"/>
-        </a:xfrm>
-      </p:grpSpPr>
-      <p:sp>
-        <p:nvSpPr>
-          <p:cNvPr id="2" name="Title 1"/>
-          <p:cNvSpPr>
-            <a:spLocks noGrp="1"/>
-          </p:cNvSpPr>
-          <p:nvPr>
-            <p:ph type="title"/>
-          </p:nvPr>
-        </p:nvSpPr>
-        <p:spPr/>
-        <p:txBody>
-          <a:bodyPr/>
-          <a:lstStyle/>
-          <a:p>
-            <a:r>
-              <a:rPr lang="en-US" dirty="0"/>
-              <a:t>Acquisition vs IPO Pathways</a:t>
-            </a:r>
-          </a:p>
-        </p:txBody>
-      </p:sp>
-      <p:sp>
-        <p:nvSpPr>
-          <p:cNvPr id="4" name="Slide Number Placeholder 3"/>
-          <p:cNvSpPr>
-            <a:spLocks noGrp="1"/>
-          </p:cNvSpPr>
-          <p:nvPr>
-            <p:ph type="sldNum" sz="quarter" idx="12"/>
-          </p:nvPr>
-        </p:nvSpPr>
-        <p:spPr/>
-        <p:txBody>
-          <a:bodyPr/>
-          <a:lstStyle/>
-          <a:p>
-            <a:fld id="{B8DACC02-A2BD-4578-8E03-6D891060A695}" type="slidenum">
-              <a:rPr lang="en-US" smtClean="0"/>
-              <a:pPr/>
-              <a:t>22</a:t>
-            </a:fld>
-            <a:endParaRPr lang="en-US" dirty="0"/>
-          </a:p>
-        </p:txBody>
-      </p:sp>
-      <p:sp>
-        <p:nvSpPr>
-          <p:cNvPr id="3" name="Content Placeholder 2"/>
-          <p:cNvSpPr>
-            <a:spLocks noGrp="1"/>
-          </p:cNvSpPr>
-          <p:nvPr>
-            <p:ph idx="1"/>
-          </p:nvPr>
-        </p:nvSpPr>
-        <p:spPr/>
-        <p:txBody>
-          <a:bodyPr>
-            <a:normAutofit/>
-          </a:bodyPr>
-          <a:lstStyle/>
-          <a:p>
-            <a:r>
-              <a:rPr lang="en-US" dirty="0"/>
-              <a:t>Acquisition:</a:t>
-            </a:r>
-          </a:p>
-          <a:p>
-            <a:pPr lvl="1"/>
-            <a:r>
-              <a:rPr lang="en-US" dirty="0"/>
-              <a:t>Pros:</a:t>
-            </a:r>
-          </a:p>
-          <a:p>
-            <a:pPr lvl="2"/>
-            <a:r>
-              <a:rPr lang="en-US" dirty="0"/>
-              <a:t>Higher Valuation</a:t>
-            </a:r>
-          </a:p>
-          <a:p>
-            <a:pPr lvl="2"/>
-            <a:r>
-              <a:rPr lang="en-US" dirty="0"/>
-              <a:t>Resources and Expertise</a:t>
-            </a:r>
-          </a:p>
-          <a:p>
-            <a:pPr lvl="2"/>
-            <a:r>
-              <a:rPr lang="en-US" dirty="0"/>
-              <a:t>Exit Opportunity</a:t>
-            </a:r>
-          </a:p>
-          <a:p>
-            <a:pPr lvl="1"/>
-            <a:r>
-              <a:rPr lang="en-US" dirty="0"/>
-              <a:t>Cons:</a:t>
-            </a:r>
-          </a:p>
-          <a:p>
-            <a:pPr lvl="2"/>
-            <a:r>
-              <a:rPr lang="en-US" dirty="0"/>
-              <a:t>Loss of Control</a:t>
-            </a:r>
-          </a:p>
-          <a:p>
-            <a:pPr lvl="2"/>
-            <a:r>
-              <a:rPr lang="en-US" dirty="0"/>
-              <a:t>Cultural Integration</a:t>
-            </a:r>
-          </a:p>
-          <a:p>
-            <a:pPr lvl="2"/>
-            <a:r>
-              <a:rPr lang="en-US" dirty="0"/>
-              <a:t>Merger Challenges</a:t>
-            </a:r>
-          </a:p>
-        </p:txBody>
-      </p:sp>
-    </p:spTree>
-    <p:extLst>
-      <p:ext uri="{BB962C8B-B14F-4D97-AF65-F5344CB8AC3E}">
-        <p14:creationId xmlns:p14="http://schemas.microsoft.com/office/powerpoint/2010/main" val="1849597359"/>
       </p:ext>
     </p:extLst>
   </p:cSld>
@@ -11722,7 +11763,7 @@
           <a:p>
             <a:r>
               <a:rPr lang="en-US" dirty="0"/>
-              <a:t>IPO:</a:t>
+              <a:t>Acquisition:</a:t>
             </a:r>
           </a:p>
           <a:p>
@@ -11736,21 +11777,21 @@
             <a:pPr lvl="2"/>
             <a:r>
               <a:rPr lang="en-US" dirty="0"/>
-              <a:t>Liquidity and Fundraising</a:t>
+              <a:t>Higher Valuation</a:t>
             </a:r>
           </a:p>
           <a:p>
             <a:pPr lvl="2"/>
             <a:r>
               <a:rPr lang="en-US" dirty="0"/>
-              <a:t>Enhanced Visibility and Credibility</a:t>
+              <a:t>Resources and Expertise</a:t>
             </a:r>
           </a:p>
           <a:p>
             <a:pPr lvl="2"/>
             <a:r>
               <a:rPr lang="en-US" dirty="0"/>
-              <a:t>M&amp;A Currency</a:t>
+              <a:t>Exit Opportunity</a:t>
             </a:r>
           </a:p>
           <a:p>
@@ -11764,21 +11805,21 @@
             <a:pPr lvl="2"/>
             <a:r>
               <a:rPr lang="en-US" dirty="0"/>
-              <a:t>Regulatory Compliance</a:t>
+              <a:t>Loss of Control</a:t>
             </a:r>
           </a:p>
           <a:p>
             <a:pPr lvl="2"/>
             <a:r>
               <a:rPr lang="en-US" dirty="0"/>
-              <a:t>Market Volatility and Investor Scrutiny</a:t>
+              <a:t>Cultural Integration</a:t>
             </a:r>
           </a:p>
           <a:p>
             <a:pPr lvl="2"/>
             <a:r>
               <a:rPr lang="en-US" dirty="0"/>
-              <a:t>Loss of Privacy</a:t>
+              <a:t>Merger Challenges</a:t>
             </a:r>
           </a:p>
         </p:txBody>
@@ -11786,7 +11827,7 @@
     </p:spTree>
     <p:extLst>
       <p:ext uri="{BB962C8B-B14F-4D97-AF65-F5344CB8AC3E}">
-        <p14:creationId xmlns:p14="http://schemas.microsoft.com/office/powerpoint/2010/main" val="259492230"/>
+        <p14:creationId xmlns:p14="http://schemas.microsoft.com/office/powerpoint/2010/main" val="1849597359"/>
       </p:ext>
     </p:extLst>
   </p:cSld>
@@ -11815,13 +11856,7 @@
       </p:grpSpPr>
       <p:sp>
         <p:nvSpPr>
-          <p:cNvPr id="2" name="Title 1">
-            <a:extLst>
-              <a:ext uri="{FF2B5EF4-FFF2-40B4-BE49-F238E27FC236}">
-                <a16:creationId xmlns:a16="http://schemas.microsoft.com/office/drawing/2014/main" id="{03310FFC-95FC-4941-A180-4C4AB9D6EF56}"/>
-              </a:ext>
-            </a:extLst>
-          </p:cNvPr>
+          <p:cNvPr id="2" name="Title 1"/>
           <p:cNvSpPr>
             <a:spLocks noGrp="1"/>
           </p:cNvSpPr>
@@ -11836,60 +11871,14 @@
           <a:p>
             <a:r>
               <a:rPr lang="en-US" dirty="0"/>
-              <a:t>Strategic Partnerships</a:t>
-            </a:r>
-          </a:p>
-        </p:txBody>
-      </p:sp>
-      <p:sp>
-        <p:nvSpPr>
-          <p:cNvPr id="3" name="Content Placeholder 2">
-            <a:extLst>
-              <a:ext uri="{FF2B5EF4-FFF2-40B4-BE49-F238E27FC236}">
-                <a16:creationId xmlns:a16="http://schemas.microsoft.com/office/drawing/2014/main" id="{6E97EA0D-9625-4F2C-B512-D85D20410058}"/>
-              </a:ext>
-            </a:extLst>
-          </p:cNvPr>
-          <p:cNvSpPr>
-            <a:spLocks noGrp="1"/>
-          </p:cNvSpPr>
-          <p:nvPr>
-            <p:ph idx="1"/>
-          </p:nvPr>
-        </p:nvSpPr>
-        <p:spPr/>
-        <p:txBody>
-          <a:bodyPr/>
-          <a:lstStyle/>
-          <a:p>
-            <a:r>
-              <a:rPr lang="en-US" dirty="0"/>
-              <a:t>Refer to collaborative agreements between two or more businesses to achieve specific goals or objectives.</a:t>
-            </a:r>
-          </a:p>
-          <a:p>
-            <a:r>
-              <a:rPr lang="en-US" dirty="0"/>
-              <a:t>These partnerships can be formed for various reasons, such as to access new markets, technologies, or customers, or to jointly develop new products or services.</a:t>
-            </a:r>
-          </a:p>
-          <a:p>
-            <a:r>
-              <a:rPr lang="en-US" dirty="0"/>
-              <a:t>Strategic partnerships can be formal or informal, and can involve various levels of commitment and resource sharing.</a:t>
-            </a:r>
-          </a:p>
-        </p:txBody>
-      </p:sp>
-      <p:sp>
-        <p:nvSpPr>
-          <p:cNvPr id="4" name="Slide Number Placeholder 3">
-            <a:extLst>
-              <a:ext uri="{FF2B5EF4-FFF2-40B4-BE49-F238E27FC236}">
-                <a16:creationId xmlns:a16="http://schemas.microsoft.com/office/drawing/2014/main" id="{E4D27482-9FF7-42EE-BD0E-295606CD12B7}"/>
-              </a:ext>
-            </a:extLst>
-          </p:cNvPr>
+              <a:t>Acquisition vs IPO Pathways</a:t>
+            </a:r>
+          </a:p>
+        </p:txBody>
+      </p:sp>
+      <p:sp>
+        <p:nvSpPr>
+          <p:cNvPr id="4" name="Slide Number Placeholder 3"/>
           <p:cNvSpPr>
             <a:spLocks noGrp="1"/>
           </p:cNvSpPr>
@@ -11911,10 +11900,90 @@
           </a:p>
         </p:txBody>
       </p:sp>
+      <p:sp>
+        <p:nvSpPr>
+          <p:cNvPr id="3" name="Content Placeholder 2"/>
+          <p:cNvSpPr>
+            <a:spLocks noGrp="1"/>
+          </p:cNvSpPr>
+          <p:nvPr>
+            <p:ph idx="1"/>
+          </p:nvPr>
+        </p:nvSpPr>
+        <p:spPr/>
+        <p:txBody>
+          <a:bodyPr>
+            <a:normAutofit/>
+          </a:bodyPr>
+          <a:lstStyle/>
+          <a:p>
+            <a:r>
+              <a:rPr lang="en-US" dirty="0"/>
+              <a:t>IPO:</a:t>
+            </a:r>
+          </a:p>
+          <a:p>
+            <a:pPr lvl="1"/>
+            <a:r>
+              <a:rPr lang="en-US" dirty="0"/>
+              <a:t>Pros:</a:t>
+            </a:r>
+          </a:p>
+          <a:p>
+            <a:pPr lvl="2"/>
+            <a:r>
+              <a:rPr lang="en-US" dirty="0"/>
+              <a:t>Liquidity and Fundraising</a:t>
+            </a:r>
+          </a:p>
+          <a:p>
+            <a:pPr lvl="2"/>
+            <a:r>
+              <a:rPr lang="en-US" dirty="0"/>
+              <a:t>Enhanced Visibility and Credibility</a:t>
+            </a:r>
+          </a:p>
+          <a:p>
+            <a:pPr lvl="2"/>
+            <a:r>
+              <a:rPr lang="en-US" dirty="0"/>
+              <a:t>M&amp;A Currency</a:t>
+            </a:r>
+          </a:p>
+          <a:p>
+            <a:pPr lvl="1"/>
+            <a:r>
+              <a:rPr lang="en-US" dirty="0"/>
+              <a:t>Cons:</a:t>
+            </a:r>
+          </a:p>
+          <a:p>
+            <a:pPr lvl="2"/>
+            <a:r>
+              <a:rPr lang="en-US" dirty="0"/>
+              <a:t>Regulatory Compliance</a:t>
+            </a:r>
+          </a:p>
+          <a:p>
+            <a:pPr lvl="2"/>
+            <a:r>
+              <a:rPr lang="en-US" dirty="0"/>
+              <a:t>Market Volatility and Investor Scrutiny</a:t>
+            </a:r>
+          </a:p>
+          <a:p>
+            <a:pPr lvl="2"/>
+            <a:r>
+              <a:rPr lang="en-US" dirty="0"/>
+              <a:t>Loss of Privacy</a:t>
+            </a:r>
+          </a:p>
+        </p:txBody>
+      </p:sp>
     </p:spTree>
     <p:extLst>
       <p:ext uri="{BB962C8B-B14F-4D97-AF65-F5344CB8AC3E}">
-        <p14:creationId xmlns:p14="http://schemas.microsoft.com/office/powerpoint/2010/main" val="3487217469"/>
+        <p14:creationId xmlns:p14="http://schemas.microsoft.com/office/powerpoint/2010/main" val="259492230"/>
       </p:ext>
     </p:extLst>
   </p:cSld>
@@ -11946,7 +12015,7 @@
           <p:cNvPr id="2" name="Title 1">
             <a:extLst>
               <a:ext uri="{FF2B5EF4-FFF2-40B4-BE49-F238E27FC236}">
-                <a16:creationId xmlns:a16="http://schemas.microsoft.com/office/drawing/2014/main" id="{7F7DA648-EF7F-4DA4-B6CE-41783819289F}"/>
+                <a16:creationId xmlns:a16="http://schemas.microsoft.com/office/drawing/2014/main" id="{03310FFC-95FC-4941-A180-4C4AB9D6EF56}"/>
               </a:ext>
             </a:extLst>
           </p:cNvPr>
@@ -11964,7 +12033,7 @@
           <a:p>
             <a:r>
               <a:rPr lang="en-US" dirty="0"/>
-              <a:t>Advantages of Strategic Partnerships</a:t>
+              <a:t>Strategic Partnerships</a:t>
             </a:r>
           </a:p>
         </p:txBody>
@@ -11974,7 +12043,7 @@
           <p:cNvPr id="3" name="Content Placeholder 2">
             <a:extLst>
               <a:ext uri="{FF2B5EF4-FFF2-40B4-BE49-F238E27FC236}">
-                <a16:creationId xmlns:a16="http://schemas.microsoft.com/office/drawing/2014/main" id="{3A35ED0B-AAB7-4EDD-9D75-056D43D8CF26}"/>
+                <a16:creationId xmlns:a16="http://schemas.microsoft.com/office/drawing/2014/main" id="{6E97EA0D-9625-4F2C-B512-D85D20410058}"/>
               </a:ext>
             </a:extLst>
           </p:cNvPr>
@@ -11992,41 +12061,20 @@
           <a:p>
             <a:r>
               <a:rPr lang="en-US" dirty="0"/>
-              <a:t>Access to new markets, technologies, or customers</a:t>
-            </a:r>
-          </a:p>
-          <a:p>
-            <a:r>
-              <a:rPr lang="en-US" dirty="0"/>
-              <a:t>Shared resources and costs</a:t>
-            </a:r>
-          </a:p>
-          <a:p>
-            <a:r>
-              <a:rPr lang="en-US" dirty="0"/>
-              <a:t>Increased competitiveness and market share</a:t>
-            </a:r>
-          </a:p>
-          <a:p>
-            <a:r>
-              <a:rPr lang="en-US" dirty="0"/>
-              <a:t>Improved product or service offerings</a:t>
-            </a:r>
-          </a:p>
-          <a:p>
-            <a:r>
-              <a:rPr lang="en-US" dirty="0"/>
-              <a:t>Enhanced credibility and reputation</a:t>
-            </a:r>
-          </a:p>
-          <a:p>
-            <a:r>
-              <a:rPr lang="en-US" dirty="0"/>
-              <a:t>Opportunities for joint research and development</a:t>
-            </a:r>
-          </a:p>
-          <a:p>
-            <a:endParaRPr lang="en-US" dirty="0"/>
+              <a:t>Refer to collaborative agreements between two or more businesses to achieve specific goals or objectives.</a:t>
+            </a:r>
+          </a:p>
+          <a:p>
+            <a:r>
+              <a:rPr lang="en-US" dirty="0"/>
+              <a:t>These partnerships can be formed for various reasons, such as to access new markets, technologies, or customers, or to jointly develop new products or services.</a:t>
+            </a:r>
+          </a:p>
+          <a:p>
+            <a:r>
+              <a:rPr lang="en-US" dirty="0"/>
+              <a:t>Strategic partnerships can be formal or informal, and can involve various levels of commitment and resource sharing.</a:t>
+            </a:r>
           </a:p>
         </p:txBody>
       </p:sp>
@@ -12035,7 +12083,7 @@
           <p:cNvPr id="4" name="Slide Number Placeholder 3">
             <a:extLst>
               <a:ext uri="{FF2B5EF4-FFF2-40B4-BE49-F238E27FC236}">
-                <a16:creationId xmlns:a16="http://schemas.microsoft.com/office/drawing/2014/main" id="{1925B8EB-7FB4-4111-984C-31FFB06BD07B}"/>
+                <a16:creationId xmlns:a16="http://schemas.microsoft.com/office/drawing/2014/main" id="{E4D27482-9FF7-42EE-BD0E-295606CD12B7}"/>
               </a:ext>
             </a:extLst>
           </p:cNvPr>
@@ -12063,7 +12111,7 @@
     </p:spTree>
     <p:extLst>
       <p:ext uri="{BB962C8B-B14F-4D97-AF65-F5344CB8AC3E}">
-        <p14:creationId xmlns:p14="http://schemas.microsoft.com/office/powerpoint/2010/main" val="2610399523"/>
+        <p14:creationId xmlns:p14="http://schemas.microsoft.com/office/powerpoint/2010/main" val="3487217469"/>
       </p:ext>
     </p:extLst>
   </p:cSld>
@@ -12095,7 +12143,7 @@
           <p:cNvPr id="2" name="Title 1">
             <a:extLst>
               <a:ext uri="{FF2B5EF4-FFF2-40B4-BE49-F238E27FC236}">
-                <a16:creationId xmlns:a16="http://schemas.microsoft.com/office/drawing/2014/main" id="{26EB8FD2-A25F-42E3-A464-C848EB830912}"/>
+                <a16:creationId xmlns:a16="http://schemas.microsoft.com/office/drawing/2014/main" id="{7F7DA648-EF7F-4DA4-B6CE-41783819289F}"/>
               </a:ext>
             </a:extLst>
           </p:cNvPr>
@@ -12113,7 +12161,7 @@
           <a:p>
             <a:r>
               <a:rPr lang="en-US" dirty="0"/>
-              <a:t>Disadvantages of Strategic Partnerships</a:t>
+              <a:t>Advantages of Strategic Partnerships</a:t>
             </a:r>
           </a:p>
         </p:txBody>
@@ -12123,7 +12171,7 @@
           <p:cNvPr id="3" name="Content Placeholder 2">
             <a:extLst>
               <a:ext uri="{FF2B5EF4-FFF2-40B4-BE49-F238E27FC236}">
-                <a16:creationId xmlns:a16="http://schemas.microsoft.com/office/drawing/2014/main" id="{AAA0814D-60C6-468A-8F81-FA01D6409E70}"/>
+                <a16:creationId xmlns:a16="http://schemas.microsoft.com/office/drawing/2014/main" id="{3A35ED0B-AAB7-4EDD-9D75-056D43D8CF26}"/>
               </a:ext>
             </a:extLst>
           </p:cNvPr>
@@ -12141,37 +12189,37 @@
           <a:p>
             <a:r>
               <a:rPr lang="en-US" dirty="0"/>
-              <a:t>Loss of control and autonomy</a:t>
-            </a:r>
-          </a:p>
-          <a:p>
-            <a:r>
-              <a:rPr lang="en-US" dirty="0"/>
-              <a:t>Dependence on partners for success</a:t>
-            </a:r>
-          </a:p>
-          <a:p>
-            <a:r>
-              <a:rPr lang="en-US" dirty="0"/>
-              <a:t>Potential conflicts and disagreements</a:t>
-            </a:r>
-          </a:p>
-          <a:p>
-            <a:r>
-              <a:rPr lang="en-US" dirty="0"/>
-              <a:t>Difficulty in aligning goals and objectives</a:t>
-            </a:r>
-          </a:p>
-          <a:p>
-            <a:r>
-              <a:rPr lang="en-US" dirty="0"/>
-              <a:t>Risk of intellectual property theft or misuse</a:t>
-            </a:r>
-          </a:p>
-          <a:p>
-            <a:r>
-              <a:rPr lang="en-US" dirty="0"/>
-              <a:t>Potential for negative impact on brand reputation</a:t>
+              <a:t>Access to new markets, technologies, or customers</a:t>
+            </a:r>
+          </a:p>
+          <a:p>
+            <a:r>
+              <a:rPr lang="en-US" dirty="0"/>
+              <a:t>Shared resources and costs</a:t>
+            </a:r>
+          </a:p>
+          <a:p>
+            <a:r>
+              <a:rPr lang="en-US" dirty="0"/>
+              <a:t>Increased competitiveness and market share</a:t>
+            </a:r>
+          </a:p>
+          <a:p>
+            <a:r>
+              <a:rPr lang="en-US" dirty="0"/>
+              <a:t>Improved product or service offerings</a:t>
+            </a:r>
+          </a:p>
+          <a:p>
+            <a:r>
+              <a:rPr lang="en-US" dirty="0"/>
+              <a:t>Enhanced credibility and reputation</a:t>
+            </a:r>
+          </a:p>
+          <a:p>
+            <a:r>
+              <a:rPr lang="en-US" dirty="0"/>
+              <a:t>Opportunities for joint research and development</a:t>
             </a:r>
           </a:p>
           <a:p>
@@ -12184,7 +12232,7 @@
           <p:cNvPr id="4" name="Slide Number Placeholder 3">
             <a:extLst>
               <a:ext uri="{FF2B5EF4-FFF2-40B4-BE49-F238E27FC236}">
-                <a16:creationId xmlns:a16="http://schemas.microsoft.com/office/drawing/2014/main" id="{6A00678B-1955-4BB8-B206-250409668E3B}"/>
+                <a16:creationId xmlns:a16="http://schemas.microsoft.com/office/drawing/2014/main" id="{1925B8EB-7FB4-4111-984C-31FFB06BD07B}"/>
               </a:ext>
             </a:extLst>
           </p:cNvPr>
@@ -12212,7 +12260,7 @@
     </p:spTree>
     <p:extLst>
       <p:ext uri="{BB962C8B-B14F-4D97-AF65-F5344CB8AC3E}">
-        <p14:creationId xmlns:p14="http://schemas.microsoft.com/office/powerpoint/2010/main" val="4277093317"/>
+        <p14:creationId xmlns:p14="http://schemas.microsoft.com/office/powerpoint/2010/main" val="2610399523"/>
       </p:ext>
     </p:extLst>
   </p:cSld>
@@ -12244,7 +12292,7 @@
           <p:cNvPr id="2" name="Title 1">
             <a:extLst>
               <a:ext uri="{FF2B5EF4-FFF2-40B4-BE49-F238E27FC236}">
-                <a16:creationId xmlns:a16="http://schemas.microsoft.com/office/drawing/2014/main" id="{C12F4CB6-6289-4A42-B341-8D0DFABCE55C}"/>
+                <a16:creationId xmlns:a16="http://schemas.microsoft.com/office/drawing/2014/main" id="{26EB8FD2-A25F-42E3-A464-C848EB830912}"/>
               </a:ext>
             </a:extLst>
           </p:cNvPr>
@@ -12257,14 +12305,12 @@
         </p:nvSpPr>
         <p:spPr/>
         <p:txBody>
-          <a:bodyPr>
-            <a:normAutofit/>
-          </a:bodyPr>
-          <a:lstStyle/>
-          <a:p>
-            <a:r>
-              <a:rPr lang="en-US" dirty="0"/>
-              <a:t>Successful Strategic Partnership Exit Strategies</a:t>
+          <a:bodyPr/>
+          <a:lstStyle/>
+          <a:p>
+            <a:r>
+              <a:rPr lang="en-US" dirty="0"/>
+              <a:t>Disadvantages of Strategic Partnerships</a:t>
             </a:r>
           </a:p>
         </p:txBody>
@@ -12274,7 +12320,7 @@
           <p:cNvPr id="3" name="Content Placeholder 2">
             <a:extLst>
               <a:ext uri="{FF2B5EF4-FFF2-40B4-BE49-F238E27FC236}">
-                <a16:creationId xmlns:a16="http://schemas.microsoft.com/office/drawing/2014/main" id="{760FAF19-8448-452E-A0A6-F511A56963B2}"/>
+                <a16:creationId xmlns:a16="http://schemas.microsoft.com/office/drawing/2014/main" id="{AAA0814D-60C6-468A-8F81-FA01D6409E70}"/>
               </a:ext>
             </a:extLst>
           </p:cNvPr>
@@ -12285,78 +12331,47 @@
             <p:ph idx="1"/>
           </p:nvPr>
         </p:nvSpPr>
-        <p:spPr>
-          <a:xfrm>
-            <a:off x="347526" y="1268083"/>
-            <a:ext cx="11650767" cy="4986067"/>
-          </a:xfrm>
-        </p:spPr>
-        <p:txBody>
-          <a:bodyPr>
-            <a:normAutofit lnSpcReduction="10000"/>
-          </a:bodyPr>
-          <a:lstStyle/>
-          <a:p>
-            <a:pPr>
-              <a:lnSpc>
-                <a:spcPct val="150000"/>
-              </a:lnSpc>
-            </a:pPr>
-            <a:r>
-              <a:rPr lang="en-US" dirty="0"/>
-              <a:t>Microsoft and Nokia's partnership to develop Windows Phone.</a:t>
-            </a:r>
-          </a:p>
-          <a:p>
-            <a:pPr>
-              <a:lnSpc>
-                <a:spcPct val="150000"/>
-              </a:lnSpc>
-            </a:pPr>
-            <a:r>
-              <a:rPr lang="en-US" dirty="0"/>
-              <a:t>Apple and Intel's partnership to develop the iPhone.</a:t>
-            </a:r>
-          </a:p>
-          <a:p>
-            <a:pPr>
-              <a:lnSpc>
-                <a:spcPct val="150000"/>
-              </a:lnSpc>
-            </a:pPr>
-            <a:r>
-              <a:rPr lang="en-US" dirty="0"/>
-              <a:t>Google and Android's partnership to develop the Android operating system.</a:t>
-            </a:r>
-          </a:p>
-          <a:p>
-            <a:pPr>
-              <a:lnSpc>
-                <a:spcPct val="150000"/>
-              </a:lnSpc>
-            </a:pPr>
-            <a:r>
-              <a:rPr lang="en-US" dirty="0"/>
-              <a:t>Amazon and BMW's partnership to integrate Alexa into BMW's vehicles.</a:t>
-            </a:r>
-          </a:p>
-          <a:p>
-            <a:pPr>
-              <a:lnSpc>
-                <a:spcPct val="150000"/>
-              </a:lnSpc>
-            </a:pPr>
-            <a:r>
-              <a:rPr lang="en-US" dirty="0"/>
-              <a:t>Salesforce and Microsoft's partnership to integrate Salesforce's CRM with Microsoft's Azure and Office 365.</a:t>
-            </a:r>
-          </a:p>
-          <a:p>
-            <a:pPr>
-              <a:lnSpc>
-                <a:spcPct val="150000"/>
-              </a:lnSpc>
-            </a:pPr>
+        <p:spPr/>
+        <p:txBody>
+          <a:bodyPr/>
+          <a:lstStyle/>
+          <a:p>
+            <a:r>
+              <a:rPr lang="en-US" dirty="0"/>
+              <a:t>Loss of control and autonomy</a:t>
+            </a:r>
+          </a:p>
+          <a:p>
+            <a:r>
+              <a:rPr lang="en-US" dirty="0"/>
+              <a:t>Dependence on partners for success</a:t>
+            </a:r>
+          </a:p>
+          <a:p>
+            <a:r>
+              <a:rPr lang="en-US" dirty="0"/>
+              <a:t>Potential conflicts and disagreements</a:t>
+            </a:r>
+          </a:p>
+          <a:p>
+            <a:r>
+              <a:rPr lang="en-US" dirty="0"/>
+              <a:t>Difficulty in aligning goals and objectives</a:t>
+            </a:r>
+          </a:p>
+          <a:p>
+            <a:r>
+              <a:rPr lang="en-US" dirty="0"/>
+              <a:t>Risk of intellectual property theft or misuse</a:t>
+            </a:r>
+          </a:p>
+          <a:p>
+            <a:r>
+              <a:rPr lang="en-US" dirty="0"/>
+              <a:t>Potential for negative impact on brand reputation</a:t>
+            </a:r>
+          </a:p>
+          <a:p>
             <a:endParaRPr lang="en-US" dirty="0"/>
           </a:p>
         </p:txBody>
@@ -12366,7 +12381,7 @@
           <p:cNvPr id="4" name="Slide Number Placeholder 3">
             <a:extLst>
               <a:ext uri="{FF2B5EF4-FFF2-40B4-BE49-F238E27FC236}">
-                <a16:creationId xmlns:a16="http://schemas.microsoft.com/office/drawing/2014/main" id="{BEDD75D3-5084-4AC4-81D2-2159F73EA6C1}"/>
+                <a16:creationId xmlns:a16="http://schemas.microsoft.com/office/drawing/2014/main" id="{6A00678B-1955-4BB8-B206-250409668E3B}"/>
               </a:ext>
             </a:extLst>
           </p:cNvPr>
@@ -12394,7 +12409,7 @@
     </p:spTree>
     <p:extLst>
       <p:ext uri="{BB962C8B-B14F-4D97-AF65-F5344CB8AC3E}">
-        <p14:creationId xmlns:p14="http://schemas.microsoft.com/office/powerpoint/2010/main" val="1172972863"/>
+        <p14:creationId xmlns:p14="http://schemas.microsoft.com/office/powerpoint/2010/main" val="4277093317"/>
       </p:ext>
     </p:extLst>
   </p:cSld>
@@ -12426,7 +12441,7 @@
           <p:cNvPr id="2" name="Title 1">
             <a:extLst>
               <a:ext uri="{FF2B5EF4-FFF2-40B4-BE49-F238E27FC236}">
-                <a16:creationId xmlns:a16="http://schemas.microsoft.com/office/drawing/2014/main" id="{D2D7EF3B-6099-4DBA-993C-C503943FB606}"/>
+                <a16:creationId xmlns:a16="http://schemas.microsoft.com/office/drawing/2014/main" id="{C12F4CB6-6289-4A42-B341-8D0DFABCE55C}"/>
               </a:ext>
             </a:extLst>
           </p:cNvPr>
@@ -12439,12 +12454,14 @@
         </p:nvSpPr>
         <p:spPr/>
         <p:txBody>
-          <a:bodyPr/>
-          <a:lstStyle/>
-          <a:p>
-            <a:r>
-              <a:rPr lang="en-US" dirty="0"/>
-              <a:t>Spin-Offs</a:t>
+          <a:bodyPr>
+            <a:normAutofit/>
+          </a:bodyPr>
+          <a:lstStyle/>
+          <a:p>
+            <a:r>
+              <a:rPr lang="en-US" dirty="0"/>
+              <a:t>Successful Strategic Partnership Exit Strategies</a:t>
             </a:r>
           </a:p>
         </p:txBody>
@@ -12454,7 +12471,7 @@
           <p:cNvPr id="3" name="Content Placeholder 2">
             <a:extLst>
               <a:ext uri="{FF2B5EF4-FFF2-40B4-BE49-F238E27FC236}">
-                <a16:creationId xmlns:a16="http://schemas.microsoft.com/office/drawing/2014/main" id="{305756A1-54B1-44CE-8855-A9274E0B1FB5}"/>
+                <a16:creationId xmlns:a16="http://schemas.microsoft.com/office/drawing/2014/main" id="{760FAF19-8448-452E-A0A6-F511A56963B2}"/>
               </a:ext>
             </a:extLst>
           </p:cNvPr>
@@ -12465,29 +12482,78 @@
             <p:ph idx="1"/>
           </p:nvPr>
         </p:nvSpPr>
-        <p:spPr/>
-        <p:txBody>
-          <a:bodyPr/>
-          <a:lstStyle/>
-          <a:p>
-            <a:r>
-              <a:rPr lang="en-US" dirty="0"/>
-              <a:t>A spin-off is a new company that is created by separating a part of an existing company, such as a business unit, product line, or technology.</a:t>
-            </a:r>
-          </a:p>
-          <a:p>
-            <a:r>
-              <a:rPr lang="en-US" dirty="0"/>
-              <a:t>The existing company, known as the parent company, spin-offs the new company by transferring assets, employees, and intellectual property to the new entity.</a:t>
-            </a:r>
-          </a:p>
-          <a:p>
-            <a:r>
-              <a:rPr lang="en-US" dirty="0"/>
-              <a:t>Spin-offs can be formed to focus on a specific market or technology, or to create a separate entity for a product or service that is not core to the parent company's business.</a:t>
-            </a:r>
-          </a:p>
-          <a:p>
+        <p:spPr>
+          <a:xfrm>
+            <a:off x="347526" y="1268083"/>
+            <a:ext cx="11650767" cy="4986067"/>
+          </a:xfrm>
+        </p:spPr>
+        <p:txBody>
+          <a:bodyPr>
+            <a:normAutofit lnSpcReduction="10000"/>
+          </a:bodyPr>
+          <a:lstStyle/>
+          <a:p>
+            <a:pPr>
+              <a:lnSpc>
+                <a:spcPct val="150000"/>
+              </a:lnSpc>
+            </a:pPr>
+            <a:r>
+              <a:rPr lang="en-US" dirty="0"/>
+              <a:t>Microsoft and Nokia's partnership to develop Windows Phone.</a:t>
+            </a:r>
+          </a:p>
+          <a:p>
+            <a:pPr>
+              <a:lnSpc>
+                <a:spcPct val="150000"/>
+              </a:lnSpc>
+            </a:pPr>
+            <a:r>
+              <a:rPr lang="en-US" dirty="0"/>
+              <a:t>Apple and Intel's partnership to develop the iPhone.</a:t>
+            </a:r>
+          </a:p>
+          <a:p>
+            <a:pPr>
+              <a:lnSpc>
+                <a:spcPct val="150000"/>
+              </a:lnSpc>
+            </a:pPr>
+            <a:r>
+              <a:rPr lang="en-US" dirty="0"/>
+              <a:t>Google and Android's partnership to develop the Android operating system.</a:t>
+            </a:r>
+          </a:p>
+          <a:p>
+            <a:pPr>
+              <a:lnSpc>
+                <a:spcPct val="150000"/>
+              </a:lnSpc>
+            </a:pPr>
+            <a:r>
+              <a:rPr lang="en-US" dirty="0"/>
+              <a:t>Amazon and BMW's partnership to integrate Alexa into BMW's vehicles.</a:t>
+            </a:r>
+          </a:p>
+          <a:p>
+            <a:pPr>
+              <a:lnSpc>
+                <a:spcPct val="150000"/>
+              </a:lnSpc>
+            </a:pPr>
+            <a:r>
+              <a:rPr lang="en-US" dirty="0"/>
+              <a:t>Salesforce and Microsoft's partnership to integrate Salesforce's CRM with Microsoft's Azure and Office 365.</a:t>
+            </a:r>
+          </a:p>
+          <a:p>
+            <a:pPr>
+              <a:lnSpc>
+                <a:spcPct val="150000"/>
+              </a:lnSpc>
+            </a:pPr>
             <a:endParaRPr lang="en-US" dirty="0"/>
           </a:p>
         </p:txBody>
@@ -12497,7 +12563,7 @@
           <p:cNvPr id="4" name="Slide Number Placeholder 3">
             <a:extLst>
               <a:ext uri="{FF2B5EF4-FFF2-40B4-BE49-F238E27FC236}">
-                <a16:creationId xmlns:a16="http://schemas.microsoft.com/office/drawing/2014/main" id="{65865914-0AD8-4211-BA32-90C364C69459}"/>
+                <a16:creationId xmlns:a16="http://schemas.microsoft.com/office/drawing/2014/main" id="{BEDD75D3-5084-4AC4-81D2-2159F73EA6C1}"/>
               </a:ext>
             </a:extLst>
           </p:cNvPr>
@@ -12525,7 +12591,7 @@
     </p:spTree>
     <p:extLst>
       <p:ext uri="{BB962C8B-B14F-4D97-AF65-F5344CB8AC3E}">
-        <p14:creationId xmlns:p14="http://schemas.microsoft.com/office/powerpoint/2010/main" val="323524381"/>
+        <p14:creationId xmlns:p14="http://schemas.microsoft.com/office/powerpoint/2010/main" val="1172972863"/>
       </p:ext>
     </p:extLst>
   </p:cSld>
@@ -12557,7 +12623,7 @@
           <p:cNvPr id="2" name="Title 1">
             <a:extLst>
               <a:ext uri="{FF2B5EF4-FFF2-40B4-BE49-F238E27FC236}">
-                <a16:creationId xmlns:a16="http://schemas.microsoft.com/office/drawing/2014/main" id="{4A1DD3F6-F42D-41FC-9A5E-E08B9DA64724}"/>
+                <a16:creationId xmlns:a16="http://schemas.microsoft.com/office/drawing/2014/main" id="{C12F4CB6-6289-4A42-B341-8D0DFABCE55C}"/>
               </a:ext>
             </a:extLst>
           </p:cNvPr>
@@ -12570,12 +12636,14 @@
         </p:nvSpPr>
         <p:spPr/>
         <p:txBody>
-          <a:bodyPr/>
-          <a:lstStyle/>
-          <a:p>
-            <a:r>
-              <a:rPr lang="en-US" dirty="0"/>
-              <a:t>Spin-Offs</a:t>
+          <a:bodyPr>
+            <a:normAutofit/>
+          </a:bodyPr>
+          <a:lstStyle/>
+          <a:p>
+            <a:r>
+              <a:rPr lang="en-US" dirty="0"/>
+              <a:t>Successful Strategic Partnership Exit Strategies</a:t>
             </a:r>
           </a:p>
         </p:txBody>
@@ -12585,7 +12653,7 @@
           <p:cNvPr id="3" name="Content Placeholder 2">
             <a:extLst>
               <a:ext uri="{FF2B5EF4-FFF2-40B4-BE49-F238E27FC236}">
-                <a16:creationId xmlns:a16="http://schemas.microsoft.com/office/drawing/2014/main" id="{6901DE08-1E12-4190-8B6B-77249754E38E}"/>
+                <a16:creationId xmlns:a16="http://schemas.microsoft.com/office/drawing/2014/main" id="{760FAF19-8448-452E-A0A6-F511A56963B2}"/>
               </a:ext>
             </a:extLst>
           </p:cNvPr>
@@ -12596,9 +12664,14 @@
             <p:ph idx="1"/>
           </p:nvPr>
         </p:nvSpPr>
-        <p:spPr/>
-        <p:txBody>
-          <a:bodyPr numCol="2">
+        <p:spPr>
+          <a:xfrm>
+            <a:off x="347526" y="1268083"/>
+            <a:ext cx="11650767" cy="4986067"/>
+          </a:xfrm>
+        </p:spPr>
+        <p:txBody>
+          <a:bodyPr>
             <a:normAutofit/>
           </a:bodyPr>
           <a:lstStyle/>
@@ -12610,7 +12683,7 @@
             </a:pPr>
             <a:r>
               <a:rPr lang="en-US" dirty="0"/>
-              <a:t>Spin-offs can offer several advantages, including:</a:t>
+              <a:t>Acquisition by a Local Conglomerate</a:t>
             </a:r>
           </a:p>
           <a:p>
@@ -12621,7 +12694,26 @@
             </a:pPr>
             <a:r>
               <a:rPr lang="en-US" dirty="0"/>
-              <a:t>Focus</a:t>
+              <a:t>Uber's acquisition of </a:t>
+            </a:r>
+            <a:r>
+              <a:rPr lang="en-US" dirty="0" err="1"/>
+              <a:t>Careem</a:t>
+            </a:r>
+            <a:r>
+              <a:rPr lang="en-US" dirty="0"/>
+              <a:t> in 2019 for $3.1 billion, with a significant presence in Saudi Arabia.</a:t>
+            </a:r>
+          </a:p>
+          <a:p>
+            <a:pPr>
+              <a:lnSpc>
+                <a:spcPct val="150000"/>
+              </a:lnSpc>
+            </a:pPr>
+            <a:r>
+              <a:rPr lang="en-US" dirty="0"/>
+              <a:t>Strategic Sale to a Regional Player</a:t>
             </a:r>
           </a:p>
           <a:p>
@@ -12632,92 +12724,7 @@
             </a:pPr>
             <a:r>
               <a:rPr lang="en-US" dirty="0"/>
-              <a:t>Increased value</a:t>
-            </a:r>
-          </a:p>
-          <a:p>
-            <a:pPr lvl="1">
-              <a:lnSpc>
-                <a:spcPct val="150000"/>
-              </a:lnSpc>
-            </a:pPr>
-            <a:r>
-              <a:rPr lang="en-US" dirty="0"/>
-              <a:t>Autonomy</a:t>
-            </a:r>
-          </a:p>
-          <a:p>
-            <a:pPr lvl="1">
-              <a:lnSpc>
-                <a:spcPct val="150000"/>
-              </a:lnSpc>
-            </a:pPr>
-            <a:r>
-              <a:rPr lang="en-US" dirty="0"/>
-              <a:t>Attractiveness to investors</a:t>
-            </a:r>
-          </a:p>
-          <a:p>
-            <a:pPr>
-              <a:lnSpc>
-                <a:spcPct val="150000"/>
-              </a:lnSpc>
-            </a:pPr>
-            <a:endParaRPr lang="en-US" dirty="0"/>
-          </a:p>
-          <a:p>
-            <a:pPr>
-              <a:lnSpc>
-                <a:spcPct val="150000"/>
-              </a:lnSpc>
-            </a:pPr>
-            <a:r>
-              <a:rPr lang="en-US" dirty="0"/>
-              <a:t>Spin-offs can also have some disadvantages, including:</a:t>
-            </a:r>
-          </a:p>
-          <a:p>
-            <a:pPr lvl="1">
-              <a:lnSpc>
-                <a:spcPct val="150000"/>
-              </a:lnSpc>
-            </a:pPr>
-            <a:r>
-              <a:rPr lang="en-US" dirty="0"/>
-              <a:t>Risk</a:t>
-            </a:r>
-          </a:p>
-          <a:p>
-            <a:pPr lvl="1">
-              <a:lnSpc>
-                <a:spcPct val="150000"/>
-              </a:lnSpc>
-            </a:pPr>
-            <a:r>
-              <a:rPr lang="en-US" dirty="0"/>
-              <a:t>Lack of scale</a:t>
-            </a:r>
-          </a:p>
-          <a:p>
-            <a:pPr lvl="1">
-              <a:lnSpc>
-                <a:spcPct val="150000"/>
-              </a:lnSpc>
-            </a:pPr>
-            <a:r>
-              <a:rPr lang="en-US" dirty="0"/>
-              <a:t>Dependence on parent company</a:t>
-            </a:r>
-          </a:p>
-          <a:p>
-            <a:pPr lvl="1">
-              <a:lnSpc>
-                <a:spcPct val="150000"/>
-              </a:lnSpc>
-            </a:pPr>
-            <a:r>
-              <a:rPr lang="en-US" dirty="0"/>
-              <a:t>Difficulty in attracting talent</a:t>
+              <a:t>The sale of Saudi-based online retailer Souq.com to Amazon in 2017 for $580 million.</a:t>
             </a:r>
           </a:p>
         </p:txBody>
@@ -12727,7 +12734,7 @@
           <p:cNvPr id="4" name="Slide Number Placeholder 3">
             <a:extLst>
               <a:ext uri="{FF2B5EF4-FFF2-40B4-BE49-F238E27FC236}">
-                <a16:creationId xmlns:a16="http://schemas.microsoft.com/office/drawing/2014/main" id="{306FA173-5ABC-4D9D-84EC-A49F8BEF3420}"/>
+                <a16:creationId xmlns:a16="http://schemas.microsoft.com/office/drawing/2014/main" id="{BEDD75D3-5084-4AC4-81D2-2159F73EA6C1}"/>
               </a:ext>
             </a:extLst>
           </p:cNvPr>
@@ -12755,7 +12762,7 @@
     </p:spTree>
     <p:extLst>
       <p:ext uri="{BB962C8B-B14F-4D97-AF65-F5344CB8AC3E}">
-        <p14:creationId xmlns:p14="http://schemas.microsoft.com/office/powerpoint/2010/main" val="1218668163"/>
+        <p14:creationId xmlns:p14="http://schemas.microsoft.com/office/powerpoint/2010/main" val="732603883"/>
       </p:ext>
     </p:extLst>
   </p:cSld>
@@ -12900,7 +12907,7 @@
           <p:cNvPr id="2" name="Title 1">
             <a:extLst>
               <a:ext uri="{FF2B5EF4-FFF2-40B4-BE49-F238E27FC236}">
-                <a16:creationId xmlns:a16="http://schemas.microsoft.com/office/drawing/2014/main" id="{13B3BE7B-5ACA-4630-B0BF-6A786DB2EF0E}"/>
+                <a16:creationId xmlns:a16="http://schemas.microsoft.com/office/drawing/2014/main" id="{D2D7EF3B-6099-4DBA-993C-C503943FB606}"/>
               </a:ext>
             </a:extLst>
           </p:cNvPr>
@@ -12918,7 +12925,7 @@
           <a:p>
             <a:r>
               <a:rPr lang="en-US" dirty="0"/>
-              <a:t>Examples of Successful Spin-Off Exit Strategies</a:t>
+              <a:t>Spin-Offs</a:t>
             </a:r>
           </a:p>
         </p:txBody>
@@ -12928,7 +12935,7 @@
           <p:cNvPr id="3" name="Content Placeholder 2">
             <a:extLst>
               <a:ext uri="{FF2B5EF4-FFF2-40B4-BE49-F238E27FC236}">
-                <a16:creationId xmlns:a16="http://schemas.microsoft.com/office/drawing/2014/main" id="{9CA2FB5E-C388-4595-AE34-B3596B0A4458}"/>
+                <a16:creationId xmlns:a16="http://schemas.microsoft.com/office/drawing/2014/main" id="{305756A1-54B1-44CE-8855-A9274E0B1FB5}"/>
               </a:ext>
             </a:extLst>
           </p:cNvPr>
@@ -12939,78 +12946,29 @@
             <p:ph idx="1"/>
           </p:nvPr>
         </p:nvSpPr>
-        <p:spPr>
-          <a:xfrm>
-            <a:off x="347526" y="1207300"/>
-            <a:ext cx="11650767" cy="5055477"/>
-          </a:xfrm>
-        </p:spPr>
-        <p:txBody>
-          <a:bodyPr>
-            <a:normAutofit lnSpcReduction="10000"/>
-          </a:bodyPr>
-          <a:lstStyle/>
-          <a:p>
-            <a:pPr>
-              <a:lnSpc>
-                <a:spcPct val="150000"/>
-              </a:lnSpc>
-            </a:pPr>
-            <a:r>
-              <a:rPr lang="en-US" dirty="0"/>
-              <a:t>Google's spin-off of Calico, a life sciences company focused on aging and longevity.</a:t>
-            </a:r>
-          </a:p>
-          <a:p>
-            <a:pPr>
-              <a:lnSpc>
-                <a:spcPct val="150000"/>
-              </a:lnSpc>
-            </a:pPr>
-            <a:r>
-              <a:rPr lang="en-US" dirty="0"/>
-              <a:t>Apple's spin-off of Beats Electronics, a audio products company.</a:t>
-            </a:r>
-          </a:p>
-          <a:p>
-            <a:pPr>
-              <a:lnSpc>
-                <a:spcPct val="150000"/>
-              </a:lnSpc>
-            </a:pPr>
-            <a:r>
-              <a:rPr lang="en-US" dirty="0"/>
-              <a:t>Amazon's spin-off of AWS, a cloud computing platform.</a:t>
-            </a:r>
-          </a:p>
-          <a:p>
-            <a:pPr>
-              <a:lnSpc>
-                <a:spcPct val="150000"/>
-              </a:lnSpc>
-            </a:pPr>
-            <a:r>
-              <a:rPr lang="en-US" dirty="0"/>
-              <a:t>Microsoft's spin-off of LinkedIn, a professional networking platform.</a:t>
-            </a:r>
-          </a:p>
-          <a:p>
-            <a:pPr>
-              <a:lnSpc>
-                <a:spcPct val="150000"/>
-              </a:lnSpc>
-            </a:pPr>
-            <a:r>
-              <a:rPr lang="en-US" dirty="0"/>
-              <a:t>Oracle's spin-off of NetSuite, a cloud-based business management software company.</a:t>
-            </a:r>
-          </a:p>
-          <a:p>
-            <a:pPr>
-              <a:lnSpc>
-                <a:spcPct val="150000"/>
-              </a:lnSpc>
-            </a:pPr>
+        <p:spPr/>
+        <p:txBody>
+          <a:bodyPr/>
+          <a:lstStyle/>
+          <a:p>
+            <a:r>
+              <a:rPr lang="en-US" dirty="0"/>
+              <a:t>A spin-off is a new company that is created by separating a part of an existing company, such as a business unit, product line, or technology.</a:t>
+            </a:r>
+          </a:p>
+          <a:p>
+            <a:r>
+              <a:rPr lang="en-US" dirty="0"/>
+              <a:t>The existing company, known as the parent company, spin-offs the new company by transferring assets, employees, and intellectual property to the new entity.</a:t>
+            </a:r>
+          </a:p>
+          <a:p>
+            <a:r>
+              <a:rPr lang="en-US" dirty="0"/>
+              <a:t>Spin-offs can be formed to focus on a specific market or technology, or to create a separate entity for a product or service that is not core to the parent company's business.</a:t>
+            </a:r>
+          </a:p>
+          <a:p>
             <a:endParaRPr lang="en-US" dirty="0"/>
           </a:p>
         </p:txBody>
@@ -13020,7 +12978,7 @@
           <p:cNvPr id="4" name="Slide Number Placeholder 3">
             <a:extLst>
               <a:ext uri="{FF2B5EF4-FFF2-40B4-BE49-F238E27FC236}">
-                <a16:creationId xmlns:a16="http://schemas.microsoft.com/office/drawing/2014/main" id="{71A9E1AD-DDA9-40DF-AA9E-D58DECCB571C}"/>
+                <a16:creationId xmlns:a16="http://schemas.microsoft.com/office/drawing/2014/main" id="{65865914-0AD8-4211-BA32-90C364C69459}"/>
               </a:ext>
             </a:extLst>
           </p:cNvPr>
@@ -13048,7 +13006,7 @@
     </p:spTree>
     <p:extLst>
       <p:ext uri="{BB962C8B-B14F-4D97-AF65-F5344CB8AC3E}">
-        <p14:creationId xmlns:p14="http://schemas.microsoft.com/office/powerpoint/2010/main" val="2009355214"/>
+        <p14:creationId xmlns:p14="http://schemas.microsoft.com/office/powerpoint/2010/main" val="323524381"/>
       </p:ext>
     </p:extLst>
   </p:cSld>
@@ -13080,7 +13038,7 @@
           <p:cNvPr id="2" name="Title 1">
             <a:extLst>
               <a:ext uri="{FF2B5EF4-FFF2-40B4-BE49-F238E27FC236}">
-                <a16:creationId xmlns:a16="http://schemas.microsoft.com/office/drawing/2014/main" id="{DF5A408A-5E12-4017-80A6-3816E868CB82}"/>
+                <a16:creationId xmlns:a16="http://schemas.microsoft.com/office/drawing/2014/main" id="{4A1DD3F6-F42D-41FC-9A5E-E08B9DA64724}"/>
               </a:ext>
             </a:extLst>
           </p:cNvPr>
@@ -13098,7 +13056,7 @@
           <a:p>
             <a:r>
               <a:rPr lang="en-US" dirty="0"/>
-              <a:t>Liquidation</a:t>
+              <a:t>Spin-Offs</a:t>
             </a:r>
           </a:p>
         </p:txBody>
@@ -13108,7 +13066,7 @@
           <p:cNvPr id="3" name="Content Placeholder 2">
             <a:extLst>
               <a:ext uri="{FF2B5EF4-FFF2-40B4-BE49-F238E27FC236}">
-                <a16:creationId xmlns:a16="http://schemas.microsoft.com/office/drawing/2014/main" id="{A63ABEC3-9654-469A-AEA8-A4B01DF33FB9}"/>
+                <a16:creationId xmlns:a16="http://schemas.microsoft.com/office/drawing/2014/main" id="{6901DE08-1E12-4190-8B6B-77249754E38E}"/>
               </a:ext>
             </a:extLst>
           </p:cNvPr>
@@ -13121,24 +13079,126 @@
         </p:nvSpPr>
         <p:spPr/>
         <p:txBody>
-          <a:bodyPr/>
-          <a:lstStyle/>
-          <a:p>
-            <a:r>
-              <a:rPr lang="en-US" dirty="0"/>
-              <a:t>The process of selling off a company's assets, such as property, equipment, and intellectual property, to convert them into cash or pay off debts.</a:t>
-            </a:r>
-          </a:p>
-          <a:p>
-            <a:r>
-              <a:rPr lang="en-US" dirty="0"/>
-              <a:t>Liquidation can be voluntary, where the company chooses to liquidate its assets, or involuntary, where a court or creditor forces the company into liquidation.</a:t>
-            </a:r>
-          </a:p>
-          <a:p>
-            <a:r>
-              <a:rPr lang="en-US" dirty="0"/>
-              <a:t>Liquidation can be used to wind up a company's operations, pay off debts, or distribute assets to shareholders.</a:t>
+          <a:bodyPr numCol="2">
+            <a:normAutofit/>
+          </a:bodyPr>
+          <a:lstStyle/>
+          <a:p>
+            <a:pPr>
+              <a:lnSpc>
+                <a:spcPct val="150000"/>
+              </a:lnSpc>
+            </a:pPr>
+            <a:r>
+              <a:rPr lang="en-US" dirty="0"/>
+              <a:t>Spin-offs can offer several advantages, including:</a:t>
+            </a:r>
+          </a:p>
+          <a:p>
+            <a:pPr lvl="1">
+              <a:lnSpc>
+                <a:spcPct val="150000"/>
+              </a:lnSpc>
+            </a:pPr>
+            <a:r>
+              <a:rPr lang="en-US" dirty="0"/>
+              <a:t>Focus</a:t>
+            </a:r>
+          </a:p>
+          <a:p>
+            <a:pPr lvl="1">
+              <a:lnSpc>
+                <a:spcPct val="150000"/>
+              </a:lnSpc>
+            </a:pPr>
+            <a:r>
+              <a:rPr lang="en-US" dirty="0"/>
+              <a:t>Increased value</a:t>
+            </a:r>
+          </a:p>
+          <a:p>
+            <a:pPr lvl="1">
+              <a:lnSpc>
+                <a:spcPct val="150000"/>
+              </a:lnSpc>
+            </a:pPr>
+            <a:r>
+              <a:rPr lang="en-US" dirty="0"/>
+              <a:t>Autonomy</a:t>
+            </a:r>
+          </a:p>
+          <a:p>
+            <a:pPr lvl="1">
+              <a:lnSpc>
+                <a:spcPct val="150000"/>
+              </a:lnSpc>
+            </a:pPr>
+            <a:r>
+              <a:rPr lang="en-US" dirty="0"/>
+              <a:t>Attractiveness to investors</a:t>
+            </a:r>
+          </a:p>
+          <a:p>
+            <a:pPr>
+              <a:lnSpc>
+                <a:spcPct val="150000"/>
+              </a:lnSpc>
+            </a:pPr>
+            <a:endParaRPr lang="en-US" dirty="0"/>
+          </a:p>
+          <a:p>
+            <a:pPr>
+              <a:lnSpc>
+                <a:spcPct val="150000"/>
+              </a:lnSpc>
+            </a:pPr>
+            <a:r>
+              <a:rPr lang="en-US" dirty="0"/>
+              <a:t>Spin-offs can also have some disadvantages, including:</a:t>
+            </a:r>
+          </a:p>
+          <a:p>
+            <a:pPr lvl="1">
+              <a:lnSpc>
+                <a:spcPct val="150000"/>
+              </a:lnSpc>
+            </a:pPr>
+            <a:r>
+              <a:rPr lang="en-US" dirty="0"/>
+              <a:t>Risk</a:t>
+            </a:r>
+          </a:p>
+          <a:p>
+            <a:pPr lvl="1">
+              <a:lnSpc>
+                <a:spcPct val="150000"/>
+              </a:lnSpc>
+            </a:pPr>
+            <a:r>
+              <a:rPr lang="en-US" dirty="0"/>
+              <a:t>Lack of scale</a:t>
+            </a:r>
+          </a:p>
+          <a:p>
+            <a:pPr lvl="1">
+              <a:lnSpc>
+                <a:spcPct val="150000"/>
+              </a:lnSpc>
+            </a:pPr>
+            <a:r>
+              <a:rPr lang="en-US" dirty="0"/>
+              <a:t>Dependence on parent company</a:t>
+            </a:r>
+          </a:p>
+          <a:p>
+            <a:pPr lvl="1">
+              <a:lnSpc>
+                <a:spcPct val="150000"/>
+              </a:lnSpc>
+            </a:pPr>
+            <a:r>
+              <a:rPr lang="en-US" dirty="0"/>
+              <a:t>Difficulty in attracting talent</a:t>
             </a:r>
           </a:p>
         </p:txBody>
@@ -13148,7 +13208,7 @@
           <p:cNvPr id="4" name="Slide Number Placeholder 3">
             <a:extLst>
               <a:ext uri="{FF2B5EF4-FFF2-40B4-BE49-F238E27FC236}">
-                <a16:creationId xmlns:a16="http://schemas.microsoft.com/office/drawing/2014/main" id="{36F5A52F-462A-4A89-8903-48535910416A}"/>
+                <a16:creationId xmlns:a16="http://schemas.microsoft.com/office/drawing/2014/main" id="{306FA173-5ABC-4D9D-84EC-A49F8BEF3420}"/>
               </a:ext>
             </a:extLst>
           </p:cNvPr>
@@ -13176,7 +13236,7 @@
     </p:spTree>
     <p:extLst>
       <p:ext uri="{BB962C8B-B14F-4D97-AF65-F5344CB8AC3E}">
-        <p14:creationId xmlns:p14="http://schemas.microsoft.com/office/powerpoint/2010/main" val="1566641394"/>
+        <p14:creationId xmlns:p14="http://schemas.microsoft.com/office/powerpoint/2010/main" val="1218668163"/>
       </p:ext>
     </p:extLst>
   </p:cSld>
@@ -13208,7 +13268,7 @@
           <p:cNvPr id="2" name="Title 1">
             <a:extLst>
               <a:ext uri="{FF2B5EF4-FFF2-40B4-BE49-F238E27FC236}">
-                <a16:creationId xmlns:a16="http://schemas.microsoft.com/office/drawing/2014/main" id="{4A1DD3F6-F42D-41FC-9A5E-E08B9DA64724}"/>
+                <a16:creationId xmlns:a16="http://schemas.microsoft.com/office/drawing/2014/main" id="{13B3BE7B-5ACA-4630-B0BF-6A786DB2EF0E}"/>
               </a:ext>
             </a:extLst>
           </p:cNvPr>
@@ -13226,7 +13286,7 @@
           <a:p>
             <a:r>
               <a:rPr lang="en-US" dirty="0"/>
-              <a:t>Liquidation</a:t>
+              <a:t>Examples of Successful Spin-Off Exit Strategies</a:t>
             </a:r>
           </a:p>
         </p:txBody>
@@ -13236,7 +13296,7 @@
           <p:cNvPr id="3" name="Content Placeholder 2">
             <a:extLst>
               <a:ext uri="{FF2B5EF4-FFF2-40B4-BE49-F238E27FC236}">
-                <a16:creationId xmlns:a16="http://schemas.microsoft.com/office/drawing/2014/main" id="{6901DE08-1E12-4190-8B6B-77249754E38E}"/>
+                <a16:creationId xmlns:a16="http://schemas.microsoft.com/office/drawing/2014/main" id="{9CA2FB5E-C388-4595-AE34-B3596B0A4458}"/>
               </a:ext>
             </a:extLst>
           </p:cNvPr>
@@ -13247,10 +13307,15 @@
             <p:ph idx="1"/>
           </p:nvPr>
         </p:nvSpPr>
-        <p:spPr/>
-        <p:txBody>
-          <a:bodyPr numCol="2">
-            <a:normAutofit/>
+        <p:spPr>
+          <a:xfrm>
+            <a:off x="347526" y="1207300"/>
+            <a:ext cx="11650767" cy="5055477"/>
+          </a:xfrm>
+        </p:spPr>
+        <p:txBody>
+          <a:bodyPr>
+            <a:normAutofit lnSpcReduction="10000"/>
           </a:bodyPr>
           <a:lstStyle/>
           <a:p>
@@ -13261,51 +13326,51 @@
             </a:pPr>
             <a:r>
               <a:rPr lang="en-US" dirty="0"/>
-              <a:t>Liquidation can offer several advantages, including:</a:t>
-            </a:r>
-          </a:p>
-          <a:p>
-            <a:pPr lvl="1">
+              <a:t>Google's spin-off of Calico, a life sciences company focused on aging and longevity.</a:t>
+            </a:r>
+          </a:p>
+          <a:p>
+            <a:pPr>
               <a:lnSpc>
                 <a:spcPct val="150000"/>
               </a:lnSpc>
             </a:pPr>
             <a:r>
               <a:rPr lang="en-US" dirty="0"/>
-              <a:t>Quickly converting assets into cash</a:t>
-            </a:r>
-          </a:p>
-          <a:p>
-            <a:pPr lvl="1">
+              <a:t>Apple's spin-off of Beats Electronics, a audio products company.</a:t>
+            </a:r>
+          </a:p>
+          <a:p>
+            <a:pPr>
               <a:lnSpc>
                 <a:spcPct val="150000"/>
               </a:lnSpc>
             </a:pPr>
             <a:r>
               <a:rPr lang="en-US" dirty="0"/>
-              <a:t>Reducing debt</a:t>
-            </a:r>
-          </a:p>
-          <a:p>
-            <a:pPr lvl="1">
+              <a:t>Amazon's spin-off of AWS, a cloud computing platform.</a:t>
+            </a:r>
+          </a:p>
+          <a:p>
+            <a:pPr>
               <a:lnSpc>
                 <a:spcPct val="150000"/>
               </a:lnSpc>
             </a:pPr>
             <a:r>
               <a:rPr lang="en-US" dirty="0"/>
-              <a:t>Closing down operations</a:t>
-            </a:r>
-          </a:p>
-          <a:p>
-            <a:pPr lvl="1">
+              <a:t>Microsoft's spin-off of LinkedIn, a professional networking platform.</a:t>
+            </a:r>
+          </a:p>
+          <a:p>
+            <a:pPr>
               <a:lnSpc>
                 <a:spcPct val="150000"/>
               </a:lnSpc>
             </a:pPr>
             <a:r>
               <a:rPr lang="en-US" dirty="0"/>
-              <a:t>Distribution to shareholders</a:t>
+              <a:t>Oracle's spin-off of NetSuite, a cloud-based business management software company.</a:t>
             </a:r>
           </a:p>
           <a:p>
@@ -13316,61 +13381,6 @@
             </a:pPr>
             <a:endParaRPr lang="en-US" dirty="0"/>
           </a:p>
-          <a:p>
-            <a:pPr>
-              <a:lnSpc>
-                <a:spcPct val="150000"/>
-              </a:lnSpc>
-            </a:pPr>
-            <a:r>
-              <a:rPr lang="en-US" dirty="0"/>
-              <a:t>Liquidation can also have some disadvantages, including:</a:t>
-            </a:r>
-          </a:p>
-          <a:p>
-            <a:pPr lvl="1">
-              <a:lnSpc>
-                <a:spcPct val="150000"/>
-              </a:lnSpc>
-            </a:pPr>
-            <a:r>
-              <a:rPr lang="en-US" dirty="0"/>
-              <a:t>Loss of control</a:t>
-            </a:r>
-          </a:p>
-          <a:p>
-            <a:pPr lvl="1">
-              <a:lnSpc>
-                <a:spcPct val="150000"/>
-              </a:lnSpc>
-            </a:pPr>
-            <a:r>
-              <a:rPr lang="en-US" dirty="0"/>
-              <a:t>Limited return</a:t>
-            </a:r>
-          </a:p>
-          <a:p>
-            <a:pPr lvl="1">
-              <a:lnSpc>
-                <a:spcPct val="150000"/>
-              </a:lnSpc>
-            </a:pPr>
-            <a:r>
-              <a:rPr lang="en-US" dirty="0"/>
-              <a:t>Negative impact on employees</a:t>
-            </a:r>
-          </a:p>
-          <a:p>
-            <a:pPr lvl="1">
-              <a:lnSpc>
-                <a:spcPct val="150000"/>
-              </a:lnSpc>
-            </a:pPr>
-            <a:r>
-              <a:rPr lang="en-US" dirty="0"/>
-              <a:t>Negative impact on reputation</a:t>
-            </a:r>
-          </a:p>
         </p:txBody>
       </p:sp>
       <p:sp>
@@ -13378,7 +13388,7 @@
           <p:cNvPr id="4" name="Slide Number Placeholder 3">
             <a:extLst>
               <a:ext uri="{FF2B5EF4-FFF2-40B4-BE49-F238E27FC236}">
-                <a16:creationId xmlns:a16="http://schemas.microsoft.com/office/drawing/2014/main" id="{306FA173-5ABC-4D9D-84EC-A49F8BEF3420}"/>
+                <a16:creationId xmlns:a16="http://schemas.microsoft.com/office/drawing/2014/main" id="{71A9E1AD-DDA9-40DF-AA9E-D58DECCB571C}"/>
               </a:ext>
             </a:extLst>
           </p:cNvPr>
@@ -13406,7 +13416,7 @@
     </p:spTree>
     <p:extLst>
       <p:ext uri="{BB962C8B-B14F-4D97-AF65-F5344CB8AC3E}">
-        <p14:creationId xmlns:p14="http://schemas.microsoft.com/office/powerpoint/2010/main" val="1622273348"/>
+        <p14:creationId xmlns:p14="http://schemas.microsoft.com/office/powerpoint/2010/main" val="2009355214"/>
       </p:ext>
     </p:extLst>
   </p:cSld>
@@ -13438,7 +13448,7 @@
           <p:cNvPr id="2" name="Title 1">
             <a:extLst>
               <a:ext uri="{FF2B5EF4-FFF2-40B4-BE49-F238E27FC236}">
-                <a16:creationId xmlns:a16="http://schemas.microsoft.com/office/drawing/2014/main" id="{0B25FF04-79BD-4BCD-8645-2B731A94BD1B}"/>
+                <a16:creationId xmlns:a16="http://schemas.microsoft.com/office/drawing/2014/main" id="{13B3BE7B-5ACA-4630-B0BF-6A786DB2EF0E}"/>
               </a:ext>
             </a:extLst>
           </p:cNvPr>
@@ -13451,14 +13461,12 @@
         </p:nvSpPr>
         <p:spPr/>
         <p:txBody>
-          <a:bodyPr>
-            <a:normAutofit fontScale="90000"/>
-          </a:bodyPr>
-          <a:lstStyle/>
-          <a:p>
-            <a:r>
-              <a:rPr lang="en-US" dirty="0"/>
-              <a:t>Examples of Successful Liquidation Exit Strategies</a:t>
+          <a:bodyPr/>
+          <a:lstStyle/>
+          <a:p>
+            <a:r>
+              <a:rPr lang="en-US" dirty="0"/>
+              <a:t>Examples of Successful Spin-Off Exit Strategies</a:t>
             </a:r>
           </a:p>
         </p:txBody>
@@ -13468,7 +13476,7 @@
           <p:cNvPr id="3" name="Content Placeholder 2">
             <a:extLst>
               <a:ext uri="{FF2B5EF4-FFF2-40B4-BE49-F238E27FC236}">
-                <a16:creationId xmlns:a16="http://schemas.microsoft.com/office/drawing/2014/main" id="{70F15126-4290-4B7A-B200-0D41E87042FA}"/>
+                <a16:creationId xmlns:a16="http://schemas.microsoft.com/office/drawing/2014/main" id="{9CA2FB5E-C388-4595-AE34-B3596B0A4458}"/>
               </a:ext>
             </a:extLst>
           </p:cNvPr>
@@ -13479,44 +13487,60 @@
             <p:ph idx="1"/>
           </p:nvPr>
         </p:nvSpPr>
-        <p:spPr/>
-        <p:txBody>
-          <a:bodyPr/>
-          <a:lstStyle/>
-          <a:p>
-            <a:r>
-              <a:rPr lang="en-US" dirty="0"/>
-              <a:t>Microsoft's liquidation of its smartphone business, which allowed the company to focus on its core software business.</a:t>
-            </a:r>
-          </a:p>
-          <a:p>
-            <a:r>
-              <a:rPr lang="en-US" dirty="0"/>
-              <a:t>Yahoo's liquidation of its core internet business, which resulted in a successful exit for shareholders.</a:t>
-            </a:r>
-          </a:p>
-          <a:p>
-            <a:r>
-              <a:rPr lang="en-US" dirty="0"/>
-              <a:t>Hewlett-Packard's liquidation of its </a:t>
-            </a:r>
-            <a:r>
-              <a:rPr lang="en-US" dirty="0" err="1"/>
-              <a:t>webOS</a:t>
-            </a:r>
-            <a:r>
-              <a:rPr lang="en-US" dirty="0"/>
-              <a:t> business, which allowed the company to focus on its core hardware and software businesses.</a:t>
-            </a:r>
-          </a:p>
-          <a:p>
-            <a:r>
-              <a:rPr lang="en-US" dirty="0"/>
-              <a:t>IBM's liquidation of its PC business, which allowed the company to focus on its core software and services businesses.</a:t>
-            </a:r>
-          </a:p>
-          <a:p>
-            <a:endParaRPr lang="en-US" dirty="0"/>
+        <p:spPr>
+          <a:xfrm>
+            <a:off x="347526" y="1207300"/>
+            <a:ext cx="11650767" cy="5055477"/>
+          </a:xfrm>
+        </p:spPr>
+        <p:txBody>
+          <a:bodyPr>
+            <a:normAutofit/>
+          </a:bodyPr>
+          <a:lstStyle/>
+          <a:p>
+            <a:pPr>
+              <a:lnSpc>
+                <a:spcPct val="150000"/>
+              </a:lnSpc>
+            </a:pPr>
+            <a:r>
+              <a:rPr lang="en-US" dirty="0"/>
+              <a:t>Carve-Out of a Specific Product or Service Line</a:t>
+            </a:r>
+          </a:p>
+          <a:p>
+            <a:pPr lvl="1">
+              <a:lnSpc>
+                <a:spcPct val="150000"/>
+              </a:lnSpc>
+            </a:pPr>
+            <a:r>
+              <a:rPr lang="en-US" dirty="0"/>
+              <a:t>Saudi Telecom Company's (STC) carve-out of its data center business into a separate entity, STC Data Centers.</a:t>
+            </a:r>
+          </a:p>
+          <a:p>
+            <a:pPr>
+              <a:lnSpc>
+                <a:spcPct val="150000"/>
+              </a:lnSpc>
+            </a:pPr>
+            <a:r>
+              <a:rPr lang="en-US" dirty="0"/>
+              <a:t>Spin-Off of a Research and Development (R&amp;D) Unit</a:t>
+            </a:r>
+          </a:p>
+          <a:p>
+            <a:pPr lvl="1">
+              <a:lnSpc>
+                <a:spcPct val="150000"/>
+              </a:lnSpc>
+            </a:pPr>
+            <a:r>
+              <a:rPr lang="en-US" dirty="0"/>
+              <a:t>King Abdullah University of Science and Technology (KAUST)'s spin-off of its R&amp;D unit, KAUST Innovation, into a separate entity.</a:t>
+            </a:r>
           </a:p>
         </p:txBody>
       </p:sp>
@@ -13525,7 +13549,7 @@
           <p:cNvPr id="4" name="Slide Number Placeholder 3">
             <a:extLst>
               <a:ext uri="{FF2B5EF4-FFF2-40B4-BE49-F238E27FC236}">
-                <a16:creationId xmlns:a16="http://schemas.microsoft.com/office/drawing/2014/main" id="{87877453-6E41-4CB9-9B80-DDC26A9BA17A}"/>
+                <a16:creationId xmlns:a16="http://schemas.microsoft.com/office/drawing/2014/main" id="{71A9E1AD-DDA9-40DF-AA9E-D58DECCB571C}"/>
               </a:ext>
             </a:extLst>
           </p:cNvPr>
@@ -13553,7 +13577,7 @@
     </p:spTree>
     <p:extLst>
       <p:ext uri="{BB962C8B-B14F-4D97-AF65-F5344CB8AC3E}">
-        <p14:creationId xmlns:p14="http://schemas.microsoft.com/office/powerpoint/2010/main" val="3313984287"/>
+        <p14:creationId xmlns:p14="http://schemas.microsoft.com/office/powerpoint/2010/main" val="1717172648"/>
       </p:ext>
     </p:extLst>
   </p:cSld>
@@ -13582,10 +13606,10 @@
       </p:grpSpPr>
       <p:sp>
         <p:nvSpPr>
-          <p:cNvPr id="5" name="Title 4">
+          <p:cNvPr id="2" name="Title 1">
             <a:extLst>
               <a:ext uri="{FF2B5EF4-FFF2-40B4-BE49-F238E27FC236}">
-                <a16:creationId xmlns:a16="http://schemas.microsoft.com/office/drawing/2014/main" id="{9EB5BB03-2EAE-4D74-863D-77980174B0C1}"/>
+                <a16:creationId xmlns:a16="http://schemas.microsoft.com/office/drawing/2014/main" id="{DF5A408A-5E12-4017-80A6-3816E868CB82}"/>
               </a:ext>
             </a:extLst>
           </p:cNvPr>
@@ -13598,24 +13622,22 @@
         </p:nvSpPr>
         <p:spPr/>
         <p:txBody>
-          <a:bodyPr>
-            <a:normAutofit/>
-          </a:bodyPr>
-          <a:lstStyle/>
-          <a:p>
-            <a:r>
-              <a:rPr lang="en-US" dirty="0"/>
-              <a:t>Factors to Consider When Choosing an Exit Strategy</a:t>
-            </a:r>
-          </a:p>
-        </p:txBody>
-      </p:sp>
-      <p:sp>
-        <p:nvSpPr>
-          <p:cNvPr id="6" name="Text Placeholder 5">
+          <a:bodyPr/>
+          <a:lstStyle/>
+          <a:p>
+            <a:r>
+              <a:rPr lang="en-US" dirty="0"/>
+              <a:t>Liquidation</a:t>
+            </a:r>
+          </a:p>
+        </p:txBody>
+      </p:sp>
+      <p:sp>
+        <p:nvSpPr>
+          <p:cNvPr id="3" name="Content Placeholder 2">
             <a:extLst>
               <a:ext uri="{FF2B5EF4-FFF2-40B4-BE49-F238E27FC236}">
-                <a16:creationId xmlns:a16="http://schemas.microsoft.com/office/drawing/2014/main" id="{C1581037-F26D-4194-AD61-E4DE343C418B}"/>
+                <a16:creationId xmlns:a16="http://schemas.microsoft.com/office/drawing/2014/main" id="{A63ABEC3-9654-469A-AEA8-A4B01DF33FB9}"/>
               </a:ext>
             </a:extLst>
           </p:cNvPr>
@@ -13623,15 +13645,30 @@
             <a:spLocks noGrp="1"/>
           </p:cNvSpPr>
           <p:nvPr>
-            <p:ph type="body" idx="1"/>
-          </p:nvPr>
-        </p:nvSpPr>
-        <p:spPr/>
-        <p:txBody>
-          <a:bodyPr/>
-          <a:lstStyle/>
-          <a:p>
-            <a:endParaRPr lang="en-US"/>
+            <p:ph idx="1"/>
+          </p:nvPr>
+        </p:nvSpPr>
+        <p:spPr/>
+        <p:txBody>
+          <a:bodyPr/>
+          <a:lstStyle/>
+          <a:p>
+            <a:r>
+              <a:rPr lang="en-US" dirty="0"/>
+              <a:t>The process of selling off a company's assets, such as property, equipment, and intellectual property, to convert them into cash or pay off debts.</a:t>
+            </a:r>
+          </a:p>
+          <a:p>
+            <a:r>
+              <a:rPr lang="en-US" dirty="0"/>
+              <a:t>Liquidation can be voluntary, where the company chooses to liquidate its assets, or involuntary, where a court or creditor forces the company into liquidation.</a:t>
+            </a:r>
+          </a:p>
+          <a:p>
+            <a:r>
+              <a:rPr lang="en-US" dirty="0"/>
+              <a:t>Liquidation can be used to wind up a company's operations, pay off debts, or distribute assets to shareholders.</a:t>
+            </a:r>
           </a:p>
         </p:txBody>
       </p:sp>
@@ -13640,7 +13677,7 @@
           <p:cNvPr id="4" name="Slide Number Placeholder 3">
             <a:extLst>
               <a:ext uri="{FF2B5EF4-FFF2-40B4-BE49-F238E27FC236}">
-                <a16:creationId xmlns:a16="http://schemas.microsoft.com/office/drawing/2014/main" id="{73EBAC77-48F1-4893-A693-233B59908677}"/>
+                <a16:creationId xmlns:a16="http://schemas.microsoft.com/office/drawing/2014/main" id="{36F5A52F-462A-4A89-8903-48535910416A}"/>
               </a:ext>
             </a:extLst>
           </p:cNvPr>
@@ -13668,7 +13705,7 @@
     </p:spTree>
     <p:extLst>
       <p:ext uri="{BB962C8B-B14F-4D97-AF65-F5344CB8AC3E}">
-        <p14:creationId xmlns:p14="http://schemas.microsoft.com/office/powerpoint/2010/main" val="2168073678"/>
+        <p14:creationId xmlns:p14="http://schemas.microsoft.com/office/powerpoint/2010/main" val="1566641394"/>
       </p:ext>
     </p:extLst>
   </p:cSld>
@@ -13697,10 +13734,10 @@
       </p:grpSpPr>
       <p:sp>
         <p:nvSpPr>
-          <p:cNvPr id="5" name="Title 4">
+          <p:cNvPr id="2" name="Title 1">
             <a:extLst>
               <a:ext uri="{FF2B5EF4-FFF2-40B4-BE49-F238E27FC236}">
-                <a16:creationId xmlns:a16="http://schemas.microsoft.com/office/drawing/2014/main" id="{8167A613-981E-4DD6-AB17-A33555706AF3}"/>
+                <a16:creationId xmlns:a16="http://schemas.microsoft.com/office/drawing/2014/main" id="{4A1DD3F6-F42D-41FC-9A5E-E08B9DA64724}"/>
               </a:ext>
             </a:extLst>
           </p:cNvPr>
@@ -13713,24 +13750,22 @@
         </p:nvSpPr>
         <p:spPr/>
         <p:txBody>
-          <a:bodyPr>
-            <a:normAutofit fontScale="90000"/>
-          </a:bodyPr>
-          <a:lstStyle/>
-          <a:p>
-            <a:r>
-              <a:rPr lang="en-US" dirty="0"/>
-              <a:t>Factors to Consider When Choosing an Exit Strategy</a:t>
-            </a:r>
-          </a:p>
-        </p:txBody>
-      </p:sp>
-      <p:sp>
-        <p:nvSpPr>
-          <p:cNvPr id="6" name="Content Placeholder 5">
+          <a:bodyPr/>
+          <a:lstStyle/>
+          <a:p>
+            <a:r>
+              <a:rPr lang="en-US" dirty="0"/>
+              <a:t>Liquidation</a:t>
+            </a:r>
+          </a:p>
+        </p:txBody>
+      </p:sp>
+      <p:sp>
+        <p:nvSpPr>
+          <p:cNvPr id="3" name="Content Placeholder 2">
             <a:extLst>
               <a:ext uri="{FF2B5EF4-FFF2-40B4-BE49-F238E27FC236}">
-                <a16:creationId xmlns:a16="http://schemas.microsoft.com/office/drawing/2014/main" id="{D4D3B840-FC62-42BD-B786-1097F82057ED}"/>
+                <a16:creationId xmlns:a16="http://schemas.microsoft.com/office/drawing/2014/main" id="{6901DE08-1E12-4190-8B6B-77249754E38E}"/>
               </a:ext>
             </a:extLst>
           </p:cNvPr>
@@ -13741,14 +13776,11 @@
             <p:ph idx="1"/>
           </p:nvPr>
         </p:nvSpPr>
-        <p:spPr>
-          <a:xfrm>
-            <a:off x="347526" y="1276710"/>
-            <a:ext cx="11650767" cy="4876262"/>
-          </a:xfrm>
-        </p:spPr>
-        <p:txBody>
-          <a:bodyPr/>
+        <p:spPr/>
+        <p:txBody>
+          <a:bodyPr numCol="2">
+            <a:normAutofit/>
+          </a:bodyPr>
           <a:lstStyle/>
           <a:p>
             <a:pPr>
@@ -13758,7 +13790,51 @@
             </a:pPr>
             <a:r>
               <a:rPr lang="en-US" dirty="0"/>
-              <a:t>Company goals and objectives</a:t>
+              <a:t>Liquidation can offer several advantages, including:</a:t>
+            </a:r>
+          </a:p>
+          <a:p>
+            <a:pPr lvl="1">
+              <a:lnSpc>
+                <a:spcPct val="150000"/>
+              </a:lnSpc>
+            </a:pPr>
+            <a:r>
+              <a:rPr lang="en-US" dirty="0"/>
+              <a:t>Quickly converting assets into cash</a:t>
+            </a:r>
+          </a:p>
+          <a:p>
+            <a:pPr lvl="1">
+              <a:lnSpc>
+                <a:spcPct val="150000"/>
+              </a:lnSpc>
+            </a:pPr>
+            <a:r>
+              <a:rPr lang="en-US" dirty="0"/>
+              <a:t>Reducing debt</a:t>
+            </a:r>
+          </a:p>
+          <a:p>
+            <a:pPr lvl="1">
+              <a:lnSpc>
+                <a:spcPct val="150000"/>
+              </a:lnSpc>
+            </a:pPr>
+            <a:r>
+              <a:rPr lang="en-US" dirty="0"/>
+              <a:t>Closing down operations</a:t>
+            </a:r>
+          </a:p>
+          <a:p>
+            <a:pPr lvl="1">
+              <a:lnSpc>
+                <a:spcPct val="150000"/>
+              </a:lnSpc>
+            </a:pPr>
+            <a:r>
+              <a:rPr lang="en-US" dirty="0"/>
+              <a:t>Distribution to shareholders</a:t>
             </a:r>
           </a:p>
           <a:p>
@@ -13767,10 +13843,7 @@
                 <a:spcPct val="150000"/>
               </a:lnSpc>
             </a:pPr>
-            <a:r>
-              <a:rPr lang="en-US" dirty="0"/>
-              <a:t>Market conditions</a:t>
-            </a:r>
+            <a:endParaRPr lang="en-US" dirty="0"/>
           </a:p>
           <a:p>
             <a:pPr>
@@ -13780,29 +13853,51 @@
             </a:pPr>
             <a:r>
               <a:rPr lang="en-US" dirty="0"/>
-              <a:t>Financial performance</a:t>
-            </a:r>
-          </a:p>
-          <a:p>
-            <a:pPr>
+              <a:t>Liquidation can also have some disadvantages, including:</a:t>
+            </a:r>
+          </a:p>
+          <a:p>
+            <a:pPr lvl="1">
               <a:lnSpc>
                 <a:spcPct val="150000"/>
               </a:lnSpc>
             </a:pPr>
             <a:r>
               <a:rPr lang="en-US" dirty="0"/>
-              <a:t>Competitive landscape</a:t>
-            </a:r>
-          </a:p>
-          <a:p>
-            <a:pPr>
+              <a:t>Loss of control</a:t>
+            </a:r>
+          </a:p>
+          <a:p>
+            <a:pPr lvl="1">
               <a:lnSpc>
                 <a:spcPct val="150000"/>
               </a:lnSpc>
             </a:pPr>
             <a:r>
               <a:rPr lang="en-US" dirty="0"/>
-              <a:t>Team dynamics and considerations</a:t>
+              <a:t>Limited return</a:t>
+            </a:r>
+          </a:p>
+          <a:p>
+            <a:pPr lvl="1">
+              <a:lnSpc>
+                <a:spcPct val="150000"/>
+              </a:lnSpc>
+            </a:pPr>
+            <a:r>
+              <a:rPr lang="en-US" dirty="0"/>
+              <a:t>Negative impact on employees</a:t>
+            </a:r>
+          </a:p>
+          <a:p>
+            <a:pPr lvl="1">
+              <a:lnSpc>
+                <a:spcPct val="150000"/>
+              </a:lnSpc>
+            </a:pPr>
+            <a:r>
+              <a:rPr lang="en-US" dirty="0"/>
+              <a:t>Negative impact on reputation</a:t>
             </a:r>
           </a:p>
         </p:txBody>
@@ -13812,7 +13907,7 @@
           <p:cNvPr id="4" name="Slide Number Placeholder 3">
             <a:extLst>
               <a:ext uri="{FF2B5EF4-FFF2-40B4-BE49-F238E27FC236}">
-                <a16:creationId xmlns:a16="http://schemas.microsoft.com/office/drawing/2014/main" id="{F989B6B0-152B-4926-907F-26C2F25B7F5C}"/>
+                <a16:creationId xmlns:a16="http://schemas.microsoft.com/office/drawing/2014/main" id="{306FA173-5ABC-4D9D-84EC-A49F8BEF3420}"/>
               </a:ext>
             </a:extLst>
           </p:cNvPr>
@@ -13830,16 +13925,17 @@
           <a:p>
             <a:fld id="{B8DACC02-A2BD-4578-8E03-6D891060A695}" type="slidenum">
               <a:rPr lang="en-US" smtClean="0"/>
+              <a:pPr/>
               <a:t>35</a:t>
             </a:fld>
-            <a:endParaRPr lang="en-US"/>
+            <a:endParaRPr lang="en-US" dirty="0"/>
           </a:p>
         </p:txBody>
       </p:sp>
     </p:spTree>
     <p:extLst>
       <p:ext uri="{BB962C8B-B14F-4D97-AF65-F5344CB8AC3E}">
-        <p14:creationId xmlns:p14="http://schemas.microsoft.com/office/powerpoint/2010/main" val="484604669"/>
+        <p14:creationId xmlns:p14="http://schemas.microsoft.com/office/powerpoint/2010/main" val="1622273348"/>
       </p:ext>
     </p:extLst>
   </p:cSld>
@@ -13871,7 +13967,7 @@
           <p:cNvPr id="2" name="Title 1">
             <a:extLst>
               <a:ext uri="{FF2B5EF4-FFF2-40B4-BE49-F238E27FC236}">
-                <a16:creationId xmlns:a16="http://schemas.microsoft.com/office/drawing/2014/main" id="{DD43EB9F-61F6-4475-8F15-D5FBB0D4D193}"/>
+                <a16:creationId xmlns:a16="http://schemas.microsoft.com/office/drawing/2014/main" id="{0B25FF04-79BD-4BCD-8645-2B731A94BD1B}"/>
               </a:ext>
             </a:extLst>
           </p:cNvPr>
@@ -13884,12 +13980,14 @@
         </p:nvSpPr>
         <p:spPr/>
         <p:txBody>
-          <a:bodyPr/>
-          <a:lstStyle/>
-          <a:p>
-            <a:r>
-              <a:rPr lang="en-US" dirty="0"/>
-              <a:t>Company Goals and Objectives</a:t>
+          <a:bodyPr>
+            <a:normAutofit fontScale="90000"/>
+          </a:bodyPr>
+          <a:lstStyle/>
+          <a:p>
+            <a:r>
+              <a:rPr lang="en-US" dirty="0"/>
+              <a:t>Examples of Successful Liquidation Exit Strategies</a:t>
             </a:r>
           </a:p>
         </p:txBody>
@@ -13899,7 +13997,7 @@
           <p:cNvPr id="3" name="Content Placeholder 2">
             <a:extLst>
               <a:ext uri="{FF2B5EF4-FFF2-40B4-BE49-F238E27FC236}">
-                <a16:creationId xmlns:a16="http://schemas.microsoft.com/office/drawing/2014/main" id="{6A9ED746-C120-47F6-B88D-1AB30ED57868}"/>
+                <a16:creationId xmlns:a16="http://schemas.microsoft.com/office/drawing/2014/main" id="{70F15126-4290-4B7A-B200-0D41E87042FA}"/>
               </a:ext>
             </a:extLst>
           </p:cNvPr>
@@ -13917,48 +14015,33 @@
           <a:p>
             <a:r>
               <a:rPr lang="en-US" dirty="0"/>
-              <a:t>Importance of aligning exit strategy with company goals and objectives</a:t>
-            </a:r>
-          </a:p>
-          <a:p>
-            <a:r>
-              <a:rPr lang="en-US" dirty="0"/>
-              <a:t>Examples of company goals and objectives that may influence exit strategy:</a:t>
-            </a:r>
-          </a:p>
-          <a:p>
-            <a:pPr lvl="1"/>
-            <a:r>
-              <a:rPr lang="en-US" dirty="0"/>
-              <a:t>Revenue growth</a:t>
-            </a:r>
-          </a:p>
-          <a:p>
-            <a:pPr lvl="1"/>
-            <a:r>
-              <a:rPr lang="en-US" dirty="0"/>
-              <a:t>Market share</a:t>
-            </a:r>
-          </a:p>
-          <a:p>
-            <a:pPr lvl="1"/>
-            <a:r>
-              <a:rPr lang="en-US" dirty="0"/>
-              <a:t>Innovation</a:t>
-            </a:r>
-          </a:p>
-          <a:p>
-            <a:pPr lvl="1"/>
-            <a:r>
-              <a:rPr lang="en-US" dirty="0"/>
-              <a:t>Customer satisfaction</a:t>
-            </a:r>
-          </a:p>
-          <a:p>
-            <a:pPr lvl="1"/>
-            <a:r>
-              <a:rPr lang="en-US" dirty="0"/>
-              <a:t>Financial performance</a:t>
+              <a:t>Microsoft's liquidation of its smartphone business, which allowed the company to focus on its core software business.</a:t>
+            </a:r>
+          </a:p>
+          <a:p>
+            <a:r>
+              <a:rPr lang="en-US" dirty="0"/>
+              <a:t>Yahoo's liquidation of its core internet business, which resulted in a successful exit for shareholders.</a:t>
+            </a:r>
+          </a:p>
+          <a:p>
+            <a:r>
+              <a:rPr lang="en-US" dirty="0"/>
+              <a:t>Hewlett-Packard's liquidation of its </a:t>
+            </a:r>
+            <a:r>
+              <a:rPr lang="en-US" dirty="0" err="1"/>
+              <a:t>webOS</a:t>
+            </a:r>
+            <a:r>
+              <a:rPr lang="en-US" dirty="0"/>
+              <a:t> business, which allowed the company to focus on its core hardware and software businesses.</a:t>
+            </a:r>
+          </a:p>
+          <a:p>
+            <a:r>
+              <a:rPr lang="en-US" dirty="0"/>
+              <a:t>IBM's liquidation of its PC business, which allowed the company to focus on its core software and services businesses.</a:t>
             </a:r>
           </a:p>
           <a:p>
@@ -13971,7 +14054,7 @@
           <p:cNvPr id="4" name="Slide Number Placeholder 3">
             <a:extLst>
               <a:ext uri="{FF2B5EF4-FFF2-40B4-BE49-F238E27FC236}">
-                <a16:creationId xmlns:a16="http://schemas.microsoft.com/office/drawing/2014/main" id="{02A1F9E7-64AD-4735-A67E-30BBBEF22FEA}"/>
+                <a16:creationId xmlns:a16="http://schemas.microsoft.com/office/drawing/2014/main" id="{87877453-6E41-4CB9-9B80-DDC26A9BA17A}"/>
               </a:ext>
             </a:extLst>
           </p:cNvPr>
@@ -13999,7 +14082,7 @@
     </p:spTree>
     <p:extLst>
       <p:ext uri="{BB962C8B-B14F-4D97-AF65-F5344CB8AC3E}">
-        <p14:creationId xmlns:p14="http://schemas.microsoft.com/office/powerpoint/2010/main" val="3459553182"/>
+        <p14:creationId xmlns:p14="http://schemas.microsoft.com/office/powerpoint/2010/main" val="3313984287"/>
       </p:ext>
     </p:extLst>
   </p:cSld>
@@ -14028,10 +14111,10 @@
       </p:grpSpPr>
       <p:sp>
         <p:nvSpPr>
-          <p:cNvPr id="2" name="Title 1">
+          <p:cNvPr id="5" name="Title 4">
             <a:extLst>
               <a:ext uri="{FF2B5EF4-FFF2-40B4-BE49-F238E27FC236}">
-                <a16:creationId xmlns:a16="http://schemas.microsoft.com/office/drawing/2014/main" id="{CD687C24-B04D-4A13-A052-D7E3E159DDD4}"/>
+                <a16:creationId xmlns:a16="http://schemas.microsoft.com/office/drawing/2014/main" id="{9EB5BB03-2EAE-4D74-863D-77980174B0C1}"/>
               </a:ext>
             </a:extLst>
           </p:cNvPr>
@@ -14044,22 +14127,24 @@
         </p:nvSpPr>
         <p:spPr/>
         <p:txBody>
-          <a:bodyPr/>
-          <a:lstStyle/>
-          <a:p>
-            <a:r>
-              <a:rPr lang="en-US" dirty="0"/>
-              <a:t>Market Conditions</a:t>
-            </a:r>
-          </a:p>
-        </p:txBody>
-      </p:sp>
-      <p:sp>
-        <p:nvSpPr>
-          <p:cNvPr id="3" name="Content Placeholder 2">
+          <a:bodyPr>
+            <a:normAutofit/>
+          </a:bodyPr>
+          <a:lstStyle/>
+          <a:p>
+            <a:r>
+              <a:rPr lang="en-US" dirty="0"/>
+              <a:t>Factors to Consider When Choosing an Exit Strategy</a:t>
+            </a:r>
+          </a:p>
+        </p:txBody>
+      </p:sp>
+      <p:sp>
+        <p:nvSpPr>
+          <p:cNvPr id="6" name="Text Placeholder 5">
             <a:extLst>
               <a:ext uri="{FF2B5EF4-FFF2-40B4-BE49-F238E27FC236}">
-                <a16:creationId xmlns:a16="http://schemas.microsoft.com/office/drawing/2014/main" id="{8E2F2243-FCC7-45B4-8897-E52B81D5CFD4}"/>
+                <a16:creationId xmlns:a16="http://schemas.microsoft.com/office/drawing/2014/main" id="{C1581037-F26D-4194-AD61-E4DE343C418B}"/>
               </a:ext>
             </a:extLst>
           </p:cNvPr>
@@ -14067,67 +14152,15 @@
             <a:spLocks noGrp="1"/>
           </p:cNvSpPr>
           <p:nvPr>
-            <p:ph idx="1"/>
-          </p:nvPr>
-        </p:nvSpPr>
-        <p:spPr/>
-        <p:txBody>
-          <a:bodyPr>
-            <a:normAutofit/>
-          </a:bodyPr>
-          <a:lstStyle/>
-          <a:p>
-            <a:r>
-              <a:rPr lang="en-US" dirty="0"/>
-              <a:t>Importance of considering market conditions when choosing an exit strategy</a:t>
-            </a:r>
-          </a:p>
-          <a:p>
-            <a:r>
-              <a:rPr lang="en-US" dirty="0"/>
-              <a:t>Examples of market conditions that may influence exit strategy:</a:t>
-            </a:r>
-          </a:p>
-          <a:p>
-            <a:pPr lvl="1"/>
-            <a:r>
-              <a:rPr lang="en-US" dirty="0"/>
-              <a:t>Market size and growth potential</a:t>
-            </a:r>
-          </a:p>
-          <a:p>
-            <a:pPr lvl="1"/>
-            <a:r>
-              <a:rPr lang="en-US" dirty="0"/>
-              <a:t>Competition</a:t>
-            </a:r>
-          </a:p>
-          <a:p>
-            <a:pPr lvl="1"/>
-            <a:r>
-              <a:rPr lang="en-US" dirty="0"/>
-              <a:t>Customer needs and preferences</a:t>
-            </a:r>
-          </a:p>
-          <a:p>
-            <a:pPr lvl="1"/>
-            <a:r>
-              <a:rPr lang="en-US" dirty="0"/>
-              <a:t>Technological advancements</a:t>
-            </a:r>
-          </a:p>
-          <a:p>
-            <a:pPr lvl="1"/>
-            <a:r>
-              <a:rPr lang="en-US" dirty="0"/>
-              <a:t>Economic conditions</a:t>
-            </a:r>
-          </a:p>
-          <a:p>
-            <a:endParaRPr lang="en-US" dirty="0"/>
-          </a:p>
-          <a:p>
-            <a:endParaRPr lang="en-US" dirty="0"/>
+            <p:ph type="body" idx="1"/>
+          </p:nvPr>
+        </p:nvSpPr>
+        <p:spPr/>
+        <p:txBody>
+          <a:bodyPr/>
+          <a:lstStyle/>
+          <a:p>
+            <a:endParaRPr lang="en-US"/>
           </a:p>
         </p:txBody>
       </p:sp>
@@ -14136,7 +14169,7 @@
           <p:cNvPr id="4" name="Slide Number Placeholder 3">
             <a:extLst>
               <a:ext uri="{FF2B5EF4-FFF2-40B4-BE49-F238E27FC236}">
-                <a16:creationId xmlns:a16="http://schemas.microsoft.com/office/drawing/2014/main" id="{A48269C8-8464-4BBE-ACC3-CC66942A9549}"/>
+                <a16:creationId xmlns:a16="http://schemas.microsoft.com/office/drawing/2014/main" id="{73EBAC77-48F1-4893-A693-233B59908677}"/>
               </a:ext>
             </a:extLst>
           </p:cNvPr>
@@ -14164,7 +14197,7 @@
     </p:spTree>
     <p:extLst>
       <p:ext uri="{BB962C8B-B14F-4D97-AF65-F5344CB8AC3E}">
-        <p14:creationId xmlns:p14="http://schemas.microsoft.com/office/powerpoint/2010/main" val="3495377048"/>
+        <p14:creationId xmlns:p14="http://schemas.microsoft.com/office/powerpoint/2010/main" val="2168073678"/>
       </p:ext>
     </p:extLst>
   </p:cSld>
@@ -14193,10 +14226,10 @@
       </p:grpSpPr>
       <p:sp>
         <p:nvSpPr>
-          <p:cNvPr id="2" name="Title 1">
+          <p:cNvPr id="5" name="Title 4">
             <a:extLst>
               <a:ext uri="{FF2B5EF4-FFF2-40B4-BE49-F238E27FC236}">
-                <a16:creationId xmlns:a16="http://schemas.microsoft.com/office/drawing/2014/main" id="{95A84E4C-AE3D-4E92-99CA-F3B1201B7EB9}"/>
+                <a16:creationId xmlns:a16="http://schemas.microsoft.com/office/drawing/2014/main" id="{8167A613-981E-4DD6-AB17-A33555706AF3}"/>
               </a:ext>
             </a:extLst>
           </p:cNvPr>
@@ -14209,22 +14242,24 @@
         </p:nvSpPr>
         <p:spPr/>
         <p:txBody>
-          <a:bodyPr/>
-          <a:lstStyle/>
-          <a:p>
-            <a:r>
-              <a:rPr lang="en-US" dirty="0"/>
-              <a:t>Financial Performance</a:t>
-            </a:r>
-          </a:p>
-        </p:txBody>
-      </p:sp>
-      <p:sp>
-        <p:nvSpPr>
-          <p:cNvPr id="3" name="Content Placeholder 2">
+          <a:bodyPr>
+            <a:normAutofit fontScale="90000"/>
+          </a:bodyPr>
+          <a:lstStyle/>
+          <a:p>
+            <a:r>
+              <a:rPr lang="en-US" dirty="0"/>
+              <a:t>Factors to Consider When Choosing an Exit Strategy</a:t>
+            </a:r>
+          </a:p>
+        </p:txBody>
+      </p:sp>
+      <p:sp>
+        <p:nvSpPr>
+          <p:cNvPr id="6" name="Content Placeholder 5">
             <a:extLst>
               <a:ext uri="{FF2B5EF4-FFF2-40B4-BE49-F238E27FC236}">
-                <a16:creationId xmlns:a16="http://schemas.microsoft.com/office/drawing/2014/main" id="{B46DE3B9-A278-4A49-9227-4C446A7612F0}"/>
+                <a16:creationId xmlns:a16="http://schemas.microsoft.com/office/drawing/2014/main" id="{D4D3B840-FC62-42BD-B786-1097F82057ED}"/>
               </a:ext>
             </a:extLst>
           </p:cNvPr>
@@ -14235,64 +14270,69 @@
             <p:ph idx="1"/>
           </p:nvPr>
         </p:nvSpPr>
-        <p:spPr/>
-        <p:txBody>
-          <a:bodyPr>
-            <a:normAutofit/>
-          </a:bodyPr>
-          <a:lstStyle/>
-          <a:p>
-            <a:r>
-              <a:rPr lang="en-US" dirty="0"/>
-              <a:t>Importance of financial performance in choosing an exit strategy</a:t>
-            </a:r>
-          </a:p>
-          <a:p>
-            <a:r>
-              <a:rPr lang="en-US" dirty="0"/>
-              <a:t>Examples of financial metrics that may influence exit strategy:</a:t>
-            </a:r>
-          </a:p>
-          <a:p>
-            <a:pPr lvl="1"/>
-            <a:r>
-              <a:rPr lang="en-US" dirty="0"/>
-              <a:t>Revenue</a:t>
-            </a:r>
-          </a:p>
-          <a:p>
-            <a:pPr lvl="1"/>
-            <a:r>
-              <a:rPr lang="en-US" dirty="0"/>
-              <a:t>Profitability</a:t>
-            </a:r>
-          </a:p>
-          <a:p>
-            <a:pPr lvl="1"/>
-            <a:r>
-              <a:rPr lang="en-US" dirty="0"/>
-              <a:t>Cash flow</a:t>
-            </a:r>
-          </a:p>
-          <a:p>
-            <a:pPr lvl="1"/>
-            <a:r>
-              <a:rPr lang="en-US" dirty="0"/>
-              <a:t>Valuation</a:t>
-            </a:r>
-          </a:p>
-          <a:p>
-            <a:pPr lvl="1"/>
-            <a:r>
-              <a:rPr lang="en-US" dirty="0"/>
-              <a:t>Return on investment (ROI)</a:t>
-            </a:r>
-          </a:p>
-          <a:p>
-            <a:endParaRPr lang="en-US" dirty="0"/>
-          </a:p>
-          <a:p>
-            <a:endParaRPr lang="en-US" dirty="0"/>
+        <p:spPr>
+          <a:xfrm>
+            <a:off x="347526" y="1276710"/>
+            <a:ext cx="11650767" cy="4876262"/>
+          </a:xfrm>
+        </p:spPr>
+        <p:txBody>
+          <a:bodyPr/>
+          <a:lstStyle/>
+          <a:p>
+            <a:pPr>
+              <a:lnSpc>
+                <a:spcPct val="150000"/>
+              </a:lnSpc>
+            </a:pPr>
+            <a:r>
+              <a:rPr lang="en-US" dirty="0"/>
+              <a:t>Company goals and objectives</a:t>
+            </a:r>
+          </a:p>
+          <a:p>
+            <a:pPr>
+              <a:lnSpc>
+                <a:spcPct val="150000"/>
+              </a:lnSpc>
+            </a:pPr>
+            <a:r>
+              <a:rPr lang="en-US" dirty="0"/>
+              <a:t>Market conditions</a:t>
+            </a:r>
+          </a:p>
+          <a:p>
+            <a:pPr>
+              <a:lnSpc>
+                <a:spcPct val="150000"/>
+              </a:lnSpc>
+            </a:pPr>
+            <a:r>
+              <a:rPr lang="en-US" dirty="0"/>
+              <a:t>Financial performance</a:t>
+            </a:r>
+          </a:p>
+          <a:p>
+            <a:pPr>
+              <a:lnSpc>
+                <a:spcPct val="150000"/>
+              </a:lnSpc>
+            </a:pPr>
+            <a:r>
+              <a:rPr lang="en-US" dirty="0"/>
+              <a:t>Competitive landscape</a:t>
+            </a:r>
+          </a:p>
+          <a:p>
+            <a:pPr>
+              <a:lnSpc>
+                <a:spcPct val="150000"/>
+              </a:lnSpc>
+            </a:pPr>
+            <a:r>
+              <a:rPr lang="en-US" dirty="0"/>
+              <a:t>Team dynamics and considerations</a:t>
+            </a:r>
           </a:p>
         </p:txBody>
       </p:sp>
@@ -14301,7 +14341,7 @@
           <p:cNvPr id="4" name="Slide Number Placeholder 3">
             <a:extLst>
               <a:ext uri="{FF2B5EF4-FFF2-40B4-BE49-F238E27FC236}">
-                <a16:creationId xmlns:a16="http://schemas.microsoft.com/office/drawing/2014/main" id="{53108909-AFB6-4286-A6E5-B42B431A6A97}"/>
+                <a16:creationId xmlns:a16="http://schemas.microsoft.com/office/drawing/2014/main" id="{F989B6B0-152B-4926-907F-26C2F25B7F5C}"/>
               </a:ext>
             </a:extLst>
           </p:cNvPr>
@@ -14319,17 +14359,16 @@
           <a:p>
             <a:fld id="{B8DACC02-A2BD-4578-8E03-6D891060A695}" type="slidenum">
               <a:rPr lang="en-US" smtClean="0"/>
-              <a:pPr/>
               <a:t>38</a:t>
             </a:fld>
-            <a:endParaRPr lang="en-US" dirty="0"/>
+            <a:endParaRPr lang="en-US"/>
           </a:p>
         </p:txBody>
       </p:sp>
     </p:spTree>
     <p:extLst>
       <p:ext uri="{BB962C8B-B14F-4D97-AF65-F5344CB8AC3E}">
-        <p14:creationId xmlns:p14="http://schemas.microsoft.com/office/powerpoint/2010/main" val="932751762"/>
+        <p14:creationId xmlns:p14="http://schemas.microsoft.com/office/powerpoint/2010/main" val="484604669"/>
       </p:ext>
     </p:extLst>
   </p:cSld>
@@ -14361,7 +14400,7 @@
           <p:cNvPr id="2" name="Title 1">
             <a:extLst>
               <a:ext uri="{FF2B5EF4-FFF2-40B4-BE49-F238E27FC236}">
-                <a16:creationId xmlns:a16="http://schemas.microsoft.com/office/drawing/2014/main" id="{87AB4CA9-8BFF-402F-B859-EF9C8D0A6B8E}"/>
+                <a16:creationId xmlns:a16="http://schemas.microsoft.com/office/drawing/2014/main" id="{DD43EB9F-61F6-4475-8F15-D5FBB0D4D193}"/>
               </a:ext>
             </a:extLst>
           </p:cNvPr>
@@ -14379,7 +14418,7 @@
           <a:p>
             <a:r>
               <a:rPr lang="en-US" dirty="0"/>
-              <a:t>Competitive Landscape</a:t>
+              <a:t>Company Goals and Objectives</a:t>
             </a:r>
           </a:p>
         </p:txBody>
@@ -14389,7 +14428,7 @@
           <p:cNvPr id="3" name="Content Placeholder 2">
             <a:extLst>
               <a:ext uri="{FF2B5EF4-FFF2-40B4-BE49-F238E27FC236}">
-                <a16:creationId xmlns:a16="http://schemas.microsoft.com/office/drawing/2014/main" id="{18E53BBA-1A8A-4CE2-9EAC-53B2B0306BEB}"/>
+                <a16:creationId xmlns:a16="http://schemas.microsoft.com/office/drawing/2014/main" id="{6A9ED746-C120-47F6-B88D-1AB30ED57868}"/>
               </a:ext>
             </a:extLst>
           </p:cNvPr>
@@ -14402,59 +14441,54 @@
         </p:nvSpPr>
         <p:spPr/>
         <p:txBody>
-          <a:bodyPr>
-            <a:normAutofit/>
-          </a:bodyPr>
-          <a:lstStyle/>
-          <a:p>
-            <a:r>
-              <a:rPr lang="en-US" dirty="0"/>
-              <a:t>Importance of considering the competitive landscape when choosing an exit strategy</a:t>
-            </a:r>
-          </a:p>
-          <a:p>
-            <a:r>
-              <a:rPr lang="en-US" dirty="0"/>
-              <a:t>Examples of factors that may influence exit strategy:</a:t>
+          <a:bodyPr/>
+          <a:lstStyle/>
+          <a:p>
+            <a:r>
+              <a:rPr lang="en-US" dirty="0"/>
+              <a:t>Importance of aligning exit strategy with company goals and objectives</a:t>
+            </a:r>
+          </a:p>
+          <a:p>
+            <a:r>
+              <a:rPr lang="en-US" dirty="0"/>
+              <a:t>Examples of company goals and objectives that may influence exit strategy:</a:t>
             </a:r>
           </a:p>
           <a:p>
             <a:pPr lvl="1"/>
             <a:r>
               <a:rPr lang="en-US" dirty="0"/>
-              <a:t>Number of competitors</a:t>
+              <a:t>Revenue growth</a:t>
             </a:r>
           </a:p>
           <a:p>
             <a:pPr lvl="1"/>
             <a:r>
               <a:rPr lang="en-US" dirty="0"/>
-              <a:t>Competitor size and strength</a:t>
+              <a:t>Market share</a:t>
             </a:r>
           </a:p>
           <a:p>
             <a:pPr lvl="1"/>
             <a:r>
               <a:rPr lang="en-US" dirty="0"/>
-              <a:t>Competitor market share</a:t>
+              <a:t>Innovation</a:t>
             </a:r>
           </a:p>
           <a:p>
             <a:pPr lvl="1"/>
             <a:r>
               <a:rPr lang="en-US" dirty="0"/>
-              <a:t>Competitor pricing and product offerings</a:t>
+              <a:t>Customer satisfaction</a:t>
             </a:r>
           </a:p>
           <a:p>
             <a:pPr lvl="1"/>
             <a:r>
               <a:rPr lang="en-US" dirty="0"/>
-              <a:t>Barriers to entry</a:t>
-            </a:r>
-          </a:p>
-          <a:p>
-            <a:endParaRPr lang="en-US" dirty="0"/>
+              <a:t>Financial performance</a:t>
+            </a:r>
           </a:p>
           <a:p>
             <a:endParaRPr lang="en-US" dirty="0"/>
@@ -14466,7 +14500,7 @@
           <p:cNvPr id="4" name="Slide Number Placeholder 3">
             <a:extLst>
               <a:ext uri="{FF2B5EF4-FFF2-40B4-BE49-F238E27FC236}">
-                <a16:creationId xmlns:a16="http://schemas.microsoft.com/office/drawing/2014/main" id="{558C2AAE-50FA-4CE4-B617-35F8EB18AFBA}"/>
+                <a16:creationId xmlns:a16="http://schemas.microsoft.com/office/drawing/2014/main" id="{02A1F9E7-64AD-4735-A67E-30BBBEF22FEA}"/>
               </a:ext>
             </a:extLst>
           </p:cNvPr>
@@ -14494,7 +14528,7 @@
     </p:spTree>
     <p:extLst>
       <p:ext uri="{BB962C8B-B14F-4D97-AF65-F5344CB8AC3E}">
-        <p14:creationId xmlns:p14="http://schemas.microsoft.com/office/powerpoint/2010/main" val="218092142"/>
+        <p14:creationId xmlns:p14="http://schemas.microsoft.com/office/powerpoint/2010/main" val="3459553182"/>
       </p:ext>
     </p:extLst>
   </p:cSld>
@@ -14671,7 +14705,7 @@
           <p:cNvPr id="2" name="Title 1">
             <a:extLst>
               <a:ext uri="{FF2B5EF4-FFF2-40B4-BE49-F238E27FC236}">
-                <a16:creationId xmlns:a16="http://schemas.microsoft.com/office/drawing/2014/main" id="{BA38D6A2-45C5-400F-B4A3-36EF04AD7C9B}"/>
+                <a16:creationId xmlns:a16="http://schemas.microsoft.com/office/drawing/2014/main" id="{CD687C24-B04D-4A13-A052-D7E3E159DDD4}"/>
               </a:ext>
             </a:extLst>
           </p:cNvPr>
@@ -14689,7 +14723,7 @@
           <a:p>
             <a:r>
               <a:rPr lang="en-US" dirty="0"/>
-              <a:t>Team Dynamics and Considerations</a:t>
+              <a:t>Market Conditions</a:t>
             </a:r>
           </a:p>
         </p:txBody>
@@ -14699,7 +14733,7 @@
           <p:cNvPr id="3" name="Content Placeholder 2">
             <a:extLst>
               <a:ext uri="{FF2B5EF4-FFF2-40B4-BE49-F238E27FC236}">
-                <a16:creationId xmlns:a16="http://schemas.microsoft.com/office/drawing/2014/main" id="{6E676C8B-0F84-4D4E-9974-EEE4E37739A6}"/>
+                <a16:creationId xmlns:a16="http://schemas.microsoft.com/office/drawing/2014/main" id="{8E2F2243-FCC7-45B4-8897-E52B81D5CFD4}"/>
               </a:ext>
             </a:extLst>
           </p:cNvPr>
@@ -14719,48 +14753,48 @@
           <a:p>
             <a:r>
               <a:rPr lang="en-US" dirty="0"/>
-              <a:t>Importance of considering team dynamics and considerations when choosing an exit strategy</a:t>
-            </a:r>
-          </a:p>
-          <a:p>
-            <a:r>
-              <a:rPr lang="en-US" dirty="0"/>
-              <a:t>Examples of team dynamics and considerations that may influence exit strategy:</a:t>
+              <a:t>Importance of considering market conditions when choosing an exit strategy</a:t>
+            </a:r>
+          </a:p>
+          <a:p>
+            <a:r>
+              <a:rPr lang="en-US" dirty="0"/>
+              <a:t>Examples of market conditions that may influence exit strategy:</a:t>
             </a:r>
           </a:p>
           <a:p>
             <a:pPr lvl="1"/>
             <a:r>
               <a:rPr lang="en-US" dirty="0"/>
-              <a:t>Team size and structure</a:t>
+              <a:t>Market size and growth potential</a:t>
             </a:r>
           </a:p>
           <a:p>
             <a:pPr lvl="1"/>
             <a:r>
               <a:rPr lang="en-US" dirty="0"/>
-              <a:t>Employee retention and turnover</a:t>
+              <a:t>Competition</a:t>
             </a:r>
           </a:p>
           <a:p>
             <a:pPr lvl="1"/>
             <a:r>
               <a:rPr lang="en-US" dirty="0"/>
-              <a:t>Team expertise and skills</a:t>
+              <a:t>Customer needs and preferences</a:t>
             </a:r>
           </a:p>
           <a:p>
             <a:pPr lvl="1"/>
             <a:r>
               <a:rPr lang="en-US" dirty="0"/>
-              <a:t>Team alignment with company goals and objectives</a:t>
+              <a:t>Technological advancements</a:t>
             </a:r>
           </a:p>
           <a:p>
             <a:pPr lvl="1"/>
             <a:r>
               <a:rPr lang="en-US" dirty="0"/>
-              <a:t>Employee ownership and equity</a:t>
+              <a:t>Economic conditions</a:t>
             </a:r>
           </a:p>
           <a:p>
@@ -14776,7 +14810,7 @@
           <p:cNvPr id="4" name="Slide Number Placeholder 3">
             <a:extLst>
               <a:ext uri="{FF2B5EF4-FFF2-40B4-BE49-F238E27FC236}">
-                <a16:creationId xmlns:a16="http://schemas.microsoft.com/office/drawing/2014/main" id="{428F6997-A22D-48DF-A873-C30F61AFA05A}"/>
+                <a16:creationId xmlns:a16="http://schemas.microsoft.com/office/drawing/2014/main" id="{A48269C8-8464-4BBE-ACC3-CC66942A9549}"/>
               </a:ext>
             </a:extLst>
           </p:cNvPr>
@@ -14804,7 +14838,7 @@
     </p:spTree>
     <p:extLst>
       <p:ext uri="{BB962C8B-B14F-4D97-AF65-F5344CB8AC3E}">
-        <p14:creationId xmlns:p14="http://schemas.microsoft.com/office/powerpoint/2010/main" val="2181341130"/>
+        <p14:creationId xmlns:p14="http://schemas.microsoft.com/office/powerpoint/2010/main" val="3495377048"/>
       </p:ext>
     </p:extLst>
   </p:cSld>
@@ -14833,10 +14867,10 @@
       </p:grpSpPr>
       <p:sp>
         <p:nvSpPr>
-          <p:cNvPr id="5" name="Title 4">
+          <p:cNvPr id="2" name="Title 1">
             <a:extLst>
               <a:ext uri="{FF2B5EF4-FFF2-40B4-BE49-F238E27FC236}">
-                <a16:creationId xmlns:a16="http://schemas.microsoft.com/office/drawing/2014/main" id="{9EB5BB03-2EAE-4D74-863D-77980174B0C1}"/>
+                <a16:creationId xmlns:a16="http://schemas.microsoft.com/office/drawing/2014/main" id="{95A84E4C-AE3D-4E92-99CA-F3B1201B7EB9}"/>
               </a:ext>
             </a:extLst>
           </p:cNvPr>
@@ -14849,6 +14883,34 @@
         </p:nvSpPr>
         <p:spPr/>
         <p:txBody>
+          <a:bodyPr/>
+          <a:lstStyle/>
+          <a:p>
+            <a:r>
+              <a:rPr lang="en-US" dirty="0"/>
+              <a:t>Financial Performance</a:t>
+            </a:r>
+          </a:p>
+        </p:txBody>
+      </p:sp>
+      <p:sp>
+        <p:nvSpPr>
+          <p:cNvPr id="3" name="Content Placeholder 2">
+            <a:extLst>
+              <a:ext uri="{FF2B5EF4-FFF2-40B4-BE49-F238E27FC236}">
+                <a16:creationId xmlns:a16="http://schemas.microsoft.com/office/drawing/2014/main" id="{B46DE3B9-A278-4A49-9227-4C446A7612F0}"/>
+              </a:ext>
+            </a:extLst>
+          </p:cNvPr>
+          <p:cNvSpPr>
+            <a:spLocks noGrp="1"/>
+          </p:cNvSpPr>
+          <p:nvPr>
+            <p:ph idx="1"/>
+          </p:nvPr>
+        </p:nvSpPr>
+        <p:spPr/>
+        <p:txBody>
           <a:bodyPr>
             <a:normAutofit/>
           </a:bodyPr>
@@ -14856,33 +14918,55 @@
           <a:p>
             <a:r>
               <a:rPr lang="en-US" dirty="0"/>
-              <a:t>Preparing for an Exit Strategy</a:t>
-            </a:r>
-          </a:p>
-        </p:txBody>
-      </p:sp>
-      <p:sp>
-        <p:nvSpPr>
-          <p:cNvPr id="6" name="Text Placeholder 5">
-            <a:extLst>
-              <a:ext uri="{FF2B5EF4-FFF2-40B4-BE49-F238E27FC236}">
-                <a16:creationId xmlns:a16="http://schemas.microsoft.com/office/drawing/2014/main" id="{C1581037-F26D-4194-AD61-E4DE343C418B}"/>
-              </a:ext>
-            </a:extLst>
-          </p:cNvPr>
-          <p:cNvSpPr>
-            <a:spLocks noGrp="1"/>
-          </p:cNvSpPr>
-          <p:nvPr>
-            <p:ph type="body" idx="1"/>
-          </p:nvPr>
-        </p:nvSpPr>
-        <p:spPr/>
-        <p:txBody>
-          <a:bodyPr/>
-          <a:lstStyle/>
-          <a:p>
-            <a:endParaRPr lang="en-US"/>
+              <a:t>Importance of financial performance in choosing an exit strategy</a:t>
+            </a:r>
+          </a:p>
+          <a:p>
+            <a:r>
+              <a:rPr lang="en-US" dirty="0"/>
+              <a:t>Examples of financial metrics that may influence exit strategy:</a:t>
+            </a:r>
+          </a:p>
+          <a:p>
+            <a:pPr lvl="1"/>
+            <a:r>
+              <a:rPr lang="en-US" dirty="0"/>
+              <a:t>Revenue</a:t>
+            </a:r>
+          </a:p>
+          <a:p>
+            <a:pPr lvl="1"/>
+            <a:r>
+              <a:rPr lang="en-US" dirty="0"/>
+              <a:t>Profitability</a:t>
+            </a:r>
+          </a:p>
+          <a:p>
+            <a:pPr lvl="1"/>
+            <a:r>
+              <a:rPr lang="en-US" dirty="0"/>
+              <a:t>Cash flow</a:t>
+            </a:r>
+          </a:p>
+          <a:p>
+            <a:pPr lvl="1"/>
+            <a:r>
+              <a:rPr lang="en-US" dirty="0"/>
+              <a:t>Valuation</a:t>
+            </a:r>
+          </a:p>
+          <a:p>
+            <a:pPr lvl="1"/>
+            <a:r>
+              <a:rPr lang="en-US" dirty="0"/>
+              <a:t>Return on investment (ROI)</a:t>
+            </a:r>
+          </a:p>
+          <a:p>
+            <a:endParaRPr lang="en-US" dirty="0"/>
+          </a:p>
+          <a:p>
+            <a:endParaRPr lang="en-US" dirty="0"/>
           </a:p>
         </p:txBody>
       </p:sp>
@@ -14891,7 +14975,7 @@
           <p:cNvPr id="4" name="Slide Number Placeholder 3">
             <a:extLst>
               <a:ext uri="{FF2B5EF4-FFF2-40B4-BE49-F238E27FC236}">
-                <a16:creationId xmlns:a16="http://schemas.microsoft.com/office/drawing/2014/main" id="{73EBAC77-48F1-4893-A693-233B59908677}"/>
+                <a16:creationId xmlns:a16="http://schemas.microsoft.com/office/drawing/2014/main" id="{53108909-AFB6-4286-A6E5-B42B431A6A97}"/>
               </a:ext>
             </a:extLst>
           </p:cNvPr>
@@ -14919,7 +15003,7 @@
     </p:spTree>
     <p:extLst>
       <p:ext uri="{BB962C8B-B14F-4D97-AF65-F5344CB8AC3E}">
-        <p14:creationId xmlns:p14="http://schemas.microsoft.com/office/powerpoint/2010/main" val="3020164268"/>
+        <p14:creationId xmlns:p14="http://schemas.microsoft.com/office/powerpoint/2010/main" val="932751762"/>
       </p:ext>
     </p:extLst>
   </p:cSld>
@@ -14948,10 +15032,10 @@
       </p:grpSpPr>
       <p:sp>
         <p:nvSpPr>
-          <p:cNvPr id="5" name="Title 4">
+          <p:cNvPr id="2" name="Title 1">
             <a:extLst>
               <a:ext uri="{FF2B5EF4-FFF2-40B4-BE49-F238E27FC236}">
-                <a16:creationId xmlns:a16="http://schemas.microsoft.com/office/drawing/2014/main" id="{2EC0891E-1C79-4339-876D-C70BD2101B53}"/>
+                <a16:creationId xmlns:a16="http://schemas.microsoft.com/office/drawing/2014/main" id="{87AB4CA9-8BFF-402F-B859-EF9C8D0A6B8E}"/>
               </a:ext>
             </a:extLst>
           </p:cNvPr>
@@ -14969,17 +15053,17 @@
           <a:p>
             <a:r>
               <a:rPr lang="en-US" dirty="0"/>
-              <a:t>Preparing for an Exit Strategy</a:t>
-            </a:r>
-          </a:p>
-        </p:txBody>
-      </p:sp>
-      <p:sp>
-        <p:nvSpPr>
-          <p:cNvPr id="6" name="Content Placeholder 5">
+              <a:t>Competitive Landscape</a:t>
+            </a:r>
+          </a:p>
+        </p:txBody>
+      </p:sp>
+      <p:sp>
+        <p:nvSpPr>
+          <p:cNvPr id="3" name="Content Placeholder 2">
             <a:extLst>
               <a:ext uri="{FF2B5EF4-FFF2-40B4-BE49-F238E27FC236}">
-                <a16:creationId xmlns:a16="http://schemas.microsoft.com/office/drawing/2014/main" id="{D42604F1-F162-4DBC-A6DF-A0E9DF731FB1}"/>
+                <a16:creationId xmlns:a16="http://schemas.microsoft.com/office/drawing/2014/main" id="{18E53BBA-1A8A-4CE2-9EAC-53B2B0306BEB}"/>
               </a:ext>
             </a:extLst>
           </p:cNvPr>
@@ -14992,37 +15076,62 @@
         </p:nvSpPr>
         <p:spPr/>
         <p:txBody>
-          <a:bodyPr/>
-          <a:lstStyle/>
-          <a:p>
-            <a:r>
-              <a:rPr lang="en-US" dirty="0"/>
-              <a:t>Building a strong management team</a:t>
-            </a:r>
-          </a:p>
-          <a:p>
-            <a:r>
-              <a:rPr lang="en-US" dirty="0"/>
-              <a:t>Developing a clear growth strategy</a:t>
-            </a:r>
-          </a:p>
-          <a:p>
-            <a:r>
-              <a:rPr lang="en-US" dirty="0"/>
-              <a:t>Ensuring financial stability</a:t>
-            </a:r>
-          </a:p>
-          <a:p>
-            <a:r>
-              <a:rPr lang="en-US" dirty="0"/>
-              <a:t>Enhancing the company's valuation</a:t>
-            </a:r>
-          </a:p>
-          <a:p>
-            <a:r>
-              <a:rPr lang="en-US" dirty="0"/>
-              <a:t>Preparing for due diligence</a:t>
-            </a:r>
+          <a:bodyPr>
+            <a:normAutofit/>
+          </a:bodyPr>
+          <a:lstStyle/>
+          <a:p>
+            <a:r>
+              <a:rPr lang="en-US" dirty="0"/>
+              <a:t>Importance of considering the competitive landscape when choosing an exit strategy</a:t>
+            </a:r>
+          </a:p>
+          <a:p>
+            <a:r>
+              <a:rPr lang="en-US" dirty="0"/>
+              <a:t>Examples of factors that may influence exit strategy:</a:t>
+            </a:r>
+          </a:p>
+          <a:p>
+            <a:pPr lvl="1"/>
+            <a:r>
+              <a:rPr lang="en-US" dirty="0"/>
+              <a:t>Number of competitors</a:t>
+            </a:r>
+          </a:p>
+          <a:p>
+            <a:pPr lvl="1"/>
+            <a:r>
+              <a:rPr lang="en-US" dirty="0"/>
+              <a:t>Competitor size and strength</a:t>
+            </a:r>
+          </a:p>
+          <a:p>
+            <a:pPr lvl="1"/>
+            <a:r>
+              <a:rPr lang="en-US" dirty="0"/>
+              <a:t>Competitor market share</a:t>
+            </a:r>
+          </a:p>
+          <a:p>
+            <a:pPr lvl="1"/>
+            <a:r>
+              <a:rPr lang="en-US" dirty="0"/>
+              <a:t>Competitor pricing and product offerings</a:t>
+            </a:r>
+          </a:p>
+          <a:p>
+            <a:pPr lvl="1"/>
+            <a:r>
+              <a:rPr lang="en-US" dirty="0"/>
+              <a:t>Barriers to entry</a:t>
+            </a:r>
+          </a:p>
+          <a:p>
+            <a:endParaRPr lang="en-US" dirty="0"/>
+          </a:p>
+          <a:p>
+            <a:endParaRPr lang="en-US" dirty="0"/>
           </a:p>
         </p:txBody>
       </p:sp>
@@ -15031,7 +15140,7 @@
           <p:cNvPr id="4" name="Slide Number Placeholder 3">
             <a:extLst>
               <a:ext uri="{FF2B5EF4-FFF2-40B4-BE49-F238E27FC236}">
-                <a16:creationId xmlns:a16="http://schemas.microsoft.com/office/drawing/2014/main" id="{8253E491-76A2-4073-9A44-D6D5B403C368}"/>
+                <a16:creationId xmlns:a16="http://schemas.microsoft.com/office/drawing/2014/main" id="{558C2AAE-50FA-4CE4-B617-35F8EB18AFBA}"/>
               </a:ext>
             </a:extLst>
           </p:cNvPr>
@@ -15049,16 +15158,17 @@
           <a:p>
             <a:fld id="{B8DACC02-A2BD-4578-8E03-6D891060A695}" type="slidenum">
               <a:rPr lang="en-US" smtClean="0"/>
+              <a:pPr/>
               <a:t>42</a:t>
             </a:fld>
-            <a:endParaRPr lang="en-US"/>
+            <a:endParaRPr lang="en-US" dirty="0"/>
           </a:p>
         </p:txBody>
       </p:sp>
     </p:spTree>
     <p:extLst>
       <p:ext uri="{BB962C8B-B14F-4D97-AF65-F5344CB8AC3E}">
-        <p14:creationId xmlns:p14="http://schemas.microsoft.com/office/powerpoint/2010/main" val="2121446876"/>
+        <p14:creationId xmlns:p14="http://schemas.microsoft.com/office/powerpoint/2010/main" val="218092142"/>
       </p:ext>
     </p:extLst>
   </p:cSld>
@@ -15090,7 +15200,7 @@
           <p:cNvPr id="2" name="Title 1">
             <a:extLst>
               <a:ext uri="{FF2B5EF4-FFF2-40B4-BE49-F238E27FC236}">
-                <a16:creationId xmlns:a16="http://schemas.microsoft.com/office/drawing/2014/main" id="{F57A4289-95ED-4279-A95E-5A82070B5809}"/>
+                <a16:creationId xmlns:a16="http://schemas.microsoft.com/office/drawing/2014/main" id="{BA38D6A2-45C5-400F-B4A3-36EF04AD7C9B}"/>
               </a:ext>
             </a:extLst>
           </p:cNvPr>
@@ -15108,7 +15218,7 @@
           <a:p>
             <a:r>
               <a:rPr lang="en-US" dirty="0"/>
-              <a:t>Building a Strong Management Team</a:t>
+              <a:t>Team Dynamics and Considerations</a:t>
             </a:r>
           </a:p>
         </p:txBody>
@@ -15118,7 +15228,7 @@
           <p:cNvPr id="3" name="Content Placeholder 2">
             <a:extLst>
               <a:ext uri="{FF2B5EF4-FFF2-40B4-BE49-F238E27FC236}">
-                <a16:creationId xmlns:a16="http://schemas.microsoft.com/office/drawing/2014/main" id="{EA0C896B-EE85-414E-8DAA-22206D41B835}"/>
+                <a16:creationId xmlns:a16="http://schemas.microsoft.com/office/drawing/2014/main" id="{6E676C8B-0F84-4D4E-9974-EEE4E37739A6}"/>
               </a:ext>
             </a:extLst>
           </p:cNvPr>
@@ -15131,40 +15241,59 @@
         </p:nvSpPr>
         <p:spPr/>
         <p:txBody>
-          <a:bodyPr/>
-          <a:lstStyle/>
-          <a:p>
-            <a:r>
-              <a:rPr lang="en-US" dirty="0"/>
-              <a:t>Importance of having a strong management team in place</a:t>
-            </a:r>
-          </a:p>
-          <a:p>
-            <a:r>
-              <a:rPr lang="en-US" dirty="0"/>
-              <a:t>Reasons why a strong management team is critical for a successful exit:</a:t>
+          <a:bodyPr>
+            <a:normAutofit/>
+          </a:bodyPr>
+          <a:lstStyle/>
+          <a:p>
+            <a:r>
+              <a:rPr lang="en-US" dirty="0"/>
+              <a:t>Importance of considering team dynamics and considerations when choosing an exit strategy</a:t>
+            </a:r>
+          </a:p>
+          <a:p>
+            <a:r>
+              <a:rPr lang="en-US" dirty="0"/>
+              <a:t>Examples of team dynamics and considerations that may influence exit strategy:</a:t>
             </a:r>
           </a:p>
           <a:p>
             <a:pPr lvl="1"/>
             <a:r>
               <a:rPr lang="en-US" dirty="0"/>
-              <a:t>Attractiveness to potential buyers</a:t>
+              <a:t>Team size and structure</a:t>
             </a:r>
           </a:p>
           <a:p>
             <a:pPr lvl="1"/>
             <a:r>
               <a:rPr lang="en-US" dirty="0"/>
-              <a:t>Ability to execute on growth plans</a:t>
+              <a:t>Employee retention and turnover</a:t>
             </a:r>
           </a:p>
           <a:p>
             <a:pPr lvl="1"/>
             <a:r>
               <a:rPr lang="en-US" dirty="0"/>
-              <a:t>Increased valuation</a:t>
-            </a:r>
+              <a:t>Team expertise and skills</a:t>
+            </a:r>
+          </a:p>
+          <a:p>
+            <a:pPr lvl="1"/>
+            <a:r>
+              <a:rPr lang="en-US" dirty="0"/>
+              <a:t>Team alignment with company goals and objectives</a:t>
+            </a:r>
+          </a:p>
+          <a:p>
+            <a:pPr lvl="1"/>
+            <a:r>
+              <a:rPr lang="en-US" dirty="0"/>
+              <a:t>Employee ownership and equity</a:t>
+            </a:r>
+          </a:p>
+          <a:p>
+            <a:endParaRPr lang="en-US" dirty="0"/>
           </a:p>
           <a:p>
             <a:endParaRPr lang="en-US" dirty="0"/>
@@ -15176,7 +15305,7 @@
           <p:cNvPr id="4" name="Slide Number Placeholder 3">
             <a:extLst>
               <a:ext uri="{FF2B5EF4-FFF2-40B4-BE49-F238E27FC236}">
-                <a16:creationId xmlns:a16="http://schemas.microsoft.com/office/drawing/2014/main" id="{0B2B6206-3B5B-4557-A022-022CB800F8A3}"/>
+                <a16:creationId xmlns:a16="http://schemas.microsoft.com/office/drawing/2014/main" id="{428F6997-A22D-48DF-A873-C30F61AFA05A}"/>
               </a:ext>
             </a:extLst>
           </p:cNvPr>
@@ -15204,7 +15333,7 @@
     </p:spTree>
     <p:extLst>
       <p:ext uri="{BB962C8B-B14F-4D97-AF65-F5344CB8AC3E}">
-        <p14:creationId xmlns:p14="http://schemas.microsoft.com/office/powerpoint/2010/main" val="4165857614"/>
+        <p14:creationId xmlns:p14="http://schemas.microsoft.com/office/powerpoint/2010/main" val="2181341130"/>
       </p:ext>
     </p:extLst>
   </p:cSld>
@@ -15233,10 +15362,10 @@
       </p:grpSpPr>
       <p:sp>
         <p:nvSpPr>
-          <p:cNvPr id="2" name="Title 1">
+          <p:cNvPr id="5" name="Title 4">
             <a:extLst>
               <a:ext uri="{FF2B5EF4-FFF2-40B4-BE49-F238E27FC236}">
-                <a16:creationId xmlns:a16="http://schemas.microsoft.com/office/drawing/2014/main" id="{E7AD644E-BB4D-4BD4-AF85-191AC0174B4C}"/>
+                <a16:creationId xmlns:a16="http://schemas.microsoft.com/office/drawing/2014/main" id="{9EB5BB03-2EAE-4D74-863D-77980174B0C1}"/>
               </a:ext>
             </a:extLst>
           </p:cNvPr>
@@ -15249,22 +15378,24 @@
         </p:nvSpPr>
         <p:spPr/>
         <p:txBody>
-          <a:bodyPr/>
-          <a:lstStyle/>
-          <a:p>
-            <a:r>
-              <a:rPr lang="en-US" dirty="0"/>
-              <a:t>Building a Strong Management Team</a:t>
-            </a:r>
-          </a:p>
-        </p:txBody>
-      </p:sp>
-      <p:sp>
-        <p:nvSpPr>
-          <p:cNvPr id="3" name="Content Placeholder 2">
+          <a:bodyPr>
+            <a:normAutofit/>
+          </a:bodyPr>
+          <a:lstStyle/>
+          <a:p>
+            <a:r>
+              <a:rPr lang="en-US" dirty="0"/>
+              <a:t>Preparing for an Exit Strategy</a:t>
+            </a:r>
+          </a:p>
+        </p:txBody>
+      </p:sp>
+      <p:sp>
+        <p:nvSpPr>
+          <p:cNvPr id="6" name="Text Placeholder 5">
             <a:extLst>
               <a:ext uri="{FF2B5EF4-FFF2-40B4-BE49-F238E27FC236}">
-                <a16:creationId xmlns:a16="http://schemas.microsoft.com/office/drawing/2014/main" id="{17C9C421-23A4-45AE-94F1-A18EA2CEDCA8}"/>
+                <a16:creationId xmlns:a16="http://schemas.microsoft.com/office/drawing/2014/main" id="{C1581037-F26D-4194-AD61-E4DE343C418B}"/>
               </a:ext>
             </a:extLst>
           </p:cNvPr>
@@ -15272,49 +15403,15 @@
             <a:spLocks noGrp="1"/>
           </p:cNvSpPr>
           <p:nvPr>
-            <p:ph idx="1"/>
-          </p:nvPr>
-        </p:nvSpPr>
-        <p:spPr/>
-        <p:txBody>
-          <a:bodyPr/>
-          <a:lstStyle/>
-          <a:p>
-            <a:r>
-              <a:rPr lang="en-US" dirty="0"/>
-              <a:t>Tips for building a strong management team:</a:t>
-            </a:r>
-          </a:p>
-          <a:p>
-            <a:pPr lvl="1"/>
-            <a:r>
-              <a:rPr lang="en-US" dirty="0"/>
-              <a:t>Hire experienced and skilled professionals</a:t>
-            </a:r>
-          </a:p>
-          <a:p>
-            <a:pPr lvl="1"/>
-            <a:r>
-              <a:rPr lang="en-US" dirty="0"/>
-              <a:t>Develop a clear organizational structure</a:t>
-            </a:r>
-          </a:p>
-          <a:p>
-            <a:pPr lvl="1"/>
-            <a:r>
-              <a:rPr lang="en-US" dirty="0"/>
-              <a:t>Provide training and development opportunities</a:t>
-            </a:r>
-          </a:p>
-          <a:p>
-            <a:pPr lvl="1"/>
-            <a:r>
-              <a:rPr lang="en-US" dirty="0"/>
-              <a:t>Foster a positive company culture</a:t>
-            </a:r>
-          </a:p>
-          <a:p>
-            <a:endParaRPr lang="en-US" dirty="0"/>
+            <p:ph type="body" idx="1"/>
+          </p:nvPr>
+        </p:nvSpPr>
+        <p:spPr/>
+        <p:txBody>
+          <a:bodyPr/>
+          <a:lstStyle/>
+          <a:p>
+            <a:endParaRPr lang="en-US"/>
           </a:p>
         </p:txBody>
       </p:sp>
@@ -15323,7 +15420,7 @@
           <p:cNvPr id="4" name="Slide Number Placeholder 3">
             <a:extLst>
               <a:ext uri="{FF2B5EF4-FFF2-40B4-BE49-F238E27FC236}">
-                <a16:creationId xmlns:a16="http://schemas.microsoft.com/office/drawing/2014/main" id="{8E4ED4D2-9540-49A0-8CCC-15095F44C442}"/>
+                <a16:creationId xmlns:a16="http://schemas.microsoft.com/office/drawing/2014/main" id="{73EBAC77-48F1-4893-A693-233B59908677}"/>
               </a:ext>
             </a:extLst>
           </p:cNvPr>
@@ -15351,7 +15448,7 @@
     </p:spTree>
     <p:extLst>
       <p:ext uri="{BB962C8B-B14F-4D97-AF65-F5344CB8AC3E}">
-        <p14:creationId xmlns:p14="http://schemas.microsoft.com/office/powerpoint/2010/main" val="1001340678"/>
+        <p14:creationId xmlns:p14="http://schemas.microsoft.com/office/powerpoint/2010/main" val="3020164268"/>
       </p:ext>
     </p:extLst>
   </p:cSld>
@@ -15380,10 +15477,10 @@
       </p:grpSpPr>
       <p:sp>
         <p:nvSpPr>
-          <p:cNvPr id="2" name="Title 1">
+          <p:cNvPr id="5" name="Title 4">
             <a:extLst>
               <a:ext uri="{FF2B5EF4-FFF2-40B4-BE49-F238E27FC236}">
-                <a16:creationId xmlns:a16="http://schemas.microsoft.com/office/drawing/2014/main" id="{343FD931-FF44-46B4-9C3E-4EE70DBAEA9F}"/>
+                <a16:creationId xmlns:a16="http://schemas.microsoft.com/office/drawing/2014/main" id="{2EC0891E-1C79-4339-876D-C70BD2101B53}"/>
               </a:ext>
             </a:extLst>
           </p:cNvPr>
@@ -15401,17 +15498,17 @@
           <a:p>
             <a:r>
               <a:rPr lang="en-US" dirty="0"/>
-              <a:t>Developing a Clear Growth Strategy</a:t>
-            </a:r>
-          </a:p>
-        </p:txBody>
-      </p:sp>
-      <p:sp>
-        <p:nvSpPr>
-          <p:cNvPr id="3" name="Content Placeholder 2">
+              <a:t>Preparing for an Exit Strategy</a:t>
+            </a:r>
+          </a:p>
+        </p:txBody>
+      </p:sp>
+      <p:sp>
+        <p:nvSpPr>
+          <p:cNvPr id="6" name="Content Placeholder 5">
             <a:extLst>
               <a:ext uri="{FF2B5EF4-FFF2-40B4-BE49-F238E27FC236}">
-                <a16:creationId xmlns:a16="http://schemas.microsoft.com/office/drawing/2014/main" id="{6434D049-6C59-44C6-9F27-46FC1C430E7C}"/>
+                <a16:creationId xmlns:a16="http://schemas.microsoft.com/office/drawing/2014/main" id="{D42604F1-F162-4DBC-A6DF-A0E9DF731FB1}"/>
               </a:ext>
             </a:extLst>
           </p:cNvPr>
@@ -15429,72 +15526,32 @@
           <a:p>
             <a:r>
               <a:rPr lang="en-US" dirty="0"/>
-              <a:t>Importance of having a clear growth strategy in place</a:t>
-            </a:r>
-          </a:p>
-          <a:p>
-            <a:r>
-              <a:rPr lang="en-US" dirty="0"/>
-              <a:t>Reasons why a clear growth strategy is critical for a successful exit:</a:t>
-            </a:r>
-          </a:p>
-          <a:p>
-            <a:pPr lvl="1"/>
-            <a:r>
-              <a:rPr lang="en-US" dirty="0"/>
-              <a:t>Provides direction and focus for the company</a:t>
-            </a:r>
-          </a:p>
-          <a:p>
-            <a:pPr lvl="1"/>
-            <a:r>
-              <a:rPr lang="en-US" dirty="0"/>
-              <a:t>Demonstrates potential for future growth</a:t>
-            </a:r>
-          </a:p>
-          <a:p>
-            <a:pPr lvl="1"/>
-            <a:r>
-              <a:rPr lang="en-US" dirty="0"/>
-              <a:t>Increases valuation</a:t>
-            </a:r>
-          </a:p>
-          <a:p>
-            <a:r>
-              <a:rPr lang="en-US" dirty="0"/>
-              <a:t>Tips for developing a clear growth strategy: </a:t>
-            </a:r>
-          </a:p>
-          <a:p>
-            <a:pPr lvl="1"/>
-            <a:r>
-              <a:rPr lang="en-US" dirty="0"/>
-              <a:t>Conduct market research and analysis</a:t>
-            </a:r>
-          </a:p>
-          <a:p>
-            <a:pPr lvl="1"/>
-            <a:r>
-              <a:rPr lang="en-US" dirty="0"/>
-              <a:t>Identify key growth drivers</a:t>
-            </a:r>
-          </a:p>
-          <a:p>
-            <a:pPr lvl="1"/>
-            <a:r>
-              <a:rPr lang="en-US" dirty="0"/>
-              <a:t>Set realistic and achievable goals</a:t>
-            </a:r>
-          </a:p>
-          <a:p>
-            <a:pPr lvl="1"/>
-            <a:r>
-              <a:rPr lang="en-US" dirty="0"/>
-              <a:t>Develop a plan for executing on the growth strategy</a:t>
-            </a:r>
-          </a:p>
-          <a:p>
-            <a:endParaRPr lang="en-US" dirty="0"/>
+              <a:t>Building a strong management team</a:t>
+            </a:r>
+          </a:p>
+          <a:p>
+            <a:r>
+              <a:rPr lang="en-US" dirty="0"/>
+              <a:t>Developing a clear growth strategy</a:t>
+            </a:r>
+          </a:p>
+          <a:p>
+            <a:r>
+              <a:rPr lang="en-US" dirty="0"/>
+              <a:t>Ensuring financial stability</a:t>
+            </a:r>
+          </a:p>
+          <a:p>
+            <a:r>
+              <a:rPr lang="en-US" dirty="0"/>
+              <a:t>Enhancing the company's valuation</a:t>
+            </a:r>
+          </a:p>
+          <a:p>
+            <a:r>
+              <a:rPr lang="en-US" dirty="0"/>
+              <a:t>Preparing for due diligence</a:t>
+            </a:r>
           </a:p>
         </p:txBody>
       </p:sp>
@@ -15503,7 +15560,7 @@
           <p:cNvPr id="4" name="Slide Number Placeholder 3">
             <a:extLst>
               <a:ext uri="{FF2B5EF4-FFF2-40B4-BE49-F238E27FC236}">
-                <a16:creationId xmlns:a16="http://schemas.microsoft.com/office/drawing/2014/main" id="{88B94B95-2EC9-4652-91A4-1C0644FE3A0C}"/>
+                <a16:creationId xmlns:a16="http://schemas.microsoft.com/office/drawing/2014/main" id="{8253E491-76A2-4073-9A44-D6D5B403C368}"/>
               </a:ext>
             </a:extLst>
           </p:cNvPr>
@@ -15521,17 +15578,16 @@
           <a:p>
             <a:fld id="{B8DACC02-A2BD-4578-8E03-6D891060A695}" type="slidenum">
               <a:rPr lang="en-US" smtClean="0"/>
-              <a:pPr/>
               <a:t>45</a:t>
             </a:fld>
-            <a:endParaRPr lang="en-US" dirty="0"/>
+            <a:endParaRPr lang="en-US"/>
           </a:p>
         </p:txBody>
       </p:sp>
     </p:spTree>
     <p:extLst>
       <p:ext uri="{BB962C8B-B14F-4D97-AF65-F5344CB8AC3E}">
-        <p14:creationId xmlns:p14="http://schemas.microsoft.com/office/powerpoint/2010/main" val="576204088"/>
+        <p14:creationId xmlns:p14="http://schemas.microsoft.com/office/powerpoint/2010/main" val="2121446876"/>
       </p:ext>
     </p:extLst>
   </p:cSld>
@@ -15563,7 +15619,7 @@
           <p:cNvPr id="2" name="Title 1">
             <a:extLst>
               <a:ext uri="{FF2B5EF4-FFF2-40B4-BE49-F238E27FC236}">
-                <a16:creationId xmlns:a16="http://schemas.microsoft.com/office/drawing/2014/main" id="{409745B0-BE11-4E86-81C1-7E94444C88F3}"/>
+                <a16:creationId xmlns:a16="http://schemas.microsoft.com/office/drawing/2014/main" id="{F57A4289-95ED-4279-A95E-5A82070B5809}"/>
               </a:ext>
             </a:extLst>
           </p:cNvPr>
@@ -15581,7 +15637,7 @@
           <a:p>
             <a:r>
               <a:rPr lang="en-US" dirty="0"/>
-              <a:t>Ensuring Financial Stability</a:t>
+              <a:t>Building a Strong Management Team</a:t>
             </a:r>
           </a:p>
         </p:txBody>
@@ -15591,7 +15647,7 @@
           <p:cNvPr id="3" name="Content Placeholder 2">
             <a:extLst>
               <a:ext uri="{FF2B5EF4-FFF2-40B4-BE49-F238E27FC236}">
-                <a16:creationId xmlns:a16="http://schemas.microsoft.com/office/drawing/2014/main" id="{05C7EEFC-E886-42AD-ABA4-DFCCD74A7F4C}"/>
+                <a16:creationId xmlns:a16="http://schemas.microsoft.com/office/drawing/2014/main" id="{EA0C896B-EE85-414E-8DAA-22206D41B835}"/>
               </a:ext>
             </a:extLst>
           </p:cNvPr>
@@ -15604,20 +15660,18 @@
         </p:nvSpPr>
         <p:spPr/>
         <p:txBody>
-          <a:bodyPr>
-            <a:normAutofit/>
-          </a:bodyPr>
-          <a:lstStyle/>
-          <a:p>
-            <a:r>
-              <a:rPr lang="en-US" dirty="0"/>
-              <a:t>Importance of ensuring financial stability</a:t>
-            </a:r>
-          </a:p>
-          <a:p>
-            <a:r>
-              <a:rPr lang="en-US" dirty="0"/>
-              <a:t>Reasons why financial stability is critical for a successful exit:</a:t>
+          <a:bodyPr/>
+          <a:lstStyle/>
+          <a:p>
+            <a:r>
+              <a:rPr lang="en-US" dirty="0"/>
+              <a:t>Importance of having a strong management team in place</a:t>
+            </a:r>
+          </a:p>
+          <a:p>
+            <a:r>
+              <a:rPr lang="en-US" dirty="0"/>
+              <a:t>Reasons why a strong management team is critical for a successful exit:</a:t>
             </a:r>
           </a:p>
           <a:p>
@@ -15640,43 +15694,6 @@
               <a:rPr lang="en-US" dirty="0"/>
               <a:t>Increased valuation</a:t>
             </a:r>
-          </a:p>
-          <a:p>
-            <a:r>
-              <a:rPr lang="en-US" dirty="0"/>
-              <a:t>Tips for ensuring financial stability:</a:t>
-            </a:r>
-          </a:p>
-          <a:p>
-            <a:pPr lvl="1"/>
-            <a:r>
-              <a:rPr lang="en-US" dirty="0"/>
-              <a:t>Develop a solid financial plan</a:t>
-            </a:r>
-          </a:p>
-          <a:p>
-            <a:pPr lvl="1"/>
-            <a:r>
-              <a:rPr lang="en-US" dirty="0"/>
-              <a:t>Manage cash flow effectively</a:t>
-            </a:r>
-          </a:p>
-          <a:p>
-            <a:pPr lvl="1"/>
-            <a:r>
-              <a:rPr lang="en-US" dirty="0"/>
-              <a:t>Reduce debt and liabilities</a:t>
-            </a:r>
-          </a:p>
-          <a:p>
-            <a:pPr lvl="1"/>
-            <a:r>
-              <a:rPr lang="en-US" dirty="0"/>
-              <a:t>Build a strong financial team</a:t>
-            </a:r>
-          </a:p>
-          <a:p>
-            <a:endParaRPr lang="en-US" dirty="0"/>
           </a:p>
           <a:p>
             <a:endParaRPr lang="en-US" dirty="0"/>
@@ -15688,7 +15705,7 @@
           <p:cNvPr id="4" name="Slide Number Placeholder 3">
             <a:extLst>
               <a:ext uri="{FF2B5EF4-FFF2-40B4-BE49-F238E27FC236}">
-                <a16:creationId xmlns:a16="http://schemas.microsoft.com/office/drawing/2014/main" id="{FDAC0180-30C9-414E-BB5C-D6A7855F893E}"/>
+                <a16:creationId xmlns:a16="http://schemas.microsoft.com/office/drawing/2014/main" id="{0B2B6206-3B5B-4557-A022-022CB800F8A3}"/>
               </a:ext>
             </a:extLst>
           </p:cNvPr>
@@ -15716,7 +15733,7 @@
     </p:spTree>
     <p:extLst>
       <p:ext uri="{BB962C8B-B14F-4D97-AF65-F5344CB8AC3E}">
-        <p14:creationId xmlns:p14="http://schemas.microsoft.com/office/powerpoint/2010/main" val="3763477035"/>
+        <p14:creationId xmlns:p14="http://schemas.microsoft.com/office/powerpoint/2010/main" val="4165857614"/>
       </p:ext>
     </p:extLst>
   </p:cSld>
@@ -15745,7 +15762,13 @@
       </p:grpSpPr>
       <p:sp>
         <p:nvSpPr>
-          <p:cNvPr id="2" name="Title 1"/>
+          <p:cNvPr id="2" name="Title 1">
+            <a:extLst>
+              <a:ext uri="{FF2B5EF4-FFF2-40B4-BE49-F238E27FC236}">
+                <a16:creationId xmlns:a16="http://schemas.microsoft.com/office/drawing/2014/main" id="{E7AD644E-BB4D-4BD4-AF85-191AC0174B4C}"/>
+              </a:ext>
+            </a:extLst>
+          </p:cNvPr>
           <p:cNvSpPr>
             <a:spLocks noGrp="1"/>
           </p:cNvSpPr>
@@ -15760,14 +15783,20 @@
           <a:p>
             <a:r>
               <a:rPr lang="en-US" dirty="0"/>
-              <a:t>Preparing your company for acquisition</a:t>
-            </a:r>
-          </a:p>
-        </p:txBody>
-      </p:sp>
-      <p:sp>
-        <p:nvSpPr>
-          <p:cNvPr id="3" name="Content Placeholder 2"/>
+              <a:t>Building a Strong Management Team</a:t>
+            </a:r>
+          </a:p>
+        </p:txBody>
+      </p:sp>
+      <p:sp>
+        <p:nvSpPr>
+          <p:cNvPr id="3" name="Content Placeholder 2">
+            <a:extLst>
+              <a:ext uri="{FF2B5EF4-FFF2-40B4-BE49-F238E27FC236}">
+                <a16:creationId xmlns:a16="http://schemas.microsoft.com/office/drawing/2014/main" id="{17C9C421-23A4-45AE-94F1-A18EA2CEDCA8}"/>
+              </a:ext>
+            </a:extLst>
+          </p:cNvPr>
           <p:cNvSpPr>
             <a:spLocks noGrp="1"/>
           </p:cNvSpPr>
@@ -15777,54 +15806,56 @@
         </p:nvSpPr>
         <p:spPr/>
         <p:txBody>
-          <a:bodyPr>
-            <a:normAutofit/>
-          </a:bodyPr>
-          <a:lstStyle/>
-          <a:p>
-            <a:r>
-              <a:rPr lang="en-US" dirty="0"/>
-              <a:t>Financial Planning:</a:t>
-            </a:r>
-          </a:p>
-          <a:p>
-            <a:pPr lvl="1">
-              <a:lnSpc>
-                <a:spcPct val="150000"/>
-              </a:lnSpc>
-            </a:pPr>
-            <a:r>
-              <a:rPr lang="en-US" dirty="0"/>
-              <a:t>Accurate and Up-to-Date Financial Statements</a:t>
-            </a:r>
-          </a:p>
-          <a:p>
-            <a:pPr lvl="1">
-              <a:lnSpc>
-                <a:spcPct val="150000"/>
-              </a:lnSpc>
-            </a:pPr>
-            <a:r>
-              <a:rPr lang="en-US" dirty="0"/>
-              <a:t>Clean Up Financial Records</a:t>
-            </a:r>
-          </a:p>
-          <a:p>
-            <a:pPr lvl="1">
-              <a:lnSpc>
-                <a:spcPct val="150000"/>
-              </a:lnSpc>
-            </a:pPr>
-            <a:r>
-              <a:rPr lang="en-US" dirty="0"/>
-              <a:t>Financial Projections</a:t>
-            </a:r>
-          </a:p>
-        </p:txBody>
-      </p:sp>
-      <p:sp>
-        <p:nvSpPr>
-          <p:cNvPr id="4" name="Slide Number Placeholder 3"/>
+          <a:bodyPr/>
+          <a:lstStyle/>
+          <a:p>
+            <a:r>
+              <a:rPr lang="en-US" dirty="0"/>
+              <a:t>Tips for building a strong management team:</a:t>
+            </a:r>
+          </a:p>
+          <a:p>
+            <a:pPr lvl="1"/>
+            <a:r>
+              <a:rPr lang="en-US" dirty="0"/>
+              <a:t>Hire experienced and skilled professionals</a:t>
+            </a:r>
+          </a:p>
+          <a:p>
+            <a:pPr lvl="1"/>
+            <a:r>
+              <a:rPr lang="en-US" dirty="0"/>
+              <a:t>Develop a clear organizational structure</a:t>
+            </a:r>
+          </a:p>
+          <a:p>
+            <a:pPr lvl="1"/>
+            <a:r>
+              <a:rPr lang="en-US" dirty="0"/>
+              <a:t>Provide training and development opportunities</a:t>
+            </a:r>
+          </a:p>
+          <a:p>
+            <a:pPr lvl="1"/>
+            <a:r>
+              <a:rPr lang="en-US" dirty="0"/>
+              <a:t>Foster a positive company culture</a:t>
+            </a:r>
+          </a:p>
+          <a:p>
+            <a:endParaRPr lang="en-US" dirty="0"/>
+          </a:p>
+        </p:txBody>
+      </p:sp>
+      <p:sp>
+        <p:nvSpPr>
+          <p:cNvPr id="4" name="Slide Number Placeholder 3">
+            <a:extLst>
+              <a:ext uri="{FF2B5EF4-FFF2-40B4-BE49-F238E27FC236}">
+                <a16:creationId xmlns:a16="http://schemas.microsoft.com/office/drawing/2014/main" id="{8E4ED4D2-9540-49A0-8CCC-15095F44C442}"/>
+              </a:ext>
+            </a:extLst>
+          </p:cNvPr>
           <p:cNvSpPr>
             <a:spLocks noGrp="1"/>
           </p:cNvSpPr>
@@ -15849,7 +15880,7 @@
     </p:spTree>
     <p:extLst>
       <p:ext uri="{BB962C8B-B14F-4D97-AF65-F5344CB8AC3E}">
-        <p14:creationId xmlns:p14="http://schemas.microsoft.com/office/powerpoint/2010/main" val="353050955"/>
+        <p14:creationId xmlns:p14="http://schemas.microsoft.com/office/powerpoint/2010/main" val="1001340678"/>
       </p:ext>
     </p:extLst>
   </p:cSld>
@@ -15878,7 +15909,13 @@
       </p:grpSpPr>
       <p:sp>
         <p:nvSpPr>
-          <p:cNvPr id="2" name="Title 1"/>
+          <p:cNvPr id="2" name="Title 1">
+            <a:extLst>
+              <a:ext uri="{FF2B5EF4-FFF2-40B4-BE49-F238E27FC236}">
+                <a16:creationId xmlns:a16="http://schemas.microsoft.com/office/drawing/2014/main" id="{343FD931-FF44-46B4-9C3E-4EE70DBAEA9F}"/>
+              </a:ext>
+            </a:extLst>
+          </p:cNvPr>
           <p:cNvSpPr>
             <a:spLocks noGrp="1"/>
           </p:cNvSpPr>
@@ -15893,14 +15930,20 @@
           <a:p>
             <a:r>
               <a:rPr lang="en-US" dirty="0"/>
-              <a:t>Preparing your company for acquisition</a:t>
-            </a:r>
-          </a:p>
-        </p:txBody>
-      </p:sp>
-      <p:sp>
-        <p:nvSpPr>
-          <p:cNvPr id="3" name="Content Placeholder 2"/>
+              <a:t>Developing a Clear Growth Strategy</a:t>
+            </a:r>
+          </a:p>
+        </p:txBody>
+      </p:sp>
+      <p:sp>
+        <p:nvSpPr>
+          <p:cNvPr id="3" name="Content Placeholder 2">
+            <a:extLst>
+              <a:ext uri="{FF2B5EF4-FFF2-40B4-BE49-F238E27FC236}">
+                <a16:creationId xmlns:a16="http://schemas.microsoft.com/office/drawing/2014/main" id="{6434D049-6C59-44C6-9F27-46FC1C430E7C}"/>
+              </a:ext>
+            </a:extLst>
+          </p:cNvPr>
           <p:cNvSpPr>
             <a:spLocks noGrp="1"/>
           </p:cNvSpPr>
@@ -15910,54 +15953,89 @@
         </p:nvSpPr>
         <p:spPr/>
         <p:txBody>
-          <a:bodyPr>
-            <a:normAutofit/>
-          </a:bodyPr>
-          <a:lstStyle/>
-          <a:p>
-            <a:r>
-              <a:rPr lang="en-US" dirty="0"/>
-              <a:t>Legal Planning:</a:t>
-            </a:r>
-          </a:p>
-          <a:p>
-            <a:pPr lvl="1">
-              <a:lnSpc>
-                <a:spcPct val="150000"/>
-              </a:lnSpc>
-            </a:pPr>
-            <a:r>
-              <a:rPr lang="en-US" dirty="0"/>
-              <a:t>Compliance with Laws and Regulations</a:t>
-            </a:r>
-          </a:p>
-          <a:p>
-            <a:pPr lvl="1">
-              <a:lnSpc>
-                <a:spcPct val="150000"/>
-              </a:lnSpc>
-            </a:pPr>
-            <a:r>
-              <a:rPr lang="en-US" dirty="0"/>
-              <a:t>Due Diligence Preparation</a:t>
-            </a:r>
-          </a:p>
-          <a:p>
-            <a:pPr lvl="1">
-              <a:lnSpc>
-                <a:spcPct val="150000"/>
-              </a:lnSpc>
-            </a:pPr>
-            <a:r>
-              <a:rPr lang="en-US" dirty="0"/>
-              <a:t>Non-disclosure Agreements</a:t>
-            </a:r>
-          </a:p>
-        </p:txBody>
-      </p:sp>
-      <p:sp>
-        <p:nvSpPr>
-          <p:cNvPr id="4" name="Slide Number Placeholder 3"/>
+          <a:bodyPr/>
+          <a:lstStyle/>
+          <a:p>
+            <a:r>
+              <a:rPr lang="en-US" dirty="0"/>
+              <a:t>Importance of having a clear growth strategy in place</a:t>
+            </a:r>
+          </a:p>
+          <a:p>
+            <a:r>
+              <a:rPr lang="en-US" dirty="0"/>
+              <a:t>Reasons why a clear growth strategy is critical for a successful exit:</a:t>
+            </a:r>
+          </a:p>
+          <a:p>
+            <a:pPr lvl="1"/>
+            <a:r>
+              <a:rPr lang="en-US" dirty="0"/>
+              <a:t>Provides direction and focus for the company</a:t>
+            </a:r>
+          </a:p>
+          <a:p>
+            <a:pPr lvl="1"/>
+            <a:r>
+              <a:rPr lang="en-US" dirty="0"/>
+              <a:t>Demonstrates potential for future growth</a:t>
+            </a:r>
+          </a:p>
+          <a:p>
+            <a:pPr lvl="1"/>
+            <a:r>
+              <a:rPr lang="en-US" dirty="0"/>
+              <a:t>Increases valuation</a:t>
+            </a:r>
+          </a:p>
+          <a:p>
+            <a:r>
+              <a:rPr lang="en-US" dirty="0"/>
+              <a:t>Tips for developing a clear growth strategy: </a:t>
+            </a:r>
+          </a:p>
+          <a:p>
+            <a:pPr lvl="1"/>
+            <a:r>
+              <a:rPr lang="en-US" dirty="0"/>
+              <a:t>Conduct market research and analysis</a:t>
+            </a:r>
+          </a:p>
+          <a:p>
+            <a:pPr lvl="1"/>
+            <a:r>
+              <a:rPr lang="en-US" dirty="0"/>
+              <a:t>Identify key growth drivers</a:t>
+            </a:r>
+          </a:p>
+          <a:p>
+            <a:pPr lvl="1"/>
+            <a:r>
+              <a:rPr lang="en-US" dirty="0"/>
+              <a:t>Set realistic and achievable goals</a:t>
+            </a:r>
+          </a:p>
+          <a:p>
+            <a:pPr lvl="1"/>
+            <a:r>
+              <a:rPr lang="en-US" dirty="0"/>
+              <a:t>Develop a plan for executing on the growth strategy</a:t>
+            </a:r>
+          </a:p>
+          <a:p>
+            <a:endParaRPr lang="en-US" dirty="0"/>
+          </a:p>
+        </p:txBody>
+      </p:sp>
+      <p:sp>
+        <p:nvSpPr>
+          <p:cNvPr id="4" name="Slide Number Placeholder 3">
+            <a:extLst>
+              <a:ext uri="{FF2B5EF4-FFF2-40B4-BE49-F238E27FC236}">
+                <a16:creationId xmlns:a16="http://schemas.microsoft.com/office/drawing/2014/main" id="{88B94B95-2EC9-4652-91A4-1C0644FE3A0C}"/>
+              </a:ext>
+            </a:extLst>
+          </p:cNvPr>
           <p:cNvSpPr>
             <a:spLocks noGrp="1"/>
           </p:cNvSpPr>
@@ -15982,7 +16060,7 @@
     </p:spTree>
     <p:extLst>
       <p:ext uri="{BB962C8B-B14F-4D97-AF65-F5344CB8AC3E}">
-        <p14:creationId xmlns:p14="http://schemas.microsoft.com/office/powerpoint/2010/main" val="2939750567"/>
+        <p14:creationId xmlns:p14="http://schemas.microsoft.com/office/powerpoint/2010/main" val="576204088"/>
       </p:ext>
     </p:extLst>
   </p:cSld>
@@ -16011,7 +16089,13 @@
       </p:grpSpPr>
       <p:sp>
         <p:nvSpPr>
-          <p:cNvPr id="2" name="Title 1"/>
+          <p:cNvPr id="2" name="Title 1">
+            <a:extLst>
+              <a:ext uri="{FF2B5EF4-FFF2-40B4-BE49-F238E27FC236}">
+                <a16:creationId xmlns:a16="http://schemas.microsoft.com/office/drawing/2014/main" id="{409745B0-BE11-4E86-81C1-7E94444C88F3}"/>
+              </a:ext>
+            </a:extLst>
+          </p:cNvPr>
           <p:cNvSpPr>
             <a:spLocks noGrp="1"/>
           </p:cNvSpPr>
@@ -16026,14 +16110,20 @@
           <a:p>
             <a:r>
               <a:rPr lang="en-US" dirty="0"/>
-              <a:t>Preparing your company for acquisition</a:t>
-            </a:r>
-          </a:p>
-        </p:txBody>
-      </p:sp>
-      <p:sp>
-        <p:nvSpPr>
-          <p:cNvPr id="3" name="Content Placeholder 2"/>
+              <a:t>Ensuring Financial Stability</a:t>
+            </a:r>
+          </a:p>
+        </p:txBody>
+      </p:sp>
+      <p:sp>
+        <p:nvSpPr>
+          <p:cNvPr id="3" name="Content Placeholder 2">
+            <a:extLst>
+              <a:ext uri="{FF2B5EF4-FFF2-40B4-BE49-F238E27FC236}">
+                <a16:creationId xmlns:a16="http://schemas.microsoft.com/office/drawing/2014/main" id="{05C7EEFC-E886-42AD-ABA4-DFCCD74A7F4C}"/>
+              </a:ext>
+            </a:extLst>
+          </p:cNvPr>
           <p:cNvSpPr>
             <a:spLocks noGrp="1"/>
           </p:cNvSpPr>
@@ -16050,47 +16140,87 @@
           <a:p>
             <a:r>
               <a:rPr lang="en-US" dirty="0"/>
-              <a:t>Operational Planning:</a:t>
-            </a:r>
-          </a:p>
-          <a:p>
-            <a:pPr lvl="1">
-              <a:lnSpc>
-                <a:spcPct val="150000"/>
-              </a:lnSpc>
-            </a:pPr>
-            <a:r>
-              <a:rPr lang="en-US" dirty="0"/>
-              <a:t>Streamline Operations</a:t>
-            </a:r>
-          </a:p>
-          <a:p>
-            <a:pPr lvl="1">
-              <a:lnSpc>
-                <a:spcPct val="150000"/>
-              </a:lnSpc>
-            </a:pPr>
-            <a:r>
-              <a:rPr lang="en-US" dirty="0"/>
-              <a:t>Customer and Employee Retention Plans</a:t>
-            </a:r>
-          </a:p>
-          <a:p>
-            <a:pPr lvl="1">
-              <a:lnSpc>
-                <a:spcPct val="150000"/>
-              </a:lnSpc>
-            </a:pPr>
-            <a:r>
-              <a:rPr lang="en-US" dirty="0"/>
-              <a:t>Integration Readiness</a:t>
-            </a:r>
-          </a:p>
-        </p:txBody>
-      </p:sp>
-      <p:sp>
-        <p:nvSpPr>
-          <p:cNvPr id="4" name="Slide Number Placeholder 3"/>
+              <a:t>Importance of ensuring financial stability</a:t>
+            </a:r>
+          </a:p>
+          <a:p>
+            <a:r>
+              <a:rPr lang="en-US" dirty="0"/>
+              <a:t>Reasons why financial stability is critical for a successful exit:</a:t>
+            </a:r>
+          </a:p>
+          <a:p>
+            <a:pPr lvl="1"/>
+            <a:r>
+              <a:rPr lang="en-US" dirty="0"/>
+              <a:t>Attractiveness to potential buyers</a:t>
+            </a:r>
+          </a:p>
+          <a:p>
+            <a:pPr lvl="1"/>
+            <a:r>
+              <a:rPr lang="en-US" dirty="0"/>
+              <a:t>Ability to execute on growth plans</a:t>
+            </a:r>
+          </a:p>
+          <a:p>
+            <a:pPr lvl="1"/>
+            <a:r>
+              <a:rPr lang="en-US" dirty="0"/>
+              <a:t>Increased valuation</a:t>
+            </a:r>
+          </a:p>
+          <a:p>
+            <a:r>
+              <a:rPr lang="en-US" dirty="0"/>
+              <a:t>Tips for ensuring financial stability:</a:t>
+            </a:r>
+          </a:p>
+          <a:p>
+            <a:pPr lvl="1"/>
+            <a:r>
+              <a:rPr lang="en-US" dirty="0"/>
+              <a:t>Develop a solid financial plan</a:t>
+            </a:r>
+          </a:p>
+          <a:p>
+            <a:pPr lvl="1"/>
+            <a:r>
+              <a:rPr lang="en-US" dirty="0"/>
+              <a:t>Manage cash flow effectively</a:t>
+            </a:r>
+          </a:p>
+          <a:p>
+            <a:pPr lvl="1"/>
+            <a:r>
+              <a:rPr lang="en-US" dirty="0"/>
+              <a:t>Reduce debt and liabilities</a:t>
+            </a:r>
+          </a:p>
+          <a:p>
+            <a:pPr lvl="1"/>
+            <a:r>
+              <a:rPr lang="en-US" dirty="0"/>
+              <a:t>Build a strong financial team</a:t>
+            </a:r>
+          </a:p>
+          <a:p>
+            <a:endParaRPr lang="en-US" dirty="0"/>
+          </a:p>
+          <a:p>
+            <a:endParaRPr lang="en-US" dirty="0"/>
+          </a:p>
+        </p:txBody>
+      </p:sp>
+      <p:sp>
+        <p:nvSpPr>
+          <p:cNvPr id="4" name="Slide Number Placeholder 3">
+            <a:extLst>
+              <a:ext uri="{FF2B5EF4-FFF2-40B4-BE49-F238E27FC236}">
+                <a16:creationId xmlns:a16="http://schemas.microsoft.com/office/drawing/2014/main" id="{FDAC0180-30C9-414E-BB5C-D6A7855F893E}"/>
+              </a:ext>
+            </a:extLst>
+          </p:cNvPr>
           <p:cNvSpPr>
             <a:spLocks noGrp="1"/>
           </p:cNvSpPr>
@@ -16115,7 +16245,7 @@
     </p:spTree>
     <p:extLst>
       <p:ext uri="{BB962C8B-B14F-4D97-AF65-F5344CB8AC3E}">
-        <p14:creationId xmlns:p14="http://schemas.microsoft.com/office/powerpoint/2010/main" val="2814128393"/>
+        <p14:creationId xmlns:p14="http://schemas.microsoft.com/office/powerpoint/2010/main" val="3763477035"/>
       </p:ext>
     </p:extLst>
   </p:cSld>
@@ -16203,13 +16333,6 @@
             </a:r>
           </a:p>
           <a:p>
-            <a:pPr lvl="1"/>
-            <a:r>
-              <a:rPr lang="en-US" dirty="0"/>
-              <a:t>financial and strategic.</a:t>
-            </a:r>
-          </a:p>
-          <a:p>
             <a:pPr marL="0" indent="0">
               <a:buNone/>
             </a:pPr>
@@ -16244,6 +16367,128 @@
               <a:t>5</a:t>
             </a:fld>
             <a:endParaRPr lang="en-US" dirty="0"/>
+          </a:p>
+        </p:txBody>
+      </p:sp>
+      <p:sp>
+        <p:nvSpPr>
+          <p:cNvPr id="5" name="Rectangle: Folded Corner 4">
+            <a:extLst>
+              <a:ext uri="{FF2B5EF4-FFF2-40B4-BE49-F238E27FC236}">
+                <a16:creationId xmlns:a16="http://schemas.microsoft.com/office/drawing/2014/main" id="{86CC1096-5C7B-4069-9B16-06819E82B099}"/>
+              </a:ext>
+            </a:extLst>
+          </p:cNvPr>
+          <p:cNvSpPr/>
+          <p:nvPr/>
+        </p:nvSpPr>
+        <p:spPr>
+          <a:xfrm>
+            <a:off x="2147977" y="3614468"/>
+            <a:ext cx="2518914" cy="1147313"/>
+          </a:xfrm>
+          <a:prstGeom prst="foldedCorner">
+            <a:avLst/>
+          </a:prstGeom>
+          <a:solidFill>
+            <a:srgbClr val="00B2E2"/>
+          </a:solidFill>
+          <a:effectLst>
+            <a:outerShdw blurRad="50800" dist="38100" dir="8100000" algn="tr" rotWithShape="0">
+              <a:prstClr val="black">
+                <a:alpha val="40000"/>
+              </a:prstClr>
+            </a:outerShdw>
+          </a:effectLst>
+        </p:spPr>
+        <p:style>
+          <a:lnRef idx="2">
+            <a:schemeClr val="accent1">
+              <a:shade val="50000"/>
+            </a:schemeClr>
+          </a:lnRef>
+          <a:fillRef idx="1">
+            <a:schemeClr val="accent1"/>
+          </a:fillRef>
+          <a:effectRef idx="0">
+            <a:schemeClr val="accent1"/>
+          </a:effectRef>
+          <a:fontRef idx="minor">
+            <a:schemeClr val="lt1"/>
+          </a:fontRef>
+        </p:style>
+        <p:txBody>
+          <a:bodyPr rtlCol="0" anchor="ctr"/>
+          <a:lstStyle/>
+          <a:p>
+            <a:pPr algn="ctr"/>
+            <a:r>
+              <a:rPr lang="en-US" sz="3200" dirty="0">
+                <a:latin typeface="Candara" panose="020E0502030303020204" pitchFamily="34" charset="0"/>
+              </a:rPr>
+              <a:t>Financial</a:t>
+            </a:r>
+          </a:p>
+        </p:txBody>
+      </p:sp>
+      <p:sp>
+        <p:nvSpPr>
+          <p:cNvPr id="6" name="Rectangle: Folded Corner 5">
+            <a:extLst>
+              <a:ext uri="{FF2B5EF4-FFF2-40B4-BE49-F238E27FC236}">
+                <a16:creationId xmlns:a16="http://schemas.microsoft.com/office/drawing/2014/main" id="{0F0D3C48-9195-43C2-8C1D-00DACD395423}"/>
+              </a:ext>
+            </a:extLst>
+          </p:cNvPr>
+          <p:cNvSpPr/>
+          <p:nvPr/>
+        </p:nvSpPr>
+        <p:spPr>
+          <a:xfrm>
+            <a:off x="7355456" y="3614467"/>
+            <a:ext cx="2518914" cy="1147313"/>
+          </a:xfrm>
+          <a:prstGeom prst="foldedCorner">
+            <a:avLst/>
+          </a:prstGeom>
+          <a:solidFill>
+            <a:srgbClr val="00B2E2"/>
+          </a:solidFill>
+          <a:effectLst>
+            <a:outerShdw blurRad="50800" dist="38100" dir="8100000" algn="tr" rotWithShape="0">
+              <a:prstClr val="black">
+                <a:alpha val="40000"/>
+              </a:prstClr>
+            </a:outerShdw>
+          </a:effectLst>
+        </p:spPr>
+        <p:style>
+          <a:lnRef idx="2">
+            <a:schemeClr val="accent1">
+              <a:shade val="50000"/>
+            </a:schemeClr>
+          </a:lnRef>
+          <a:fillRef idx="1">
+            <a:schemeClr val="accent1"/>
+          </a:fillRef>
+          <a:effectRef idx="0">
+            <a:schemeClr val="accent1"/>
+          </a:effectRef>
+          <a:fontRef idx="minor">
+            <a:schemeClr val="lt1"/>
+          </a:fontRef>
+        </p:style>
+        <p:txBody>
+          <a:bodyPr rtlCol="0" anchor="ctr"/>
+          <a:lstStyle/>
+          <a:p>
+            <a:pPr algn="ctr"/>
+            <a:r>
+              <a:rPr lang="en-US" sz="3200" dirty="0">
+                <a:latin typeface="Candara" panose="020E0502030303020204" pitchFamily="34" charset="0"/>
+              </a:rPr>
+              <a:t>Strategic</a:t>
+            </a:r>
           </a:p>
         </p:txBody>
       </p:sp>
@@ -16279,18 +16524,34 @@
       </p:grpSpPr>
       <p:sp>
         <p:nvSpPr>
-          <p:cNvPr id="2" name="Title 1">
-            <a:extLst>
-              <a:ext uri="{FF2B5EF4-FFF2-40B4-BE49-F238E27FC236}">
-                <a16:creationId xmlns:a16="http://schemas.microsoft.com/office/drawing/2014/main" id="{AB8CBBF9-1CE2-4939-93C7-7D6C286C575A}"/>
-              </a:ext>
-            </a:extLst>
-          </p:cNvPr>
+          <p:cNvPr id="2" name="Title 1"/>
           <p:cNvSpPr>
             <a:spLocks noGrp="1"/>
           </p:cNvSpPr>
           <p:nvPr>
             <p:ph type="title"/>
+          </p:nvPr>
+        </p:nvSpPr>
+        <p:spPr/>
+        <p:txBody>
+          <a:bodyPr/>
+          <a:lstStyle/>
+          <a:p>
+            <a:r>
+              <a:rPr lang="en-US" dirty="0"/>
+              <a:t>Preparing your company for acquisition</a:t>
+            </a:r>
+          </a:p>
+        </p:txBody>
+      </p:sp>
+      <p:sp>
+        <p:nvSpPr>
+          <p:cNvPr id="3" name="Content Placeholder 2"/>
+          <p:cNvSpPr>
+            <a:spLocks noGrp="1"/>
+          </p:cNvSpPr>
+          <p:nvPr>
+            <p:ph idx="1"/>
           </p:nvPr>
         </p:nvSpPr>
         <p:spPr/>
@@ -16302,111 +16563,47 @@
           <a:p>
             <a:r>
               <a:rPr lang="en-US" dirty="0"/>
-              <a:t>Enhancing the Company's Valuation</a:t>
-            </a:r>
-          </a:p>
-        </p:txBody>
-      </p:sp>
-      <p:sp>
-        <p:nvSpPr>
-          <p:cNvPr id="3" name="Content Placeholder 2">
-            <a:extLst>
-              <a:ext uri="{FF2B5EF4-FFF2-40B4-BE49-F238E27FC236}">
-                <a16:creationId xmlns:a16="http://schemas.microsoft.com/office/drawing/2014/main" id="{0E0A1439-D515-4B71-BEFE-AFDDBADD2F4D}"/>
-              </a:ext>
-            </a:extLst>
-          </p:cNvPr>
-          <p:cNvSpPr>
-            <a:spLocks noGrp="1"/>
-          </p:cNvSpPr>
-          <p:nvPr>
-            <p:ph idx="1"/>
-          </p:nvPr>
-        </p:nvSpPr>
-        <p:spPr/>
-        <p:txBody>
-          <a:bodyPr>
-            <a:normAutofit/>
-          </a:bodyPr>
-          <a:lstStyle/>
-          <a:p>
-            <a:r>
-              <a:rPr lang="en-US" dirty="0"/>
-              <a:t>Importance of enhancing the company's valuation</a:t>
-            </a:r>
-          </a:p>
-          <a:p>
-            <a:r>
-              <a:rPr lang="en-US" dirty="0"/>
-              <a:t>Reasons why a higher valuation is critical for a successful exit:</a:t>
-            </a:r>
-          </a:p>
-          <a:p>
-            <a:pPr lvl="1"/>
-            <a:r>
-              <a:rPr lang="en-US" dirty="0"/>
-              <a:t>Increased attractiveness to potential buyers</a:t>
-            </a:r>
-          </a:p>
-          <a:p>
-            <a:pPr lvl="1"/>
-            <a:r>
-              <a:rPr lang="en-US" dirty="0"/>
-              <a:t>Increased potential for a higher sale price</a:t>
-            </a:r>
-          </a:p>
-          <a:p>
-            <a:pPr lvl="1"/>
-            <a:r>
-              <a:rPr lang="en-US" dirty="0"/>
-              <a:t>Increased ability to negotiate favorable terms</a:t>
-            </a:r>
-          </a:p>
-          <a:p>
-            <a:r>
-              <a:rPr lang="en-US" dirty="0"/>
-              <a:t>Tips for enhancing the company's valuation:</a:t>
-            </a:r>
-          </a:p>
-          <a:p>
-            <a:pPr lvl="1"/>
-            <a:r>
-              <a:rPr lang="en-US" dirty="0"/>
-              <a:t>Focus on revenue growth and profitability</a:t>
-            </a:r>
-          </a:p>
-          <a:p>
-            <a:pPr lvl="1"/>
-            <a:r>
-              <a:rPr lang="en-US" dirty="0"/>
-              <a:t>Develop a strong intellectual property portfolio</a:t>
-            </a:r>
-          </a:p>
-          <a:p>
-            <a:pPr lvl="1"/>
-            <a:r>
-              <a:rPr lang="en-US" dirty="0"/>
-              <a:t>Build a strong brand and reputation</a:t>
-            </a:r>
-          </a:p>
-          <a:p>
-            <a:pPr lvl="1"/>
-            <a:r>
-              <a:rPr lang="en-US" dirty="0"/>
-              <a:t>Invest in technology and innovation</a:t>
-            </a:r>
-          </a:p>
-        </p:txBody>
-      </p:sp>
-      <p:sp>
-        <p:nvSpPr>
-          <p:cNvPr id="4" name="Slide Number Placeholder 3">
-            <a:extLst>
-              <a:ext uri="{FF2B5EF4-FFF2-40B4-BE49-F238E27FC236}">
-                <a16:creationId xmlns:a16="http://schemas.microsoft.com/office/drawing/2014/main" id="{B8CAE8BE-7F1C-4025-B5CF-715D3D7F0A95}"/>
-              </a:ext>
-            </a:extLst>
-          </p:cNvPr>
+              <a:t>Financial Planning:</a:t>
+            </a:r>
+          </a:p>
+          <a:p>
+            <a:pPr lvl="1">
+              <a:lnSpc>
+                <a:spcPct val="150000"/>
+              </a:lnSpc>
+            </a:pPr>
+            <a:r>
+              <a:rPr lang="en-US" dirty="0"/>
+              <a:t>Accurate and Up-to-Date Financial Statements</a:t>
+            </a:r>
+          </a:p>
+          <a:p>
+            <a:pPr lvl="1">
+              <a:lnSpc>
+                <a:spcPct val="150000"/>
+              </a:lnSpc>
+            </a:pPr>
+            <a:r>
+              <a:rPr lang="en-US" dirty="0"/>
+              <a:t>Clean Up Financial Records</a:t>
+            </a:r>
+          </a:p>
+          <a:p>
+            <a:pPr lvl="1">
+              <a:lnSpc>
+                <a:spcPct val="150000"/>
+              </a:lnSpc>
+            </a:pPr>
+            <a:r>
+              <a:rPr lang="en-US" dirty="0"/>
+              <a:t>Financial Projections</a:t>
+            </a:r>
+          </a:p>
+        </p:txBody>
+      </p:sp>
+      <p:sp>
+        <p:nvSpPr>
+          <p:cNvPr id="4" name="Slide Number Placeholder 3"/>
           <p:cNvSpPr>
             <a:spLocks noGrp="1"/>
           </p:cNvSpPr>
@@ -16431,7 +16628,7 @@
     </p:spTree>
     <p:extLst>
       <p:ext uri="{BB962C8B-B14F-4D97-AF65-F5344CB8AC3E}">
-        <p14:creationId xmlns:p14="http://schemas.microsoft.com/office/powerpoint/2010/main" val="1590087665"/>
+        <p14:creationId xmlns:p14="http://schemas.microsoft.com/office/powerpoint/2010/main" val="353050955"/>
       </p:ext>
     </p:extLst>
   </p:cSld>
@@ -16475,7 +16672,7 @@
           <a:p>
             <a:r>
               <a:rPr lang="en-US" dirty="0"/>
-              <a:t>Valuation</a:t>
+              <a:t>Preparing your company for acquisition</a:t>
             </a:r>
           </a:p>
         </p:txBody>
@@ -16499,13 +16696,7 @@
           <a:p>
             <a:r>
               <a:rPr lang="en-US" dirty="0"/>
-              <a:t>Valuation is the process of determining the financial worth or fair value of a company, asset, or investment. </a:t>
-            </a:r>
-          </a:p>
-          <a:p>
-            <a:r>
-              <a:rPr lang="en-US" dirty="0"/>
-              <a:t>Several methods can be used to estimate the value of a company, including:</a:t>
+              <a:t>Legal Planning:</a:t>
             </a:r>
           </a:p>
           <a:p>
@@ -16516,7 +16707,7 @@
             </a:pPr>
             <a:r>
               <a:rPr lang="en-US" dirty="0"/>
-              <a:t>Discounted Cash Flow (DCF) Analysis</a:t>
+              <a:t>Compliance with Laws and Regulations</a:t>
             </a:r>
           </a:p>
           <a:p>
@@ -16527,7 +16718,7 @@
             </a:pPr>
             <a:r>
               <a:rPr lang="en-US" dirty="0"/>
-              <a:t>Comparable Company Analysis</a:t>
+              <a:t>Due Diligence Preparation</a:t>
             </a:r>
           </a:p>
           <a:p>
@@ -16538,7 +16729,7 @@
             </a:pPr>
             <a:r>
               <a:rPr lang="en-US" dirty="0"/>
-              <a:t>Precedent Transaction Analysis</a:t>
+              <a:t>Non-disclosure Agreements</a:t>
             </a:r>
           </a:p>
         </p:txBody>
@@ -16562,6 +16753,459 @@
               <a:rPr lang="en-US" smtClean="0"/>
               <a:pPr/>
               <a:t>51</a:t>
+            </a:fld>
+            <a:endParaRPr lang="en-US" dirty="0"/>
+          </a:p>
+        </p:txBody>
+      </p:sp>
+    </p:spTree>
+    <p:extLst>
+      <p:ext uri="{BB962C8B-B14F-4D97-AF65-F5344CB8AC3E}">
+        <p14:creationId xmlns:p14="http://schemas.microsoft.com/office/powerpoint/2010/main" val="2939750567"/>
+      </p:ext>
+    </p:extLst>
+  </p:cSld>
+  <p:clrMapOvr>
+    <a:masterClrMapping/>
+  </p:clrMapOvr>
+</p:sld>
+</file>
+
+<file path=ppt/slides/slide52.xml><?xml version="1.0" encoding="utf-8"?>
+<p:sld xmlns:a="http://schemas.openxmlformats.org/drawingml/2006/main" xmlns:r="http://schemas.openxmlformats.org/officeDocument/2006/relationships" xmlns:p="http://schemas.openxmlformats.org/presentationml/2006/main">
+  <p:cSld>
+    <p:spTree>
+      <p:nvGrpSpPr>
+        <p:cNvPr id="1" name=""/>
+        <p:cNvGrpSpPr/>
+        <p:nvPr/>
+      </p:nvGrpSpPr>
+      <p:grpSpPr>
+        <a:xfrm>
+          <a:off x="0" y="0"/>
+          <a:ext cx="0" cy="0"/>
+          <a:chOff x="0" y="0"/>
+          <a:chExt cx="0" cy="0"/>
+        </a:xfrm>
+      </p:grpSpPr>
+      <p:sp>
+        <p:nvSpPr>
+          <p:cNvPr id="2" name="Title 1"/>
+          <p:cNvSpPr>
+            <a:spLocks noGrp="1"/>
+          </p:cNvSpPr>
+          <p:nvPr>
+            <p:ph type="title"/>
+          </p:nvPr>
+        </p:nvSpPr>
+        <p:spPr/>
+        <p:txBody>
+          <a:bodyPr/>
+          <a:lstStyle/>
+          <a:p>
+            <a:r>
+              <a:rPr lang="en-US" dirty="0"/>
+              <a:t>Preparing your company for acquisition</a:t>
+            </a:r>
+          </a:p>
+        </p:txBody>
+      </p:sp>
+      <p:sp>
+        <p:nvSpPr>
+          <p:cNvPr id="3" name="Content Placeholder 2"/>
+          <p:cNvSpPr>
+            <a:spLocks noGrp="1"/>
+          </p:cNvSpPr>
+          <p:nvPr>
+            <p:ph idx="1"/>
+          </p:nvPr>
+        </p:nvSpPr>
+        <p:spPr/>
+        <p:txBody>
+          <a:bodyPr>
+            <a:normAutofit/>
+          </a:bodyPr>
+          <a:lstStyle/>
+          <a:p>
+            <a:r>
+              <a:rPr lang="en-US" dirty="0"/>
+              <a:t>Operational Planning:</a:t>
+            </a:r>
+          </a:p>
+          <a:p>
+            <a:pPr lvl="1">
+              <a:lnSpc>
+                <a:spcPct val="150000"/>
+              </a:lnSpc>
+            </a:pPr>
+            <a:r>
+              <a:rPr lang="en-US" dirty="0"/>
+              <a:t>Streamline Operations</a:t>
+            </a:r>
+          </a:p>
+          <a:p>
+            <a:pPr lvl="1">
+              <a:lnSpc>
+                <a:spcPct val="150000"/>
+              </a:lnSpc>
+            </a:pPr>
+            <a:r>
+              <a:rPr lang="en-US" dirty="0"/>
+              <a:t>Customer and Employee Retention Plans</a:t>
+            </a:r>
+          </a:p>
+          <a:p>
+            <a:pPr lvl="1">
+              <a:lnSpc>
+                <a:spcPct val="150000"/>
+              </a:lnSpc>
+            </a:pPr>
+            <a:r>
+              <a:rPr lang="en-US" dirty="0"/>
+              <a:t>Integration Readiness</a:t>
+            </a:r>
+          </a:p>
+        </p:txBody>
+      </p:sp>
+      <p:sp>
+        <p:nvSpPr>
+          <p:cNvPr id="4" name="Slide Number Placeholder 3"/>
+          <p:cNvSpPr>
+            <a:spLocks noGrp="1"/>
+          </p:cNvSpPr>
+          <p:nvPr>
+            <p:ph type="sldNum" sz="quarter" idx="12"/>
+          </p:nvPr>
+        </p:nvSpPr>
+        <p:spPr/>
+        <p:txBody>
+          <a:bodyPr/>
+          <a:lstStyle/>
+          <a:p>
+            <a:fld id="{B8DACC02-A2BD-4578-8E03-6D891060A695}" type="slidenum">
+              <a:rPr lang="en-US" smtClean="0"/>
+              <a:pPr/>
+              <a:t>52</a:t>
+            </a:fld>
+            <a:endParaRPr lang="en-US" dirty="0"/>
+          </a:p>
+        </p:txBody>
+      </p:sp>
+    </p:spTree>
+    <p:extLst>
+      <p:ext uri="{BB962C8B-B14F-4D97-AF65-F5344CB8AC3E}">
+        <p14:creationId xmlns:p14="http://schemas.microsoft.com/office/powerpoint/2010/main" val="2814128393"/>
+      </p:ext>
+    </p:extLst>
+  </p:cSld>
+  <p:clrMapOvr>
+    <a:masterClrMapping/>
+  </p:clrMapOvr>
+</p:sld>
+</file>
+
+<file path=ppt/slides/slide53.xml><?xml version="1.0" encoding="utf-8"?>
+<p:sld xmlns:a="http://schemas.openxmlformats.org/drawingml/2006/main" xmlns:r="http://schemas.openxmlformats.org/officeDocument/2006/relationships" xmlns:p="http://schemas.openxmlformats.org/presentationml/2006/main">
+  <p:cSld>
+    <p:spTree>
+      <p:nvGrpSpPr>
+        <p:cNvPr id="1" name=""/>
+        <p:cNvGrpSpPr/>
+        <p:nvPr/>
+      </p:nvGrpSpPr>
+      <p:grpSpPr>
+        <a:xfrm>
+          <a:off x="0" y="0"/>
+          <a:ext cx="0" cy="0"/>
+          <a:chOff x="0" y="0"/>
+          <a:chExt cx="0" cy="0"/>
+        </a:xfrm>
+      </p:grpSpPr>
+      <p:sp>
+        <p:nvSpPr>
+          <p:cNvPr id="2" name="Title 1">
+            <a:extLst>
+              <a:ext uri="{FF2B5EF4-FFF2-40B4-BE49-F238E27FC236}">
+                <a16:creationId xmlns:a16="http://schemas.microsoft.com/office/drawing/2014/main" id="{AB8CBBF9-1CE2-4939-93C7-7D6C286C575A}"/>
+              </a:ext>
+            </a:extLst>
+          </p:cNvPr>
+          <p:cNvSpPr>
+            <a:spLocks noGrp="1"/>
+          </p:cNvSpPr>
+          <p:nvPr>
+            <p:ph type="title"/>
+          </p:nvPr>
+        </p:nvSpPr>
+        <p:spPr/>
+        <p:txBody>
+          <a:bodyPr>
+            <a:normAutofit/>
+          </a:bodyPr>
+          <a:lstStyle/>
+          <a:p>
+            <a:r>
+              <a:rPr lang="en-US" dirty="0"/>
+              <a:t>Enhancing the Company's Valuation</a:t>
+            </a:r>
+          </a:p>
+        </p:txBody>
+      </p:sp>
+      <p:sp>
+        <p:nvSpPr>
+          <p:cNvPr id="3" name="Content Placeholder 2">
+            <a:extLst>
+              <a:ext uri="{FF2B5EF4-FFF2-40B4-BE49-F238E27FC236}">
+                <a16:creationId xmlns:a16="http://schemas.microsoft.com/office/drawing/2014/main" id="{0E0A1439-D515-4B71-BEFE-AFDDBADD2F4D}"/>
+              </a:ext>
+            </a:extLst>
+          </p:cNvPr>
+          <p:cNvSpPr>
+            <a:spLocks noGrp="1"/>
+          </p:cNvSpPr>
+          <p:nvPr>
+            <p:ph idx="1"/>
+          </p:nvPr>
+        </p:nvSpPr>
+        <p:spPr/>
+        <p:txBody>
+          <a:bodyPr>
+            <a:normAutofit/>
+          </a:bodyPr>
+          <a:lstStyle/>
+          <a:p>
+            <a:r>
+              <a:rPr lang="en-US" dirty="0"/>
+              <a:t>Importance of enhancing the company's valuation</a:t>
+            </a:r>
+          </a:p>
+          <a:p>
+            <a:r>
+              <a:rPr lang="en-US" dirty="0"/>
+              <a:t>Reasons why a higher valuation is critical for a successful exit:</a:t>
+            </a:r>
+          </a:p>
+          <a:p>
+            <a:pPr lvl="1"/>
+            <a:r>
+              <a:rPr lang="en-US" dirty="0"/>
+              <a:t>Increased attractiveness to potential buyers</a:t>
+            </a:r>
+          </a:p>
+          <a:p>
+            <a:pPr lvl="1"/>
+            <a:r>
+              <a:rPr lang="en-US" dirty="0"/>
+              <a:t>Increased potential for a higher sale price</a:t>
+            </a:r>
+          </a:p>
+          <a:p>
+            <a:pPr lvl="1"/>
+            <a:r>
+              <a:rPr lang="en-US" dirty="0"/>
+              <a:t>Increased ability to negotiate favorable terms</a:t>
+            </a:r>
+          </a:p>
+          <a:p>
+            <a:r>
+              <a:rPr lang="en-US" dirty="0"/>
+              <a:t>Tips for enhancing the company's valuation:</a:t>
+            </a:r>
+          </a:p>
+          <a:p>
+            <a:pPr lvl="1"/>
+            <a:r>
+              <a:rPr lang="en-US" dirty="0"/>
+              <a:t>Focus on revenue growth and profitability</a:t>
+            </a:r>
+          </a:p>
+          <a:p>
+            <a:pPr lvl="1"/>
+            <a:r>
+              <a:rPr lang="en-US" dirty="0"/>
+              <a:t>Develop a strong intellectual property portfolio</a:t>
+            </a:r>
+          </a:p>
+          <a:p>
+            <a:pPr lvl="1"/>
+            <a:r>
+              <a:rPr lang="en-US" dirty="0"/>
+              <a:t>Build a strong brand and reputation</a:t>
+            </a:r>
+          </a:p>
+          <a:p>
+            <a:pPr lvl="1"/>
+            <a:r>
+              <a:rPr lang="en-US" dirty="0"/>
+              <a:t>Invest in technology and innovation</a:t>
+            </a:r>
+          </a:p>
+        </p:txBody>
+      </p:sp>
+      <p:sp>
+        <p:nvSpPr>
+          <p:cNvPr id="4" name="Slide Number Placeholder 3">
+            <a:extLst>
+              <a:ext uri="{FF2B5EF4-FFF2-40B4-BE49-F238E27FC236}">
+                <a16:creationId xmlns:a16="http://schemas.microsoft.com/office/drawing/2014/main" id="{B8CAE8BE-7F1C-4025-B5CF-715D3D7F0A95}"/>
+              </a:ext>
+            </a:extLst>
+          </p:cNvPr>
+          <p:cNvSpPr>
+            <a:spLocks noGrp="1"/>
+          </p:cNvSpPr>
+          <p:nvPr>
+            <p:ph type="sldNum" sz="quarter" idx="12"/>
+          </p:nvPr>
+        </p:nvSpPr>
+        <p:spPr/>
+        <p:txBody>
+          <a:bodyPr/>
+          <a:lstStyle/>
+          <a:p>
+            <a:fld id="{B8DACC02-A2BD-4578-8E03-6D891060A695}" type="slidenum">
+              <a:rPr lang="en-US" smtClean="0"/>
+              <a:pPr/>
+              <a:t>53</a:t>
+            </a:fld>
+            <a:endParaRPr lang="en-US" dirty="0"/>
+          </a:p>
+        </p:txBody>
+      </p:sp>
+    </p:spTree>
+    <p:extLst>
+      <p:ext uri="{BB962C8B-B14F-4D97-AF65-F5344CB8AC3E}">
+        <p14:creationId xmlns:p14="http://schemas.microsoft.com/office/powerpoint/2010/main" val="1590087665"/>
+      </p:ext>
+    </p:extLst>
+  </p:cSld>
+  <p:clrMapOvr>
+    <a:masterClrMapping/>
+  </p:clrMapOvr>
+</p:sld>
+</file>
+
+<file path=ppt/slides/slide54.xml><?xml version="1.0" encoding="utf-8"?>
+<p:sld xmlns:a="http://schemas.openxmlformats.org/drawingml/2006/main" xmlns:r="http://schemas.openxmlformats.org/officeDocument/2006/relationships" xmlns:p="http://schemas.openxmlformats.org/presentationml/2006/main">
+  <p:cSld>
+    <p:spTree>
+      <p:nvGrpSpPr>
+        <p:cNvPr id="1" name=""/>
+        <p:cNvGrpSpPr/>
+        <p:nvPr/>
+      </p:nvGrpSpPr>
+      <p:grpSpPr>
+        <a:xfrm>
+          <a:off x="0" y="0"/>
+          <a:ext cx="0" cy="0"/>
+          <a:chOff x="0" y="0"/>
+          <a:chExt cx="0" cy="0"/>
+        </a:xfrm>
+      </p:grpSpPr>
+      <p:sp>
+        <p:nvSpPr>
+          <p:cNvPr id="2" name="Title 1"/>
+          <p:cNvSpPr>
+            <a:spLocks noGrp="1"/>
+          </p:cNvSpPr>
+          <p:nvPr>
+            <p:ph type="title"/>
+          </p:nvPr>
+        </p:nvSpPr>
+        <p:spPr/>
+        <p:txBody>
+          <a:bodyPr/>
+          <a:lstStyle/>
+          <a:p>
+            <a:r>
+              <a:rPr lang="en-US" dirty="0"/>
+              <a:t>Valuation</a:t>
+            </a:r>
+          </a:p>
+        </p:txBody>
+      </p:sp>
+      <p:sp>
+        <p:nvSpPr>
+          <p:cNvPr id="3" name="Content Placeholder 2"/>
+          <p:cNvSpPr>
+            <a:spLocks noGrp="1"/>
+          </p:cNvSpPr>
+          <p:nvPr>
+            <p:ph idx="1"/>
+          </p:nvPr>
+        </p:nvSpPr>
+        <p:spPr/>
+        <p:txBody>
+          <a:bodyPr>
+            <a:normAutofit/>
+          </a:bodyPr>
+          <a:lstStyle/>
+          <a:p>
+            <a:r>
+              <a:rPr lang="en-US" dirty="0"/>
+              <a:t>Valuation is the process of determining the financial worth or fair value of a company, asset, or investment. </a:t>
+            </a:r>
+          </a:p>
+          <a:p>
+            <a:r>
+              <a:rPr lang="en-US" dirty="0"/>
+              <a:t>Several methods can be used to estimate the value of a company, including:</a:t>
+            </a:r>
+          </a:p>
+          <a:p>
+            <a:pPr lvl="1">
+              <a:lnSpc>
+                <a:spcPct val="150000"/>
+              </a:lnSpc>
+            </a:pPr>
+            <a:r>
+              <a:rPr lang="en-US" dirty="0"/>
+              <a:t>Discounted Cash Flow (DCF) Analysis</a:t>
+            </a:r>
+          </a:p>
+          <a:p>
+            <a:pPr lvl="1">
+              <a:lnSpc>
+                <a:spcPct val="150000"/>
+              </a:lnSpc>
+            </a:pPr>
+            <a:r>
+              <a:rPr lang="en-US" dirty="0"/>
+              <a:t>Comparable Company Analysis</a:t>
+            </a:r>
+          </a:p>
+          <a:p>
+            <a:pPr lvl="1">
+              <a:lnSpc>
+                <a:spcPct val="150000"/>
+              </a:lnSpc>
+            </a:pPr>
+            <a:r>
+              <a:rPr lang="en-US" dirty="0"/>
+              <a:t>Precedent Transaction Analysis</a:t>
+            </a:r>
+          </a:p>
+        </p:txBody>
+      </p:sp>
+      <p:sp>
+        <p:nvSpPr>
+          <p:cNvPr id="4" name="Slide Number Placeholder 3"/>
+          <p:cNvSpPr>
+            <a:spLocks noGrp="1"/>
+          </p:cNvSpPr>
+          <p:nvPr>
+            <p:ph type="sldNum" sz="quarter" idx="12"/>
+          </p:nvPr>
+        </p:nvSpPr>
+        <p:spPr/>
+        <p:txBody>
+          <a:bodyPr/>
+          <a:lstStyle/>
+          <a:p>
+            <a:fld id="{B8DACC02-A2BD-4578-8E03-6D891060A695}" type="slidenum">
+              <a:rPr lang="en-US" smtClean="0"/>
+              <a:pPr/>
+              <a:t>54</a:t>
             </a:fld>
             <a:endParaRPr lang="en-US" dirty="0"/>
           </a:p>
@@ -16621,7 +17265,7 @@
 </p:sld>
 </file>
 
-<file path=ppt/slides/slide52.xml><?xml version="1.0" encoding="utf-8"?>
+<file path=ppt/slides/slide55.xml><?xml version="1.0" encoding="utf-8"?>
 <p:sld xmlns:a="http://schemas.openxmlformats.org/drawingml/2006/main" xmlns:r="http://schemas.openxmlformats.org/officeDocument/2006/relationships" xmlns:p="http://schemas.openxmlformats.org/presentationml/2006/main">
   <p:cSld>
     <p:spTree>
@@ -16768,7 +17412,7 @@
             <a:fld id="{B8DACC02-A2BD-4578-8E03-6D891060A695}" type="slidenum">
               <a:rPr lang="en-US" smtClean="0"/>
               <a:pPr/>
-              <a:t>52</a:t>
+              <a:t>55</a:t>
             </a:fld>
             <a:endParaRPr lang="en-US" dirty="0"/>
           </a:p>
@@ -16787,7 +17431,7 @@
 </p:sld>
 </file>
 
-<file path=ppt/slides/slide53.xml><?xml version="1.0" encoding="utf-8"?>
+<file path=ppt/slides/slide56.xml><?xml version="1.0" encoding="utf-8"?>
 <p:sld xmlns:a="http://schemas.openxmlformats.org/drawingml/2006/main" xmlns:r="http://schemas.openxmlformats.org/officeDocument/2006/relationships" xmlns:p="http://schemas.openxmlformats.org/presentationml/2006/main">
   <p:cSld>
     <p:spTree>
@@ -16950,7 +17594,7 @@
             <a:fld id="{B8DACC02-A2BD-4578-8E03-6D891060A695}" type="slidenum">
               <a:rPr lang="en-US" smtClean="0"/>
               <a:pPr/>
-              <a:t>53</a:t>
+              <a:t>56</a:t>
             </a:fld>
             <a:endParaRPr lang="en-US" dirty="0"/>
           </a:p>
@@ -16969,7 +17613,7 @@
 </p:sld>
 </file>
 
-<file path=ppt/slides/slide54.xml><?xml version="1.0" encoding="utf-8"?>
+<file path=ppt/slides/slide57.xml><?xml version="1.0" encoding="utf-8"?>
 <p:sld xmlns:a="http://schemas.openxmlformats.org/drawingml/2006/main" xmlns:r="http://schemas.openxmlformats.org/officeDocument/2006/relationships" xmlns:p="http://schemas.openxmlformats.org/presentationml/2006/main">
   <p:cSld>
     <p:spTree>
@@ -17061,7 +17705,7 @@
             <a:fld id="{B8DACC02-A2BD-4578-8E03-6D891060A695}" type="slidenum">
               <a:rPr lang="en-US" smtClean="0"/>
               <a:pPr/>
-              <a:t>54</a:t>
+              <a:t>57</a:t>
             </a:fld>
             <a:endParaRPr lang="en-US" dirty="0"/>
           </a:p>
@@ -17121,7 +17765,7 @@
 </p:sld>
 </file>
 
-<file path=ppt/slides/slide55.xml><?xml version="1.0" encoding="utf-8"?>
+<file path=ppt/slides/slide58.xml><?xml version="1.0" encoding="utf-8"?>
 <p:sld xmlns:a="http://schemas.openxmlformats.org/drawingml/2006/main" xmlns:r="http://schemas.openxmlformats.org/officeDocument/2006/relationships" xmlns:p="http://schemas.openxmlformats.org/presentationml/2006/main">
   <p:cSld>
     <p:spTree>
@@ -17238,7 +17882,7 @@
             <a:fld id="{B8DACC02-A2BD-4578-8E03-6D891060A695}" type="slidenum">
               <a:rPr lang="en-US" smtClean="0"/>
               <a:pPr/>
-              <a:t>55</a:t>
+              <a:t>58</a:t>
             </a:fld>
             <a:endParaRPr lang="en-US" dirty="0"/>
           </a:p>
@@ -17257,7 +17901,7 @@
 </p:sld>
 </file>
 
-<file path=ppt/slides/slide56.xml><?xml version="1.0" encoding="utf-8"?>
+<file path=ppt/slides/slide59.xml><?xml version="1.0" encoding="utf-8"?>
 <p:sld xmlns:a="http://schemas.openxmlformats.org/drawingml/2006/main" xmlns:r="http://schemas.openxmlformats.org/officeDocument/2006/relationships" xmlns:p="http://schemas.openxmlformats.org/presentationml/2006/main">
   <p:cSld>
     <p:spTree>
@@ -17347,7 +17991,7 @@
             <a:fld id="{B8DACC02-A2BD-4578-8E03-6D891060A695}" type="slidenum">
               <a:rPr lang="en-US" smtClean="0"/>
               <a:pPr/>
-              <a:t>56</a:t>
+              <a:t>59</a:t>
             </a:fld>
             <a:endParaRPr lang="en-US" dirty="0"/>
           </a:p>
@@ -17405,401 +18049,6 @@
 </p:sld>
 </file>
 
-<file path=ppt/slides/slide57.xml><?xml version="1.0" encoding="utf-8"?>
-<p:sld xmlns:a="http://schemas.openxmlformats.org/drawingml/2006/main" xmlns:r="http://schemas.openxmlformats.org/officeDocument/2006/relationships" xmlns:p="http://schemas.openxmlformats.org/presentationml/2006/main">
-  <p:cSld>
-    <p:spTree>
-      <p:nvGrpSpPr>
-        <p:cNvPr id="1" name=""/>
-        <p:cNvGrpSpPr/>
-        <p:nvPr/>
-      </p:nvGrpSpPr>
-      <p:grpSpPr>
-        <a:xfrm>
-          <a:off x="0" y="0"/>
-          <a:ext cx="0" cy="0"/>
-          <a:chOff x="0" y="0"/>
-          <a:chExt cx="0" cy="0"/>
-        </a:xfrm>
-      </p:grpSpPr>
-      <p:sp>
-        <p:nvSpPr>
-          <p:cNvPr id="2" name="Title 1"/>
-          <p:cNvSpPr>
-            <a:spLocks noGrp="1"/>
-          </p:cNvSpPr>
-          <p:nvPr>
-            <p:ph type="title"/>
-          </p:nvPr>
-        </p:nvSpPr>
-        <p:spPr/>
-        <p:txBody>
-          <a:bodyPr/>
-          <a:lstStyle/>
-          <a:p>
-            <a:r>
-              <a:rPr lang="en-US" dirty="0"/>
-              <a:t>Letter of Intent (LOI)</a:t>
-            </a:r>
-          </a:p>
-        </p:txBody>
-      </p:sp>
-      <p:sp>
-        <p:nvSpPr>
-          <p:cNvPr id="3" name="Content Placeholder 2"/>
-          <p:cNvSpPr>
-            <a:spLocks noGrp="1"/>
-          </p:cNvSpPr>
-          <p:nvPr>
-            <p:ph idx="1"/>
-          </p:nvPr>
-        </p:nvSpPr>
-        <p:spPr/>
-        <p:txBody>
-          <a:bodyPr>
-            <a:normAutofit/>
-          </a:bodyPr>
-          <a:lstStyle/>
-          <a:p>
-            <a:r>
-              <a:rPr lang="en-US" dirty="0"/>
-              <a:t>Key components typically included in an LOI are:</a:t>
-            </a:r>
-          </a:p>
-          <a:p>
-            <a:pPr lvl="1">
-              <a:lnSpc>
-                <a:spcPct val="150000"/>
-              </a:lnSpc>
-            </a:pPr>
-            <a:r>
-              <a:rPr lang="en-US" dirty="0"/>
-              <a:t>Price</a:t>
-            </a:r>
-          </a:p>
-          <a:p>
-            <a:pPr lvl="1">
-              <a:lnSpc>
-                <a:spcPct val="150000"/>
-              </a:lnSpc>
-            </a:pPr>
-            <a:r>
-              <a:rPr lang="en-US" dirty="0"/>
-              <a:t>Payment Terms</a:t>
-            </a:r>
-          </a:p>
-          <a:p>
-            <a:pPr lvl="1">
-              <a:lnSpc>
-                <a:spcPct val="150000"/>
-              </a:lnSpc>
-            </a:pPr>
-            <a:r>
-              <a:rPr lang="en-US" dirty="0"/>
-              <a:t>Due Diligence Timeline</a:t>
-            </a:r>
-          </a:p>
-          <a:p>
-            <a:pPr lvl="1">
-              <a:lnSpc>
-                <a:spcPct val="150000"/>
-              </a:lnSpc>
-            </a:pPr>
-            <a:r>
-              <a:rPr lang="en-US" dirty="0"/>
-              <a:t>Closing Date and Conditions</a:t>
-            </a:r>
-          </a:p>
-          <a:p>
-            <a:pPr lvl="1">
-              <a:lnSpc>
-                <a:spcPct val="150000"/>
-              </a:lnSpc>
-            </a:pPr>
-            <a:r>
-              <a:rPr lang="en-US" dirty="0"/>
-              <a:t>Confidentiality and Exclusivity</a:t>
-            </a:r>
-          </a:p>
-        </p:txBody>
-      </p:sp>
-      <p:sp>
-        <p:nvSpPr>
-          <p:cNvPr id="4" name="Slide Number Placeholder 3"/>
-          <p:cNvSpPr>
-            <a:spLocks noGrp="1"/>
-          </p:cNvSpPr>
-          <p:nvPr>
-            <p:ph type="sldNum" sz="quarter" idx="12"/>
-          </p:nvPr>
-        </p:nvSpPr>
-        <p:spPr/>
-        <p:txBody>
-          <a:bodyPr/>
-          <a:lstStyle/>
-          <a:p>
-            <a:fld id="{B8DACC02-A2BD-4578-8E03-6D891060A695}" type="slidenum">
-              <a:rPr lang="en-US" smtClean="0"/>
-              <a:pPr/>
-              <a:t>57</a:t>
-            </a:fld>
-            <a:endParaRPr lang="en-US" dirty="0"/>
-          </a:p>
-        </p:txBody>
-      </p:sp>
-    </p:spTree>
-    <p:extLst>
-      <p:ext uri="{BB962C8B-B14F-4D97-AF65-F5344CB8AC3E}">
-        <p14:creationId xmlns:p14="http://schemas.microsoft.com/office/powerpoint/2010/main" val="2263854133"/>
-      </p:ext>
-    </p:extLst>
-  </p:cSld>
-  <p:clrMapOvr>
-    <a:masterClrMapping/>
-  </p:clrMapOvr>
-</p:sld>
-</file>
-
-<file path=ppt/slides/slide58.xml><?xml version="1.0" encoding="utf-8"?>
-<p:sld xmlns:a="http://schemas.openxmlformats.org/drawingml/2006/main" xmlns:r="http://schemas.openxmlformats.org/officeDocument/2006/relationships" xmlns:p="http://schemas.openxmlformats.org/presentationml/2006/main">
-  <p:cSld>
-    <p:spTree>
-      <p:nvGrpSpPr>
-        <p:cNvPr id="1" name=""/>
-        <p:cNvGrpSpPr/>
-        <p:nvPr/>
-      </p:nvGrpSpPr>
-      <p:grpSpPr>
-        <a:xfrm>
-          <a:off x="0" y="0"/>
-          <a:ext cx="0" cy="0"/>
-          <a:chOff x="0" y="0"/>
-          <a:chExt cx="0" cy="0"/>
-        </a:xfrm>
-      </p:grpSpPr>
-      <p:sp>
-        <p:nvSpPr>
-          <p:cNvPr id="2" name="Title 1"/>
-          <p:cNvSpPr>
-            <a:spLocks noGrp="1"/>
-          </p:cNvSpPr>
-          <p:nvPr>
-            <p:ph type="title"/>
-          </p:nvPr>
-        </p:nvSpPr>
-        <p:spPr/>
-        <p:txBody>
-          <a:bodyPr>
-            <a:normAutofit/>
-          </a:bodyPr>
-          <a:lstStyle/>
-          <a:p>
-            <a:r>
-              <a:rPr lang="en-US" dirty="0"/>
-              <a:t>Acquisition Agreement</a:t>
-            </a:r>
-          </a:p>
-        </p:txBody>
-      </p:sp>
-      <p:sp>
-        <p:nvSpPr>
-          <p:cNvPr id="3" name="Content Placeholder 2"/>
-          <p:cNvSpPr>
-            <a:spLocks noGrp="1"/>
-          </p:cNvSpPr>
-          <p:nvPr>
-            <p:ph idx="1"/>
-          </p:nvPr>
-        </p:nvSpPr>
-        <p:spPr/>
-        <p:txBody>
-          <a:bodyPr/>
-          <a:lstStyle/>
-          <a:p>
-            <a:r>
-              <a:rPr lang="en-US" dirty="0"/>
-              <a:t>A legally binding contract outlining the terms of an acquisition.</a:t>
-            </a:r>
-          </a:p>
-          <a:p>
-            <a:r>
-              <a:rPr lang="en-US" dirty="0"/>
-              <a:t>Key components: </a:t>
-            </a:r>
-          </a:p>
-          <a:p>
-            <a:pPr lvl="1"/>
-            <a:r>
-              <a:rPr lang="en-US" dirty="0"/>
-              <a:t>Purchase price</a:t>
-            </a:r>
-          </a:p>
-          <a:p>
-            <a:pPr lvl="1"/>
-            <a:r>
-              <a:rPr lang="en-US" dirty="0"/>
-              <a:t>payment terms</a:t>
-            </a:r>
-          </a:p>
-          <a:p>
-            <a:pPr lvl="1"/>
-            <a:r>
-              <a:rPr lang="en-US" dirty="0"/>
-              <a:t>warranties, and </a:t>
-            </a:r>
-          </a:p>
-          <a:p>
-            <a:pPr lvl="1"/>
-            <a:r>
-              <a:rPr lang="en-US" dirty="0"/>
-              <a:t>indemnifications</a:t>
-            </a:r>
-          </a:p>
-        </p:txBody>
-      </p:sp>
-      <p:sp>
-        <p:nvSpPr>
-          <p:cNvPr id="4" name="Slide Number Placeholder 3"/>
-          <p:cNvSpPr>
-            <a:spLocks noGrp="1"/>
-          </p:cNvSpPr>
-          <p:nvPr>
-            <p:ph type="sldNum" sz="quarter" idx="12"/>
-          </p:nvPr>
-        </p:nvSpPr>
-        <p:spPr/>
-        <p:txBody>
-          <a:bodyPr/>
-          <a:lstStyle/>
-          <a:p>
-            <a:fld id="{B8DACC02-A2BD-4578-8E03-6D891060A695}" type="slidenum">
-              <a:rPr lang="en-US" smtClean="0"/>
-              <a:pPr/>
-              <a:t>58</a:t>
-            </a:fld>
-            <a:endParaRPr lang="en-US" dirty="0"/>
-          </a:p>
-        </p:txBody>
-      </p:sp>
-    </p:spTree>
-    <p:extLst>
-      <p:ext uri="{BB962C8B-B14F-4D97-AF65-F5344CB8AC3E}">
-        <p14:creationId xmlns:p14="http://schemas.microsoft.com/office/powerpoint/2010/main" val="996936080"/>
-      </p:ext>
-    </p:extLst>
-  </p:cSld>
-  <p:clrMapOvr>
-    <a:masterClrMapping/>
-  </p:clrMapOvr>
-</p:sld>
-</file>
-
-<file path=ppt/slides/slide59.xml><?xml version="1.0" encoding="utf-8"?>
-<p:sld xmlns:a="http://schemas.openxmlformats.org/drawingml/2006/main" xmlns:r="http://schemas.openxmlformats.org/officeDocument/2006/relationships" xmlns:p="http://schemas.openxmlformats.org/presentationml/2006/main">
-  <p:cSld>
-    <p:spTree>
-      <p:nvGrpSpPr>
-        <p:cNvPr id="1" name=""/>
-        <p:cNvGrpSpPr/>
-        <p:nvPr/>
-      </p:nvGrpSpPr>
-      <p:grpSpPr>
-        <a:xfrm>
-          <a:off x="0" y="0"/>
-          <a:ext cx="0" cy="0"/>
-          <a:chOff x="0" y="0"/>
-          <a:chExt cx="0" cy="0"/>
-        </a:xfrm>
-      </p:grpSpPr>
-      <p:sp>
-        <p:nvSpPr>
-          <p:cNvPr id="2" name="Title 1"/>
-          <p:cNvSpPr>
-            <a:spLocks noGrp="1"/>
-          </p:cNvSpPr>
-          <p:nvPr>
-            <p:ph type="title"/>
-          </p:nvPr>
-        </p:nvSpPr>
-        <p:spPr/>
-        <p:txBody>
-          <a:bodyPr>
-            <a:normAutofit/>
-          </a:bodyPr>
-          <a:lstStyle/>
-          <a:p>
-            <a:r>
-              <a:rPr lang="en-US" dirty="0"/>
-              <a:t>Post-Acquisition Integration</a:t>
-            </a:r>
-          </a:p>
-        </p:txBody>
-      </p:sp>
-      <p:sp>
-        <p:nvSpPr>
-          <p:cNvPr id="3" name="Content Placeholder 2"/>
-          <p:cNvSpPr>
-            <a:spLocks noGrp="1"/>
-          </p:cNvSpPr>
-          <p:nvPr>
-            <p:ph idx="1"/>
-          </p:nvPr>
-        </p:nvSpPr>
-        <p:spPr/>
-        <p:txBody>
-          <a:bodyPr/>
-          <a:lstStyle/>
-          <a:p>
-            <a:r>
-              <a:rPr lang="en-US" dirty="0"/>
-              <a:t>Challenges: Integration challenges include cultural differences, system integration, and retaining key employees.</a:t>
-            </a:r>
-          </a:p>
-          <a:p>
-            <a:r>
-              <a:rPr lang="en-US" dirty="0"/>
-              <a:t>Strategies: Strategies for successful integration include effective communication, retention bonuses, and clear goals.</a:t>
-            </a:r>
-          </a:p>
-        </p:txBody>
-      </p:sp>
-      <p:sp>
-        <p:nvSpPr>
-          <p:cNvPr id="4" name="Slide Number Placeholder 3"/>
-          <p:cNvSpPr>
-            <a:spLocks noGrp="1"/>
-          </p:cNvSpPr>
-          <p:nvPr>
-            <p:ph type="sldNum" sz="quarter" idx="12"/>
-          </p:nvPr>
-        </p:nvSpPr>
-        <p:spPr/>
-        <p:txBody>
-          <a:bodyPr/>
-          <a:lstStyle/>
-          <a:p>
-            <a:fld id="{B8DACC02-A2BD-4578-8E03-6D891060A695}" type="slidenum">
-              <a:rPr lang="en-US" smtClean="0"/>
-              <a:pPr/>
-              <a:t>59</a:t>
-            </a:fld>
-            <a:endParaRPr lang="en-US" dirty="0"/>
-          </a:p>
-        </p:txBody>
-      </p:sp>
-    </p:spTree>
-    <p:extLst>
-      <p:ext uri="{BB962C8B-B14F-4D97-AF65-F5344CB8AC3E}">
-        <p14:creationId xmlns:p14="http://schemas.microsoft.com/office/powerpoint/2010/main" val="4166039905"/>
-      </p:ext>
-    </p:extLst>
-  </p:cSld>
-  <p:clrMapOvr>
-    <a:masterClrMapping/>
-  </p:clrMapOvr>
-</p:sld>
-</file>
-
 <file path=ppt/slides/slide6.xml><?xml version="1.0" encoding="utf-8"?>
 <p:sld xmlns:a="http://schemas.openxmlformats.org/drawingml/2006/main" xmlns:r="http://schemas.openxmlformats.org/officeDocument/2006/relationships" xmlns:p="http://schemas.openxmlformats.org/presentationml/2006/main">
   <p:cSld>
@@ -17932,7 +18181,7 @@
           <a:p>
             <a:r>
               <a:rPr lang="en-US" dirty="0"/>
-              <a:t>Going Public - IPO Process</a:t>
+              <a:t>Letter of Intent (LOI)</a:t>
             </a:r>
           </a:p>
         </p:txBody>
@@ -17949,18 +18198,69 @@
         </p:nvSpPr>
         <p:spPr/>
         <p:txBody>
-          <a:bodyPr/>
-          <a:lstStyle/>
-          <a:p>
-            <a:r>
-              <a:rPr lang="en-US" dirty="0"/>
-              <a:t>An IPO is the process of issuing stock to the public to raise capital.</a:t>
-            </a:r>
-          </a:p>
-          <a:p>
-            <a:r>
-              <a:rPr lang="en-US" dirty="0"/>
-              <a:t>Key stakeholders: Underwriters, lawyers, accountants, and the company's management team are typically involved in an IPO.</a:t>
+          <a:bodyPr>
+            <a:normAutofit/>
+          </a:bodyPr>
+          <a:lstStyle/>
+          <a:p>
+            <a:r>
+              <a:rPr lang="en-US" dirty="0"/>
+              <a:t>Key components typically included in an LOI are:</a:t>
+            </a:r>
+          </a:p>
+          <a:p>
+            <a:pPr lvl="1">
+              <a:lnSpc>
+                <a:spcPct val="150000"/>
+              </a:lnSpc>
+            </a:pPr>
+            <a:r>
+              <a:rPr lang="en-US" dirty="0"/>
+              <a:t>Price</a:t>
+            </a:r>
+          </a:p>
+          <a:p>
+            <a:pPr lvl="1">
+              <a:lnSpc>
+                <a:spcPct val="150000"/>
+              </a:lnSpc>
+            </a:pPr>
+            <a:r>
+              <a:rPr lang="en-US" dirty="0"/>
+              <a:t>Payment Terms</a:t>
+            </a:r>
+          </a:p>
+          <a:p>
+            <a:pPr lvl="1">
+              <a:lnSpc>
+                <a:spcPct val="150000"/>
+              </a:lnSpc>
+            </a:pPr>
+            <a:r>
+              <a:rPr lang="en-US" dirty="0"/>
+              <a:t>Due Diligence Timeline</a:t>
+            </a:r>
+          </a:p>
+          <a:p>
+            <a:pPr lvl="1">
+              <a:lnSpc>
+                <a:spcPct val="150000"/>
+              </a:lnSpc>
+            </a:pPr>
+            <a:r>
+              <a:rPr lang="en-US" dirty="0"/>
+              <a:t>Closing Date and Conditions</a:t>
+            </a:r>
+          </a:p>
+          <a:p>
+            <a:pPr lvl="1">
+              <a:lnSpc>
+                <a:spcPct val="150000"/>
+              </a:lnSpc>
+            </a:pPr>
+            <a:r>
+              <a:rPr lang="en-US" dirty="0"/>
+              <a:t>Confidentiality and Exclusivity</a:t>
             </a:r>
           </a:p>
         </p:txBody>
@@ -17992,7 +18292,7 @@
     </p:spTree>
     <p:extLst>
       <p:ext uri="{BB962C8B-B14F-4D97-AF65-F5344CB8AC3E}">
-        <p14:creationId xmlns:p14="http://schemas.microsoft.com/office/powerpoint/2010/main" val="3687308323"/>
+        <p14:creationId xmlns:p14="http://schemas.microsoft.com/office/powerpoint/2010/main" val="2263854133"/>
       </p:ext>
     </p:extLst>
   </p:cSld>
@@ -18031,12 +18331,14 @@
         </p:nvSpPr>
         <p:spPr/>
         <p:txBody>
-          <a:bodyPr/>
-          <a:lstStyle/>
-          <a:p>
-            <a:r>
-              <a:rPr lang="en-US" dirty="0"/>
-              <a:t>IPO Process</a:t>
+          <a:bodyPr>
+            <a:normAutofit/>
+          </a:bodyPr>
+          <a:lstStyle/>
+          <a:p>
+            <a:r>
+              <a:rPr lang="en-US" dirty="0"/>
+              <a:t>Acquisition Agreement</a:t>
             </a:r>
           </a:p>
         </p:txBody>
@@ -18058,19 +18360,41 @@
           <a:p>
             <a:r>
               <a:rPr lang="en-US" dirty="0"/>
-              <a:t>Filing: Filing a registration statement with the SEC, including financial statements and other information.</a:t>
-            </a:r>
-          </a:p>
-          <a:p>
-            <a:r>
-              <a:rPr lang="en-US" dirty="0"/>
-              <a:t>Roadshow: A presentation by the company's management team to potential investors.</a:t>
-            </a:r>
-          </a:p>
-          <a:p>
-            <a:r>
-              <a:rPr lang="en-US" dirty="0"/>
-              <a:t>Pricing: Determining the IPO price and allocating shares to investors.</a:t>
+              <a:t>A legally binding contract outlining the terms of an acquisition.</a:t>
+            </a:r>
+          </a:p>
+          <a:p>
+            <a:r>
+              <a:rPr lang="en-US" dirty="0"/>
+              <a:t>Key components: </a:t>
+            </a:r>
+          </a:p>
+          <a:p>
+            <a:pPr lvl="1"/>
+            <a:r>
+              <a:rPr lang="en-US" dirty="0"/>
+              <a:t>Purchase price</a:t>
+            </a:r>
+          </a:p>
+          <a:p>
+            <a:pPr lvl="1"/>
+            <a:r>
+              <a:rPr lang="en-US" dirty="0"/>
+              <a:t>payment terms</a:t>
+            </a:r>
+          </a:p>
+          <a:p>
+            <a:pPr lvl="1"/>
+            <a:r>
+              <a:rPr lang="en-US" dirty="0"/>
+              <a:t>warranties, and </a:t>
+            </a:r>
+          </a:p>
+          <a:p>
+            <a:pPr lvl="1"/>
+            <a:r>
+              <a:rPr lang="en-US" dirty="0"/>
+              <a:t>indemnifications</a:t>
             </a:r>
           </a:p>
         </p:txBody>
@@ -18102,7 +18426,7 @@
     </p:spTree>
     <p:extLst>
       <p:ext uri="{BB962C8B-B14F-4D97-AF65-F5344CB8AC3E}">
-        <p14:creationId xmlns:p14="http://schemas.microsoft.com/office/powerpoint/2010/main" val="4254958988"/>
+        <p14:creationId xmlns:p14="http://schemas.microsoft.com/office/powerpoint/2010/main" val="996936080"/>
       </p:ext>
     </p:extLst>
   </p:cSld>
@@ -18141,12 +18465,14 @@
         </p:nvSpPr>
         <p:spPr/>
         <p:txBody>
-          <a:bodyPr/>
-          <a:lstStyle/>
-          <a:p>
-            <a:r>
-              <a:rPr lang="en-US" dirty="0"/>
-              <a:t>IPO Valuation</a:t>
+          <a:bodyPr>
+            <a:normAutofit/>
+          </a:bodyPr>
+          <a:lstStyle/>
+          <a:p>
+            <a:r>
+              <a:rPr lang="en-US" dirty="0"/>
+              <a:t>Post-Acquisition Integration</a:t>
             </a:r>
           </a:p>
         </p:txBody>
@@ -18168,13 +18494,13 @@
           <a:p>
             <a:r>
               <a:rPr lang="en-US" dirty="0"/>
-              <a:t>Methods: Valuation methods include discounted cash flow, comparable company analysis, and precedent transaction analysis.</a:t>
-            </a:r>
-          </a:p>
-          <a:p>
-            <a:r>
-              <a:rPr lang="en-US" dirty="0"/>
-              <a:t>Factors: Factors that can impact valuation include revenue, profitability, market size, and growth potential.</a:t>
+              <a:t>Challenges: Integration challenges include cultural differences, system integration, and retaining key employees.</a:t>
+            </a:r>
+          </a:p>
+          <a:p>
+            <a:r>
+              <a:rPr lang="en-US" dirty="0"/>
+              <a:t>Strategies: Strategies for successful integration include effective communication, retention bonuses, and clear goals.</a:t>
             </a:r>
           </a:p>
         </p:txBody>
@@ -18206,7 +18532,7 @@
     </p:spTree>
     <p:extLst>
       <p:ext uri="{BB962C8B-B14F-4D97-AF65-F5344CB8AC3E}">
-        <p14:creationId xmlns:p14="http://schemas.microsoft.com/office/powerpoint/2010/main" val="4086575033"/>
+        <p14:creationId xmlns:p14="http://schemas.microsoft.com/office/powerpoint/2010/main" val="4166039905"/>
       </p:ext>
     </p:extLst>
   </p:cSld>
@@ -18250,7 +18576,7 @@
           <a:p>
             <a:r>
               <a:rPr lang="en-US" dirty="0"/>
-              <a:t>Post-IPO Life</a:t>
+              <a:t>Going Public - IPO Process</a:t>
             </a:r>
           </a:p>
         </p:txBody>
@@ -18272,13 +18598,13 @@
           <a:p>
             <a:r>
               <a:rPr lang="en-US" dirty="0"/>
-              <a:t>Challenges: Challenges include increased regulatory compliance, public scrutiny, and maintaining growth.</a:t>
-            </a:r>
-          </a:p>
-          <a:p>
-            <a:r>
-              <a:rPr lang="en-US" dirty="0"/>
-              <a:t>Strategies: Strategies for success include effective communication, investor relations, and continued innovation.</a:t>
+              <a:t>An IPO is the process of issuing stock to the public to raise capital.</a:t>
+            </a:r>
+          </a:p>
+          <a:p>
+            <a:r>
+              <a:rPr lang="en-US" dirty="0"/>
+              <a:t>Key stakeholders: Underwriters, lawyers, accountants, and the company's management team are typically involved in an IPO.</a:t>
             </a:r>
           </a:p>
         </p:txBody>
@@ -18310,7 +18636,7 @@
     </p:spTree>
     <p:extLst>
       <p:ext uri="{BB962C8B-B14F-4D97-AF65-F5344CB8AC3E}">
-        <p14:creationId xmlns:p14="http://schemas.microsoft.com/office/powerpoint/2010/main" val="1389055377"/>
+        <p14:creationId xmlns:p14="http://schemas.microsoft.com/office/powerpoint/2010/main" val="3687308323"/>
       </p:ext>
     </p:extLst>
   </p:cSld>
@@ -18339,7 +18665,7 @@
       </p:grpSpPr>
       <p:sp>
         <p:nvSpPr>
-          <p:cNvPr id="5" name="Title 4"/>
+          <p:cNvPr id="2" name="Title 1"/>
           <p:cNvSpPr>
             <a:spLocks noGrp="1"/>
           </p:cNvSpPr>
@@ -18354,27 +18680,42 @@
           <a:p>
             <a:r>
               <a:rPr lang="en-US" dirty="0"/>
-              <a:t>Case Studies of Successful Exit Strategies</a:t>
-            </a:r>
-          </a:p>
-        </p:txBody>
-      </p:sp>
-      <p:sp>
-        <p:nvSpPr>
-          <p:cNvPr id="6" name="Text Placeholder 5"/>
-          <p:cNvSpPr>
-            <a:spLocks noGrp="1"/>
-          </p:cNvSpPr>
-          <p:nvPr>
-            <p:ph type="body" idx="1"/>
-          </p:nvPr>
-        </p:nvSpPr>
-        <p:spPr/>
-        <p:txBody>
-          <a:bodyPr/>
-          <a:lstStyle/>
-          <a:p>
-            <a:endParaRPr lang="en-US"/>
+              <a:t>IPO Process</a:t>
+            </a:r>
+          </a:p>
+        </p:txBody>
+      </p:sp>
+      <p:sp>
+        <p:nvSpPr>
+          <p:cNvPr id="3" name="Content Placeholder 2"/>
+          <p:cNvSpPr>
+            <a:spLocks noGrp="1"/>
+          </p:cNvSpPr>
+          <p:nvPr>
+            <p:ph idx="1"/>
+          </p:nvPr>
+        </p:nvSpPr>
+        <p:spPr/>
+        <p:txBody>
+          <a:bodyPr/>
+          <a:lstStyle/>
+          <a:p>
+            <a:r>
+              <a:rPr lang="en-US" dirty="0"/>
+              <a:t>Filing: Filing a registration statement with the SEC, including financial statements and other information.</a:t>
+            </a:r>
+          </a:p>
+          <a:p>
+            <a:r>
+              <a:rPr lang="en-US" dirty="0"/>
+              <a:t>Roadshow: A presentation by the company's management team to potential investors.</a:t>
+            </a:r>
+          </a:p>
+          <a:p>
+            <a:r>
+              <a:rPr lang="en-US" dirty="0"/>
+              <a:t>Pricing: Determining the IPO price and allocating shares to investors.</a:t>
+            </a:r>
           </a:p>
         </p:txBody>
       </p:sp>
@@ -18405,7 +18746,7 @@
     </p:spTree>
     <p:extLst>
       <p:ext uri="{BB962C8B-B14F-4D97-AF65-F5344CB8AC3E}">
-        <p14:creationId xmlns:p14="http://schemas.microsoft.com/office/powerpoint/2010/main" val="4125027031"/>
+        <p14:creationId xmlns:p14="http://schemas.microsoft.com/office/powerpoint/2010/main" val="4254958988"/>
       </p:ext>
     </p:extLst>
   </p:cSld>
@@ -18448,10 +18789,9 @@
           <a:lstStyle/>
           <a:p>
             <a:r>
-              <a:rPr lang="en-US" dirty="0" err="1"/>
-              <a:t>Instacart</a:t>
-            </a:r>
-            <a:endParaRPr lang="en-US" dirty="0"/>
+              <a:rPr lang="en-US" dirty="0"/>
+              <a:t>IPO Valuation</a:t>
+            </a:r>
           </a:p>
         </p:txBody>
       </p:sp>
@@ -18471,32 +18811,14 @@
           <a:lstStyle/>
           <a:p>
             <a:r>
-              <a:rPr lang="en-US" dirty="0" err="1"/>
-              <a:t>Instacart</a:t>
-            </a:r>
-            <a:r>
-              <a:rPr lang="en-US" dirty="0"/>
-              <a:t> is a grocery delivery and pickup service that was founded in 2012.</a:t>
-            </a:r>
-          </a:p>
-          <a:p>
-            <a:r>
-              <a:rPr lang="en-US" dirty="0"/>
-              <a:t>The company quickly gained popularity and expanded its operations to multiple cities across the United States. </a:t>
-            </a:r>
-          </a:p>
-          <a:p>
-            <a:r>
-              <a:rPr lang="en-US" dirty="0"/>
-              <a:t>In 2018, </a:t>
-            </a:r>
-            <a:r>
-              <a:rPr lang="en-US" dirty="0" err="1"/>
-              <a:t>Instacart</a:t>
-            </a:r>
-            <a:r>
-              <a:rPr lang="en-US" dirty="0"/>
-              <a:t> announced that it had raised $700 million in funding, bringing its valuation to $7.6 billion.</a:t>
+              <a:rPr lang="en-US" dirty="0"/>
+              <a:t>Methods: Valuation methods include discounted cash flow, comparable company analysis, and precedent transaction analysis.</a:t>
+            </a:r>
+          </a:p>
+          <a:p>
+            <a:r>
+              <a:rPr lang="en-US" dirty="0"/>
+              <a:t>Factors: Factors that can impact valuation include revenue, profitability, market size, and growth potential.</a:t>
             </a:r>
           </a:p>
         </p:txBody>
@@ -18520,6 +18842,328 @@
               <a:rPr lang="en-US" smtClean="0"/>
               <a:pPr/>
               <a:t>65</a:t>
+            </a:fld>
+            <a:endParaRPr lang="en-US" dirty="0"/>
+          </a:p>
+        </p:txBody>
+      </p:sp>
+    </p:spTree>
+    <p:extLst>
+      <p:ext uri="{BB962C8B-B14F-4D97-AF65-F5344CB8AC3E}">
+        <p14:creationId xmlns:p14="http://schemas.microsoft.com/office/powerpoint/2010/main" val="4086575033"/>
+      </p:ext>
+    </p:extLst>
+  </p:cSld>
+  <p:clrMapOvr>
+    <a:masterClrMapping/>
+  </p:clrMapOvr>
+</p:sld>
+</file>
+
+<file path=ppt/slides/slide66.xml><?xml version="1.0" encoding="utf-8"?>
+<p:sld xmlns:a="http://schemas.openxmlformats.org/drawingml/2006/main" xmlns:r="http://schemas.openxmlformats.org/officeDocument/2006/relationships" xmlns:p="http://schemas.openxmlformats.org/presentationml/2006/main">
+  <p:cSld>
+    <p:spTree>
+      <p:nvGrpSpPr>
+        <p:cNvPr id="1" name=""/>
+        <p:cNvGrpSpPr/>
+        <p:nvPr/>
+      </p:nvGrpSpPr>
+      <p:grpSpPr>
+        <a:xfrm>
+          <a:off x="0" y="0"/>
+          <a:ext cx="0" cy="0"/>
+          <a:chOff x="0" y="0"/>
+          <a:chExt cx="0" cy="0"/>
+        </a:xfrm>
+      </p:grpSpPr>
+      <p:sp>
+        <p:nvSpPr>
+          <p:cNvPr id="2" name="Title 1"/>
+          <p:cNvSpPr>
+            <a:spLocks noGrp="1"/>
+          </p:cNvSpPr>
+          <p:nvPr>
+            <p:ph type="title"/>
+          </p:nvPr>
+        </p:nvSpPr>
+        <p:spPr/>
+        <p:txBody>
+          <a:bodyPr/>
+          <a:lstStyle/>
+          <a:p>
+            <a:r>
+              <a:rPr lang="en-US" dirty="0"/>
+              <a:t>Post-IPO Life</a:t>
+            </a:r>
+          </a:p>
+        </p:txBody>
+      </p:sp>
+      <p:sp>
+        <p:nvSpPr>
+          <p:cNvPr id="3" name="Content Placeholder 2"/>
+          <p:cNvSpPr>
+            <a:spLocks noGrp="1"/>
+          </p:cNvSpPr>
+          <p:nvPr>
+            <p:ph idx="1"/>
+          </p:nvPr>
+        </p:nvSpPr>
+        <p:spPr/>
+        <p:txBody>
+          <a:bodyPr/>
+          <a:lstStyle/>
+          <a:p>
+            <a:r>
+              <a:rPr lang="en-US" dirty="0"/>
+              <a:t>Challenges: Challenges include increased regulatory compliance, public scrutiny, and maintaining growth.</a:t>
+            </a:r>
+          </a:p>
+          <a:p>
+            <a:r>
+              <a:rPr lang="en-US" dirty="0"/>
+              <a:t>Strategies: Strategies for success include effective communication, investor relations, and continued innovation.</a:t>
+            </a:r>
+          </a:p>
+        </p:txBody>
+      </p:sp>
+      <p:sp>
+        <p:nvSpPr>
+          <p:cNvPr id="4" name="Slide Number Placeholder 3"/>
+          <p:cNvSpPr>
+            <a:spLocks noGrp="1"/>
+          </p:cNvSpPr>
+          <p:nvPr>
+            <p:ph type="sldNum" sz="quarter" idx="12"/>
+          </p:nvPr>
+        </p:nvSpPr>
+        <p:spPr/>
+        <p:txBody>
+          <a:bodyPr/>
+          <a:lstStyle/>
+          <a:p>
+            <a:fld id="{B8DACC02-A2BD-4578-8E03-6D891060A695}" type="slidenum">
+              <a:rPr lang="en-US" smtClean="0"/>
+              <a:pPr/>
+              <a:t>66</a:t>
+            </a:fld>
+            <a:endParaRPr lang="en-US" dirty="0"/>
+          </a:p>
+        </p:txBody>
+      </p:sp>
+    </p:spTree>
+    <p:extLst>
+      <p:ext uri="{BB962C8B-B14F-4D97-AF65-F5344CB8AC3E}">
+        <p14:creationId xmlns:p14="http://schemas.microsoft.com/office/powerpoint/2010/main" val="1389055377"/>
+      </p:ext>
+    </p:extLst>
+  </p:cSld>
+  <p:clrMapOvr>
+    <a:masterClrMapping/>
+  </p:clrMapOvr>
+</p:sld>
+</file>
+
+<file path=ppt/slides/slide67.xml><?xml version="1.0" encoding="utf-8"?>
+<p:sld xmlns:a="http://schemas.openxmlformats.org/drawingml/2006/main" xmlns:r="http://schemas.openxmlformats.org/officeDocument/2006/relationships" xmlns:p="http://schemas.openxmlformats.org/presentationml/2006/main">
+  <p:cSld>
+    <p:spTree>
+      <p:nvGrpSpPr>
+        <p:cNvPr id="1" name=""/>
+        <p:cNvGrpSpPr/>
+        <p:nvPr/>
+      </p:nvGrpSpPr>
+      <p:grpSpPr>
+        <a:xfrm>
+          <a:off x="0" y="0"/>
+          <a:ext cx="0" cy="0"/>
+          <a:chOff x="0" y="0"/>
+          <a:chExt cx="0" cy="0"/>
+        </a:xfrm>
+      </p:grpSpPr>
+      <p:sp>
+        <p:nvSpPr>
+          <p:cNvPr id="5" name="Title 4"/>
+          <p:cNvSpPr>
+            <a:spLocks noGrp="1"/>
+          </p:cNvSpPr>
+          <p:nvPr>
+            <p:ph type="title"/>
+          </p:nvPr>
+        </p:nvSpPr>
+        <p:spPr/>
+        <p:txBody>
+          <a:bodyPr/>
+          <a:lstStyle/>
+          <a:p>
+            <a:r>
+              <a:rPr lang="en-US" dirty="0"/>
+              <a:t>Case Studies of Successful Exit Strategies</a:t>
+            </a:r>
+          </a:p>
+        </p:txBody>
+      </p:sp>
+      <p:sp>
+        <p:nvSpPr>
+          <p:cNvPr id="6" name="Text Placeholder 5"/>
+          <p:cNvSpPr>
+            <a:spLocks noGrp="1"/>
+          </p:cNvSpPr>
+          <p:nvPr>
+            <p:ph type="body" idx="1"/>
+          </p:nvPr>
+        </p:nvSpPr>
+        <p:spPr/>
+        <p:txBody>
+          <a:bodyPr/>
+          <a:lstStyle/>
+          <a:p>
+            <a:endParaRPr lang="en-US"/>
+          </a:p>
+        </p:txBody>
+      </p:sp>
+      <p:sp>
+        <p:nvSpPr>
+          <p:cNvPr id="4" name="Slide Number Placeholder 3"/>
+          <p:cNvSpPr>
+            <a:spLocks noGrp="1"/>
+          </p:cNvSpPr>
+          <p:nvPr>
+            <p:ph type="sldNum" sz="quarter" idx="12"/>
+          </p:nvPr>
+        </p:nvSpPr>
+        <p:spPr/>
+        <p:txBody>
+          <a:bodyPr/>
+          <a:lstStyle/>
+          <a:p>
+            <a:fld id="{B8DACC02-A2BD-4578-8E03-6D891060A695}" type="slidenum">
+              <a:rPr lang="en-US" smtClean="0"/>
+              <a:pPr/>
+              <a:t>67</a:t>
+            </a:fld>
+            <a:endParaRPr lang="en-US" dirty="0"/>
+          </a:p>
+        </p:txBody>
+      </p:sp>
+    </p:spTree>
+    <p:extLst>
+      <p:ext uri="{BB962C8B-B14F-4D97-AF65-F5344CB8AC3E}">
+        <p14:creationId xmlns:p14="http://schemas.microsoft.com/office/powerpoint/2010/main" val="4125027031"/>
+      </p:ext>
+    </p:extLst>
+  </p:cSld>
+  <p:clrMapOvr>
+    <a:masterClrMapping/>
+  </p:clrMapOvr>
+</p:sld>
+</file>
+
+<file path=ppt/slides/slide68.xml><?xml version="1.0" encoding="utf-8"?>
+<p:sld xmlns:a="http://schemas.openxmlformats.org/drawingml/2006/main" xmlns:r="http://schemas.openxmlformats.org/officeDocument/2006/relationships" xmlns:p="http://schemas.openxmlformats.org/presentationml/2006/main">
+  <p:cSld>
+    <p:spTree>
+      <p:nvGrpSpPr>
+        <p:cNvPr id="1" name=""/>
+        <p:cNvGrpSpPr/>
+        <p:nvPr/>
+      </p:nvGrpSpPr>
+      <p:grpSpPr>
+        <a:xfrm>
+          <a:off x="0" y="0"/>
+          <a:ext cx="0" cy="0"/>
+          <a:chOff x="0" y="0"/>
+          <a:chExt cx="0" cy="0"/>
+        </a:xfrm>
+      </p:grpSpPr>
+      <p:sp>
+        <p:nvSpPr>
+          <p:cNvPr id="2" name="Title 1"/>
+          <p:cNvSpPr>
+            <a:spLocks noGrp="1"/>
+          </p:cNvSpPr>
+          <p:nvPr>
+            <p:ph type="title"/>
+          </p:nvPr>
+        </p:nvSpPr>
+        <p:spPr/>
+        <p:txBody>
+          <a:bodyPr/>
+          <a:lstStyle/>
+          <a:p>
+            <a:r>
+              <a:rPr lang="en-US" dirty="0" err="1"/>
+              <a:t>Instacart</a:t>
+            </a:r>
+            <a:endParaRPr lang="en-US" dirty="0"/>
+          </a:p>
+        </p:txBody>
+      </p:sp>
+      <p:sp>
+        <p:nvSpPr>
+          <p:cNvPr id="3" name="Content Placeholder 2"/>
+          <p:cNvSpPr>
+            <a:spLocks noGrp="1"/>
+          </p:cNvSpPr>
+          <p:nvPr>
+            <p:ph idx="1"/>
+          </p:nvPr>
+        </p:nvSpPr>
+        <p:spPr/>
+        <p:txBody>
+          <a:bodyPr/>
+          <a:lstStyle/>
+          <a:p>
+            <a:r>
+              <a:rPr lang="en-US" dirty="0" err="1"/>
+              <a:t>Instacart</a:t>
+            </a:r>
+            <a:r>
+              <a:rPr lang="en-US" dirty="0"/>
+              <a:t> is a grocery delivery and pickup service that was founded in 2012.</a:t>
+            </a:r>
+          </a:p>
+          <a:p>
+            <a:r>
+              <a:rPr lang="en-US" dirty="0"/>
+              <a:t>The company quickly gained popularity and expanded its operations to multiple cities across the United States. </a:t>
+            </a:r>
+          </a:p>
+          <a:p>
+            <a:r>
+              <a:rPr lang="en-US" dirty="0"/>
+              <a:t>In 2018, </a:t>
+            </a:r>
+            <a:r>
+              <a:rPr lang="en-US" dirty="0" err="1"/>
+              <a:t>Instacart</a:t>
+            </a:r>
+            <a:r>
+              <a:rPr lang="en-US" dirty="0"/>
+              <a:t> announced that it had raised $700 million in funding, bringing its valuation to $7.6 billion.</a:t>
+            </a:r>
+          </a:p>
+        </p:txBody>
+      </p:sp>
+      <p:sp>
+        <p:nvSpPr>
+          <p:cNvPr id="4" name="Slide Number Placeholder 3"/>
+          <p:cNvSpPr>
+            <a:spLocks noGrp="1"/>
+          </p:cNvSpPr>
+          <p:nvPr>
+            <p:ph type="sldNum" sz="quarter" idx="12"/>
+          </p:nvPr>
+        </p:nvSpPr>
+        <p:spPr/>
+        <p:txBody>
+          <a:bodyPr/>
+          <a:lstStyle/>
+          <a:p>
+            <a:fld id="{B8DACC02-A2BD-4578-8E03-6D891060A695}" type="slidenum">
+              <a:rPr lang="en-US" smtClean="0"/>
+              <a:pPr/>
+              <a:t>68</a:t>
             </a:fld>
             <a:endParaRPr lang="en-US" dirty="0"/>
           </a:p>
@@ -18577,7 +19221,7 @@
 </p:sld>
 </file>
 
-<file path=ppt/slides/slide66.xml><?xml version="1.0" encoding="utf-8"?>
+<file path=ppt/slides/slide69.xml><?xml version="1.0" encoding="utf-8"?>
 <p:sld xmlns:a="http://schemas.openxmlformats.org/drawingml/2006/main" xmlns:r="http://schemas.openxmlformats.org/officeDocument/2006/relationships" xmlns:p="http://schemas.openxmlformats.org/presentationml/2006/main">
   <p:cSld>
     <p:spTree>
@@ -18671,7 +19315,7 @@
             <a:fld id="{B8DACC02-A2BD-4578-8E03-6D891060A695}" type="slidenum">
               <a:rPr lang="en-US" smtClean="0"/>
               <a:pPr/>
-              <a:t>66</a:t>
+              <a:t>69</a:t>
             </a:fld>
             <a:endParaRPr lang="en-US" dirty="0"/>
           </a:p>
@@ -18729,428 +19373,6 @@
 </p:sld>
 </file>
 
-<file path=ppt/slides/slide67.xml><?xml version="1.0" encoding="utf-8"?>
-<p:sld xmlns:a="http://schemas.openxmlformats.org/drawingml/2006/main" xmlns:r="http://schemas.openxmlformats.org/officeDocument/2006/relationships" xmlns:p="http://schemas.openxmlformats.org/presentationml/2006/main">
-  <p:cSld>
-    <p:spTree>
-      <p:nvGrpSpPr>
-        <p:cNvPr id="1" name=""/>
-        <p:cNvGrpSpPr/>
-        <p:nvPr/>
-      </p:nvGrpSpPr>
-      <p:grpSpPr>
-        <a:xfrm>
-          <a:off x="0" y="0"/>
-          <a:ext cx="0" cy="0"/>
-          <a:chOff x="0" y="0"/>
-          <a:chExt cx="0" cy="0"/>
-        </a:xfrm>
-      </p:grpSpPr>
-      <p:sp>
-        <p:nvSpPr>
-          <p:cNvPr id="2" name="Title 1"/>
-          <p:cNvSpPr>
-            <a:spLocks noGrp="1"/>
-          </p:cNvSpPr>
-          <p:nvPr>
-            <p:ph type="title"/>
-          </p:nvPr>
-        </p:nvSpPr>
-        <p:spPr/>
-        <p:txBody>
-          <a:bodyPr/>
-          <a:lstStyle/>
-          <a:p>
-            <a:r>
-              <a:rPr lang="en-US" dirty="0"/>
-              <a:t>Exit Strategy</a:t>
-            </a:r>
-          </a:p>
-        </p:txBody>
-      </p:sp>
-      <p:sp>
-        <p:nvSpPr>
-          <p:cNvPr id="3" name="Content Placeholder 2"/>
-          <p:cNvSpPr>
-            <a:spLocks noGrp="1"/>
-          </p:cNvSpPr>
-          <p:nvPr>
-            <p:ph idx="1"/>
-          </p:nvPr>
-        </p:nvSpPr>
-        <p:spPr/>
-        <p:txBody>
-          <a:bodyPr/>
-          <a:lstStyle/>
-          <a:p>
-            <a:r>
-              <a:rPr lang="en-US" dirty="0" err="1"/>
-              <a:t>Instacart's</a:t>
-            </a:r>
-            <a:r>
-              <a:rPr lang="en-US" dirty="0"/>
-              <a:t> leadership team decided to pursue a strategic acquisition by a larger company. </a:t>
-            </a:r>
-          </a:p>
-          <a:p>
-            <a:r>
-              <a:rPr lang="en-US" dirty="0"/>
-              <a:t>They identified several potential buyers, including retailers and technology companies, and began negotiations.</a:t>
-            </a:r>
-          </a:p>
-          <a:p>
-            <a:r>
-              <a:rPr lang="en-US" dirty="0"/>
-              <a:t>In November 2020, </a:t>
-            </a:r>
-            <a:r>
-              <a:rPr lang="en-US" dirty="0" err="1"/>
-              <a:t>Instacart</a:t>
-            </a:r>
-            <a:r>
-              <a:rPr lang="en-US" dirty="0"/>
-              <a:t> announced that it had agreed to be acquired by Walmart, the world's largest retailer, for $1.5 billion. </a:t>
-            </a:r>
-          </a:p>
-          <a:p>
-            <a:r>
-              <a:rPr lang="en-US" dirty="0"/>
-              <a:t>The acquisition allowed </a:t>
-            </a:r>
-            <a:r>
-              <a:rPr lang="en-US" dirty="0" err="1"/>
-              <a:t>Instacart</a:t>
-            </a:r>
-            <a:r>
-              <a:rPr lang="en-US" dirty="0"/>
-              <a:t> to expand its operations and reach a wider customer base, while also providing a return on investment for its shareholders.</a:t>
-            </a:r>
-          </a:p>
-        </p:txBody>
-      </p:sp>
-      <p:sp>
-        <p:nvSpPr>
-          <p:cNvPr id="4" name="Slide Number Placeholder 3"/>
-          <p:cNvSpPr>
-            <a:spLocks noGrp="1"/>
-          </p:cNvSpPr>
-          <p:nvPr>
-            <p:ph type="sldNum" sz="quarter" idx="12"/>
-          </p:nvPr>
-        </p:nvSpPr>
-        <p:spPr/>
-        <p:txBody>
-          <a:bodyPr/>
-          <a:lstStyle/>
-          <a:p>
-            <a:fld id="{B8DACC02-A2BD-4578-8E03-6D891060A695}" type="slidenum">
-              <a:rPr lang="en-US" smtClean="0"/>
-              <a:pPr/>
-              <a:t>67</a:t>
-            </a:fld>
-            <a:endParaRPr lang="en-US" dirty="0"/>
-          </a:p>
-        </p:txBody>
-      </p:sp>
-    </p:spTree>
-    <p:extLst>
-      <p:ext uri="{BB962C8B-B14F-4D97-AF65-F5344CB8AC3E}">
-        <p14:creationId xmlns:p14="http://schemas.microsoft.com/office/powerpoint/2010/main" val="970380384"/>
-      </p:ext>
-    </p:extLst>
-  </p:cSld>
-  <p:clrMapOvr>
-    <a:masterClrMapping/>
-  </p:clrMapOvr>
-</p:sld>
-</file>
-
-<file path=ppt/slides/slide68.xml><?xml version="1.0" encoding="utf-8"?>
-<p:sld xmlns:a="http://schemas.openxmlformats.org/drawingml/2006/main" xmlns:r="http://schemas.openxmlformats.org/officeDocument/2006/relationships" xmlns:p="http://schemas.openxmlformats.org/presentationml/2006/main">
-  <p:cSld>
-    <p:spTree>
-      <p:nvGrpSpPr>
-        <p:cNvPr id="1" name=""/>
-        <p:cNvGrpSpPr/>
-        <p:nvPr/>
-      </p:nvGrpSpPr>
-      <p:grpSpPr>
-        <a:xfrm>
-          <a:off x="0" y="0"/>
-          <a:ext cx="0" cy="0"/>
-          <a:chOff x="0" y="0"/>
-          <a:chExt cx="0" cy="0"/>
-        </a:xfrm>
-      </p:grpSpPr>
-      <p:sp>
-        <p:nvSpPr>
-          <p:cNvPr id="2" name="Title 1"/>
-          <p:cNvSpPr>
-            <a:spLocks noGrp="1"/>
-          </p:cNvSpPr>
-          <p:nvPr>
-            <p:ph type="title"/>
-          </p:nvPr>
-        </p:nvSpPr>
-        <p:spPr/>
-        <p:txBody>
-          <a:bodyPr/>
-          <a:lstStyle/>
-          <a:p>
-            <a:r>
-              <a:rPr lang="en-US" dirty="0"/>
-              <a:t>Rationale</a:t>
-            </a:r>
-          </a:p>
-        </p:txBody>
-      </p:sp>
-      <p:sp>
-        <p:nvSpPr>
-          <p:cNvPr id="3" name="Content Placeholder 2"/>
-          <p:cNvSpPr>
-            <a:spLocks noGrp="1"/>
-          </p:cNvSpPr>
-          <p:nvPr>
-            <p:ph idx="1"/>
-          </p:nvPr>
-        </p:nvSpPr>
-        <p:spPr/>
-        <p:txBody>
-          <a:bodyPr/>
-          <a:lstStyle/>
-          <a:p>
-            <a:r>
-              <a:rPr lang="en-US" dirty="0" err="1"/>
-              <a:t>Instacart's</a:t>
-            </a:r>
-            <a:r>
-              <a:rPr lang="en-US" dirty="0"/>
-              <a:t> decision to pursue an exit strategy was motivated by several factors. </a:t>
-            </a:r>
-          </a:p>
-          <a:p>
-            <a:pPr lvl="1"/>
-            <a:r>
-              <a:rPr lang="en-US" dirty="0"/>
-              <a:t>The company was facing increasing competition from other grocery delivery services, such as </a:t>
-            </a:r>
-            <a:r>
-              <a:rPr lang="en-US" dirty="0" err="1"/>
-              <a:t>AmazonFresh</a:t>
-            </a:r>
-            <a:r>
-              <a:rPr lang="en-US" dirty="0"/>
-              <a:t> and </a:t>
-            </a:r>
-            <a:r>
-              <a:rPr lang="en-US" dirty="0" err="1"/>
-              <a:t>Shipt</a:t>
-            </a:r>
-            <a:r>
-              <a:rPr lang="en-US" dirty="0"/>
-              <a:t>, which were offering similar services and gaining market share. </a:t>
-            </a:r>
-          </a:p>
-          <a:p>
-            <a:pPr lvl="1"/>
-            <a:r>
-              <a:rPr lang="en-US" dirty="0" err="1"/>
-              <a:t>Instacart's</a:t>
-            </a:r>
-            <a:r>
-              <a:rPr lang="en-US" dirty="0"/>
-              <a:t> operational costs were high, and the company was struggling to achieve profitability. </a:t>
-            </a:r>
-          </a:p>
-          <a:p>
-            <a:pPr lvl="1"/>
-            <a:r>
-              <a:rPr lang="en-US" dirty="0"/>
-              <a:t>The company's sales were declining, which made it difficult to sustain its growth and expansion plans.</a:t>
-            </a:r>
-          </a:p>
-        </p:txBody>
-      </p:sp>
-      <p:sp>
-        <p:nvSpPr>
-          <p:cNvPr id="4" name="Slide Number Placeholder 3"/>
-          <p:cNvSpPr>
-            <a:spLocks noGrp="1"/>
-          </p:cNvSpPr>
-          <p:nvPr>
-            <p:ph type="sldNum" sz="quarter" idx="12"/>
-          </p:nvPr>
-        </p:nvSpPr>
-        <p:spPr/>
-        <p:txBody>
-          <a:bodyPr/>
-          <a:lstStyle/>
-          <a:p>
-            <a:fld id="{B8DACC02-A2BD-4578-8E03-6D891060A695}" type="slidenum">
-              <a:rPr lang="en-US" smtClean="0"/>
-              <a:pPr/>
-              <a:t>68</a:t>
-            </a:fld>
-            <a:endParaRPr lang="en-US" dirty="0"/>
-          </a:p>
-        </p:txBody>
-      </p:sp>
-    </p:spTree>
-    <p:extLst>
-      <p:ext uri="{BB962C8B-B14F-4D97-AF65-F5344CB8AC3E}">
-        <p14:creationId xmlns:p14="http://schemas.microsoft.com/office/powerpoint/2010/main" val="540834708"/>
-      </p:ext>
-    </p:extLst>
-  </p:cSld>
-  <p:clrMapOvr>
-    <a:masterClrMapping/>
-  </p:clrMapOvr>
-</p:sld>
-</file>
-
-<file path=ppt/slides/slide69.xml><?xml version="1.0" encoding="utf-8"?>
-<p:sld xmlns:a="http://schemas.openxmlformats.org/drawingml/2006/main" xmlns:r="http://schemas.openxmlformats.org/officeDocument/2006/relationships" xmlns:p="http://schemas.openxmlformats.org/presentationml/2006/main">
-  <p:cSld>
-    <p:spTree>
-      <p:nvGrpSpPr>
-        <p:cNvPr id="1" name=""/>
-        <p:cNvGrpSpPr/>
-        <p:nvPr/>
-      </p:nvGrpSpPr>
-      <p:grpSpPr>
-        <a:xfrm>
-          <a:off x="0" y="0"/>
-          <a:ext cx="0" cy="0"/>
-          <a:chOff x="0" y="0"/>
-          <a:chExt cx="0" cy="0"/>
-        </a:xfrm>
-      </p:grpSpPr>
-      <p:sp>
-        <p:nvSpPr>
-          <p:cNvPr id="2" name="Title 1"/>
-          <p:cNvSpPr>
-            <a:spLocks noGrp="1"/>
-          </p:cNvSpPr>
-          <p:nvPr>
-            <p:ph type="title"/>
-          </p:nvPr>
-        </p:nvSpPr>
-        <p:spPr/>
-        <p:txBody>
-          <a:bodyPr/>
-          <a:lstStyle/>
-          <a:p>
-            <a:r>
-              <a:rPr lang="en-US" dirty="0"/>
-              <a:t>Rationale</a:t>
-            </a:r>
-          </a:p>
-        </p:txBody>
-      </p:sp>
-      <p:sp>
-        <p:nvSpPr>
-          <p:cNvPr id="3" name="Content Placeholder 2"/>
-          <p:cNvSpPr>
-            <a:spLocks noGrp="1"/>
-          </p:cNvSpPr>
-          <p:nvPr>
-            <p:ph idx="1"/>
-          </p:nvPr>
-        </p:nvSpPr>
-        <p:spPr/>
-        <p:txBody>
-          <a:bodyPr/>
-          <a:lstStyle/>
-          <a:p>
-            <a:r>
-              <a:rPr lang="en-US" dirty="0"/>
-              <a:t>By pursuing an exit strategy, </a:t>
-            </a:r>
-            <a:r>
-              <a:rPr lang="en-US" dirty="0" err="1"/>
-              <a:t>Instacart</a:t>
-            </a:r>
-            <a:r>
-              <a:rPr lang="en-US" dirty="0"/>
-              <a:t> was able to achieve several objectives. </a:t>
-            </a:r>
-          </a:p>
-          <a:p>
-            <a:pPr lvl="1"/>
-            <a:r>
-              <a:rPr lang="en-US" dirty="0"/>
-              <a:t>The acquisition by Walmart provided a return on investment for the company's shareholders, who had invested over $1.8 billion in the company since its founding. </a:t>
-            </a:r>
-          </a:p>
-          <a:p>
-            <a:pPr lvl="1"/>
-            <a:r>
-              <a:rPr lang="en-US" dirty="0"/>
-              <a:t>The acquisition allowed </a:t>
-            </a:r>
-            <a:r>
-              <a:rPr lang="en-US" dirty="0" err="1"/>
-              <a:t>Instacart</a:t>
-            </a:r>
-            <a:r>
-              <a:rPr lang="en-US" dirty="0"/>
-              <a:t> to expand its operations and reach a wider customer base, which would have been difficult to achieve on its own. </a:t>
-            </a:r>
-          </a:p>
-          <a:p>
-            <a:pPr lvl="1"/>
-            <a:r>
-              <a:rPr lang="en-US" dirty="0"/>
-              <a:t>The acquisition provided a strategic partnership with a larger company that could help </a:t>
-            </a:r>
-            <a:r>
-              <a:rPr lang="en-US" dirty="0" err="1"/>
-              <a:t>Instacart</a:t>
-            </a:r>
-            <a:r>
-              <a:rPr lang="en-US" dirty="0"/>
-              <a:t> navigate the challenges of the grocery delivery market.</a:t>
-            </a:r>
-          </a:p>
-        </p:txBody>
-      </p:sp>
-      <p:sp>
-        <p:nvSpPr>
-          <p:cNvPr id="4" name="Slide Number Placeholder 3"/>
-          <p:cNvSpPr>
-            <a:spLocks noGrp="1"/>
-          </p:cNvSpPr>
-          <p:nvPr>
-            <p:ph type="sldNum" sz="quarter" idx="12"/>
-          </p:nvPr>
-        </p:nvSpPr>
-        <p:spPr/>
-        <p:txBody>
-          <a:bodyPr/>
-          <a:lstStyle/>
-          <a:p>
-            <a:fld id="{B8DACC02-A2BD-4578-8E03-6D891060A695}" type="slidenum">
-              <a:rPr lang="en-US" smtClean="0"/>
-              <a:pPr/>
-              <a:t>69</a:t>
-            </a:fld>
-            <a:endParaRPr lang="en-US" dirty="0"/>
-          </a:p>
-        </p:txBody>
-      </p:sp>
-    </p:spTree>
-    <p:extLst>
-      <p:ext uri="{BB962C8B-B14F-4D97-AF65-F5344CB8AC3E}">
-        <p14:creationId xmlns:p14="http://schemas.microsoft.com/office/powerpoint/2010/main" val="1051949109"/>
-      </p:ext>
-    </p:extLst>
-  </p:cSld>
-  <p:clrMapOvr>
-    <a:masterClrMapping/>
-  </p:clrMapOvr>
-</p:sld>
-</file>
-
 <file path=ppt/slides/slide7.xml><?xml version="1.0" encoding="utf-8"?>
 <p:sld xmlns:a="http://schemas.openxmlformats.org/drawingml/2006/main" xmlns:r="http://schemas.openxmlformats.org/officeDocument/2006/relationships" xmlns:p="http://schemas.openxmlformats.org/presentationml/2006/main">
   <p:cSld>
@@ -19346,7 +19568,7 @@
           <a:p>
             <a:r>
               <a:rPr lang="en-US" dirty="0"/>
-              <a:t>Conclusion</a:t>
+              <a:t>Exit Strategy</a:t>
             </a:r>
           </a:p>
         </p:txBody>
@@ -19372,13 +19594,19 @@
             </a:r>
             <a:r>
               <a:rPr lang="en-US" dirty="0"/>
-              <a:t> use of an exit strategy is a prime example of how a tech startup can use this tactics to achieve its objectives. </a:t>
-            </a:r>
-          </a:p>
-          <a:p>
-            <a:r>
-              <a:rPr lang="en-US" dirty="0"/>
-              <a:t>By identifying potential buyers and negotiating a strategic acquisition, </a:t>
+              <a:t> leadership team decided to pursue a strategic acquisition by a larger company. </a:t>
+            </a:r>
+          </a:p>
+          <a:p>
+            <a:r>
+              <a:rPr lang="en-US" dirty="0"/>
+              <a:t>They identified several potential buyers, including retailers and technology companies, and began negotiations.</a:t>
+            </a:r>
+          </a:p>
+          <a:p>
+            <a:r>
+              <a:rPr lang="en-US" dirty="0"/>
+              <a:t>In November 2020, </a:t>
             </a:r>
             <a:r>
               <a:rPr lang="en-US" dirty="0" err="1"/>
@@ -19386,13 +19614,21 @@
             </a:r>
             <a:r>
               <a:rPr lang="en-US" dirty="0"/>
-              <a:t> was able to provide a return on investment for its shareholders, expand its operations, and achieve a strategic partnership with a larger company. </a:t>
-            </a:r>
-          </a:p>
-          <a:p>
-            <a:r>
-              <a:rPr lang="en-US" dirty="0"/>
-              <a:t>This case study highlights the importance of considering an exit strategy as a viable option for tech startups looking to achieve their long-term goals.</a:t>
+              <a:t> announced that it had agreed to be acquired by Walmart, the world's largest retailer, for $1.5 billion. </a:t>
+            </a:r>
+          </a:p>
+          <a:p>
+            <a:r>
+              <a:rPr lang="en-US" dirty="0"/>
+              <a:t>The acquisition allowed </a:t>
+            </a:r>
+            <a:r>
+              <a:rPr lang="en-US" dirty="0" err="1"/>
+              <a:t>Instacart</a:t>
+            </a:r>
+            <a:r>
+              <a:rPr lang="en-US" dirty="0"/>
+              <a:t> to expand its operations and reach a wider customer base, while also providing a return on investment for its shareholders.</a:t>
             </a:r>
           </a:p>
         </p:txBody>
@@ -19424,7 +19660,7 @@
     </p:spTree>
     <p:extLst>
       <p:ext uri="{BB962C8B-B14F-4D97-AF65-F5344CB8AC3E}">
-        <p14:creationId xmlns:p14="http://schemas.microsoft.com/office/powerpoint/2010/main" val="2318988292"/>
+        <p14:creationId xmlns:p14="http://schemas.microsoft.com/office/powerpoint/2010/main" val="970380384"/>
       </p:ext>
     </p:extLst>
   </p:cSld>
@@ -19468,7 +19704,7 @@
           <a:p>
             <a:r>
               <a:rPr lang="en-US" dirty="0"/>
-              <a:t>Souq.com</a:t>
+              <a:t>Rationale</a:t>
             </a:r>
           </a:p>
         </p:txBody>
@@ -19489,20 +19725,53 @@
           <a:lstStyle/>
           <a:p>
             <a:r>
-              <a:rPr lang="en-US" dirty="0"/>
-              <a:t>Souq.com was a Dubai-based e-commerce platform that was founded in 2005. </a:t>
-            </a:r>
-          </a:p>
-          <a:p>
-            <a:r>
-              <a:rPr lang="en-US" dirty="0"/>
-              <a:t>The company quickly grew to become one of the largest e-commerce platforms in the Middle East and North Africa, with millions of customers and thousands of sellers on its platform. </a:t>
-            </a:r>
-          </a:p>
-          <a:p>
-            <a:r>
-              <a:rPr lang="en-US" dirty="0"/>
-              <a:t>In 2017, Souq.com was acquired by Amazon for $580 million, marking one of the largest tech acquisitions in the region's history.</a:t>
+              <a:rPr lang="en-US" dirty="0" err="1"/>
+              <a:t>Instacart's</a:t>
+            </a:r>
+            <a:r>
+              <a:rPr lang="en-US" dirty="0"/>
+              <a:t> decision to pursue an exit strategy was motivated by several factors. </a:t>
+            </a:r>
+          </a:p>
+          <a:p>
+            <a:pPr lvl="1"/>
+            <a:r>
+              <a:rPr lang="en-US" dirty="0"/>
+              <a:t>The company was facing increasing competition from other grocery delivery services, such as </a:t>
+            </a:r>
+            <a:r>
+              <a:rPr lang="en-US" dirty="0" err="1"/>
+              <a:t>AmazonFresh</a:t>
+            </a:r>
+            <a:r>
+              <a:rPr lang="en-US" dirty="0"/>
+              <a:t> and </a:t>
+            </a:r>
+            <a:r>
+              <a:rPr lang="en-US" dirty="0" err="1"/>
+              <a:t>Shipt</a:t>
+            </a:r>
+            <a:r>
+              <a:rPr lang="en-US" dirty="0"/>
+              <a:t>, which were offering similar services and gaining market share. </a:t>
+            </a:r>
+          </a:p>
+          <a:p>
+            <a:pPr lvl="1"/>
+            <a:r>
+              <a:rPr lang="en-US" dirty="0" err="1"/>
+              <a:t>Instacart's</a:t>
+            </a:r>
+            <a:r>
+              <a:rPr lang="en-US" dirty="0"/>
+              <a:t> operational costs were high, and the company was struggling to achieve profitability. </a:t>
+            </a:r>
+          </a:p>
+          <a:p>
+            <a:pPr lvl="1"/>
+            <a:r>
+              <a:rPr lang="en-US" dirty="0"/>
+              <a:t>The company's sales were declining, which made it difficult to sustain its growth and expansion plans.</a:t>
             </a:r>
           </a:p>
         </p:txBody>
@@ -19534,7 +19803,7 @@
     </p:spTree>
     <p:extLst>
       <p:ext uri="{BB962C8B-B14F-4D97-AF65-F5344CB8AC3E}">
-        <p14:creationId xmlns:p14="http://schemas.microsoft.com/office/powerpoint/2010/main" val="3607465782"/>
+        <p14:creationId xmlns:p14="http://schemas.microsoft.com/office/powerpoint/2010/main" val="540834708"/>
       </p:ext>
     </p:extLst>
   </p:cSld>
@@ -19578,7 +19847,7 @@
           <a:p>
             <a:r>
               <a:rPr lang="en-US" dirty="0"/>
-              <a:t>Exit Strategy: Acquisition by Amazon</a:t>
+              <a:t>Rationale</a:t>
             </a:r>
           </a:p>
         </p:txBody>
@@ -19599,24 +19868,53 @@
           <a:lstStyle/>
           <a:p>
             <a:r>
+              <a:rPr lang="en-US" dirty="0"/>
+              <a:t>By pursuing an exit strategy, </a:t>
+            </a:r>
+            <a:r>
               <a:rPr lang="en-US" dirty="0" err="1"/>
-              <a:t>Souq.com's</a:t>
-            </a:r>
-            <a:r>
-              <a:rPr lang="en-US" dirty="0"/>
-              <a:t> exit strategy was to be acquired by a larger company, and Amazon was the perfect suitor. </a:t>
-            </a:r>
-          </a:p>
-          <a:p>
-            <a:r>
-              <a:rPr lang="en-US" dirty="0"/>
-              <a:t>Amazon had been looking to expand its presence in the Middle East and North Africa, and the acquisition of Souq.com provided the company with a ready-made platform and customer base. </a:t>
-            </a:r>
-          </a:p>
-          <a:p>
-            <a:r>
-              <a:rPr lang="en-US" dirty="0"/>
-              <a:t>For Souq.com, the acquisition provided an opportunity to tap into Amazon's vast resources and expertise, as well as access to a global customer base.</a:t>
+              <a:t>Instacart</a:t>
+            </a:r>
+            <a:r>
+              <a:rPr lang="en-US" dirty="0"/>
+              <a:t> was able to achieve several objectives. </a:t>
+            </a:r>
+          </a:p>
+          <a:p>
+            <a:pPr lvl="1"/>
+            <a:r>
+              <a:rPr lang="en-US" dirty="0"/>
+              <a:t>The acquisition by Walmart provided a return on investment for the company's shareholders, who had invested over $1.8 billion in the company since its founding. </a:t>
+            </a:r>
+          </a:p>
+          <a:p>
+            <a:pPr lvl="1"/>
+            <a:r>
+              <a:rPr lang="en-US" dirty="0"/>
+              <a:t>The acquisition allowed </a:t>
+            </a:r>
+            <a:r>
+              <a:rPr lang="en-US" dirty="0" err="1"/>
+              <a:t>Instacart</a:t>
+            </a:r>
+            <a:r>
+              <a:rPr lang="en-US" dirty="0"/>
+              <a:t> to expand its operations and reach a wider customer base, which would have been difficult to achieve on its own. </a:t>
+            </a:r>
+          </a:p>
+          <a:p>
+            <a:pPr lvl="1"/>
+            <a:r>
+              <a:rPr lang="en-US" dirty="0"/>
+              <a:t>The acquisition provided a strategic partnership with a larger company that could help </a:t>
+            </a:r>
+            <a:r>
+              <a:rPr lang="en-US" dirty="0" err="1"/>
+              <a:t>Instacart</a:t>
+            </a:r>
+            <a:r>
+              <a:rPr lang="en-US" dirty="0"/>
+              <a:t> navigate the challenges of the grocery delivery market.</a:t>
             </a:r>
           </a:p>
         </p:txBody>
@@ -19648,7 +19946,7 @@
     </p:spTree>
     <p:extLst>
       <p:ext uri="{BB962C8B-B14F-4D97-AF65-F5344CB8AC3E}">
-        <p14:creationId xmlns:p14="http://schemas.microsoft.com/office/powerpoint/2010/main" val="3750967908"/>
+        <p14:creationId xmlns:p14="http://schemas.microsoft.com/office/powerpoint/2010/main" val="1051949109"/>
       </p:ext>
     </p:extLst>
   </p:cSld>
@@ -19692,7 +19990,7 @@
           <a:p>
             <a:r>
               <a:rPr lang="en-US" dirty="0"/>
-              <a:t>Factors Leading to the Successful Exit</a:t>
+              <a:t>Conclusion</a:t>
             </a:r>
           </a:p>
         </p:txBody>
@@ -19709,77 +20007,36 @@
         </p:nvSpPr>
         <p:spPr/>
         <p:txBody>
-          <a:bodyPr>
-            <a:normAutofit/>
-          </a:bodyPr>
-          <a:lstStyle/>
-          <a:p>
-            <a:r>
-              <a:rPr lang="en-US" dirty="0"/>
-              <a:t>Several factors contributed to </a:t>
-            </a:r>
+          <a:bodyPr/>
+          <a:lstStyle/>
+          <a:p>
             <a:r>
               <a:rPr lang="en-US" dirty="0" err="1"/>
-              <a:t>Souq.com's</a:t>
-            </a:r>
-            <a:r>
-              <a:rPr lang="en-US" dirty="0"/>
-              <a:t> successful exit:</a:t>
-            </a:r>
-          </a:p>
-          <a:p>
-            <a:pPr lvl="1">
-              <a:lnSpc>
-                <a:spcPct val="150000"/>
-              </a:lnSpc>
-            </a:pPr>
-            <a:r>
-              <a:rPr lang="en-US" dirty="0"/>
-              <a:t>Strong Market Position</a:t>
-            </a:r>
-          </a:p>
-          <a:p>
-            <a:pPr lvl="1">
-              <a:lnSpc>
-                <a:spcPct val="150000"/>
-              </a:lnSpc>
-            </a:pPr>
-            <a:r>
-              <a:rPr lang="en-US" dirty="0"/>
-              <a:t>Innovative Business Model</a:t>
-            </a:r>
-          </a:p>
-          <a:p>
-            <a:pPr lvl="1">
-              <a:lnSpc>
-                <a:spcPct val="150000"/>
-              </a:lnSpc>
-            </a:pPr>
-            <a:r>
-              <a:rPr lang="en-US" dirty="0"/>
-              <a:t>Strong Financials</a:t>
-            </a:r>
-          </a:p>
-          <a:p>
-            <a:pPr lvl="1">
-              <a:lnSpc>
-                <a:spcPct val="150000"/>
-              </a:lnSpc>
-            </a:pPr>
-            <a:r>
-              <a:rPr lang="en-US" dirty="0"/>
-              <a:t>Strategic Partnerships</a:t>
-            </a:r>
-          </a:p>
-          <a:p>
-            <a:pPr lvl="1">
-              <a:lnSpc>
-                <a:spcPct val="150000"/>
-              </a:lnSpc>
-            </a:pPr>
-            <a:r>
-              <a:rPr lang="en-US" dirty="0"/>
-              <a:t>Talented Team</a:t>
+              <a:t>Instacart's</a:t>
+            </a:r>
+            <a:r>
+              <a:rPr lang="en-US" dirty="0"/>
+              <a:t> use of an exit strategy is a prime example of how a tech startup can use this tactics to achieve its objectives. </a:t>
+            </a:r>
+          </a:p>
+          <a:p>
+            <a:r>
+              <a:rPr lang="en-US" dirty="0"/>
+              <a:t>By identifying potential buyers and negotiating a strategic acquisition, </a:t>
+            </a:r>
+            <a:r>
+              <a:rPr lang="en-US" dirty="0" err="1"/>
+              <a:t>Instacart</a:t>
+            </a:r>
+            <a:r>
+              <a:rPr lang="en-US" dirty="0"/>
+              <a:t> was able to provide a return on investment for its shareholders, expand its operations, and achieve a strategic partnership with a larger company. </a:t>
+            </a:r>
+          </a:p>
+          <a:p>
+            <a:r>
+              <a:rPr lang="en-US" dirty="0"/>
+              <a:t>This case study highlights the importance of considering an exit strategy as a viable option for tech startups looking to achieve their long-term goals.</a:t>
             </a:r>
           </a:p>
         </p:txBody>
@@ -19811,7 +20068,7 @@
     </p:spTree>
     <p:extLst>
       <p:ext uri="{BB962C8B-B14F-4D97-AF65-F5344CB8AC3E}">
-        <p14:creationId xmlns:p14="http://schemas.microsoft.com/office/powerpoint/2010/main" val="1104761704"/>
+        <p14:creationId xmlns:p14="http://schemas.microsoft.com/office/powerpoint/2010/main" val="2318988292"/>
       </p:ext>
     </p:extLst>
   </p:cSld>
@@ -19855,7 +20112,7 @@
           <a:p>
             <a:r>
               <a:rPr lang="en-US" dirty="0"/>
-              <a:t>Lessons Learned</a:t>
+              <a:t>Souq.com</a:t>
             </a:r>
           </a:p>
         </p:txBody>
@@ -19872,73 +20129,24 @@
         </p:nvSpPr>
         <p:spPr/>
         <p:txBody>
-          <a:bodyPr>
-            <a:normAutofit/>
-          </a:bodyPr>
-          <a:lstStyle/>
-          <a:p>
-            <a:r>
-              <a:rPr lang="en-US" dirty="0" err="1"/>
-              <a:t>Souq.com's</a:t>
-            </a:r>
-            <a:r>
-              <a:rPr lang="en-US" dirty="0"/>
-              <a:t> successful exit provides several lessons for tech startups looking to follow a similar path:</a:t>
-            </a:r>
-          </a:p>
-          <a:p>
-            <a:pPr lvl="1">
-              <a:lnSpc>
-                <a:spcPct val="150000"/>
-              </a:lnSpc>
-            </a:pPr>
-            <a:r>
-              <a:rPr lang="en-US" dirty="0"/>
-              <a:t>Focus on Building a Strong Brand</a:t>
-            </a:r>
-          </a:p>
-          <a:p>
-            <a:pPr lvl="1">
-              <a:lnSpc>
-                <a:spcPct val="150000"/>
-              </a:lnSpc>
-            </a:pPr>
-            <a:r>
-              <a:rPr lang="en-US" dirty="0"/>
-              <a:t>Innovate and Differentiate</a:t>
-            </a:r>
-          </a:p>
-          <a:p>
-            <a:pPr lvl="1">
-              <a:lnSpc>
-                <a:spcPct val="150000"/>
-              </a:lnSpc>
-            </a:pPr>
-            <a:r>
-              <a:rPr lang="en-US" dirty="0"/>
-              <a:t>Build a Strong Financial Position</a:t>
-            </a:r>
-          </a:p>
-          <a:p>
-            <a:pPr lvl="1">
-              <a:lnSpc>
-                <a:spcPct val="150000"/>
-              </a:lnSpc>
-            </a:pPr>
-            <a:r>
-              <a:rPr lang="en-US" dirty="0"/>
-              <a:t>Establish Strategic Partnerships</a:t>
-            </a:r>
-          </a:p>
-          <a:p>
-            <a:pPr lvl="1">
-              <a:lnSpc>
-                <a:spcPct val="150000"/>
-              </a:lnSpc>
-            </a:pPr>
-            <a:r>
-              <a:rPr lang="en-US" dirty="0"/>
-              <a:t>Attract and Retain Talent</a:t>
+          <a:bodyPr/>
+          <a:lstStyle/>
+          <a:p>
+            <a:r>
+              <a:rPr lang="en-US" dirty="0"/>
+              <a:t>Souq.com was a Dubai-based e-commerce platform that was founded in 2005. </a:t>
+            </a:r>
+          </a:p>
+          <a:p>
+            <a:r>
+              <a:rPr lang="en-US" dirty="0"/>
+              <a:t>The company quickly grew to become one of the largest e-commerce platforms in the Middle East and North Africa, with millions of customers and thousands of sellers on its platform. </a:t>
+            </a:r>
+          </a:p>
+          <a:p>
+            <a:r>
+              <a:rPr lang="en-US" dirty="0"/>
+              <a:t>In 2017, Souq.com was acquired by Amazon for $580 million, marking one of the largest tech acquisitions in the region's history.</a:t>
             </a:r>
           </a:p>
         </p:txBody>
@@ -19970,7 +20178,7 @@
     </p:spTree>
     <p:extLst>
       <p:ext uri="{BB962C8B-B14F-4D97-AF65-F5344CB8AC3E}">
-        <p14:creationId xmlns:p14="http://schemas.microsoft.com/office/powerpoint/2010/main" val="3169321942"/>
+        <p14:creationId xmlns:p14="http://schemas.microsoft.com/office/powerpoint/2010/main" val="3607465782"/>
       </p:ext>
     </p:extLst>
   </p:cSld>
@@ -20014,7 +20222,7 @@
           <a:p>
             <a:r>
               <a:rPr lang="en-US" dirty="0"/>
-              <a:t>Conclusion</a:t>
+              <a:t>Exit Strategy: Acquisition by Amazon</a:t>
             </a:r>
           </a:p>
         </p:txBody>
@@ -20031,9 +20239,7 @@
         </p:nvSpPr>
         <p:spPr/>
         <p:txBody>
-          <a:bodyPr>
-            <a:normAutofit fontScale="92500" lnSpcReduction="10000"/>
-          </a:bodyPr>
+          <a:bodyPr/>
           <a:lstStyle/>
           <a:p>
             <a:r>
@@ -20042,29 +20248,19 @@
             </a:r>
             <a:r>
               <a:rPr lang="en-US" dirty="0"/>
-              <a:t> successful exit to Amazon is a testament to the company's strong market position, innovative business model, strong financials, strategic partnerships, and talented team. </a:t>
-            </a:r>
-          </a:p>
-          <a:p>
-            <a:r>
-              <a:rPr lang="en-US" dirty="0"/>
-              <a:t>The acquisition not only provided a successful exit for the company's shareholders but also marked a significant milestone in the growth of e-commerce in the Middle East and North Africa.</a:t>
-            </a:r>
-          </a:p>
-          <a:p>
-            <a:r>
-              <a:rPr lang="en-US" dirty="0"/>
-              <a:t>The deal also underscores the potential for tech startups in the region to achieve significant growth and success, and serves as an inspiration for other entrepreneurs looking to build and grow their own businesses.</a:t>
-            </a:r>
-          </a:p>
-          <a:p>
-            <a:r>
-              <a:rPr lang="en-US" dirty="0" err="1"/>
-              <a:t>Souq.com's</a:t>
-            </a:r>
-            <a:r>
-              <a:rPr lang="en-US" dirty="0"/>
-              <a:t> successful exit serves as a reminder that with the right combination of vision, strategy, and execution, tech startups in the Middle East and North Africa can achieve great success and create value for their shareholders, customers, and the wider ecosystem.</a:t>
+              <a:t> exit strategy was to be acquired by a larger company, and Amazon was the perfect suitor. </a:t>
+            </a:r>
+          </a:p>
+          <a:p>
+            <a:r>
+              <a:rPr lang="en-US" dirty="0"/>
+              <a:t>Amazon had been looking to expand its presence in the Middle East and North Africa, and the acquisition of Souq.com provided the company with a ready-made platform and customer base. </a:t>
+            </a:r>
+          </a:p>
+          <a:p>
+            <a:r>
+              <a:rPr lang="en-US" dirty="0"/>
+              <a:t>For Souq.com, the acquisition provided an opportunity to tap into Amazon's vast resources and expertise, as well as access to a global customer base.</a:t>
             </a:r>
           </a:p>
         </p:txBody>
@@ -20088,6 +20284,454 @@
               <a:rPr lang="en-US" smtClean="0"/>
               <a:pPr/>
               <a:t>75</a:t>
+            </a:fld>
+            <a:endParaRPr lang="en-US" dirty="0"/>
+          </a:p>
+        </p:txBody>
+      </p:sp>
+    </p:spTree>
+    <p:extLst>
+      <p:ext uri="{BB962C8B-B14F-4D97-AF65-F5344CB8AC3E}">
+        <p14:creationId xmlns:p14="http://schemas.microsoft.com/office/powerpoint/2010/main" val="3750967908"/>
+      </p:ext>
+    </p:extLst>
+  </p:cSld>
+  <p:clrMapOvr>
+    <a:masterClrMapping/>
+  </p:clrMapOvr>
+</p:sld>
+</file>
+
+<file path=ppt/slides/slide76.xml><?xml version="1.0" encoding="utf-8"?>
+<p:sld xmlns:a="http://schemas.openxmlformats.org/drawingml/2006/main" xmlns:r="http://schemas.openxmlformats.org/officeDocument/2006/relationships" xmlns:p="http://schemas.openxmlformats.org/presentationml/2006/main">
+  <p:cSld>
+    <p:spTree>
+      <p:nvGrpSpPr>
+        <p:cNvPr id="1" name=""/>
+        <p:cNvGrpSpPr/>
+        <p:nvPr/>
+      </p:nvGrpSpPr>
+      <p:grpSpPr>
+        <a:xfrm>
+          <a:off x="0" y="0"/>
+          <a:ext cx="0" cy="0"/>
+          <a:chOff x="0" y="0"/>
+          <a:chExt cx="0" cy="0"/>
+        </a:xfrm>
+      </p:grpSpPr>
+      <p:sp>
+        <p:nvSpPr>
+          <p:cNvPr id="2" name="Title 1"/>
+          <p:cNvSpPr>
+            <a:spLocks noGrp="1"/>
+          </p:cNvSpPr>
+          <p:nvPr>
+            <p:ph type="title"/>
+          </p:nvPr>
+        </p:nvSpPr>
+        <p:spPr/>
+        <p:txBody>
+          <a:bodyPr/>
+          <a:lstStyle/>
+          <a:p>
+            <a:r>
+              <a:rPr lang="en-US" dirty="0"/>
+              <a:t>Factors Leading to the Successful Exit</a:t>
+            </a:r>
+          </a:p>
+        </p:txBody>
+      </p:sp>
+      <p:sp>
+        <p:nvSpPr>
+          <p:cNvPr id="3" name="Content Placeholder 2"/>
+          <p:cNvSpPr>
+            <a:spLocks noGrp="1"/>
+          </p:cNvSpPr>
+          <p:nvPr>
+            <p:ph idx="1"/>
+          </p:nvPr>
+        </p:nvSpPr>
+        <p:spPr/>
+        <p:txBody>
+          <a:bodyPr>
+            <a:normAutofit/>
+          </a:bodyPr>
+          <a:lstStyle/>
+          <a:p>
+            <a:r>
+              <a:rPr lang="en-US" dirty="0"/>
+              <a:t>Several factors contributed to </a:t>
+            </a:r>
+            <a:r>
+              <a:rPr lang="en-US" dirty="0" err="1"/>
+              <a:t>Souq.com's</a:t>
+            </a:r>
+            <a:r>
+              <a:rPr lang="en-US" dirty="0"/>
+              <a:t> successful exit:</a:t>
+            </a:r>
+          </a:p>
+          <a:p>
+            <a:pPr lvl="1">
+              <a:lnSpc>
+                <a:spcPct val="150000"/>
+              </a:lnSpc>
+            </a:pPr>
+            <a:r>
+              <a:rPr lang="en-US" dirty="0"/>
+              <a:t>Strong Market Position</a:t>
+            </a:r>
+          </a:p>
+          <a:p>
+            <a:pPr lvl="1">
+              <a:lnSpc>
+                <a:spcPct val="150000"/>
+              </a:lnSpc>
+            </a:pPr>
+            <a:r>
+              <a:rPr lang="en-US" dirty="0"/>
+              <a:t>Innovative Business Model</a:t>
+            </a:r>
+          </a:p>
+          <a:p>
+            <a:pPr lvl="1">
+              <a:lnSpc>
+                <a:spcPct val="150000"/>
+              </a:lnSpc>
+            </a:pPr>
+            <a:r>
+              <a:rPr lang="en-US" dirty="0"/>
+              <a:t>Strong Financials</a:t>
+            </a:r>
+          </a:p>
+          <a:p>
+            <a:pPr lvl="1">
+              <a:lnSpc>
+                <a:spcPct val="150000"/>
+              </a:lnSpc>
+            </a:pPr>
+            <a:r>
+              <a:rPr lang="en-US" dirty="0"/>
+              <a:t>Strategic Partnerships</a:t>
+            </a:r>
+          </a:p>
+          <a:p>
+            <a:pPr lvl="1">
+              <a:lnSpc>
+                <a:spcPct val="150000"/>
+              </a:lnSpc>
+            </a:pPr>
+            <a:r>
+              <a:rPr lang="en-US" dirty="0"/>
+              <a:t>Talented Team</a:t>
+            </a:r>
+          </a:p>
+        </p:txBody>
+      </p:sp>
+      <p:sp>
+        <p:nvSpPr>
+          <p:cNvPr id="4" name="Slide Number Placeholder 3"/>
+          <p:cNvSpPr>
+            <a:spLocks noGrp="1"/>
+          </p:cNvSpPr>
+          <p:nvPr>
+            <p:ph type="sldNum" sz="quarter" idx="12"/>
+          </p:nvPr>
+        </p:nvSpPr>
+        <p:spPr/>
+        <p:txBody>
+          <a:bodyPr/>
+          <a:lstStyle/>
+          <a:p>
+            <a:fld id="{B8DACC02-A2BD-4578-8E03-6D891060A695}" type="slidenum">
+              <a:rPr lang="en-US" smtClean="0"/>
+              <a:pPr/>
+              <a:t>76</a:t>
+            </a:fld>
+            <a:endParaRPr lang="en-US" dirty="0"/>
+          </a:p>
+        </p:txBody>
+      </p:sp>
+    </p:spTree>
+    <p:extLst>
+      <p:ext uri="{BB962C8B-B14F-4D97-AF65-F5344CB8AC3E}">
+        <p14:creationId xmlns:p14="http://schemas.microsoft.com/office/powerpoint/2010/main" val="1104761704"/>
+      </p:ext>
+    </p:extLst>
+  </p:cSld>
+  <p:clrMapOvr>
+    <a:masterClrMapping/>
+  </p:clrMapOvr>
+</p:sld>
+</file>
+
+<file path=ppt/slides/slide77.xml><?xml version="1.0" encoding="utf-8"?>
+<p:sld xmlns:a="http://schemas.openxmlformats.org/drawingml/2006/main" xmlns:r="http://schemas.openxmlformats.org/officeDocument/2006/relationships" xmlns:p="http://schemas.openxmlformats.org/presentationml/2006/main">
+  <p:cSld>
+    <p:spTree>
+      <p:nvGrpSpPr>
+        <p:cNvPr id="1" name=""/>
+        <p:cNvGrpSpPr/>
+        <p:nvPr/>
+      </p:nvGrpSpPr>
+      <p:grpSpPr>
+        <a:xfrm>
+          <a:off x="0" y="0"/>
+          <a:ext cx="0" cy="0"/>
+          <a:chOff x="0" y="0"/>
+          <a:chExt cx="0" cy="0"/>
+        </a:xfrm>
+      </p:grpSpPr>
+      <p:sp>
+        <p:nvSpPr>
+          <p:cNvPr id="2" name="Title 1"/>
+          <p:cNvSpPr>
+            <a:spLocks noGrp="1"/>
+          </p:cNvSpPr>
+          <p:nvPr>
+            <p:ph type="title"/>
+          </p:nvPr>
+        </p:nvSpPr>
+        <p:spPr/>
+        <p:txBody>
+          <a:bodyPr/>
+          <a:lstStyle/>
+          <a:p>
+            <a:r>
+              <a:rPr lang="en-US" dirty="0"/>
+              <a:t>Lessons Learned</a:t>
+            </a:r>
+          </a:p>
+        </p:txBody>
+      </p:sp>
+      <p:sp>
+        <p:nvSpPr>
+          <p:cNvPr id="3" name="Content Placeholder 2"/>
+          <p:cNvSpPr>
+            <a:spLocks noGrp="1"/>
+          </p:cNvSpPr>
+          <p:nvPr>
+            <p:ph idx="1"/>
+          </p:nvPr>
+        </p:nvSpPr>
+        <p:spPr/>
+        <p:txBody>
+          <a:bodyPr>
+            <a:normAutofit/>
+          </a:bodyPr>
+          <a:lstStyle/>
+          <a:p>
+            <a:r>
+              <a:rPr lang="en-US" dirty="0" err="1"/>
+              <a:t>Souq.com's</a:t>
+            </a:r>
+            <a:r>
+              <a:rPr lang="en-US" dirty="0"/>
+              <a:t> successful exit provides several lessons for tech startups looking to follow a similar path:</a:t>
+            </a:r>
+          </a:p>
+          <a:p>
+            <a:pPr lvl="1">
+              <a:lnSpc>
+                <a:spcPct val="150000"/>
+              </a:lnSpc>
+            </a:pPr>
+            <a:r>
+              <a:rPr lang="en-US" dirty="0"/>
+              <a:t>Focus on Building a Strong Brand</a:t>
+            </a:r>
+          </a:p>
+          <a:p>
+            <a:pPr lvl="1">
+              <a:lnSpc>
+                <a:spcPct val="150000"/>
+              </a:lnSpc>
+            </a:pPr>
+            <a:r>
+              <a:rPr lang="en-US" dirty="0"/>
+              <a:t>Innovate and Differentiate</a:t>
+            </a:r>
+          </a:p>
+          <a:p>
+            <a:pPr lvl="1">
+              <a:lnSpc>
+                <a:spcPct val="150000"/>
+              </a:lnSpc>
+            </a:pPr>
+            <a:r>
+              <a:rPr lang="en-US" dirty="0"/>
+              <a:t>Build a Strong Financial Position</a:t>
+            </a:r>
+          </a:p>
+          <a:p>
+            <a:pPr lvl="1">
+              <a:lnSpc>
+                <a:spcPct val="150000"/>
+              </a:lnSpc>
+            </a:pPr>
+            <a:r>
+              <a:rPr lang="en-US" dirty="0"/>
+              <a:t>Establish Strategic Partnerships</a:t>
+            </a:r>
+          </a:p>
+          <a:p>
+            <a:pPr lvl="1">
+              <a:lnSpc>
+                <a:spcPct val="150000"/>
+              </a:lnSpc>
+            </a:pPr>
+            <a:r>
+              <a:rPr lang="en-US" dirty="0"/>
+              <a:t>Attract and Retain Talent</a:t>
+            </a:r>
+          </a:p>
+        </p:txBody>
+      </p:sp>
+      <p:sp>
+        <p:nvSpPr>
+          <p:cNvPr id="4" name="Slide Number Placeholder 3"/>
+          <p:cNvSpPr>
+            <a:spLocks noGrp="1"/>
+          </p:cNvSpPr>
+          <p:nvPr>
+            <p:ph type="sldNum" sz="quarter" idx="12"/>
+          </p:nvPr>
+        </p:nvSpPr>
+        <p:spPr/>
+        <p:txBody>
+          <a:bodyPr/>
+          <a:lstStyle/>
+          <a:p>
+            <a:fld id="{B8DACC02-A2BD-4578-8E03-6D891060A695}" type="slidenum">
+              <a:rPr lang="en-US" smtClean="0"/>
+              <a:pPr/>
+              <a:t>77</a:t>
+            </a:fld>
+            <a:endParaRPr lang="en-US" dirty="0"/>
+          </a:p>
+        </p:txBody>
+      </p:sp>
+    </p:spTree>
+    <p:extLst>
+      <p:ext uri="{BB962C8B-B14F-4D97-AF65-F5344CB8AC3E}">
+        <p14:creationId xmlns:p14="http://schemas.microsoft.com/office/powerpoint/2010/main" val="3169321942"/>
+      </p:ext>
+    </p:extLst>
+  </p:cSld>
+  <p:clrMapOvr>
+    <a:masterClrMapping/>
+  </p:clrMapOvr>
+</p:sld>
+</file>
+
+<file path=ppt/slides/slide78.xml><?xml version="1.0" encoding="utf-8"?>
+<p:sld xmlns:a="http://schemas.openxmlformats.org/drawingml/2006/main" xmlns:r="http://schemas.openxmlformats.org/officeDocument/2006/relationships" xmlns:p="http://schemas.openxmlformats.org/presentationml/2006/main">
+  <p:cSld>
+    <p:spTree>
+      <p:nvGrpSpPr>
+        <p:cNvPr id="1" name=""/>
+        <p:cNvGrpSpPr/>
+        <p:nvPr/>
+      </p:nvGrpSpPr>
+      <p:grpSpPr>
+        <a:xfrm>
+          <a:off x="0" y="0"/>
+          <a:ext cx="0" cy="0"/>
+          <a:chOff x="0" y="0"/>
+          <a:chExt cx="0" cy="0"/>
+        </a:xfrm>
+      </p:grpSpPr>
+      <p:sp>
+        <p:nvSpPr>
+          <p:cNvPr id="2" name="Title 1"/>
+          <p:cNvSpPr>
+            <a:spLocks noGrp="1"/>
+          </p:cNvSpPr>
+          <p:nvPr>
+            <p:ph type="title"/>
+          </p:nvPr>
+        </p:nvSpPr>
+        <p:spPr/>
+        <p:txBody>
+          <a:bodyPr/>
+          <a:lstStyle/>
+          <a:p>
+            <a:r>
+              <a:rPr lang="en-US" dirty="0"/>
+              <a:t>Conclusion</a:t>
+            </a:r>
+          </a:p>
+        </p:txBody>
+      </p:sp>
+      <p:sp>
+        <p:nvSpPr>
+          <p:cNvPr id="3" name="Content Placeholder 2"/>
+          <p:cNvSpPr>
+            <a:spLocks noGrp="1"/>
+          </p:cNvSpPr>
+          <p:nvPr>
+            <p:ph idx="1"/>
+          </p:nvPr>
+        </p:nvSpPr>
+        <p:spPr/>
+        <p:txBody>
+          <a:bodyPr>
+            <a:normAutofit fontScale="92500" lnSpcReduction="10000"/>
+          </a:bodyPr>
+          <a:lstStyle/>
+          <a:p>
+            <a:r>
+              <a:rPr lang="en-US" dirty="0" err="1"/>
+              <a:t>Souq.com's</a:t>
+            </a:r>
+            <a:r>
+              <a:rPr lang="en-US" dirty="0"/>
+              <a:t> successful exit to Amazon is a testament to the company's strong market position, innovative business model, strong financials, strategic partnerships, and talented team. </a:t>
+            </a:r>
+          </a:p>
+          <a:p>
+            <a:r>
+              <a:rPr lang="en-US" dirty="0"/>
+              <a:t>The acquisition not only provided a successful exit for the company's shareholders but also marked a significant milestone in the growth of e-commerce in the Middle East and North Africa.</a:t>
+            </a:r>
+          </a:p>
+          <a:p>
+            <a:r>
+              <a:rPr lang="en-US" dirty="0"/>
+              <a:t>The deal also underscores the potential for tech startups in the region to achieve significant growth and success, and serves as an inspiration for other entrepreneurs looking to build and grow their own businesses.</a:t>
+            </a:r>
+          </a:p>
+          <a:p>
+            <a:r>
+              <a:rPr lang="en-US" dirty="0" err="1"/>
+              <a:t>Souq.com's</a:t>
+            </a:r>
+            <a:r>
+              <a:rPr lang="en-US" dirty="0"/>
+              <a:t> successful exit serves as a reminder that with the right combination of vision, strategy, and execution, tech startups in the Middle East and North Africa can achieve great success and create value for their shareholders, customers, and the wider ecosystem.</a:t>
+            </a:r>
+          </a:p>
+        </p:txBody>
+      </p:sp>
+      <p:sp>
+        <p:nvSpPr>
+          <p:cNvPr id="4" name="Slide Number Placeholder 3"/>
+          <p:cNvSpPr>
+            <a:spLocks noGrp="1"/>
+          </p:cNvSpPr>
+          <p:nvPr>
+            <p:ph type="sldNum" sz="quarter" idx="12"/>
+          </p:nvPr>
+        </p:nvSpPr>
+        <p:spPr/>
+        <p:txBody>
+          <a:bodyPr/>
+          <a:lstStyle/>
+          <a:p>
+            <a:fld id="{B8DACC02-A2BD-4578-8E03-6D891060A695}" type="slidenum">
+              <a:rPr lang="en-US" smtClean="0"/>
+              <a:pPr/>
+              <a:t>78</a:t>
             </a:fld>
             <a:endParaRPr lang="en-US" dirty="0"/>
           </a:p>
@@ -20362,12 +21006,9 @@
             </a:r>
           </a:p>
           <a:p>
-            <a:r>
-              <a:rPr lang="en-US" dirty="0"/>
-              <a:t>Tax implications.</a:t>
-            </a:r>
-          </a:p>
-          <a:p>
+            <a:pPr marL="0" indent="0">
+              <a:buNone/>
+            </a:pPr>
             <a:endParaRPr lang="en-US" dirty="0"/>
           </a:p>
         </p:txBody>

--- a/SE495/Lectures/8-Exit Strategies/Exit Strategies.pptx
+++ b/SE495/Lectures/8-Exit Strategies/Exit Strategies.pptx
@@ -4468,7 +4468,7 @@
           <a:p>
             <a:fld id="{41DA9887-9249-49FD-809A-BACB264048C3}" type="datetimeFigureOut">
               <a:rPr lang="en-US" smtClean="0"/>
-              <a:t>5/7/2024</a:t>
+              <a:t>5/8/2024</a:t>
             </a:fld>
             <a:endParaRPr lang="en-US"/>
           </a:p>
@@ -4870,7 +4870,7 @@
           <a:p>
             <a:fld id="{EF213E56-3C1A-435A-851B-5B1F221C2038}" type="datetime1">
               <a:rPr lang="en-US" smtClean="0"/>
-              <a:t>5/7/2024</a:t>
+              <a:t>5/8/2024</a:t>
             </a:fld>
             <a:endParaRPr lang="en-US"/>
           </a:p>
@@ -5171,7 +5171,7 @@
           <a:p>
             <a:fld id="{B4696837-4851-4AA6-8AED-554226C981D1}" type="datetime1">
               <a:rPr lang="en-US" smtClean="0"/>
-              <a:t>5/7/2024</a:t>
+              <a:t>5/8/2024</a:t>
             </a:fld>
             <a:endParaRPr lang="en-US"/>
           </a:p>
@@ -5349,7 +5349,7 @@
           <a:p>
             <a:fld id="{BADD32E1-BB70-4827-BA33-FF5AFC435BE9}" type="datetime1">
               <a:rPr lang="en-US" smtClean="0"/>
-              <a:t>5/7/2024</a:t>
+              <a:t>5/8/2024</a:t>
             </a:fld>
             <a:endParaRPr lang="en-US"/>
           </a:p>
@@ -5592,7 +5592,7 @@
             </a:pPr>
             <a:fld id="{40B9EAF6-54F2-4DF5-9C6B-3F6F95B86356}" type="datetime1">
               <a:rPr lang="en-US" smtClean="0"/>
-              <a:t>5/7/2024</a:t>
+              <a:t>5/8/2024</a:t>
             </a:fld>
             <a:endParaRPr lang="en-US"/>
           </a:p>
@@ -5772,7 +5772,7 @@
             </a:pPr>
             <a:fld id="{D3D64A56-6FF4-479A-8655-719A18A98C4B}" type="datetime1">
               <a:rPr lang="en-US" smtClean="0"/>
-              <a:t>5/7/2024</a:t>
+              <a:t>5/8/2024</a:t>
             </a:fld>
             <a:endParaRPr lang="en-US"/>
           </a:p>
@@ -6053,7 +6053,7 @@
           <a:p>
             <a:fld id="{BB961044-FC46-4CBC-9061-59528F4899F3}" type="datetime1">
               <a:rPr lang="en-US" smtClean="0"/>
-              <a:t>5/7/2024</a:t>
+              <a:t>5/8/2024</a:t>
             </a:fld>
             <a:endParaRPr lang="en-US"/>
           </a:p>
@@ -6403,7 +6403,7 @@
           <a:p>
             <a:fld id="{4466A08C-77F3-471E-A5C4-1D2068144BAC}" type="datetime1">
               <a:rPr lang="en-US" smtClean="0"/>
-              <a:t>5/7/2024</a:t>
+              <a:t>5/8/2024</a:t>
             </a:fld>
             <a:endParaRPr lang="en-US"/>
           </a:p>
@@ -6632,7 +6632,7 @@
           <a:p>
             <a:fld id="{B90A7AD1-16F4-44C3-AE32-24C59A599E9D}" type="datetime1">
               <a:rPr lang="en-US" smtClean="0"/>
-              <a:t>5/7/2024</a:t>
+              <a:t>5/8/2024</a:t>
             </a:fld>
             <a:endParaRPr lang="en-US"/>
           </a:p>
@@ -6996,7 +6996,7 @@
           <a:p>
             <a:fld id="{B583DB4F-4316-4DF5-A229-BC1D787C82A0}" type="datetime1">
               <a:rPr lang="en-US" smtClean="0"/>
-              <a:t>5/7/2024</a:t>
+              <a:t>5/8/2024</a:t>
             </a:fld>
             <a:endParaRPr lang="en-US"/>
           </a:p>
@@ -7091,7 +7091,7 @@
           <a:p>
             <a:fld id="{AE6064B7-7A9F-432D-B7B9-6824267AA574}" type="datetime1">
               <a:rPr lang="en-US" smtClean="0"/>
-              <a:t>5/7/2024</a:t>
+              <a:t>5/8/2024</a:t>
             </a:fld>
             <a:endParaRPr lang="en-US"/>
           </a:p>
@@ -7316,7 +7316,7 @@
             <a:fld id="{B2F5E2FA-C428-4CE7-95B0-168D3259A5BB}" type="datetimeFigureOut">
               <a:rPr lang="en-US" smtClean="0"/>
               <a:pPr/>
-              <a:t>5/7/2024</a:t>
+              <a:t>5/8/2024</a:t>
             </a:fld>
             <a:endParaRPr lang="en-US"/>
           </a:p>
@@ -7493,7 +7493,7 @@
           <a:p>
             <a:fld id="{4E1C93A2-B712-486A-8AB5-D41B95D547BE}" type="datetime1">
               <a:rPr lang="en-US" smtClean="0"/>
-              <a:t>5/7/2024</a:t>
+              <a:t>5/8/2024</a:t>
             </a:fld>
             <a:endParaRPr lang="en-US"/>
           </a:p>
@@ -7768,7 +7768,7 @@
           <a:p>
             <a:fld id="{CAB2F318-F19F-4608-B7EF-F7FB8A482213}" type="datetime1">
               <a:rPr lang="en-US" smtClean="0"/>
-              <a:t>5/7/2024</a:t>
+              <a:t>5/8/2024</a:t>
             </a:fld>
             <a:endParaRPr lang="en-US"/>
           </a:p>
@@ -8020,7 +8020,7 @@
           <a:p>
             <a:fld id="{BB9CEF8C-69D6-4C3E-B892-F682F307A7B6}" type="datetime1">
               <a:rPr lang="en-US" smtClean="0"/>
-              <a:t>5/7/2024</a:t>
+              <a:t>5/8/2024</a:t>
             </a:fld>
             <a:endParaRPr lang="en-US"/>
           </a:p>
@@ -8231,7 +8231,7 @@
           <a:p>
             <a:fld id="{FB737C73-4A31-4C17-AFB7-7B8470027787}" type="datetime1">
               <a:rPr lang="en-US" smtClean="0"/>
-              <a:t>5/7/2024</a:t>
+              <a:t>5/8/2024</a:t>
             </a:fld>
             <a:endParaRPr lang="en-US"/>
           </a:p>
@@ -13003,6 +13003,51 @@
           </a:p>
         </p:txBody>
       </p:sp>
+      <p:pic>
+        <p:nvPicPr>
+          <p:cNvPr id="1026" name="Picture 2" descr="What are Corporate Spin-Offs? Meaning, Pros &amp; Cons! | Trade Brains">
+            <a:extLst>
+              <a:ext uri="{FF2B5EF4-FFF2-40B4-BE49-F238E27FC236}">
+                <a16:creationId xmlns:a16="http://schemas.microsoft.com/office/drawing/2014/main" id="{46CB774B-43D3-486C-8FAC-DB66B344EFBD}"/>
+              </a:ext>
+            </a:extLst>
+          </p:cNvPr>
+          <p:cNvPicPr>
+            <a:picLocks noChangeAspect="1" noChangeArrowheads="1"/>
+          </p:cNvPicPr>
+          <p:nvPr/>
+        </p:nvPicPr>
+        <p:blipFill rotWithShape="1">
+          <a:blip r:embed="rId2" cstate="print">
+            <a:extLst>
+              <a:ext uri="{28A0092B-C50C-407E-A947-70E740481C1C}">
+                <a14:useLocalDpi xmlns:a14="http://schemas.microsoft.com/office/drawing/2010/main" val="0"/>
+              </a:ext>
+            </a:extLst>
+          </a:blip>
+          <a:srcRect l="3487" t="17604" r="7624" b="5324"/>
+          <a:stretch/>
+        </p:blipFill>
+        <p:spPr bwMode="auto">
+          <a:xfrm>
+            <a:off x="7518924" y="4525188"/>
+            <a:ext cx="3203709" cy="1851864"/>
+          </a:xfrm>
+          <a:prstGeom prst="rect">
+            <a:avLst/>
+          </a:prstGeom>
+          <a:noFill/>
+          <a:extLst>
+            <a:ext uri="{909E8E84-426E-40DD-AFC4-6F175D3DCCD1}">
+              <a14:hiddenFill xmlns:a14="http://schemas.microsoft.com/office/drawing/2010/main">
+                <a:solidFill>
+                  <a:srgbClr val="FFFFFF"/>
+                </a:solidFill>
+              </a14:hiddenFill>
+            </a:ext>
+          </a:extLst>
+        </p:spPr>
+      </p:pic>
     </p:spTree>
     <p:extLst>
       <p:ext uri="{BB962C8B-B14F-4D97-AF65-F5344CB8AC3E}">
@@ -13702,6 +13747,51 @@
           </a:p>
         </p:txBody>
       </p:sp>
+      <p:pic>
+        <p:nvPicPr>
+          <p:cNvPr id="2050" name="Picture 2" descr="Company Liquidation - The Guidelines of Liquidation in Bangladesh">
+            <a:extLst>
+              <a:ext uri="{FF2B5EF4-FFF2-40B4-BE49-F238E27FC236}">
+                <a16:creationId xmlns:a16="http://schemas.microsoft.com/office/drawing/2014/main" id="{5740207E-C88B-4FD0-9C54-88F1311FAAB0}"/>
+              </a:ext>
+            </a:extLst>
+          </p:cNvPr>
+          <p:cNvPicPr>
+            <a:picLocks noChangeAspect="1" noChangeArrowheads="1"/>
+          </p:cNvPicPr>
+          <p:nvPr/>
+        </p:nvPicPr>
+        <p:blipFill rotWithShape="1">
+          <a:blip r:embed="rId2">
+            <a:extLst>
+              <a:ext uri="{28A0092B-C50C-407E-A947-70E740481C1C}">
+                <a14:useLocalDpi xmlns:a14="http://schemas.microsoft.com/office/drawing/2010/main" val="0"/>
+              </a:ext>
+            </a:extLst>
+          </a:blip>
+          <a:srcRect r="75416"/>
+          <a:stretch/>
+        </p:blipFill>
+        <p:spPr bwMode="auto">
+          <a:xfrm>
+            <a:off x="8854296" y="4519331"/>
+            <a:ext cx="1523281" cy="1916780"/>
+          </a:xfrm>
+          <a:prstGeom prst="rect">
+            <a:avLst/>
+          </a:prstGeom>
+          <a:noFill/>
+          <a:extLst>
+            <a:ext uri="{909E8E84-426E-40DD-AFC4-6F175D3DCCD1}">
+              <a14:hiddenFill xmlns:a14="http://schemas.microsoft.com/office/drawing/2010/main">
+                <a:solidFill>
+                  <a:srgbClr val="FFFFFF"/>
+                </a:solidFill>
+              </a14:hiddenFill>
+            </a:ext>
+          </a:extLst>
+        </p:spPr>
+      </p:pic>
     </p:spTree>
     <p:extLst>
       <p:ext uri="{BB962C8B-B14F-4D97-AF65-F5344CB8AC3E}">

--- a/SE495/Lectures/8-Exit Strategies/Exit Strategies.pptx
+++ b/SE495/Lectures/8-Exit Strategies/Exit Strategies.pptx
@@ -5,7 +5,7 @@
     <p:sldMasterId id="2147483648" r:id="rId1"/>
   </p:sldMasterIdLst>
   <p:notesMasterIdLst>
-    <p:notesMasterId r:id="rId80"/>
+    <p:notesMasterId r:id="rId78"/>
   </p:notesMasterIdLst>
   <p:sldIdLst>
     <p:sldId id="256" r:id="rId2"/>
@@ -69,23 +69,21 @@
     <p:sldId id="769" r:id="rId60"/>
     <p:sldId id="770" r:id="rId61"/>
     <p:sldId id="771" r:id="rId62"/>
-    <p:sldId id="772" r:id="rId63"/>
-    <p:sldId id="773" r:id="rId64"/>
-    <p:sldId id="774" r:id="rId65"/>
-    <p:sldId id="775" r:id="rId66"/>
-    <p:sldId id="776" r:id="rId67"/>
-    <p:sldId id="750" r:id="rId68"/>
-    <p:sldId id="751" r:id="rId69"/>
-    <p:sldId id="749" r:id="rId70"/>
-    <p:sldId id="752" r:id="rId71"/>
-    <p:sldId id="753" r:id="rId72"/>
-    <p:sldId id="754" r:id="rId73"/>
-    <p:sldId id="755" r:id="rId74"/>
-    <p:sldId id="777" r:id="rId75"/>
-    <p:sldId id="778" r:id="rId76"/>
-    <p:sldId id="779" r:id="rId77"/>
-    <p:sldId id="780" r:id="rId78"/>
-    <p:sldId id="781" r:id="rId79"/>
+    <p:sldId id="773" r:id="rId63"/>
+    <p:sldId id="774" r:id="rId64"/>
+    <p:sldId id="775" r:id="rId65"/>
+    <p:sldId id="750" r:id="rId66"/>
+    <p:sldId id="751" r:id="rId67"/>
+    <p:sldId id="749" r:id="rId68"/>
+    <p:sldId id="752" r:id="rId69"/>
+    <p:sldId id="753" r:id="rId70"/>
+    <p:sldId id="754" r:id="rId71"/>
+    <p:sldId id="755" r:id="rId72"/>
+    <p:sldId id="777" r:id="rId73"/>
+    <p:sldId id="778" r:id="rId74"/>
+    <p:sldId id="779" r:id="rId75"/>
+    <p:sldId id="780" r:id="rId76"/>
+    <p:sldId id="781" r:id="rId77"/>
   </p:sldIdLst>
   <p:sldSz cx="12192000" cy="6858000"/>
   <p:notesSz cx="6858000" cy="9144000"/>
@@ -4468,7 +4466,7 @@
           <a:p>
             <a:fld id="{41DA9887-9249-49FD-809A-BACB264048C3}" type="datetimeFigureOut">
               <a:rPr lang="en-US" smtClean="0"/>
-              <a:t>5/8/2024</a:t>
+              <a:t>5/13/2024</a:t>
             </a:fld>
             <a:endParaRPr lang="en-US"/>
           </a:p>
@@ -4870,7 +4868,7 @@
           <a:p>
             <a:fld id="{EF213E56-3C1A-435A-851B-5B1F221C2038}" type="datetime1">
               <a:rPr lang="en-US" smtClean="0"/>
-              <a:t>5/8/2024</a:t>
+              <a:t>5/13/2024</a:t>
             </a:fld>
             <a:endParaRPr lang="en-US"/>
           </a:p>
@@ -5171,7 +5169,7 @@
           <a:p>
             <a:fld id="{B4696837-4851-4AA6-8AED-554226C981D1}" type="datetime1">
               <a:rPr lang="en-US" smtClean="0"/>
-              <a:t>5/8/2024</a:t>
+              <a:t>5/13/2024</a:t>
             </a:fld>
             <a:endParaRPr lang="en-US"/>
           </a:p>
@@ -5349,7 +5347,7 @@
           <a:p>
             <a:fld id="{BADD32E1-BB70-4827-BA33-FF5AFC435BE9}" type="datetime1">
               <a:rPr lang="en-US" smtClean="0"/>
-              <a:t>5/8/2024</a:t>
+              <a:t>5/13/2024</a:t>
             </a:fld>
             <a:endParaRPr lang="en-US"/>
           </a:p>
@@ -5592,7 +5590,7 @@
             </a:pPr>
             <a:fld id="{40B9EAF6-54F2-4DF5-9C6B-3F6F95B86356}" type="datetime1">
               <a:rPr lang="en-US" smtClean="0"/>
-              <a:t>5/8/2024</a:t>
+              <a:t>5/13/2024</a:t>
             </a:fld>
             <a:endParaRPr lang="en-US"/>
           </a:p>
@@ -5772,7 +5770,7 @@
             </a:pPr>
             <a:fld id="{D3D64A56-6FF4-479A-8655-719A18A98C4B}" type="datetime1">
               <a:rPr lang="en-US" smtClean="0"/>
-              <a:t>5/8/2024</a:t>
+              <a:t>5/13/2024</a:t>
             </a:fld>
             <a:endParaRPr lang="en-US"/>
           </a:p>
@@ -6053,7 +6051,7 @@
           <a:p>
             <a:fld id="{BB961044-FC46-4CBC-9061-59528F4899F3}" type="datetime1">
               <a:rPr lang="en-US" smtClean="0"/>
-              <a:t>5/8/2024</a:t>
+              <a:t>5/13/2024</a:t>
             </a:fld>
             <a:endParaRPr lang="en-US"/>
           </a:p>
@@ -6403,7 +6401,7 @@
           <a:p>
             <a:fld id="{4466A08C-77F3-471E-A5C4-1D2068144BAC}" type="datetime1">
               <a:rPr lang="en-US" smtClean="0"/>
-              <a:t>5/8/2024</a:t>
+              <a:t>5/13/2024</a:t>
             </a:fld>
             <a:endParaRPr lang="en-US"/>
           </a:p>
@@ -6632,7 +6630,7 @@
           <a:p>
             <a:fld id="{B90A7AD1-16F4-44C3-AE32-24C59A599E9D}" type="datetime1">
               <a:rPr lang="en-US" smtClean="0"/>
-              <a:t>5/8/2024</a:t>
+              <a:t>5/13/2024</a:t>
             </a:fld>
             <a:endParaRPr lang="en-US"/>
           </a:p>
@@ -6996,7 +6994,7 @@
           <a:p>
             <a:fld id="{B583DB4F-4316-4DF5-A229-BC1D787C82A0}" type="datetime1">
               <a:rPr lang="en-US" smtClean="0"/>
-              <a:t>5/8/2024</a:t>
+              <a:t>5/13/2024</a:t>
             </a:fld>
             <a:endParaRPr lang="en-US"/>
           </a:p>
@@ -7091,7 +7089,7 @@
           <a:p>
             <a:fld id="{AE6064B7-7A9F-432D-B7B9-6824267AA574}" type="datetime1">
               <a:rPr lang="en-US" smtClean="0"/>
-              <a:t>5/8/2024</a:t>
+              <a:t>5/13/2024</a:t>
             </a:fld>
             <a:endParaRPr lang="en-US"/>
           </a:p>
@@ -7316,7 +7314,7 @@
             <a:fld id="{B2F5E2FA-C428-4CE7-95B0-168D3259A5BB}" type="datetimeFigureOut">
               <a:rPr lang="en-US" smtClean="0"/>
               <a:pPr/>
-              <a:t>5/8/2024</a:t>
+              <a:t>5/13/2024</a:t>
             </a:fld>
             <a:endParaRPr lang="en-US"/>
           </a:p>
@@ -7493,7 +7491,7 @@
           <a:p>
             <a:fld id="{4E1C93A2-B712-486A-8AB5-D41B95D547BE}" type="datetime1">
               <a:rPr lang="en-US" smtClean="0"/>
-              <a:t>5/8/2024</a:t>
+              <a:t>5/13/2024</a:t>
             </a:fld>
             <a:endParaRPr lang="en-US"/>
           </a:p>
@@ -7768,7 +7766,7 @@
           <a:p>
             <a:fld id="{CAB2F318-F19F-4608-B7EF-F7FB8A482213}" type="datetime1">
               <a:rPr lang="en-US" smtClean="0"/>
-              <a:t>5/8/2024</a:t>
+              <a:t>5/13/2024</a:t>
             </a:fld>
             <a:endParaRPr lang="en-US"/>
           </a:p>
@@ -8020,7 +8018,7 @@
           <a:p>
             <a:fld id="{BB9CEF8C-69D6-4C3E-B892-F682F307A7B6}" type="datetime1">
               <a:rPr lang="en-US" smtClean="0"/>
-              <a:t>5/8/2024</a:t>
+              <a:t>5/13/2024</a:t>
             </a:fld>
             <a:endParaRPr lang="en-US"/>
           </a:p>
@@ -8231,7 +8229,7 @@
           <a:p>
             <a:fld id="{FB737C73-4A31-4C17-AFB7-7B8470027787}" type="datetime1">
               <a:rPr lang="en-US" smtClean="0"/>
-              <a:t>5/8/2024</a:t>
+              <a:t>5/13/2024</a:t>
             </a:fld>
             <a:endParaRPr lang="en-US"/>
           </a:p>
@@ -18487,6 +18485,21 @@
               <a:t>indemnifications</a:t>
             </a:r>
           </a:p>
+          <a:p>
+            <a:r>
+              <a:rPr lang="en-US" dirty="0"/>
+              <a:t>Integration challenges include cultural differences, system integration, and retaining key employees.</a:t>
+            </a:r>
+          </a:p>
+          <a:p>
+            <a:r>
+              <a:rPr lang="en-US" dirty="0"/>
+              <a:t>Strategies for successful integration include effective communication, retention bonuses, and clear goals.</a:t>
+            </a:r>
+          </a:p>
+          <a:p>
+            <a:endParaRPr lang="en-US" dirty="0"/>
+          </a:p>
         </p:txBody>
       </p:sp>
       <p:sp>
@@ -18555,14 +18568,12 @@
         </p:nvSpPr>
         <p:spPr/>
         <p:txBody>
-          <a:bodyPr>
-            <a:normAutofit/>
-          </a:bodyPr>
-          <a:lstStyle/>
-          <a:p>
-            <a:r>
-              <a:rPr lang="en-US" dirty="0"/>
-              <a:t>Post-Acquisition Integration</a:t>
+          <a:bodyPr/>
+          <a:lstStyle/>
+          <a:p>
+            <a:r>
+              <a:rPr lang="en-US" dirty="0"/>
+              <a:t>Going Public - IPO Process</a:t>
             </a:r>
           </a:p>
         </p:txBody>
@@ -18584,13 +18595,13 @@
           <a:p>
             <a:r>
               <a:rPr lang="en-US" dirty="0"/>
-              <a:t>Challenges: Integration challenges include cultural differences, system integration, and retaining key employees.</a:t>
-            </a:r>
-          </a:p>
-          <a:p>
-            <a:r>
-              <a:rPr lang="en-US" dirty="0"/>
-              <a:t>Strategies: Strategies for successful integration include effective communication, retention bonuses, and clear goals.</a:t>
+              <a:t>An IPO is the process of issuing stock to the public to raise capital.</a:t>
+            </a:r>
+          </a:p>
+          <a:p>
+            <a:r>
+              <a:rPr lang="en-US" dirty="0"/>
+              <a:t>Key stakeholders: Underwriters, lawyers, accountants, and the company's management team are typically involved in an IPO.</a:t>
             </a:r>
           </a:p>
         </p:txBody>
@@ -18622,7 +18633,7 @@
     </p:spTree>
     <p:extLst>
       <p:ext uri="{BB962C8B-B14F-4D97-AF65-F5344CB8AC3E}">
-        <p14:creationId xmlns:p14="http://schemas.microsoft.com/office/powerpoint/2010/main" val="4166039905"/>
+        <p14:creationId xmlns:p14="http://schemas.microsoft.com/office/powerpoint/2010/main" val="3687308323"/>
       </p:ext>
     </p:extLst>
   </p:cSld>
@@ -18666,7 +18677,7 @@
           <a:p>
             <a:r>
               <a:rPr lang="en-US" dirty="0"/>
-              <a:t>Going Public - IPO Process</a:t>
+              <a:t>IPO Process</a:t>
             </a:r>
           </a:p>
         </p:txBody>
@@ -18688,13 +18699,19 @@
           <a:p>
             <a:r>
               <a:rPr lang="en-US" dirty="0"/>
-              <a:t>An IPO is the process of issuing stock to the public to raise capital.</a:t>
-            </a:r>
-          </a:p>
-          <a:p>
-            <a:r>
-              <a:rPr lang="en-US" dirty="0"/>
-              <a:t>Key stakeholders: Underwriters, lawyers, accountants, and the company's management team are typically involved in an IPO.</a:t>
+              <a:t>Filing: Filing a registration statement, including financial statements and other information.</a:t>
+            </a:r>
+          </a:p>
+          <a:p>
+            <a:r>
+              <a:rPr lang="en-US" dirty="0"/>
+              <a:t>Roadshow: A presentation by the company's management team to potential investors.</a:t>
+            </a:r>
+          </a:p>
+          <a:p>
+            <a:r>
+              <a:rPr lang="en-US" dirty="0"/>
+              <a:t>Pricing: Determining the IPO price and allocating shares to investors.</a:t>
             </a:r>
           </a:p>
         </p:txBody>
@@ -18726,7 +18743,7 @@
     </p:spTree>
     <p:extLst>
       <p:ext uri="{BB962C8B-B14F-4D97-AF65-F5344CB8AC3E}">
-        <p14:creationId xmlns:p14="http://schemas.microsoft.com/office/powerpoint/2010/main" val="3687308323"/>
+        <p14:creationId xmlns:p14="http://schemas.microsoft.com/office/powerpoint/2010/main" val="4254958988"/>
       </p:ext>
     </p:extLst>
   </p:cSld>
@@ -18770,7 +18787,7 @@
           <a:p>
             <a:r>
               <a:rPr lang="en-US" dirty="0"/>
-              <a:t>IPO Process</a:t>
+              <a:t>IPO Valuation</a:t>
             </a:r>
           </a:p>
         </p:txBody>
@@ -18792,20 +18809,29 @@
           <a:p>
             <a:r>
               <a:rPr lang="en-US" dirty="0"/>
-              <a:t>Filing: Filing a registration statement with the SEC, including financial statements and other information.</a:t>
-            </a:r>
-          </a:p>
-          <a:p>
-            <a:r>
-              <a:rPr lang="en-US" dirty="0"/>
-              <a:t>Roadshow: A presentation by the company's management team to potential investors.</a:t>
-            </a:r>
-          </a:p>
-          <a:p>
-            <a:r>
-              <a:rPr lang="en-US" dirty="0"/>
-              <a:t>Pricing: Determining the IPO price and allocating shares to investors.</a:t>
-            </a:r>
+              <a:t>Methods: Valuation methods include discounted cash flow, comparable company analysis, and precedent transaction analysis.</a:t>
+            </a:r>
+          </a:p>
+          <a:p>
+            <a:r>
+              <a:rPr lang="en-US" dirty="0"/>
+              <a:t>Factors: Factors that can impact valuation include revenue, profitability, market size, and growth potential.</a:t>
+            </a:r>
+          </a:p>
+          <a:p>
+            <a:r>
+              <a:rPr lang="en-US" dirty="0"/>
+              <a:t>Challenges include increased regulatory compliance, public scrutiny, and maintaining growth.</a:t>
+            </a:r>
+          </a:p>
+          <a:p>
+            <a:r>
+              <a:rPr lang="en-US" dirty="0"/>
+              <a:t>Strategies for success include effective communication, investor relations, and continued innovation.</a:t>
+            </a:r>
+          </a:p>
+          <a:p>
+            <a:endParaRPr lang="en-US" dirty="0"/>
           </a:p>
         </p:txBody>
       </p:sp>
@@ -18836,7 +18862,7 @@
     </p:spTree>
     <p:extLst>
       <p:ext uri="{BB962C8B-B14F-4D97-AF65-F5344CB8AC3E}">
-        <p14:creationId xmlns:p14="http://schemas.microsoft.com/office/powerpoint/2010/main" val="4254958988"/>
+        <p14:creationId xmlns:p14="http://schemas.microsoft.com/office/powerpoint/2010/main" val="4086575033"/>
       </p:ext>
     </p:extLst>
   </p:cSld>
@@ -18865,7 +18891,7 @@
       </p:grpSpPr>
       <p:sp>
         <p:nvSpPr>
-          <p:cNvPr id="2" name="Title 1"/>
+          <p:cNvPr id="5" name="Title 4"/>
           <p:cNvSpPr>
             <a:spLocks noGrp="1"/>
           </p:cNvSpPr>
@@ -18880,36 +18906,27 @@
           <a:p>
             <a:r>
               <a:rPr lang="en-US" dirty="0"/>
-              <a:t>IPO Valuation</a:t>
-            </a:r>
-          </a:p>
-        </p:txBody>
-      </p:sp>
-      <p:sp>
-        <p:nvSpPr>
-          <p:cNvPr id="3" name="Content Placeholder 2"/>
-          <p:cNvSpPr>
-            <a:spLocks noGrp="1"/>
-          </p:cNvSpPr>
-          <p:nvPr>
-            <p:ph idx="1"/>
-          </p:nvPr>
-        </p:nvSpPr>
-        <p:spPr/>
-        <p:txBody>
-          <a:bodyPr/>
-          <a:lstStyle/>
-          <a:p>
-            <a:r>
-              <a:rPr lang="en-US" dirty="0"/>
-              <a:t>Methods: Valuation methods include discounted cash flow, comparable company analysis, and precedent transaction analysis.</a:t>
-            </a:r>
-          </a:p>
-          <a:p>
-            <a:r>
-              <a:rPr lang="en-US" dirty="0"/>
-              <a:t>Factors: Factors that can impact valuation include revenue, profitability, market size, and growth potential.</a:t>
-            </a:r>
+              <a:t>Case Studies of Successful Exit Strategies</a:t>
+            </a:r>
+          </a:p>
+        </p:txBody>
+      </p:sp>
+      <p:sp>
+        <p:nvSpPr>
+          <p:cNvPr id="6" name="Text Placeholder 5"/>
+          <p:cNvSpPr>
+            <a:spLocks noGrp="1"/>
+          </p:cNvSpPr>
+          <p:nvPr>
+            <p:ph type="body" idx="1"/>
+          </p:nvPr>
+        </p:nvSpPr>
+        <p:spPr/>
+        <p:txBody>
+          <a:bodyPr/>
+          <a:lstStyle/>
+          <a:p>
+            <a:endParaRPr lang="en-US"/>
           </a:p>
         </p:txBody>
       </p:sp>
@@ -18940,7 +18957,7 @@
     </p:spTree>
     <p:extLst>
       <p:ext uri="{BB962C8B-B14F-4D97-AF65-F5344CB8AC3E}">
-        <p14:creationId xmlns:p14="http://schemas.microsoft.com/office/powerpoint/2010/main" val="4086575033"/>
+        <p14:creationId xmlns:p14="http://schemas.microsoft.com/office/powerpoint/2010/main" val="4125027031"/>
       </p:ext>
     </p:extLst>
   </p:cSld>
@@ -18983,9 +19000,10 @@
           <a:lstStyle/>
           <a:p>
             <a:r>
-              <a:rPr lang="en-US" dirty="0"/>
-              <a:t>Post-IPO Life</a:t>
-            </a:r>
+              <a:rPr lang="en-US" dirty="0" err="1"/>
+              <a:t>Instacart</a:t>
+            </a:r>
+            <a:endParaRPr lang="en-US" dirty="0"/>
           </a:p>
         </p:txBody>
       </p:sp>
@@ -19005,14 +19023,32 @@
           <a:lstStyle/>
           <a:p>
             <a:r>
-              <a:rPr lang="en-US" dirty="0"/>
-              <a:t>Challenges: Challenges include increased regulatory compliance, public scrutiny, and maintaining growth.</a:t>
-            </a:r>
-          </a:p>
-          <a:p>
-            <a:r>
-              <a:rPr lang="en-US" dirty="0"/>
-              <a:t>Strategies: Strategies for success include effective communication, investor relations, and continued innovation.</a:t>
+              <a:rPr lang="en-US" dirty="0" err="1"/>
+              <a:t>Instacart</a:t>
+            </a:r>
+            <a:r>
+              <a:rPr lang="en-US" dirty="0"/>
+              <a:t> is a grocery delivery and pickup service that was founded in 2012.</a:t>
+            </a:r>
+          </a:p>
+          <a:p>
+            <a:r>
+              <a:rPr lang="en-US" dirty="0"/>
+              <a:t>The company quickly gained popularity and expanded its operations to multiple cities across the United States. </a:t>
+            </a:r>
+          </a:p>
+          <a:p>
+            <a:r>
+              <a:rPr lang="en-US" dirty="0"/>
+              <a:t>In 2018, </a:t>
+            </a:r>
+            <a:r>
+              <a:rPr lang="en-US" dirty="0" err="1"/>
+              <a:t>Instacart</a:t>
+            </a:r>
+            <a:r>
+              <a:rPr lang="en-US" dirty="0"/>
+              <a:t> announced that it had raised $700 million in funding, bringing its valuation to $7.6 billion.</a:t>
             </a:r>
           </a:p>
         </p:txBody>
@@ -19036,224 +19072,6 @@
               <a:rPr lang="en-US" smtClean="0"/>
               <a:pPr/>
               <a:t>66</a:t>
-            </a:fld>
-            <a:endParaRPr lang="en-US" dirty="0"/>
-          </a:p>
-        </p:txBody>
-      </p:sp>
-    </p:spTree>
-    <p:extLst>
-      <p:ext uri="{BB962C8B-B14F-4D97-AF65-F5344CB8AC3E}">
-        <p14:creationId xmlns:p14="http://schemas.microsoft.com/office/powerpoint/2010/main" val="1389055377"/>
-      </p:ext>
-    </p:extLst>
-  </p:cSld>
-  <p:clrMapOvr>
-    <a:masterClrMapping/>
-  </p:clrMapOvr>
-</p:sld>
-</file>
-
-<file path=ppt/slides/slide67.xml><?xml version="1.0" encoding="utf-8"?>
-<p:sld xmlns:a="http://schemas.openxmlformats.org/drawingml/2006/main" xmlns:r="http://schemas.openxmlformats.org/officeDocument/2006/relationships" xmlns:p="http://schemas.openxmlformats.org/presentationml/2006/main">
-  <p:cSld>
-    <p:spTree>
-      <p:nvGrpSpPr>
-        <p:cNvPr id="1" name=""/>
-        <p:cNvGrpSpPr/>
-        <p:nvPr/>
-      </p:nvGrpSpPr>
-      <p:grpSpPr>
-        <a:xfrm>
-          <a:off x="0" y="0"/>
-          <a:ext cx="0" cy="0"/>
-          <a:chOff x="0" y="0"/>
-          <a:chExt cx="0" cy="0"/>
-        </a:xfrm>
-      </p:grpSpPr>
-      <p:sp>
-        <p:nvSpPr>
-          <p:cNvPr id="5" name="Title 4"/>
-          <p:cNvSpPr>
-            <a:spLocks noGrp="1"/>
-          </p:cNvSpPr>
-          <p:nvPr>
-            <p:ph type="title"/>
-          </p:nvPr>
-        </p:nvSpPr>
-        <p:spPr/>
-        <p:txBody>
-          <a:bodyPr/>
-          <a:lstStyle/>
-          <a:p>
-            <a:r>
-              <a:rPr lang="en-US" dirty="0"/>
-              <a:t>Case Studies of Successful Exit Strategies</a:t>
-            </a:r>
-          </a:p>
-        </p:txBody>
-      </p:sp>
-      <p:sp>
-        <p:nvSpPr>
-          <p:cNvPr id="6" name="Text Placeholder 5"/>
-          <p:cNvSpPr>
-            <a:spLocks noGrp="1"/>
-          </p:cNvSpPr>
-          <p:nvPr>
-            <p:ph type="body" idx="1"/>
-          </p:nvPr>
-        </p:nvSpPr>
-        <p:spPr/>
-        <p:txBody>
-          <a:bodyPr/>
-          <a:lstStyle/>
-          <a:p>
-            <a:endParaRPr lang="en-US"/>
-          </a:p>
-        </p:txBody>
-      </p:sp>
-      <p:sp>
-        <p:nvSpPr>
-          <p:cNvPr id="4" name="Slide Number Placeholder 3"/>
-          <p:cNvSpPr>
-            <a:spLocks noGrp="1"/>
-          </p:cNvSpPr>
-          <p:nvPr>
-            <p:ph type="sldNum" sz="quarter" idx="12"/>
-          </p:nvPr>
-        </p:nvSpPr>
-        <p:spPr/>
-        <p:txBody>
-          <a:bodyPr/>
-          <a:lstStyle/>
-          <a:p>
-            <a:fld id="{B8DACC02-A2BD-4578-8E03-6D891060A695}" type="slidenum">
-              <a:rPr lang="en-US" smtClean="0"/>
-              <a:pPr/>
-              <a:t>67</a:t>
-            </a:fld>
-            <a:endParaRPr lang="en-US" dirty="0"/>
-          </a:p>
-        </p:txBody>
-      </p:sp>
-    </p:spTree>
-    <p:extLst>
-      <p:ext uri="{BB962C8B-B14F-4D97-AF65-F5344CB8AC3E}">
-        <p14:creationId xmlns:p14="http://schemas.microsoft.com/office/powerpoint/2010/main" val="4125027031"/>
-      </p:ext>
-    </p:extLst>
-  </p:cSld>
-  <p:clrMapOvr>
-    <a:masterClrMapping/>
-  </p:clrMapOvr>
-</p:sld>
-</file>
-
-<file path=ppt/slides/slide68.xml><?xml version="1.0" encoding="utf-8"?>
-<p:sld xmlns:a="http://schemas.openxmlformats.org/drawingml/2006/main" xmlns:r="http://schemas.openxmlformats.org/officeDocument/2006/relationships" xmlns:p="http://schemas.openxmlformats.org/presentationml/2006/main">
-  <p:cSld>
-    <p:spTree>
-      <p:nvGrpSpPr>
-        <p:cNvPr id="1" name=""/>
-        <p:cNvGrpSpPr/>
-        <p:nvPr/>
-      </p:nvGrpSpPr>
-      <p:grpSpPr>
-        <a:xfrm>
-          <a:off x="0" y="0"/>
-          <a:ext cx="0" cy="0"/>
-          <a:chOff x="0" y="0"/>
-          <a:chExt cx="0" cy="0"/>
-        </a:xfrm>
-      </p:grpSpPr>
-      <p:sp>
-        <p:nvSpPr>
-          <p:cNvPr id="2" name="Title 1"/>
-          <p:cNvSpPr>
-            <a:spLocks noGrp="1"/>
-          </p:cNvSpPr>
-          <p:nvPr>
-            <p:ph type="title"/>
-          </p:nvPr>
-        </p:nvSpPr>
-        <p:spPr/>
-        <p:txBody>
-          <a:bodyPr/>
-          <a:lstStyle/>
-          <a:p>
-            <a:r>
-              <a:rPr lang="en-US" dirty="0" err="1"/>
-              <a:t>Instacart</a:t>
-            </a:r>
-            <a:endParaRPr lang="en-US" dirty="0"/>
-          </a:p>
-        </p:txBody>
-      </p:sp>
-      <p:sp>
-        <p:nvSpPr>
-          <p:cNvPr id="3" name="Content Placeholder 2"/>
-          <p:cNvSpPr>
-            <a:spLocks noGrp="1"/>
-          </p:cNvSpPr>
-          <p:nvPr>
-            <p:ph idx="1"/>
-          </p:nvPr>
-        </p:nvSpPr>
-        <p:spPr/>
-        <p:txBody>
-          <a:bodyPr/>
-          <a:lstStyle/>
-          <a:p>
-            <a:r>
-              <a:rPr lang="en-US" dirty="0" err="1"/>
-              <a:t>Instacart</a:t>
-            </a:r>
-            <a:r>
-              <a:rPr lang="en-US" dirty="0"/>
-              <a:t> is a grocery delivery and pickup service that was founded in 2012.</a:t>
-            </a:r>
-          </a:p>
-          <a:p>
-            <a:r>
-              <a:rPr lang="en-US" dirty="0"/>
-              <a:t>The company quickly gained popularity and expanded its operations to multiple cities across the United States. </a:t>
-            </a:r>
-          </a:p>
-          <a:p>
-            <a:r>
-              <a:rPr lang="en-US" dirty="0"/>
-              <a:t>In 2018, </a:t>
-            </a:r>
-            <a:r>
-              <a:rPr lang="en-US" dirty="0" err="1"/>
-              <a:t>Instacart</a:t>
-            </a:r>
-            <a:r>
-              <a:rPr lang="en-US" dirty="0"/>
-              <a:t> announced that it had raised $700 million in funding, bringing its valuation to $7.6 billion.</a:t>
-            </a:r>
-          </a:p>
-        </p:txBody>
-      </p:sp>
-      <p:sp>
-        <p:nvSpPr>
-          <p:cNvPr id="4" name="Slide Number Placeholder 3"/>
-          <p:cNvSpPr>
-            <a:spLocks noGrp="1"/>
-          </p:cNvSpPr>
-          <p:nvPr>
-            <p:ph type="sldNum" sz="quarter" idx="12"/>
-          </p:nvPr>
-        </p:nvSpPr>
-        <p:spPr/>
-        <p:txBody>
-          <a:bodyPr/>
-          <a:lstStyle/>
-          <a:p>
-            <a:fld id="{B8DACC02-A2BD-4578-8E03-6D891060A695}" type="slidenum">
-              <a:rPr lang="en-US" smtClean="0"/>
-              <a:pPr/>
-              <a:t>68</a:t>
             </a:fld>
             <a:endParaRPr lang="en-US" dirty="0"/>
           </a:p>
@@ -19311,7 +19129,7 @@
 </p:sld>
 </file>
 
-<file path=ppt/slides/slide69.xml><?xml version="1.0" encoding="utf-8"?>
+<file path=ppt/slides/slide67.xml><?xml version="1.0" encoding="utf-8"?>
 <p:sld xmlns:a="http://schemas.openxmlformats.org/drawingml/2006/main" xmlns:r="http://schemas.openxmlformats.org/officeDocument/2006/relationships" xmlns:p="http://schemas.openxmlformats.org/presentationml/2006/main">
   <p:cSld>
     <p:spTree>
@@ -19405,7 +19223,7 @@
             <a:fld id="{B8DACC02-A2BD-4578-8E03-6D891060A695}" type="slidenum">
               <a:rPr lang="en-US" smtClean="0"/>
               <a:pPr/>
-              <a:t>69</a:t>
+              <a:t>67</a:t>
             </a:fld>
             <a:endParaRPr lang="en-US" dirty="0"/>
           </a:p>
@@ -19463,6 +19281,281 @@
 </p:sld>
 </file>
 
+<file path=ppt/slides/slide68.xml><?xml version="1.0" encoding="utf-8"?>
+<p:sld xmlns:a="http://schemas.openxmlformats.org/drawingml/2006/main" xmlns:r="http://schemas.openxmlformats.org/officeDocument/2006/relationships" xmlns:p="http://schemas.openxmlformats.org/presentationml/2006/main">
+  <p:cSld>
+    <p:spTree>
+      <p:nvGrpSpPr>
+        <p:cNvPr id="1" name=""/>
+        <p:cNvGrpSpPr/>
+        <p:nvPr/>
+      </p:nvGrpSpPr>
+      <p:grpSpPr>
+        <a:xfrm>
+          <a:off x="0" y="0"/>
+          <a:ext cx="0" cy="0"/>
+          <a:chOff x="0" y="0"/>
+          <a:chExt cx="0" cy="0"/>
+        </a:xfrm>
+      </p:grpSpPr>
+      <p:sp>
+        <p:nvSpPr>
+          <p:cNvPr id="2" name="Title 1"/>
+          <p:cNvSpPr>
+            <a:spLocks noGrp="1"/>
+          </p:cNvSpPr>
+          <p:nvPr>
+            <p:ph type="title"/>
+          </p:nvPr>
+        </p:nvSpPr>
+        <p:spPr/>
+        <p:txBody>
+          <a:bodyPr/>
+          <a:lstStyle/>
+          <a:p>
+            <a:r>
+              <a:rPr lang="en-US" dirty="0"/>
+              <a:t>Exit Strategy</a:t>
+            </a:r>
+          </a:p>
+        </p:txBody>
+      </p:sp>
+      <p:sp>
+        <p:nvSpPr>
+          <p:cNvPr id="3" name="Content Placeholder 2"/>
+          <p:cNvSpPr>
+            <a:spLocks noGrp="1"/>
+          </p:cNvSpPr>
+          <p:nvPr>
+            <p:ph idx="1"/>
+          </p:nvPr>
+        </p:nvSpPr>
+        <p:spPr/>
+        <p:txBody>
+          <a:bodyPr/>
+          <a:lstStyle/>
+          <a:p>
+            <a:r>
+              <a:rPr lang="en-US" dirty="0" err="1"/>
+              <a:t>Instacart's</a:t>
+            </a:r>
+            <a:r>
+              <a:rPr lang="en-US" dirty="0"/>
+              <a:t> leadership team decided to pursue a strategic acquisition by a larger company. </a:t>
+            </a:r>
+          </a:p>
+          <a:p>
+            <a:r>
+              <a:rPr lang="en-US" dirty="0"/>
+              <a:t>They identified several potential buyers, including retailers and technology companies, and began negotiations.</a:t>
+            </a:r>
+          </a:p>
+          <a:p>
+            <a:r>
+              <a:rPr lang="en-US" dirty="0"/>
+              <a:t>In November 2020, </a:t>
+            </a:r>
+            <a:r>
+              <a:rPr lang="en-US" dirty="0" err="1"/>
+              <a:t>Instacart</a:t>
+            </a:r>
+            <a:r>
+              <a:rPr lang="en-US" dirty="0"/>
+              <a:t> announced that it had agreed to be acquired by Walmart, the world's largest retailer, for $1.5 billion. </a:t>
+            </a:r>
+          </a:p>
+          <a:p>
+            <a:r>
+              <a:rPr lang="en-US" dirty="0"/>
+              <a:t>The acquisition allowed </a:t>
+            </a:r>
+            <a:r>
+              <a:rPr lang="en-US" dirty="0" err="1"/>
+              <a:t>Instacart</a:t>
+            </a:r>
+            <a:r>
+              <a:rPr lang="en-US" dirty="0"/>
+              <a:t> to expand its operations and reach a wider customer base, while also providing a return on investment for its shareholders.</a:t>
+            </a:r>
+          </a:p>
+        </p:txBody>
+      </p:sp>
+      <p:sp>
+        <p:nvSpPr>
+          <p:cNvPr id="4" name="Slide Number Placeholder 3"/>
+          <p:cNvSpPr>
+            <a:spLocks noGrp="1"/>
+          </p:cNvSpPr>
+          <p:nvPr>
+            <p:ph type="sldNum" sz="quarter" idx="12"/>
+          </p:nvPr>
+        </p:nvSpPr>
+        <p:spPr/>
+        <p:txBody>
+          <a:bodyPr/>
+          <a:lstStyle/>
+          <a:p>
+            <a:fld id="{B8DACC02-A2BD-4578-8E03-6D891060A695}" type="slidenum">
+              <a:rPr lang="en-US" smtClean="0"/>
+              <a:pPr/>
+              <a:t>68</a:t>
+            </a:fld>
+            <a:endParaRPr lang="en-US" dirty="0"/>
+          </a:p>
+        </p:txBody>
+      </p:sp>
+    </p:spTree>
+    <p:extLst>
+      <p:ext uri="{BB962C8B-B14F-4D97-AF65-F5344CB8AC3E}">
+        <p14:creationId xmlns:p14="http://schemas.microsoft.com/office/powerpoint/2010/main" val="970380384"/>
+      </p:ext>
+    </p:extLst>
+  </p:cSld>
+  <p:clrMapOvr>
+    <a:masterClrMapping/>
+  </p:clrMapOvr>
+</p:sld>
+</file>
+
+<file path=ppt/slides/slide69.xml><?xml version="1.0" encoding="utf-8"?>
+<p:sld xmlns:a="http://schemas.openxmlformats.org/drawingml/2006/main" xmlns:r="http://schemas.openxmlformats.org/officeDocument/2006/relationships" xmlns:p="http://schemas.openxmlformats.org/presentationml/2006/main">
+  <p:cSld>
+    <p:spTree>
+      <p:nvGrpSpPr>
+        <p:cNvPr id="1" name=""/>
+        <p:cNvGrpSpPr/>
+        <p:nvPr/>
+      </p:nvGrpSpPr>
+      <p:grpSpPr>
+        <a:xfrm>
+          <a:off x="0" y="0"/>
+          <a:ext cx="0" cy="0"/>
+          <a:chOff x="0" y="0"/>
+          <a:chExt cx="0" cy="0"/>
+        </a:xfrm>
+      </p:grpSpPr>
+      <p:sp>
+        <p:nvSpPr>
+          <p:cNvPr id="2" name="Title 1"/>
+          <p:cNvSpPr>
+            <a:spLocks noGrp="1"/>
+          </p:cNvSpPr>
+          <p:nvPr>
+            <p:ph type="title"/>
+          </p:nvPr>
+        </p:nvSpPr>
+        <p:spPr/>
+        <p:txBody>
+          <a:bodyPr/>
+          <a:lstStyle/>
+          <a:p>
+            <a:r>
+              <a:rPr lang="en-US" dirty="0"/>
+              <a:t>Rationale</a:t>
+            </a:r>
+          </a:p>
+        </p:txBody>
+      </p:sp>
+      <p:sp>
+        <p:nvSpPr>
+          <p:cNvPr id="3" name="Content Placeholder 2"/>
+          <p:cNvSpPr>
+            <a:spLocks noGrp="1"/>
+          </p:cNvSpPr>
+          <p:nvPr>
+            <p:ph idx="1"/>
+          </p:nvPr>
+        </p:nvSpPr>
+        <p:spPr/>
+        <p:txBody>
+          <a:bodyPr/>
+          <a:lstStyle/>
+          <a:p>
+            <a:r>
+              <a:rPr lang="en-US" dirty="0" err="1"/>
+              <a:t>Instacart's</a:t>
+            </a:r>
+            <a:r>
+              <a:rPr lang="en-US" dirty="0"/>
+              <a:t> decision to pursue an exit strategy was motivated by several factors. </a:t>
+            </a:r>
+          </a:p>
+          <a:p>
+            <a:pPr lvl="1"/>
+            <a:r>
+              <a:rPr lang="en-US" dirty="0"/>
+              <a:t>Facing increasing competition from other grocery delivery services, such as </a:t>
+            </a:r>
+            <a:r>
+              <a:rPr lang="en-US" dirty="0" err="1"/>
+              <a:t>AmazonFresh</a:t>
+            </a:r>
+            <a:r>
+              <a:rPr lang="en-US" dirty="0"/>
+              <a:t> and </a:t>
+            </a:r>
+            <a:r>
+              <a:rPr lang="en-US" dirty="0" err="1"/>
+              <a:t>Shipt</a:t>
+            </a:r>
+            <a:r>
+              <a:rPr lang="en-US" dirty="0"/>
+              <a:t>, which were offering similar services and gaining market share. </a:t>
+            </a:r>
+          </a:p>
+          <a:p>
+            <a:pPr lvl="1"/>
+            <a:r>
+              <a:rPr lang="en-US" dirty="0"/>
+              <a:t>Operational costs were high, and the company was struggling to achieve profitability. </a:t>
+            </a:r>
+          </a:p>
+          <a:p>
+            <a:pPr lvl="1"/>
+            <a:r>
+              <a:rPr lang="en-US" dirty="0"/>
+              <a:t>Sales were declining, which made it difficult to sustain its growth and expansion plans.</a:t>
+            </a:r>
+          </a:p>
+        </p:txBody>
+      </p:sp>
+      <p:sp>
+        <p:nvSpPr>
+          <p:cNvPr id="4" name="Slide Number Placeholder 3"/>
+          <p:cNvSpPr>
+            <a:spLocks noGrp="1"/>
+          </p:cNvSpPr>
+          <p:nvPr>
+            <p:ph type="sldNum" sz="quarter" idx="12"/>
+          </p:nvPr>
+        </p:nvSpPr>
+        <p:spPr/>
+        <p:txBody>
+          <a:bodyPr/>
+          <a:lstStyle/>
+          <a:p>
+            <a:fld id="{B8DACC02-A2BD-4578-8E03-6D891060A695}" type="slidenum">
+              <a:rPr lang="en-US" smtClean="0"/>
+              <a:pPr/>
+              <a:t>69</a:t>
+            </a:fld>
+            <a:endParaRPr lang="en-US" dirty="0"/>
+          </a:p>
+        </p:txBody>
+      </p:sp>
+    </p:spTree>
+    <p:extLst>
+      <p:ext uri="{BB962C8B-B14F-4D97-AF65-F5344CB8AC3E}">
+        <p14:creationId xmlns:p14="http://schemas.microsoft.com/office/powerpoint/2010/main" val="540834708"/>
+      </p:ext>
+    </p:extLst>
+  </p:cSld>
+  <p:clrMapOvr>
+    <a:masterClrMapping/>
+  </p:clrMapOvr>
+</p:sld>
+</file>
+
 <file path=ppt/slides/slide7.xml><?xml version="1.0" encoding="utf-8"?>
 <p:sld xmlns:a="http://schemas.openxmlformats.org/drawingml/2006/main" xmlns:r="http://schemas.openxmlformats.org/officeDocument/2006/relationships" xmlns:p="http://schemas.openxmlformats.org/presentationml/2006/main">
   <p:cSld>
@@ -19658,7 +19751,7 @@
           <a:p>
             <a:r>
               <a:rPr lang="en-US" dirty="0"/>
-              <a:t>Exit Strategy</a:t>
+              <a:t>Rationale</a:t>
             </a:r>
           </a:p>
         </p:txBody>
@@ -19679,24 +19772,8 @@
           <a:lstStyle/>
           <a:p>
             <a:r>
-              <a:rPr lang="en-US" dirty="0" err="1"/>
-              <a:t>Instacart's</a:t>
-            </a:r>
-            <a:r>
-              <a:rPr lang="en-US" dirty="0"/>
-              <a:t> leadership team decided to pursue a strategic acquisition by a larger company. </a:t>
-            </a:r>
-          </a:p>
-          <a:p>
-            <a:r>
-              <a:rPr lang="en-US" dirty="0"/>
-              <a:t>They identified several potential buyers, including retailers and technology companies, and began negotiations.</a:t>
-            </a:r>
-          </a:p>
-          <a:p>
-            <a:r>
-              <a:rPr lang="en-US" dirty="0"/>
-              <a:t>In November 2020, </a:t>
+              <a:rPr lang="en-US" dirty="0"/>
+              <a:t>By pursuing an exit strategy, </a:t>
             </a:r>
             <a:r>
               <a:rPr lang="en-US" dirty="0" err="1"/>
@@ -19704,21 +19781,28 @@
             </a:r>
             <a:r>
               <a:rPr lang="en-US" dirty="0"/>
-              <a:t> announced that it had agreed to be acquired by Walmart, the world's largest retailer, for $1.5 billion. </a:t>
-            </a:r>
-          </a:p>
-          <a:p>
-            <a:r>
-              <a:rPr lang="en-US" dirty="0"/>
-              <a:t>The acquisition allowed </a:t>
-            </a:r>
-            <a:r>
-              <a:rPr lang="en-US" dirty="0" err="1"/>
-              <a:t>Instacart</a:t>
-            </a:r>
-            <a:r>
-              <a:rPr lang="en-US" dirty="0"/>
-              <a:t> to expand its operations and reach a wider customer base, while also providing a return on investment for its shareholders.</a:t>
+              <a:t> was able to achieve several objectives. </a:t>
+            </a:r>
+          </a:p>
+          <a:p>
+            <a:pPr lvl="1"/>
+            <a:r>
+              <a:rPr lang="en-US" dirty="0"/>
+              <a:t>The acquisition by Walmart provided a return on investment for the company's shareholders, who had invested over $1.8 billion in the company since its founding. </a:t>
+            </a:r>
+          </a:p>
+          <a:p>
+            <a:pPr lvl="1"/>
+            <a:r>
+              <a:rPr lang="en-US" dirty="0"/>
+              <a:t>Allowed Instacart to expand its operations and reach a wider customer base, which would have been difficult to achieve on its own. </a:t>
+            </a:r>
+          </a:p>
+          <a:p>
+            <a:pPr lvl="1"/>
+            <a:r>
+              <a:rPr lang="en-US" dirty="0"/>
+              <a:t>Provided a strategic partnership with a larger company that could help Instacart navigate the challenges of the grocery delivery market.</a:t>
             </a:r>
           </a:p>
         </p:txBody>
@@ -19750,7 +19834,7 @@
     </p:spTree>
     <p:extLst>
       <p:ext uri="{BB962C8B-B14F-4D97-AF65-F5344CB8AC3E}">
-        <p14:creationId xmlns:p14="http://schemas.microsoft.com/office/powerpoint/2010/main" val="970380384"/>
+        <p14:creationId xmlns:p14="http://schemas.microsoft.com/office/powerpoint/2010/main" val="1051949109"/>
       </p:ext>
     </p:extLst>
   </p:cSld>
@@ -19794,7 +19878,7 @@
           <a:p>
             <a:r>
               <a:rPr lang="en-US" dirty="0"/>
-              <a:t>Rationale</a:t>
+              <a:t>Conclusion</a:t>
             </a:r>
           </a:p>
         </p:txBody>
@@ -19820,48 +19904,27 @@
             </a:r>
             <a:r>
               <a:rPr lang="en-US" dirty="0"/>
-              <a:t> decision to pursue an exit strategy was motivated by several factors. </a:t>
-            </a:r>
-          </a:p>
-          <a:p>
-            <a:pPr lvl="1"/>
-            <a:r>
-              <a:rPr lang="en-US" dirty="0"/>
-              <a:t>The company was facing increasing competition from other grocery delivery services, such as </a:t>
+              <a:t> use of an exit strategy is a prime example of how a tech startup can use this tactics to achieve its objectives. </a:t>
+            </a:r>
+          </a:p>
+          <a:p>
+            <a:r>
+              <a:rPr lang="en-US" dirty="0"/>
+              <a:t>By identifying potential buyers and negotiating a strategic acquisition, </a:t>
             </a:r>
             <a:r>
               <a:rPr lang="en-US" dirty="0" err="1"/>
-              <a:t>AmazonFresh</a:t>
-            </a:r>
-            <a:r>
-              <a:rPr lang="en-US" dirty="0"/>
-              <a:t> and </a:t>
-            </a:r>
-            <a:r>
-              <a:rPr lang="en-US" dirty="0" err="1"/>
-              <a:t>Shipt</a:t>
-            </a:r>
-            <a:r>
-              <a:rPr lang="en-US" dirty="0"/>
-              <a:t>, which were offering similar services and gaining market share. </a:t>
-            </a:r>
-          </a:p>
-          <a:p>
-            <a:pPr lvl="1"/>
-            <a:r>
-              <a:rPr lang="en-US" dirty="0" err="1"/>
-              <a:t>Instacart's</a:t>
-            </a:r>
-            <a:r>
-              <a:rPr lang="en-US" dirty="0"/>
-              <a:t> operational costs were high, and the company was struggling to achieve profitability. </a:t>
-            </a:r>
-          </a:p>
-          <a:p>
-            <a:pPr lvl="1"/>
-            <a:r>
-              <a:rPr lang="en-US" dirty="0"/>
-              <a:t>The company's sales were declining, which made it difficult to sustain its growth and expansion plans.</a:t>
+              <a:t>Instacart</a:t>
+            </a:r>
+            <a:r>
+              <a:rPr lang="en-US" dirty="0"/>
+              <a:t> was able to provide a return on investment for its shareholders, expand its operations, and achieve a strategic partnership with a larger company. </a:t>
+            </a:r>
+          </a:p>
+          <a:p>
+            <a:r>
+              <a:rPr lang="en-US" dirty="0"/>
+              <a:t>This case study highlights the importance of considering an exit strategy as a viable option for tech startups looking to achieve their long-term goals.</a:t>
             </a:r>
           </a:p>
         </p:txBody>
@@ -19893,7 +19956,7 @@
     </p:spTree>
     <p:extLst>
       <p:ext uri="{BB962C8B-B14F-4D97-AF65-F5344CB8AC3E}">
-        <p14:creationId xmlns:p14="http://schemas.microsoft.com/office/powerpoint/2010/main" val="540834708"/>
+        <p14:creationId xmlns:p14="http://schemas.microsoft.com/office/powerpoint/2010/main" val="2318988292"/>
       </p:ext>
     </p:extLst>
   </p:cSld>
@@ -19937,7 +20000,7 @@
           <a:p>
             <a:r>
               <a:rPr lang="en-US" dirty="0"/>
-              <a:t>Rationale</a:t>
+              <a:t>Souq.com</a:t>
             </a:r>
           </a:p>
         </p:txBody>
@@ -19959,52 +20022,19 @@
           <a:p>
             <a:r>
               <a:rPr lang="en-US" dirty="0"/>
-              <a:t>By pursuing an exit strategy, </a:t>
-            </a:r>
-            <a:r>
-              <a:rPr lang="en-US" dirty="0" err="1"/>
-              <a:t>Instacart</a:t>
-            </a:r>
-            <a:r>
-              <a:rPr lang="en-US" dirty="0"/>
-              <a:t> was able to achieve several objectives. </a:t>
-            </a:r>
-          </a:p>
-          <a:p>
-            <a:pPr lvl="1"/>
-            <a:r>
-              <a:rPr lang="en-US" dirty="0"/>
-              <a:t>The acquisition by Walmart provided a return on investment for the company's shareholders, who had invested over $1.8 billion in the company since its founding. </a:t>
-            </a:r>
-          </a:p>
-          <a:p>
-            <a:pPr lvl="1"/>
-            <a:r>
-              <a:rPr lang="en-US" dirty="0"/>
-              <a:t>The acquisition allowed </a:t>
-            </a:r>
-            <a:r>
-              <a:rPr lang="en-US" dirty="0" err="1"/>
-              <a:t>Instacart</a:t>
-            </a:r>
-            <a:r>
-              <a:rPr lang="en-US" dirty="0"/>
-              <a:t> to expand its operations and reach a wider customer base, which would have been difficult to achieve on its own. </a:t>
-            </a:r>
-          </a:p>
-          <a:p>
-            <a:pPr lvl="1"/>
-            <a:r>
-              <a:rPr lang="en-US" dirty="0"/>
-              <a:t>The acquisition provided a strategic partnership with a larger company that could help </a:t>
-            </a:r>
-            <a:r>
-              <a:rPr lang="en-US" dirty="0" err="1"/>
-              <a:t>Instacart</a:t>
-            </a:r>
-            <a:r>
-              <a:rPr lang="en-US" dirty="0"/>
-              <a:t> navigate the challenges of the grocery delivery market.</a:t>
+              <a:t>Souq.com was a Dubai-based e-commerce platform that was founded in 2005. </a:t>
+            </a:r>
+          </a:p>
+          <a:p>
+            <a:r>
+              <a:rPr lang="en-US" dirty="0"/>
+              <a:t>The company quickly grew to become one of the largest e-commerce platforms in the Middle East and North Africa, with millions of customers and thousands of sellers on its platform. </a:t>
+            </a:r>
+          </a:p>
+          <a:p>
+            <a:r>
+              <a:rPr lang="en-US" dirty="0"/>
+              <a:t>In 2017, Souq.com was acquired by Amazon for $580 million, marking one of the largest tech acquisitions in the region's history.</a:t>
             </a:r>
           </a:p>
         </p:txBody>
@@ -20036,7 +20066,7 @@
     </p:spTree>
     <p:extLst>
       <p:ext uri="{BB962C8B-B14F-4D97-AF65-F5344CB8AC3E}">
-        <p14:creationId xmlns:p14="http://schemas.microsoft.com/office/powerpoint/2010/main" val="1051949109"/>
+        <p14:creationId xmlns:p14="http://schemas.microsoft.com/office/powerpoint/2010/main" val="3607465782"/>
       </p:ext>
     </p:extLst>
   </p:cSld>
@@ -20080,7 +20110,7 @@
           <a:p>
             <a:r>
               <a:rPr lang="en-US" dirty="0"/>
-              <a:t>Conclusion</a:t>
+              <a:t>Exit Strategy: Acquisition by Amazon</a:t>
             </a:r>
           </a:p>
         </p:txBody>
@@ -20102,31 +20132,23 @@
           <a:p>
             <a:r>
               <a:rPr lang="en-US" dirty="0" err="1"/>
-              <a:t>Instacart's</a:t>
-            </a:r>
-            <a:r>
-              <a:rPr lang="en-US" dirty="0"/>
-              <a:t> use of an exit strategy is a prime example of how a tech startup can use this tactics to achieve its objectives. </a:t>
-            </a:r>
-          </a:p>
-          <a:p>
-            <a:r>
-              <a:rPr lang="en-US" dirty="0"/>
-              <a:t>By identifying potential buyers and negotiating a strategic acquisition, </a:t>
-            </a:r>
-            <a:r>
-              <a:rPr lang="en-US" dirty="0" err="1"/>
-              <a:t>Instacart</a:t>
-            </a:r>
-            <a:r>
-              <a:rPr lang="en-US" dirty="0"/>
-              <a:t> was able to provide a return on investment for its shareholders, expand its operations, and achieve a strategic partnership with a larger company. </a:t>
-            </a:r>
-          </a:p>
-          <a:p>
-            <a:r>
-              <a:rPr lang="en-US" dirty="0"/>
-              <a:t>This case study highlights the importance of considering an exit strategy as a viable option for tech startups looking to achieve their long-term goals.</a:t>
+              <a:t>Souq.com's</a:t>
+            </a:r>
+            <a:r>
+              <a:rPr lang="en-US" dirty="0"/>
+              <a:t> exit strategy was to be acquired by a larger company, and Amazon was the perfect suitor. </a:t>
+            </a:r>
+          </a:p>
+          <a:p>
+            <a:r>
+              <a:rPr lang="en-US" dirty="0"/>
+              <a:t>Amazon had been looking to expand its presence in the Middle East and North Africa, and the acquisition of Souq.com provided the company with a ready-made platform and customer base. </a:t>
+            </a:r>
+          </a:p>
+          <a:p>
+            <a:r>
+              <a:rPr lang="en-US" dirty="0"/>
+              <a:t>For Souq.com, the acquisition provided an opportunity to tap into Amazon's vast resources and expertise, as well as access to a global customer base.</a:t>
             </a:r>
           </a:p>
         </p:txBody>
@@ -20158,7 +20180,7 @@
     </p:spTree>
     <p:extLst>
       <p:ext uri="{BB962C8B-B14F-4D97-AF65-F5344CB8AC3E}">
-        <p14:creationId xmlns:p14="http://schemas.microsoft.com/office/powerpoint/2010/main" val="2318988292"/>
+        <p14:creationId xmlns:p14="http://schemas.microsoft.com/office/powerpoint/2010/main" val="3750967908"/>
       </p:ext>
     </p:extLst>
   </p:cSld>
@@ -20202,7 +20224,7 @@
           <a:p>
             <a:r>
               <a:rPr lang="en-US" dirty="0"/>
-              <a:t>Souq.com</a:t>
+              <a:t>Factors Leading to the Successful Exit</a:t>
             </a:r>
           </a:p>
         </p:txBody>
@@ -20219,24 +20241,77 @@
         </p:nvSpPr>
         <p:spPr/>
         <p:txBody>
-          <a:bodyPr/>
-          <a:lstStyle/>
-          <a:p>
-            <a:r>
-              <a:rPr lang="en-US" dirty="0"/>
-              <a:t>Souq.com was a Dubai-based e-commerce platform that was founded in 2005. </a:t>
-            </a:r>
-          </a:p>
-          <a:p>
-            <a:r>
-              <a:rPr lang="en-US" dirty="0"/>
-              <a:t>The company quickly grew to become one of the largest e-commerce platforms in the Middle East and North Africa, with millions of customers and thousands of sellers on its platform. </a:t>
-            </a:r>
-          </a:p>
-          <a:p>
-            <a:r>
-              <a:rPr lang="en-US" dirty="0"/>
-              <a:t>In 2017, Souq.com was acquired by Amazon for $580 million, marking one of the largest tech acquisitions in the region's history.</a:t>
+          <a:bodyPr>
+            <a:normAutofit/>
+          </a:bodyPr>
+          <a:lstStyle/>
+          <a:p>
+            <a:r>
+              <a:rPr lang="en-US" dirty="0"/>
+              <a:t>Several factors contributed to </a:t>
+            </a:r>
+            <a:r>
+              <a:rPr lang="en-US" dirty="0" err="1"/>
+              <a:t>Souq.com's</a:t>
+            </a:r>
+            <a:r>
+              <a:rPr lang="en-US" dirty="0"/>
+              <a:t> successful exit:</a:t>
+            </a:r>
+          </a:p>
+          <a:p>
+            <a:pPr lvl="1">
+              <a:lnSpc>
+                <a:spcPct val="150000"/>
+              </a:lnSpc>
+            </a:pPr>
+            <a:r>
+              <a:rPr lang="en-US" dirty="0"/>
+              <a:t>Strong Market Position</a:t>
+            </a:r>
+          </a:p>
+          <a:p>
+            <a:pPr lvl="1">
+              <a:lnSpc>
+                <a:spcPct val="150000"/>
+              </a:lnSpc>
+            </a:pPr>
+            <a:r>
+              <a:rPr lang="en-US" dirty="0"/>
+              <a:t>Innovative Business Model</a:t>
+            </a:r>
+          </a:p>
+          <a:p>
+            <a:pPr lvl="1">
+              <a:lnSpc>
+                <a:spcPct val="150000"/>
+              </a:lnSpc>
+            </a:pPr>
+            <a:r>
+              <a:rPr lang="en-US" dirty="0"/>
+              <a:t>Strong Financials</a:t>
+            </a:r>
+          </a:p>
+          <a:p>
+            <a:pPr lvl="1">
+              <a:lnSpc>
+                <a:spcPct val="150000"/>
+              </a:lnSpc>
+            </a:pPr>
+            <a:r>
+              <a:rPr lang="en-US" dirty="0"/>
+              <a:t>Strategic Partnerships</a:t>
+            </a:r>
+          </a:p>
+          <a:p>
+            <a:pPr lvl="1">
+              <a:lnSpc>
+                <a:spcPct val="150000"/>
+              </a:lnSpc>
+            </a:pPr>
+            <a:r>
+              <a:rPr lang="en-US" dirty="0"/>
+              <a:t>Talented Team</a:t>
             </a:r>
           </a:p>
         </p:txBody>
@@ -20268,7 +20343,7 @@
     </p:spTree>
     <p:extLst>
       <p:ext uri="{BB962C8B-B14F-4D97-AF65-F5344CB8AC3E}">
-        <p14:creationId xmlns:p14="http://schemas.microsoft.com/office/powerpoint/2010/main" val="3607465782"/>
+        <p14:creationId xmlns:p14="http://schemas.microsoft.com/office/powerpoint/2010/main" val="1104761704"/>
       </p:ext>
     </p:extLst>
   </p:cSld>
@@ -20312,7 +20387,7 @@
           <a:p>
             <a:r>
               <a:rPr lang="en-US" dirty="0"/>
-              <a:t>Exit Strategy: Acquisition by Amazon</a:t>
+              <a:t>Lessons Learned</a:t>
             </a:r>
           </a:p>
         </p:txBody>
@@ -20329,7 +20404,9 @@
         </p:nvSpPr>
         <p:spPr/>
         <p:txBody>
-          <a:bodyPr/>
+          <a:bodyPr>
+            <a:normAutofit/>
+          </a:bodyPr>
           <a:lstStyle/>
           <a:p>
             <a:r>
@@ -20338,19 +20415,62 @@
             </a:r>
             <a:r>
               <a:rPr lang="en-US" dirty="0"/>
-              <a:t> exit strategy was to be acquired by a larger company, and Amazon was the perfect suitor. </a:t>
-            </a:r>
-          </a:p>
-          <a:p>
-            <a:r>
-              <a:rPr lang="en-US" dirty="0"/>
-              <a:t>Amazon had been looking to expand its presence in the Middle East and North Africa, and the acquisition of Souq.com provided the company with a ready-made platform and customer base. </a:t>
-            </a:r>
-          </a:p>
-          <a:p>
-            <a:r>
-              <a:rPr lang="en-US" dirty="0"/>
-              <a:t>For Souq.com, the acquisition provided an opportunity to tap into Amazon's vast resources and expertise, as well as access to a global customer base.</a:t>
+              <a:t> successful exit provides several lessons for tech startups looking to follow a similar path:</a:t>
+            </a:r>
+          </a:p>
+          <a:p>
+            <a:pPr lvl="1">
+              <a:lnSpc>
+                <a:spcPct val="150000"/>
+              </a:lnSpc>
+            </a:pPr>
+            <a:r>
+              <a:rPr lang="en-US" dirty="0"/>
+              <a:t>Focus on Building a Strong Brand</a:t>
+            </a:r>
+          </a:p>
+          <a:p>
+            <a:pPr lvl="1">
+              <a:lnSpc>
+                <a:spcPct val="150000"/>
+              </a:lnSpc>
+            </a:pPr>
+            <a:r>
+              <a:rPr lang="en-US" dirty="0"/>
+              <a:t>Innovate and Differentiate</a:t>
+            </a:r>
+          </a:p>
+          <a:p>
+            <a:pPr lvl="1">
+              <a:lnSpc>
+                <a:spcPct val="150000"/>
+              </a:lnSpc>
+            </a:pPr>
+            <a:r>
+              <a:rPr lang="en-US" dirty="0"/>
+              <a:t>Build a Strong Financial Position</a:t>
+            </a:r>
+          </a:p>
+          <a:p>
+            <a:pPr lvl="1">
+              <a:lnSpc>
+                <a:spcPct val="150000"/>
+              </a:lnSpc>
+            </a:pPr>
+            <a:r>
+              <a:rPr lang="en-US" dirty="0"/>
+              <a:t>Establish Strategic Partnerships</a:t>
+            </a:r>
+          </a:p>
+          <a:p>
+            <a:pPr lvl="1">
+              <a:lnSpc>
+                <a:spcPct val="150000"/>
+              </a:lnSpc>
+            </a:pPr>
+            <a:r>
+              <a:rPr lang="en-US" dirty="0"/>
+              <a:t>Attract and Retain Talent</a:t>
             </a:r>
           </a:p>
         </p:txBody>
@@ -20382,7 +20502,7 @@
     </p:spTree>
     <p:extLst>
       <p:ext uri="{BB962C8B-B14F-4D97-AF65-F5344CB8AC3E}">
-        <p14:creationId xmlns:p14="http://schemas.microsoft.com/office/powerpoint/2010/main" val="3750967908"/>
+        <p14:creationId xmlns:p14="http://schemas.microsoft.com/office/powerpoint/2010/main" val="3169321942"/>
       </p:ext>
     </p:extLst>
   </p:cSld>
@@ -20426,7 +20546,7 @@
           <a:p>
             <a:r>
               <a:rPr lang="en-US" dirty="0"/>
-              <a:t>Factors Leading to the Successful Exit</a:t>
+              <a:t>Conclusion</a:t>
             </a:r>
           </a:p>
         </p:txBody>
@@ -20444,76 +20564,39 @@
         <p:spPr/>
         <p:txBody>
           <a:bodyPr>
-            <a:normAutofit/>
+            <a:normAutofit fontScale="92500" lnSpcReduction="10000"/>
           </a:bodyPr>
           <a:lstStyle/>
           <a:p>
-            <a:r>
-              <a:rPr lang="en-US" dirty="0"/>
-              <a:t>Several factors contributed to </a:t>
-            </a:r>
             <a:r>
               <a:rPr lang="en-US" dirty="0" err="1"/>
               <a:t>Souq.com's</a:t>
             </a:r>
             <a:r>
               <a:rPr lang="en-US" dirty="0"/>
-              <a:t> successful exit:</a:t>
-            </a:r>
-          </a:p>
-          <a:p>
-            <a:pPr lvl="1">
-              <a:lnSpc>
-                <a:spcPct val="150000"/>
-              </a:lnSpc>
-            </a:pPr>
-            <a:r>
-              <a:rPr lang="en-US" dirty="0"/>
-              <a:t>Strong Market Position</a:t>
-            </a:r>
-          </a:p>
-          <a:p>
-            <a:pPr lvl="1">
-              <a:lnSpc>
-                <a:spcPct val="150000"/>
-              </a:lnSpc>
-            </a:pPr>
-            <a:r>
-              <a:rPr lang="en-US" dirty="0"/>
-              <a:t>Innovative Business Model</a:t>
-            </a:r>
-          </a:p>
-          <a:p>
-            <a:pPr lvl="1">
-              <a:lnSpc>
-                <a:spcPct val="150000"/>
-              </a:lnSpc>
-            </a:pPr>
-            <a:r>
-              <a:rPr lang="en-US" dirty="0"/>
-              <a:t>Strong Financials</a:t>
-            </a:r>
-          </a:p>
-          <a:p>
-            <a:pPr lvl="1">
-              <a:lnSpc>
-                <a:spcPct val="150000"/>
-              </a:lnSpc>
-            </a:pPr>
-            <a:r>
-              <a:rPr lang="en-US" dirty="0"/>
-              <a:t>Strategic Partnerships</a:t>
-            </a:r>
-          </a:p>
-          <a:p>
-            <a:pPr lvl="1">
-              <a:lnSpc>
-                <a:spcPct val="150000"/>
-              </a:lnSpc>
-            </a:pPr>
-            <a:r>
-              <a:rPr lang="en-US" dirty="0"/>
-              <a:t>Talented Team</a:t>
+              <a:t> successful exit to Amazon is a testament to the company's strong market position, innovative business model, strong financials, strategic partnerships, and talented team. </a:t>
+            </a:r>
+          </a:p>
+          <a:p>
+            <a:r>
+              <a:rPr lang="en-US" dirty="0"/>
+              <a:t>The acquisition not only provided a successful exit for the company's shareholders but also marked a significant milestone in the growth of e-commerce in the Middle East and North Africa.</a:t>
+            </a:r>
+          </a:p>
+          <a:p>
+            <a:r>
+              <a:rPr lang="en-US" dirty="0"/>
+              <a:t>The deal also underscores the potential for tech startups in the region to achieve significant growth and success, and serves as an inspiration for other entrepreneurs looking to build and grow their own businesses.</a:t>
+            </a:r>
+          </a:p>
+          <a:p>
+            <a:r>
+              <a:rPr lang="en-US" dirty="0" err="1"/>
+              <a:t>Souq.com's</a:t>
+            </a:r>
+            <a:r>
+              <a:rPr lang="en-US" dirty="0"/>
+              <a:t> successful exit serves as a reminder that with the right combination of vision, strategy, and execution, tech startups in the Middle East and North Africa can achieve great success and create value for their shareholders, customers, and the wider ecosystem.</a:t>
             </a:r>
           </a:p>
         </p:txBody>
@@ -20537,291 +20620,6 @@
               <a:rPr lang="en-US" smtClean="0"/>
               <a:pPr/>
               <a:t>76</a:t>
-            </a:fld>
-            <a:endParaRPr lang="en-US" dirty="0"/>
-          </a:p>
-        </p:txBody>
-      </p:sp>
-    </p:spTree>
-    <p:extLst>
-      <p:ext uri="{BB962C8B-B14F-4D97-AF65-F5344CB8AC3E}">
-        <p14:creationId xmlns:p14="http://schemas.microsoft.com/office/powerpoint/2010/main" val="1104761704"/>
-      </p:ext>
-    </p:extLst>
-  </p:cSld>
-  <p:clrMapOvr>
-    <a:masterClrMapping/>
-  </p:clrMapOvr>
-</p:sld>
-</file>
-
-<file path=ppt/slides/slide77.xml><?xml version="1.0" encoding="utf-8"?>
-<p:sld xmlns:a="http://schemas.openxmlformats.org/drawingml/2006/main" xmlns:r="http://schemas.openxmlformats.org/officeDocument/2006/relationships" xmlns:p="http://schemas.openxmlformats.org/presentationml/2006/main">
-  <p:cSld>
-    <p:spTree>
-      <p:nvGrpSpPr>
-        <p:cNvPr id="1" name=""/>
-        <p:cNvGrpSpPr/>
-        <p:nvPr/>
-      </p:nvGrpSpPr>
-      <p:grpSpPr>
-        <a:xfrm>
-          <a:off x="0" y="0"/>
-          <a:ext cx="0" cy="0"/>
-          <a:chOff x="0" y="0"/>
-          <a:chExt cx="0" cy="0"/>
-        </a:xfrm>
-      </p:grpSpPr>
-      <p:sp>
-        <p:nvSpPr>
-          <p:cNvPr id="2" name="Title 1"/>
-          <p:cNvSpPr>
-            <a:spLocks noGrp="1"/>
-          </p:cNvSpPr>
-          <p:nvPr>
-            <p:ph type="title"/>
-          </p:nvPr>
-        </p:nvSpPr>
-        <p:spPr/>
-        <p:txBody>
-          <a:bodyPr/>
-          <a:lstStyle/>
-          <a:p>
-            <a:r>
-              <a:rPr lang="en-US" dirty="0"/>
-              <a:t>Lessons Learned</a:t>
-            </a:r>
-          </a:p>
-        </p:txBody>
-      </p:sp>
-      <p:sp>
-        <p:nvSpPr>
-          <p:cNvPr id="3" name="Content Placeholder 2"/>
-          <p:cNvSpPr>
-            <a:spLocks noGrp="1"/>
-          </p:cNvSpPr>
-          <p:nvPr>
-            <p:ph idx="1"/>
-          </p:nvPr>
-        </p:nvSpPr>
-        <p:spPr/>
-        <p:txBody>
-          <a:bodyPr>
-            <a:normAutofit/>
-          </a:bodyPr>
-          <a:lstStyle/>
-          <a:p>
-            <a:r>
-              <a:rPr lang="en-US" dirty="0" err="1"/>
-              <a:t>Souq.com's</a:t>
-            </a:r>
-            <a:r>
-              <a:rPr lang="en-US" dirty="0"/>
-              <a:t> successful exit provides several lessons for tech startups looking to follow a similar path:</a:t>
-            </a:r>
-          </a:p>
-          <a:p>
-            <a:pPr lvl="1">
-              <a:lnSpc>
-                <a:spcPct val="150000"/>
-              </a:lnSpc>
-            </a:pPr>
-            <a:r>
-              <a:rPr lang="en-US" dirty="0"/>
-              <a:t>Focus on Building a Strong Brand</a:t>
-            </a:r>
-          </a:p>
-          <a:p>
-            <a:pPr lvl="1">
-              <a:lnSpc>
-                <a:spcPct val="150000"/>
-              </a:lnSpc>
-            </a:pPr>
-            <a:r>
-              <a:rPr lang="en-US" dirty="0"/>
-              <a:t>Innovate and Differentiate</a:t>
-            </a:r>
-          </a:p>
-          <a:p>
-            <a:pPr lvl="1">
-              <a:lnSpc>
-                <a:spcPct val="150000"/>
-              </a:lnSpc>
-            </a:pPr>
-            <a:r>
-              <a:rPr lang="en-US" dirty="0"/>
-              <a:t>Build a Strong Financial Position</a:t>
-            </a:r>
-          </a:p>
-          <a:p>
-            <a:pPr lvl="1">
-              <a:lnSpc>
-                <a:spcPct val="150000"/>
-              </a:lnSpc>
-            </a:pPr>
-            <a:r>
-              <a:rPr lang="en-US" dirty="0"/>
-              <a:t>Establish Strategic Partnerships</a:t>
-            </a:r>
-          </a:p>
-          <a:p>
-            <a:pPr lvl="1">
-              <a:lnSpc>
-                <a:spcPct val="150000"/>
-              </a:lnSpc>
-            </a:pPr>
-            <a:r>
-              <a:rPr lang="en-US" dirty="0"/>
-              <a:t>Attract and Retain Talent</a:t>
-            </a:r>
-          </a:p>
-        </p:txBody>
-      </p:sp>
-      <p:sp>
-        <p:nvSpPr>
-          <p:cNvPr id="4" name="Slide Number Placeholder 3"/>
-          <p:cNvSpPr>
-            <a:spLocks noGrp="1"/>
-          </p:cNvSpPr>
-          <p:nvPr>
-            <p:ph type="sldNum" sz="quarter" idx="12"/>
-          </p:nvPr>
-        </p:nvSpPr>
-        <p:spPr/>
-        <p:txBody>
-          <a:bodyPr/>
-          <a:lstStyle/>
-          <a:p>
-            <a:fld id="{B8DACC02-A2BD-4578-8E03-6D891060A695}" type="slidenum">
-              <a:rPr lang="en-US" smtClean="0"/>
-              <a:pPr/>
-              <a:t>77</a:t>
-            </a:fld>
-            <a:endParaRPr lang="en-US" dirty="0"/>
-          </a:p>
-        </p:txBody>
-      </p:sp>
-    </p:spTree>
-    <p:extLst>
-      <p:ext uri="{BB962C8B-B14F-4D97-AF65-F5344CB8AC3E}">
-        <p14:creationId xmlns:p14="http://schemas.microsoft.com/office/powerpoint/2010/main" val="3169321942"/>
-      </p:ext>
-    </p:extLst>
-  </p:cSld>
-  <p:clrMapOvr>
-    <a:masterClrMapping/>
-  </p:clrMapOvr>
-</p:sld>
-</file>
-
-<file path=ppt/slides/slide78.xml><?xml version="1.0" encoding="utf-8"?>
-<p:sld xmlns:a="http://schemas.openxmlformats.org/drawingml/2006/main" xmlns:r="http://schemas.openxmlformats.org/officeDocument/2006/relationships" xmlns:p="http://schemas.openxmlformats.org/presentationml/2006/main">
-  <p:cSld>
-    <p:spTree>
-      <p:nvGrpSpPr>
-        <p:cNvPr id="1" name=""/>
-        <p:cNvGrpSpPr/>
-        <p:nvPr/>
-      </p:nvGrpSpPr>
-      <p:grpSpPr>
-        <a:xfrm>
-          <a:off x="0" y="0"/>
-          <a:ext cx="0" cy="0"/>
-          <a:chOff x="0" y="0"/>
-          <a:chExt cx="0" cy="0"/>
-        </a:xfrm>
-      </p:grpSpPr>
-      <p:sp>
-        <p:nvSpPr>
-          <p:cNvPr id="2" name="Title 1"/>
-          <p:cNvSpPr>
-            <a:spLocks noGrp="1"/>
-          </p:cNvSpPr>
-          <p:nvPr>
-            <p:ph type="title"/>
-          </p:nvPr>
-        </p:nvSpPr>
-        <p:spPr/>
-        <p:txBody>
-          <a:bodyPr/>
-          <a:lstStyle/>
-          <a:p>
-            <a:r>
-              <a:rPr lang="en-US" dirty="0"/>
-              <a:t>Conclusion</a:t>
-            </a:r>
-          </a:p>
-        </p:txBody>
-      </p:sp>
-      <p:sp>
-        <p:nvSpPr>
-          <p:cNvPr id="3" name="Content Placeholder 2"/>
-          <p:cNvSpPr>
-            <a:spLocks noGrp="1"/>
-          </p:cNvSpPr>
-          <p:nvPr>
-            <p:ph idx="1"/>
-          </p:nvPr>
-        </p:nvSpPr>
-        <p:spPr/>
-        <p:txBody>
-          <a:bodyPr>
-            <a:normAutofit fontScale="92500" lnSpcReduction="10000"/>
-          </a:bodyPr>
-          <a:lstStyle/>
-          <a:p>
-            <a:r>
-              <a:rPr lang="en-US" dirty="0" err="1"/>
-              <a:t>Souq.com's</a:t>
-            </a:r>
-            <a:r>
-              <a:rPr lang="en-US" dirty="0"/>
-              <a:t> successful exit to Amazon is a testament to the company's strong market position, innovative business model, strong financials, strategic partnerships, and talented team. </a:t>
-            </a:r>
-          </a:p>
-          <a:p>
-            <a:r>
-              <a:rPr lang="en-US" dirty="0"/>
-              <a:t>The acquisition not only provided a successful exit for the company's shareholders but also marked a significant milestone in the growth of e-commerce in the Middle East and North Africa.</a:t>
-            </a:r>
-          </a:p>
-          <a:p>
-            <a:r>
-              <a:rPr lang="en-US" dirty="0"/>
-              <a:t>The deal also underscores the potential for tech startups in the region to achieve significant growth and success, and serves as an inspiration for other entrepreneurs looking to build and grow their own businesses.</a:t>
-            </a:r>
-          </a:p>
-          <a:p>
-            <a:r>
-              <a:rPr lang="en-US" dirty="0" err="1"/>
-              <a:t>Souq.com's</a:t>
-            </a:r>
-            <a:r>
-              <a:rPr lang="en-US" dirty="0"/>
-              <a:t> successful exit serves as a reminder that with the right combination of vision, strategy, and execution, tech startups in the Middle East and North Africa can achieve great success and create value for their shareholders, customers, and the wider ecosystem.</a:t>
-            </a:r>
-          </a:p>
-        </p:txBody>
-      </p:sp>
-      <p:sp>
-        <p:nvSpPr>
-          <p:cNvPr id="4" name="Slide Number Placeholder 3"/>
-          <p:cNvSpPr>
-            <a:spLocks noGrp="1"/>
-          </p:cNvSpPr>
-          <p:nvPr>
-            <p:ph type="sldNum" sz="quarter" idx="12"/>
-          </p:nvPr>
-        </p:nvSpPr>
-        <p:spPr/>
-        <p:txBody>
-          <a:bodyPr/>
-          <a:lstStyle/>
-          <a:p>
-            <a:fld id="{B8DACC02-A2BD-4578-8E03-6D891060A695}" type="slidenum">
-              <a:rPr lang="en-US" smtClean="0"/>
-              <a:pPr/>
-              <a:t>78</a:t>
             </a:fld>
             <a:endParaRPr lang="en-US" dirty="0"/>
           </a:p>
